--- a/poster.pptx
+++ b/poster.pptx
@@ -4,6 +4,9 @@
   <p:sldMasterIdLst>
     <p:sldMasterId id="2147483648" r:id="rId1"/>
   </p:sldMasterIdLst>
+  <p:notesMasterIdLst>
+    <p:notesMasterId r:id="rId3"/>
+  </p:notesMasterIdLst>
   <p:sldIdLst>
     <p:sldId id="256" r:id="rId2"/>
   </p:sldIdLst>
@@ -107,6 +110,434 @@
 </p:presentation>
 </file>
 
+<file path=ppt/notesMasters/notesMaster1.xml><?xml version="1.0" encoding="utf-8"?>
+<p:notesMaster xmlns:a="http://schemas.openxmlformats.org/drawingml/2006/main" xmlns:r="http://schemas.openxmlformats.org/officeDocument/2006/relationships" xmlns:p="http://schemas.openxmlformats.org/presentationml/2006/main">
+  <p:cSld>
+    <p:bg>
+      <p:bgRef idx="1001">
+        <a:schemeClr val="bg1"/>
+      </p:bgRef>
+    </p:bg>
+    <p:spTree>
+      <p:nvGrpSpPr>
+        <p:cNvPr id="1" name=""/>
+        <p:cNvGrpSpPr/>
+        <p:nvPr/>
+      </p:nvGrpSpPr>
+      <p:grpSpPr>
+        <a:xfrm>
+          <a:off x="0" y="0"/>
+          <a:ext cx="0" cy="0"/>
+          <a:chOff x="0" y="0"/>
+          <a:chExt cx="0" cy="0"/>
+        </a:xfrm>
+      </p:grpSpPr>
+      <p:sp>
+        <p:nvSpPr>
+          <p:cNvPr id="2" name="頁首版面配置區 1"/>
+          <p:cNvSpPr>
+            <a:spLocks noGrp="1"/>
+          </p:cNvSpPr>
+          <p:nvPr>
+            <p:ph type="hdr" sz="quarter"/>
+          </p:nvPr>
+        </p:nvSpPr>
+        <p:spPr>
+          <a:xfrm>
+            <a:off x="0" y="0"/>
+            <a:ext cx="2971800" cy="457200"/>
+          </a:xfrm>
+          <a:prstGeom prst="rect">
+            <a:avLst/>
+          </a:prstGeom>
+        </p:spPr>
+        <p:txBody>
+          <a:bodyPr vert="horz" lIns="91440" tIns="45720" rIns="91440" bIns="45720" rtlCol="0"/>
+          <a:lstStyle>
+            <a:lvl1pPr algn="l">
+              <a:defRPr sz="1200"/>
+            </a:lvl1pPr>
+          </a:lstStyle>
+          <a:p>
+            <a:endParaRPr lang="zh-TW" altLang="en-US"/>
+          </a:p>
+        </p:txBody>
+      </p:sp>
+      <p:sp>
+        <p:nvSpPr>
+          <p:cNvPr id="3" name="日期版面配置區 2"/>
+          <p:cNvSpPr>
+            <a:spLocks noGrp="1"/>
+          </p:cNvSpPr>
+          <p:nvPr>
+            <p:ph type="dt" idx="1"/>
+          </p:nvPr>
+        </p:nvSpPr>
+        <p:spPr>
+          <a:xfrm>
+            <a:off x="3884613" y="0"/>
+            <a:ext cx="2971800" cy="457200"/>
+          </a:xfrm>
+          <a:prstGeom prst="rect">
+            <a:avLst/>
+          </a:prstGeom>
+        </p:spPr>
+        <p:txBody>
+          <a:bodyPr vert="horz" lIns="91440" tIns="45720" rIns="91440" bIns="45720" rtlCol="0"/>
+          <a:lstStyle>
+            <a:lvl1pPr algn="r">
+              <a:defRPr sz="1200"/>
+            </a:lvl1pPr>
+          </a:lstStyle>
+          <a:p>
+            <a:fld id="{A935A430-2E5E-4C15-B9AD-3105F4E47E17}" type="datetimeFigureOut">
+              <a:rPr lang="zh-TW" altLang="en-US" smtClean="0"/>
+              <a:t>2011/12/25</a:t>
+            </a:fld>
+            <a:endParaRPr lang="zh-TW" altLang="en-US"/>
+          </a:p>
+        </p:txBody>
+      </p:sp>
+      <p:sp>
+        <p:nvSpPr>
+          <p:cNvPr id="4" name="投影片圖像版面配置區 3"/>
+          <p:cNvSpPr>
+            <a:spLocks noGrp="1" noRot="1" noChangeAspect="1"/>
+          </p:cNvSpPr>
+          <p:nvPr>
+            <p:ph type="sldImg" idx="2"/>
+          </p:nvPr>
+        </p:nvSpPr>
+        <p:spPr>
+          <a:xfrm>
+            <a:off x="2217738" y="685800"/>
+            <a:ext cx="2422525" cy="3429000"/>
+          </a:xfrm>
+          <a:prstGeom prst="rect">
+            <a:avLst/>
+          </a:prstGeom>
+          <a:noFill/>
+          <a:ln w="12700">
+            <a:solidFill>
+              <a:prstClr val="black"/>
+            </a:solidFill>
+          </a:ln>
+        </p:spPr>
+        <p:txBody>
+          <a:bodyPr vert="horz" lIns="91440" tIns="45720" rIns="91440" bIns="45720" rtlCol="0" anchor="ctr"/>
+          <a:lstStyle/>
+          <a:p>
+            <a:endParaRPr lang="zh-TW" altLang="en-US"/>
+          </a:p>
+        </p:txBody>
+      </p:sp>
+      <p:sp>
+        <p:nvSpPr>
+          <p:cNvPr id="5" name="備忘稿版面配置區 4"/>
+          <p:cNvSpPr>
+            <a:spLocks noGrp="1"/>
+          </p:cNvSpPr>
+          <p:nvPr>
+            <p:ph type="body" sz="quarter" idx="3"/>
+          </p:nvPr>
+        </p:nvSpPr>
+        <p:spPr>
+          <a:xfrm>
+            <a:off x="685800" y="4343400"/>
+            <a:ext cx="5486400" cy="4114800"/>
+          </a:xfrm>
+          <a:prstGeom prst="rect">
+            <a:avLst/>
+          </a:prstGeom>
+        </p:spPr>
+        <p:txBody>
+          <a:bodyPr vert="horz" lIns="91440" tIns="45720" rIns="91440" bIns="45720" rtlCol="0">
+            <a:normAutofit/>
+          </a:bodyPr>
+          <a:lstStyle/>
+          <a:p>
+            <a:pPr lvl="0"/>
+            <a:r>
+              <a:rPr lang="zh-TW" altLang="en-US" smtClean="0"/>
+              <a:t>按一下以編輯母片文字樣式</a:t>
+            </a:r>
+          </a:p>
+          <a:p>
+            <a:pPr lvl="1"/>
+            <a:r>
+              <a:rPr lang="zh-TW" altLang="en-US" smtClean="0"/>
+              <a:t>第二層</a:t>
+            </a:r>
+          </a:p>
+          <a:p>
+            <a:pPr lvl="2"/>
+            <a:r>
+              <a:rPr lang="zh-TW" altLang="en-US" smtClean="0"/>
+              <a:t>第三層</a:t>
+            </a:r>
+          </a:p>
+          <a:p>
+            <a:pPr lvl="3"/>
+            <a:r>
+              <a:rPr lang="zh-TW" altLang="en-US" smtClean="0"/>
+              <a:t>第四層</a:t>
+            </a:r>
+          </a:p>
+          <a:p>
+            <a:pPr lvl="4"/>
+            <a:r>
+              <a:rPr lang="zh-TW" altLang="en-US" smtClean="0"/>
+              <a:t>第五層</a:t>
+            </a:r>
+            <a:endParaRPr lang="zh-TW" altLang="en-US"/>
+          </a:p>
+        </p:txBody>
+      </p:sp>
+      <p:sp>
+        <p:nvSpPr>
+          <p:cNvPr id="6" name="頁尾版面配置區 5"/>
+          <p:cNvSpPr>
+            <a:spLocks noGrp="1"/>
+          </p:cNvSpPr>
+          <p:nvPr>
+            <p:ph type="ftr" sz="quarter" idx="4"/>
+          </p:nvPr>
+        </p:nvSpPr>
+        <p:spPr>
+          <a:xfrm>
+            <a:off x="0" y="8685213"/>
+            <a:ext cx="2971800" cy="457200"/>
+          </a:xfrm>
+          <a:prstGeom prst="rect">
+            <a:avLst/>
+          </a:prstGeom>
+        </p:spPr>
+        <p:txBody>
+          <a:bodyPr vert="horz" lIns="91440" tIns="45720" rIns="91440" bIns="45720" rtlCol="0" anchor="b"/>
+          <a:lstStyle>
+            <a:lvl1pPr algn="l">
+              <a:defRPr sz="1200"/>
+            </a:lvl1pPr>
+          </a:lstStyle>
+          <a:p>
+            <a:endParaRPr lang="zh-TW" altLang="en-US"/>
+          </a:p>
+        </p:txBody>
+      </p:sp>
+      <p:sp>
+        <p:nvSpPr>
+          <p:cNvPr id="7" name="投影片編號版面配置區 6"/>
+          <p:cNvSpPr>
+            <a:spLocks noGrp="1"/>
+          </p:cNvSpPr>
+          <p:nvPr>
+            <p:ph type="sldNum" sz="quarter" idx="5"/>
+          </p:nvPr>
+        </p:nvSpPr>
+        <p:spPr>
+          <a:xfrm>
+            <a:off x="3884613" y="8685213"/>
+            <a:ext cx="2971800" cy="457200"/>
+          </a:xfrm>
+          <a:prstGeom prst="rect">
+            <a:avLst/>
+          </a:prstGeom>
+        </p:spPr>
+        <p:txBody>
+          <a:bodyPr vert="horz" lIns="91440" tIns="45720" rIns="91440" bIns="45720" rtlCol="0" anchor="b"/>
+          <a:lstStyle>
+            <a:lvl1pPr algn="r">
+              <a:defRPr sz="1200"/>
+            </a:lvl1pPr>
+          </a:lstStyle>
+          <a:p>
+            <a:fld id="{4E05F29E-FC43-48B6-B3D8-FE3780C8300C}" type="slidenum">
+              <a:rPr lang="zh-TW" altLang="en-US" smtClean="0"/>
+              <a:t>‹#›</a:t>
+            </a:fld>
+            <a:endParaRPr lang="zh-TW" altLang="en-US"/>
+          </a:p>
+        </p:txBody>
+      </p:sp>
+    </p:spTree>
+  </p:cSld>
+  <p:clrMap bg1="lt1" tx1="dk1" bg2="lt2" tx2="dk2" accent1="accent1" accent2="accent2" accent3="accent3" accent4="accent4" accent5="accent5" accent6="accent6" hlink="hlink" folHlink="folHlink"/>
+  <p:notesStyle>
+    <a:lvl1pPr marL="0" algn="l" defTabSz="914400" rtl="0" eaLnBrk="1" latinLnBrk="0" hangingPunct="1">
+      <a:defRPr sz="1200" kern="1200">
+        <a:solidFill>
+          <a:schemeClr val="tx1"/>
+        </a:solidFill>
+        <a:latin typeface="+mn-lt"/>
+        <a:ea typeface="+mn-ea"/>
+        <a:cs typeface="+mn-cs"/>
+      </a:defRPr>
+    </a:lvl1pPr>
+    <a:lvl2pPr marL="457200" algn="l" defTabSz="914400" rtl="0" eaLnBrk="1" latinLnBrk="0" hangingPunct="1">
+      <a:defRPr sz="1200" kern="1200">
+        <a:solidFill>
+          <a:schemeClr val="tx1"/>
+        </a:solidFill>
+        <a:latin typeface="+mn-lt"/>
+        <a:ea typeface="+mn-ea"/>
+        <a:cs typeface="+mn-cs"/>
+      </a:defRPr>
+    </a:lvl2pPr>
+    <a:lvl3pPr marL="914400" algn="l" defTabSz="914400" rtl="0" eaLnBrk="1" latinLnBrk="0" hangingPunct="1">
+      <a:defRPr sz="1200" kern="1200">
+        <a:solidFill>
+          <a:schemeClr val="tx1"/>
+        </a:solidFill>
+        <a:latin typeface="+mn-lt"/>
+        <a:ea typeface="+mn-ea"/>
+        <a:cs typeface="+mn-cs"/>
+      </a:defRPr>
+    </a:lvl3pPr>
+    <a:lvl4pPr marL="1371600" algn="l" defTabSz="914400" rtl="0" eaLnBrk="1" latinLnBrk="0" hangingPunct="1">
+      <a:defRPr sz="1200" kern="1200">
+        <a:solidFill>
+          <a:schemeClr val="tx1"/>
+        </a:solidFill>
+        <a:latin typeface="+mn-lt"/>
+        <a:ea typeface="+mn-ea"/>
+        <a:cs typeface="+mn-cs"/>
+      </a:defRPr>
+    </a:lvl4pPr>
+    <a:lvl5pPr marL="1828800" algn="l" defTabSz="914400" rtl="0" eaLnBrk="1" latinLnBrk="0" hangingPunct="1">
+      <a:defRPr sz="1200" kern="1200">
+        <a:solidFill>
+          <a:schemeClr val="tx1"/>
+        </a:solidFill>
+        <a:latin typeface="+mn-lt"/>
+        <a:ea typeface="+mn-ea"/>
+        <a:cs typeface="+mn-cs"/>
+      </a:defRPr>
+    </a:lvl5pPr>
+    <a:lvl6pPr marL="2286000" algn="l" defTabSz="914400" rtl="0" eaLnBrk="1" latinLnBrk="0" hangingPunct="1">
+      <a:defRPr sz="1200" kern="1200">
+        <a:solidFill>
+          <a:schemeClr val="tx1"/>
+        </a:solidFill>
+        <a:latin typeface="+mn-lt"/>
+        <a:ea typeface="+mn-ea"/>
+        <a:cs typeface="+mn-cs"/>
+      </a:defRPr>
+    </a:lvl6pPr>
+    <a:lvl7pPr marL="2743200" algn="l" defTabSz="914400" rtl="0" eaLnBrk="1" latinLnBrk="0" hangingPunct="1">
+      <a:defRPr sz="1200" kern="1200">
+        <a:solidFill>
+          <a:schemeClr val="tx1"/>
+        </a:solidFill>
+        <a:latin typeface="+mn-lt"/>
+        <a:ea typeface="+mn-ea"/>
+        <a:cs typeface="+mn-cs"/>
+      </a:defRPr>
+    </a:lvl7pPr>
+    <a:lvl8pPr marL="3200400" algn="l" defTabSz="914400" rtl="0" eaLnBrk="1" latinLnBrk="0" hangingPunct="1">
+      <a:defRPr sz="1200" kern="1200">
+        <a:solidFill>
+          <a:schemeClr val="tx1"/>
+        </a:solidFill>
+        <a:latin typeface="+mn-lt"/>
+        <a:ea typeface="+mn-ea"/>
+        <a:cs typeface="+mn-cs"/>
+      </a:defRPr>
+    </a:lvl8pPr>
+    <a:lvl9pPr marL="3657600" algn="l" defTabSz="914400" rtl="0" eaLnBrk="1" latinLnBrk="0" hangingPunct="1">
+      <a:defRPr sz="1200" kern="1200">
+        <a:solidFill>
+          <a:schemeClr val="tx1"/>
+        </a:solidFill>
+        <a:latin typeface="+mn-lt"/>
+        <a:ea typeface="+mn-ea"/>
+        <a:cs typeface="+mn-cs"/>
+      </a:defRPr>
+    </a:lvl9pPr>
+  </p:notesStyle>
+</p:notesMaster>
+</file>
+
+<file path=ppt/notesSlides/notesSlide1.xml><?xml version="1.0" encoding="utf-8"?>
+<p:notes xmlns:a="http://schemas.openxmlformats.org/drawingml/2006/main" xmlns:r="http://schemas.openxmlformats.org/officeDocument/2006/relationships" xmlns:p="http://schemas.openxmlformats.org/presentationml/2006/main">
+  <p:cSld>
+    <p:spTree>
+      <p:nvGrpSpPr>
+        <p:cNvPr id="1" name=""/>
+        <p:cNvGrpSpPr/>
+        <p:nvPr/>
+      </p:nvGrpSpPr>
+      <p:grpSpPr>
+        <a:xfrm>
+          <a:off x="0" y="0"/>
+          <a:ext cx="0" cy="0"/>
+          <a:chOff x="0" y="0"/>
+          <a:chExt cx="0" cy="0"/>
+        </a:xfrm>
+      </p:grpSpPr>
+      <p:sp>
+        <p:nvSpPr>
+          <p:cNvPr id="2" name="投影片圖像版面配置區 1"/>
+          <p:cNvSpPr>
+            <a:spLocks noGrp="1" noRot="1" noChangeAspect="1"/>
+          </p:cNvSpPr>
+          <p:nvPr>
+            <p:ph type="sldImg"/>
+          </p:nvPr>
+        </p:nvSpPr>
+        <p:spPr/>
+      </p:sp>
+      <p:sp>
+        <p:nvSpPr>
+          <p:cNvPr id="3" name="備忘稿版面配置區 2"/>
+          <p:cNvSpPr>
+            <a:spLocks noGrp="1"/>
+          </p:cNvSpPr>
+          <p:nvPr>
+            <p:ph type="body" idx="1"/>
+          </p:nvPr>
+        </p:nvSpPr>
+        <p:spPr/>
+        <p:txBody>
+          <a:bodyPr>
+            <a:normAutofit/>
+          </a:bodyPr>
+          <a:lstStyle/>
+          <a:p>
+            <a:endParaRPr lang="zh-TW" altLang="en-US" dirty="0"/>
+          </a:p>
+        </p:txBody>
+      </p:sp>
+      <p:sp>
+        <p:nvSpPr>
+          <p:cNvPr id="4" name="投影片編號版面配置區 3"/>
+          <p:cNvSpPr>
+            <a:spLocks noGrp="1"/>
+          </p:cNvSpPr>
+          <p:nvPr>
+            <p:ph type="sldNum" sz="quarter" idx="10"/>
+          </p:nvPr>
+        </p:nvSpPr>
+        <p:spPr/>
+        <p:txBody>
+          <a:bodyPr/>
+          <a:lstStyle/>
+          <a:p>
+            <a:fld id="{4E05F29E-FC43-48B6-B3D8-FE3780C8300C}" type="slidenum">
+              <a:rPr lang="zh-TW" altLang="en-US" smtClean="0"/>
+              <a:t>1</a:t>
+            </a:fld>
+            <a:endParaRPr lang="zh-TW" altLang="en-US"/>
+          </a:p>
+        </p:txBody>
+      </p:sp>
+    </p:spTree>
+  </p:cSld>
+  <p:clrMapOvr>
+    <a:masterClrMapping/>
+  </p:clrMapOvr>
+</p:notes>
+</file>
+
 <file path=ppt/slideLayouts/slideLayout1.xml><?xml version="1.0" encoding="utf-8"?>
 <p:sldLayout xmlns:a="http://schemas.openxmlformats.org/drawingml/2006/main" xmlns:r="http://schemas.openxmlformats.org/officeDocument/2006/relationships" xmlns:p="http://schemas.openxmlformats.org/presentationml/2006/main" type="title" preserve="1">
   <p:cSld name="標題投影片">
@@ -288,6 +719,7 @@
           <a:p>
             <a:fld id="{6824B76D-F948-4EDF-B5E4-A06A15984D1A}" type="datetimeFigureOut">
               <a:rPr lang="zh-TW" altLang="en-US" smtClean="0"/>
+              <a:pPr/>
               <a:t>2011/12/25</a:t>
             </a:fld>
             <a:endParaRPr lang="zh-TW" altLang="en-US"/>
@@ -330,6 +762,7 @@
           <a:p>
             <a:fld id="{70BD87A7-25D8-437F-BC7D-E1FC764C4637}" type="slidenum">
               <a:rPr lang="zh-TW" altLang="en-US" smtClean="0"/>
+              <a:pPr/>
               <a:t>‹#›</a:t>
             </a:fld>
             <a:endParaRPr lang="zh-TW" altLang="en-US"/>
@@ -453,6 +886,7 @@
           <a:p>
             <a:fld id="{6824B76D-F948-4EDF-B5E4-A06A15984D1A}" type="datetimeFigureOut">
               <a:rPr lang="zh-TW" altLang="en-US" smtClean="0"/>
+              <a:pPr/>
               <a:t>2011/12/25</a:t>
             </a:fld>
             <a:endParaRPr lang="zh-TW" altLang="en-US"/>
@@ -495,6 +929,7 @@
           <a:p>
             <a:fld id="{70BD87A7-25D8-437F-BC7D-E1FC764C4637}" type="slidenum">
               <a:rPr lang="zh-TW" altLang="en-US" smtClean="0"/>
+              <a:pPr/>
               <a:t>‹#›</a:t>
             </a:fld>
             <a:endParaRPr lang="zh-TW" altLang="en-US"/>
@@ -628,6 +1063,7 @@
           <a:p>
             <a:fld id="{6824B76D-F948-4EDF-B5E4-A06A15984D1A}" type="datetimeFigureOut">
               <a:rPr lang="zh-TW" altLang="en-US" smtClean="0"/>
+              <a:pPr/>
               <a:t>2011/12/25</a:t>
             </a:fld>
             <a:endParaRPr lang="zh-TW" altLang="en-US"/>
@@ -670,6 +1106,7 @@
           <a:p>
             <a:fld id="{70BD87A7-25D8-437F-BC7D-E1FC764C4637}" type="slidenum">
               <a:rPr lang="zh-TW" altLang="en-US" smtClean="0"/>
+              <a:pPr/>
               <a:t>‹#›</a:t>
             </a:fld>
             <a:endParaRPr lang="zh-TW" altLang="en-US"/>
@@ -793,6 +1230,7 @@
           <a:p>
             <a:fld id="{6824B76D-F948-4EDF-B5E4-A06A15984D1A}" type="datetimeFigureOut">
               <a:rPr lang="zh-TW" altLang="en-US" smtClean="0"/>
+              <a:pPr/>
               <a:t>2011/12/25</a:t>
             </a:fld>
             <a:endParaRPr lang="zh-TW" altLang="en-US"/>
@@ -835,6 +1273,7 @@
           <a:p>
             <a:fld id="{70BD87A7-25D8-437F-BC7D-E1FC764C4637}" type="slidenum">
               <a:rPr lang="zh-TW" altLang="en-US" smtClean="0"/>
+              <a:pPr/>
               <a:t>‹#›</a:t>
             </a:fld>
             <a:endParaRPr lang="zh-TW" altLang="en-US"/>
@@ -1034,6 +1473,7 @@
           <a:p>
             <a:fld id="{6824B76D-F948-4EDF-B5E4-A06A15984D1A}" type="datetimeFigureOut">
               <a:rPr lang="zh-TW" altLang="en-US" smtClean="0"/>
+              <a:pPr/>
               <a:t>2011/12/25</a:t>
             </a:fld>
             <a:endParaRPr lang="zh-TW" altLang="en-US"/>
@@ -1076,6 +1516,7 @@
           <a:p>
             <a:fld id="{70BD87A7-25D8-437F-BC7D-E1FC764C4637}" type="slidenum">
               <a:rPr lang="zh-TW" altLang="en-US" smtClean="0"/>
+              <a:pPr/>
               <a:t>‹#›</a:t>
             </a:fld>
             <a:endParaRPr lang="zh-TW" altLang="en-US"/>
@@ -1317,6 +1758,7 @@
           <a:p>
             <a:fld id="{6824B76D-F948-4EDF-B5E4-A06A15984D1A}" type="datetimeFigureOut">
               <a:rPr lang="zh-TW" altLang="en-US" smtClean="0"/>
+              <a:pPr/>
               <a:t>2011/12/25</a:t>
             </a:fld>
             <a:endParaRPr lang="zh-TW" altLang="en-US"/>
@@ -1359,6 +1801,7 @@
           <a:p>
             <a:fld id="{70BD87A7-25D8-437F-BC7D-E1FC764C4637}" type="slidenum">
               <a:rPr lang="zh-TW" altLang="en-US" smtClean="0"/>
+              <a:pPr/>
               <a:t>‹#›</a:t>
             </a:fld>
             <a:endParaRPr lang="zh-TW" altLang="en-US"/>
@@ -1739,6 +2182,7 @@
           <a:p>
             <a:fld id="{6824B76D-F948-4EDF-B5E4-A06A15984D1A}" type="datetimeFigureOut">
               <a:rPr lang="zh-TW" altLang="en-US" smtClean="0"/>
+              <a:pPr/>
               <a:t>2011/12/25</a:t>
             </a:fld>
             <a:endParaRPr lang="zh-TW" altLang="en-US"/>
@@ -1781,6 +2225,7 @@
           <a:p>
             <a:fld id="{70BD87A7-25D8-437F-BC7D-E1FC764C4637}" type="slidenum">
               <a:rPr lang="zh-TW" altLang="en-US" smtClean="0"/>
+              <a:pPr/>
               <a:t>‹#›</a:t>
             </a:fld>
             <a:endParaRPr lang="zh-TW" altLang="en-US"/>
@@ -1852,6 +2297,7 @@
           <a:p>
             <a:fld id="{6824B76D-F948-4EDF-B5E4-A06A15984D1A}" type="datetimeFigureOut">
               <a:rPr lang="zh-TW" altLang="en-US" smtClean="0"/>
+              <a:pPr/>
               <a:t>2011/12/25</a:t>
             </a:fld>
             <a:endParaRPr lang="zh-TW" altLang="en-US"/>
@@ -1894,6 +2340,7 @@
           <a:p>
             <a:fld id="{70BD87A7-25D8-437F-BC7D-E1FC764C4637}" type="slidenum">
               <a:rPr lang="zh-TW" altLang="en-US" smtClean="0"/>
+              <a:pPr/>
               <a:t>‹#›</a:t>
             </a:fld>
             <a:endParaRPr lang="zh-TW" altLang="en-US"/>
@@ -1942,6 +2389,7 @@
           <a:p>
             <a:fld id="{6824B76D-F948-4EDF-B5E4-A06A15984D1A}" type="datetimeFigureOut">
               <a:rPr lang="zh-TW" altLang="en-US" smtClean="0"/>
+              <a:pPr/>
               <a:t>2011/12/25</a:t>
             </a:fld>
             <a:endParaRPr lang="zh-TW" altLang="en-US"/>
@@ -1984,6 +2432,7 @@
           <a:p>
             <a:fld id="{70BD87A7-25D8-437F-BC7D-E1FC764C4637}" type="slidenum">
               <a:rPr lang="zh-TW" altLang="en-US" smtClean="0"/>
+              <a:pPr/>
               <a:t>‹#›</a:t>
             </a:fld>
             <a:endParaRPr lang="zh-TW" altLang="en-US"/>
@@ -2214,6 +2663,7 @@
           <a:p>
             <a:fld id="{6824B76D-F948-4EDF-B5E4-A06A15984D1A}" type="datetimeFigureOut">
               <a:rPr lang="zh-TW" altLang="en-US" smtClean="0"/>
+              <a:pPr/>
               <a:t>2011/12/25</a:t>
             </a:fld>
             <a:endParaRPr lang="zh-TW" altLang="en-US"/>
@@ -2256,6 +2706,7 @@
           <a:p>
             <a:fld id="{70BD87A7-25D8-437F-BC7D-E1FC764C4637}" type="slidenum">
               <a:rPr lang="zh-TW" altLang="en-US" smtClean="0"/>
+              <a:pPr/>
               <a:t>‹#›</a:t>
             </a:fld>
             <a:endParaRPr lang="zh-TW" altLang="en-US"/>
@@ -2462,6 +2913,7 @@
           <a:p>
             <a:fld id="{6824B76D-F948-4EDF-B5E4-A06A15984D1A}" type="datetimeFigureOut">
               <a:rPr lang="zh-TW" altLang="en-US" smtClean="0"/>
+              <a:pPr/>
               <a:t>2011/12/25</a:t>
             </a:fld>
             <a:endParaRPr lang="zh-TW" altLang="en-US"/>
@@ -2504,6 +2956,7 @@
           <a:p>
             <a:fld id="{70BD87A7-25D8-437F-BC7D-E1FC764C4637}" type="slidenum">
               <a:rPr lang="zh-TW" altLang="en-US" smtClean="0"/>
+              <a:pPr/>
               <a:t>‹#›</a:t>
             </a:fld>
             <a:endParaRPr lang="zh-TW" altLang="en-US"/>
@@ -2670,6 +3123,7 @@
           <a:p>
             <a:fld id="{6824B76D-F948-4EDF-B5E4-A06A15984D1A}" type="datetimeFigureOut">
               <a:rPr lang="zh-TW" altLang="en-US" smtClean="0"/>
+              <a:pPr/>
               <a:t>2011/12/25</a:t>
             </a:fld>
             <a:endParaRPr lang="zh-TW" altLang="en-US"/>
@@ -2748,6 +3202,7 @@
           <a:p>
             <a:fld id="{70BD87A7-25D8-437F-BC7D-E1FC764C4637}" type="slidenum">
               <a:rPr lang="zh-TW" altLang="en-US" smtClean="0"/>
+              <a:pPr/>
               <a:t>‹#›</a:t>
             </a:fld>
             <a:endParaRPr lang="zh-TW" altLang="en-US"/>
@@ -3052,8 +3507,8 @@
         </p:nvSpPr>
         <p:spPr>
           <a:xfrm>
-            <a:off x="1620392" y="954412"/>
-            <a:ext cx="18178780" cy="3096344"/>
+            <a:off x="1188344" y="738387"/>
+            <a:ext cx="18938104" cy="3312369"/>
           </a:xfrm>
         </p:spPr>
         <p:txBody>
@@ -3107,7 +3562,52 @@
                 </a:effectLst>
                 <a:latin typeface="Jokerman" pitchFamily="82" charset="0"/>
               </a:rPr>
-              <a:t>Angry Runner</a:t>
+              <a:t>Angry </a:t>
+            </a:r>
+            <a:r>
+              <a:rPr lang="en-US" altLang="zh-TW" dirty="0" smtClean="0">
+                <a:ln>
+                  <a:solidFill>
+                    <a:srgbClr val="7030A0"/>
+                  </a:solidFill>
+                </a:ln>
+                <a:gradFill flip="none" rotWithShape="1">
+                  <a:gsLst>
+                    <a:gs pos="0">
+                      <a:srgbClr val="3399FF"/>
+                    </a:gs>
+                    <a:gs pos="16000">
+                      <a:srgbClr val="00CCCC"/>
+                    </a:gs>
+                    <a:gs pos="47000">
+                      <a:srgbClr val="9999FF"/>
+                    </a:gs>
+                    <a:gs pos="60001">
+                      <a:srgbClr val="2E6792"/>
+                    </a:gs>
+                    <a:gs pos="71001">
+                      <a:srgbClr val="3333CC"/>
+                    </a:gs>
+                    <a:gs pos="81000">
+                      <a:srgbClr val="1170FF"/>
+                    </a:gs>
+                    <a:gs pos="100000">
+                      <a:srgbClr val="006699"/>
+                    </a:gs>
+                  </a:gsLst>
+                  <a:lin ang="10800000" scaled="0"/>
+                  <a:tileRect/>
+                </a:gradFill>
+                <a:effectLst>
+                  <a:outerShdw blurRad="60007" dist="200025" dir="15000000" sy="30000" kx="-1800000" algn="bl" rotWithShape="0">
+                    <a:prstClr val="black">
+                      <a:alpha val="32000"/>
+                    </a:prstClr>
+                  </a:outerShdw>
+                </a:effectLst>
+                <a:latin typeface="Jokerman" pitchFamily="82" charset="0"/>
+              </a:rPr>
+              <a:t>     Runner</a:t>
             </a:r>
             <a:endParaRPr lang="zh-TW" altLang="en-US" dirty="0">
               <a:ln>
@@ -3162,7 +3662,7 @@
         </p:nvSpPr>
         <p:spPr>
           <a:xfrm>
-            <a:off x="396256" y="28965523"/>
+            <a:off x="396256" y="29122313"/>
             <a:ext cx="20541649" cy="923330"/>
           </a:xfrm>
           <a:prstGeom prst="rect">
@@ -3251,7 +3751,11 @@
             </a:r>
             <a:r>
               <a:rPr lang="zh-TW" altLang="en-US" sz="4800" dirty="0" smtClean="0"/>
-              <a:t>    組員</a:t>
+              <a:t>   </a:t>
+            </a:r>
+            <a:r>
+              <a:rPr lang="zh-TW" altLang="en-US" sz="4800" dirty="0" smtClean="0"/>
+              <a:t>組員</a:t>
             </a:r>
             <a:r>
               <a:rPr lang="en-US" altLang="zh-TW" sz="4800" dirty="0" smtClean="0"/>
@@ -3266,7 +3770,15 @@
             </a:r>
             <a:r>
               <a:rPr lang="zh-TW" altLang="en-US" sz="4800" dirty="0" smtClean="0"/>
-              <a:t>    指導老師</a:t>
+              <a:t>   </a:t>
+            </a:r>
+            <a:r>
+              <a:rPr lang="zh-TW" altLang="en-US" sz="4800" dirty="0" smtClean="0"/>
+              <a:t>指導</a:t>
+            </a:r>
+            <a:r>
+              <a:rPr lang="zh-TW" altLang="en-US" sz="4800" dirty="0" smtClean="0"/>
+              <a:t>老師</a:t>
             </a:r>
             <a:r>
               <a:rPr lang="en-US" altLang="zh-TW" sz="4800" dirty="0" smtClean="0"/>
@@ -3277,7 +3789,14 @@
                 <a:latin typeface="標楷體" pitchFamily="65" charset="-120"/>
                 <a:ea typeface="標楷體" pitchFamily="65" charset="-120"/>
               </a:rPr>
-              <a:t>陳彥仰</a:t>
+              <a:t>陳彥</a:t>
+            </a:r>
+            <a:r>
+              <a:rPr lang="zh-TW" altLang="en-US" sz="4800" dirty="0" smtClean="0">
+                <a:latin typeface="標楷體" pitchFamily="65" charset="-120"/>
+                <a:ea typeface="標楷體" pitchFamily="65" charset="-120"/>
+              </a:rPr>
+              <a:t>仰教授</a:t>
             </a:r>
             <a:endParaRPr lang="zh-TW" altLang="en-US" sz="4800" dirty="0">
               <a:latin typeface="標楷體" pitchFamily="65" charset="-120"/>
@@ -3459,6 +3978,1108 @@
           </a:p>
         </p:txBody>
       </p:sp>
+      <p:sp>
+        <p:nvSpPr>
+          <p:cNvPr id="6" name="文字方塊 5"/>
+          <p:cNvSpPr txBox="1"/>
+          <p:nvPr/>
+        </p:nvSpPr>
+        <p:spPr>
+          <a:xfrm>
+            <a:off x="1188344" y="6931075"/>
+            <a:ext cx="19010112" cy="1569660"/>
+          </a:xfrm>
+          <a:prstGeom prst="rect">
+            <a:avLst/>
+          </a:prstGeom>
+        </p:spPr>
+        <p:style>
+          <a:lnRef idx="1">
+            <a:schemeClr val="accent3"/>
+          </a:lnRef>
+          <a:fillRef idx="2">
+            <a:schemeClr val="accent3"/>
+          </a:fillRef>
+          <a:effectRef idx="1">
+            <a:schemeClr val="accent3"/>
+          </a:effectRef>
+          <a:fontRef idx="minor">
+            <a:schemeClr val="dk1"/>
+          </a:fontRef>
+        </p:style>
+        <p:txBody>
+          <a:bodyPr wrap="square" rtlCol="0">
+            <a:spAutoFit/>
+          </a:bodyPr>
+          <a:lstStyle/>
+          <a:p>
+            <a:r>
+              <a:rPr lang="zh-TW" altLang="en-US" sz="4800" dirty="0" smtClean="0"/>
+              <a:t>音樂讓你的運動時間更有趣</a:t>
+            </a:r>
+            <a:r>
+              <a:rPr lang="zh-TW" altLang="en-US" sz="4800" dirty="0" smtClean="0"/>
+              <a:t>，利用</a:t>
+            </a:r>
+            <a:r>
+              <a:rPr lang="zh-TW" altLang="en-US" sz="4800" dirty="0" smtClean="0"/>
+              <a:t>你喜愛的音樂幫助你運動時維持在最佳速度</a:t>
+            </a:r>
+            <a:r>
+              <a:rPr lang="zh-TW" altLang="en-US" sz="4800" dirty="0" smtClean="0"/>
+              <a:t>，讓</a:t>
+            </a:r>
+            <a:r>
+              <a:rPr lang="zh-TW" altLang="en-US" sz="4800" dirty="0" smtClean="0"/>
+              <a:t>你在有限的運動時間內能燃燒最多卡路里。</a:t>
+            </a:r>
+            <a:endParaRPr lang="zh-TW" altLang="en-US" sz="4800" dirty="0"/>
+          </a:p>
+        </p:txBody>
+      </p:sp>
+      <p:pic>
+        <p:nvPicPr>
+          <p:cNvPr id="8" name="圖片 7" descr="HighResolutionIcon.png"/>
+          <p:cNvPicPr>
+            <a:picLocks noChangeAspect="1"/>
+          </p:cNvPicPr>
+          <p:nvPr/>
+        </p:nvPicPr>
+        <p:blipFill>
+          <a:blip r:embed="rId3" cstate="print"/>
+          <a:stretch>
+            <a:fillRect/>
+          </a:stretch>
+        </p:blipFill>
+        <p:spPr>
+          <a:xfrm>
+            <a:off x="8677176" y="666379"/>
+            <a:ext cx="2952328" cy="2952328"/>
+          </a:xfrm>
+          <a:prstGeom prst="rect">
+            <a:avLst/>
+          </a:prstGeom>
+        </p:spPr>
+      </p:pic>
+      <p:pic>
+        <p:nvPicPr>
+          <p:cNvPr id="1027" name="Picture 3" descr="C:\Documents and Settings\user\桌面\MobileProgramming\project\screenshot\device-2011-12-22-150203_newplaylist.png"/>
+          <p:cNvPicPr>
+            <a:picLocks noChangeAspect="1" noChangeArrowheads="1"/>
+          </p:cNvPicPr>
+          <p:nvPr/>
+        </p:nvPicPr>
+        <p:blipFill>
+          <a:blip r:embed="rId4" cstate="print"/>
+          <a:srcRect/>
+          <a:stretch>
+            <a:fillRect/>
+          </a:stretch>
+        </p:blipFill>
+        <p:spPr bwMode="auto">
+          <a:xfrm>
+            <a:off x="14869864" y="11035531"/>
+            <a:ext cx="4572000" cy="7620000"/>
+          </a:xfrm>
+          <a:prstGeom prst="rect">
+            <a:avLst/>
+          </a:prstGeom>
+          <a:noFill/>
+          <a:ln w="38100">
+            <a:solidFill>
+              <a:schemeClr val="accent3"/>
+            </a:solidFill>
+            <a:prstDash val="solid"/>
+          </a:ln>
+        </p:spPr>
+      </p:pic>
+      <p:pic>
+        <p:nvPicPr>
+          <p:cNvPr id="1028" name="Picture 4" descr="C:\Documents and Settings\user\桌面\MobileProgramming\project\screenshot\device-2011-12-22-145919_gmap.png"/>
+          <p:cNvPicPr>
+            <a:picLocks noChangeAspect="1" noChangeArrowheads="1"/>
+          </p:cNvPicPr>
+          <p:nvPr/>
+        </p:nvPicPr>
+        <p:blipFill>
+          <a:blip r:embed="rId5" cstate="print"/>
+          <a:srcRect/>
+          <a:stretch>
+            <a:fillRect/>
+          </a:stretch>
+        </p:blipFill>
+        <p:spPr bwMode="auto">
+          <a:xfrm>
+            <a:off x="14834368" y="21260667"/>
+            <a:ext cx="4572000" cy="7620000"/>
+          </a:xfrm>
+          <a:prstGeom prst="rect">
+            <a:avLst/>
+          </a:prstGeom>
+          <a:noFill/>
+          <a:ln w="38100">
+            <a:solidFill>
+              <a:schemeClr val="tx2">
+                <a:lumMod val="40000"/>
+                <a:lumOff val="60000"/>
+              </a:schemeClr>
+            </a:solidFill>
+          </a:ln>
+        </p:spPr>
+      </p:pic>
+      <p:sp>
+        <p:nvSpPr>
+          <p:cNvPr id="15" name="文字方塊 14"/>
+          <p:cNvSpPr txBox="1"/>
+          <p:nvPr/>
+        </p:nvSpPr>
+        <p:spPr>
+          <a:xfrm>
+            <a:off x="14653840" y="19028419"/>
+            <a:ext cx="5112567" cy="2123658"/>
+          </a:xfrm>
+          <a:prstGeom prst="rect">
+            <a:avLst/>
+          </a:prstGeom>
+          <a:ln>
+            <a:noFill/>
+          </a:ln>
+        </p:spPr>
+        <p:style>
+          <a:lnRef idx="2">
+            <a:schemeClr val="accent2"/>
+          </a:lnRef>
+          <a:fillRef idx="1">
+            <a:schemeClr val="lt1"/>
+          </a:fillRef>
+          <a:effectRef idx="0">
+            <a:schemeClr val="accent2"/>
+          </a:effectRef>
+          <a:fontRef idx="minor">
+            <a:schemeClr val="dk1"/>
+          </a:fontRef>
+        </p:style>
+        <p:txBody>
+          <a:bodyPr wrap="square" rtlCol="0">
+            <a:spAutoFit/>
+          </a:bodyPr>
+          <a:lstStyle/>
+          <a:p>
+            <a:r>
+              <a:rPr lang="zh-TW" altLang="en-US" sz="4400" b="1" dirty="0" smtClean="0">
+                <a:ln w="10541" cmpd="sng">
+                  <a:solidFill>
+                    <a:schemeClr val="accent1">
+                      <a:shade val="88000"/>
+                      <a:satMod val="110000"/>
+                    </a:schemeClr>
+                  </a:solidFill>
+                  <a:prstDash val="solid"/>
+                </a:ln>
+                <a:gradFill>
+                  <a:gsLst>
+                    <a:gs pos="0">
+                      <a:schemeClr val="accent1">
+                        <a:tint val="40000"/>
+                        <a:satMod val="250000"/>
+                      </a:schemeClr>
+                    </a:gs>
+                    <a:gs pos="9000">
+                      <a:schemeClr val="accent1">
+                        <a:tint val="52000"/>
+                        <a:satMod val="300000"/>
+                      </a:schemeClr>
+                    </a:gs>
+                    <a:gs pos="50000">
+                      <a:schemeClr val="accent1">
+                        <a:shade val="20000"/>
+                        <a:satMod val="300000"/>
+                      </a:schemeClr>
+                    </a:gs>
+                    <a:gs pos="79000">
+                      <a:schemeClr val="accent1">
+                        <a:tint val="52000"/>
+                        <a:satMod val="300000"/>
+                      </a:schemeClr>
+                    </a:gs>
+                    <a:gs pos="100000">
+                      <a:schemeClr val="accent1">
+                        <a:tint val="40000"/>
+                        <a:satMod val="250000"/>
+                      </a:schemeClr>
+                    </a:gs>
+                  </a:gsLst>
+                  <a:lin ang="5400000"/>
+                </a:gradFill>
+              </a:rPr>
+              <a:t>＊</a:t>
+            </a:r>
+            <a:r>
+              <a:rPr lang="zh-TW" altLang="en-US" sz="4400" dirty="0" smtClean="0"/>
+              <a:t> </a:t>
+            </a:r>
+            <a:r>
+              <a:rPr lang="en-US" altLang="zh-TW" sz="4400" dirty="0" smtClean="0"/>
+              <a:t>Angry </a:t>
+            </a:r>
+            <a:r>
+              <a:rPr lang="en-US" altLang="zh-TW" sz="4400" dirty="0" smtClean="0"/>
+              <a:t>Runner </a:t>
+            </a:r>
+            <a:endParaRPr lang="en-US" altLang="zh-TW" sz="4400" dirty="0" smtClean="0"/>
+          </a:p>
+          <a:p>
+            <a:r>
+              <a:rPr lang="zh-TW" altLang="en-US" sz="4400" dirty="0" smtClean="0"/>
+              <a:t>會</a:t>
+            </a:r>
+            <a:r>
+              <a:rPr lang="zh-TW" altLang="en-US" sz="4400" dirty="0" smtClean="0"/>
+              <a:t>將您的運動</a:t>
+            </a:r>
+            <a:r>
+              <a:rPr lang="zh-TW" altLang="en-US" sz="4400" dirty="0" smtClean="0"/>
+              <a:t>路徑</a:t>
+            </a:r>
+            <a:endParaRPr lang="en-US" altLang="zh-TW" sz="4400" dirty="0" smtClean="0"/>
+          </a:p>
+          <a:p>
+            <a:r>
+              <a:rPr lang="zh-TW" altLang="en-US" sz="4400" dirty="0" smtClean="0"/>
+              <a:t>即時</a:t>
+            </a:r>
+            <a:r>
+              <a:rPr lang="zh-TW" altLang="en-US" sz="4400" dirty="0" smtClean="0"/>
+              <a:t>顯示在地圖上</a:t>
+            </a:r>
+            <a:r>
+              <a:rPr lang="zh-TW" altLang="en-US" sz="4400" dirty="0" smtClean="0"/>
+              <a:t>。</a:t>
+            </a:r>
+            <a:endParaRPr lang="zh-TW" altLang="en-US" sz="4400" dirty="0"/>
+          </a:p>
+        </p:txBody>
+      </p:sp>
+      <p:sp>
+        <p:nvSpPr>
+          <p:cNvPr id="16" name="圓角矩形 15"/>
+          <p:cNvSpPr/>
+          <p:nvPr/>
+        </p:nvSpPr>
+        <p:spPr>
+          <a:xfrm>
+            <a:off x="14581832" y="19100427"/>
+            <a:ext cx="5112568" cy="10009112"/>
+          </a:xfrm>
+          <a:prstGeom prst="roundRect">
+            <a:avLst>
+              <a:gd name="adj" fmla="val 9343"/>
+            </a:avLst>
+          </a:prstGeom>
+          <a:noFill/>
+          <a:ln w="38100"/>
+        </p:spPr>
+        <p:style>
+          <a:lnRef idx="2">
+            <a:schemeClr val="accent1">
+              <a:shade val="50000"/>
+            </a:schemeClr>
+          </a:lnRef>
+          <a:fillRef idx="1">
+            <a:schemeClr val="accent1"/>
+          </a:fillRef>
+          <a:effectRef idx="0">
+            <a:schemeClr val="accent1"/>
+          </a:effectRef>
+          <a:fontRef idx="minor">
+            <a:schemeClr val="lt1"/>
+          </a:fontRef>
+        </p:style>
+        <p:txBody>
+          <a:bodyPr rtlCol="0" anchor="ctr"/>
+          <a:lstStyle/>
+          <a:p>
+            <a:pPr algn="ctr"/>
+            <a:endParaRPr lang="zh-TW" altLang="en-US"/>
+          </a:p>
+        </p:txBody>
+      </p:sp>
+      <p:pic>
+        <p:nvPicPr>
+          <p:cNvPr id="17" name="Picture 4" descr="C:\Documents and Settings\user\桌面\MobileProgramming\project\screenshot\device-2011-12-22-145919_gmap.png"/>
+          <p:cNvPicPr>
+            <a:picLocks noChangeAspect="1" noChangeArrowheads="1"/>
+          </p:cNvPicPr>
+          <p:nvPr/>
+        </p:nvPicPr>
+        <p:blipFill>
+          <a:blip r:embed="rId6" cstate="print"/>
+          <a:stretch>
+            <a:fillRect/>
+          </a:stretch>
+        </p:blipFill>
+        <p:spPr bwMode="auto">
+          <a:xfrm>
+            <a:off x="2052440" y="12907739"/>
+            <a:ext cx="4572000" cy="7620000"/>
+          </a:xfrm>
+          <a:prstGeom prst="rect">
+            <a:avLst/>
+          </a:prstGeom>
+          <a:noFill/>
+          <a:ln w="38100">
+            <a:solidFill>
+              <a:schemeClr val="accent2">
+                <a:lumMod val="60000"/>
+                <a:lumOff val="40000"/>
+              </a:schemeClr>
+            </a:solidFill>
+          </a:ln>
+        </p:spPr>
+      </p:pic>
+      <p:sp>
+        <p:nvSpPr>
+          <p:cNvPr id="18" name="文字方塊 17"/>
+          <p:cNvSpPr txBox="1"/>
+          <p:nvPr/>
+        </p:nvSpPr>
+        <p:spPr>
+          <a:xfrm>
+            <a:off x="972320" y="8659267"/>
+            <a:ext cx="12385376" cy="4154984"/>
+          </a:xfrm>
+          <a:prstGeom prst="rect">
+            <a:avLst/>
+          </a:prstGeom>
+          <a:ln>
+            <a:noFill/>
+          </a:ln>
+        </p:spPr>
+        <p:style>
+          <a:lnRef idx="2">
+            <a:schemeClr val="accent2"/>
+          </a:lnRef>
+          <a:fillRef idx="1">
+            <a:schemeClr val="lt1"/>
+          </a:fillRef>
+          <a:effectRef idx="0">
+            <a:schemeClr val="accent2"/>
+          </a:effectRef>
+          <a:fontRef idx="minor">
+            <a:schemeClr val="dk1"/>
+          </a:fontRef>
+        </p:style>
+        <p:txBody>
+          <a:bodyPr wrap="square" rtlCol="0">
+            <a:spAutoFit/>
+          </a:bodyPr>
+          <a:lstStyle/>
+          <a:p>
+            <a:r>
+              <a:rPr lang="zh-TW" altLang="en-US" sz="4400" b="1" dirty="0" smtClean="0">
+                <a:ln w="10541" cmpd="sng">
+                  <a:solidFill>
+                    <a:schemeClr val="accent2">
+                      <a:lumMod val="50000"/>
+                    </a:schemeClr>
+                  </a:solidFill>
+                  <a:prstDash val="solid"/>
+                </a:ln>
+                <a:gradFill>
+                  <a:gsLst>
+                    <a:gs pos="0">
+                      <a:schemeClr val="accent2">
+                        <a:lumMod val="40000"/>
+                        <a:lumOff val="60000"/>
+                      </a:schemeClr>
+                    </a:gs>
+                    <a:gs pos="9000">
+                      <a:schemeClr val="accent2">
+                        <a:lumMod val="60000"/>
+                        <a:lumOff val="40000"/>
+                      </a:schemeClr>
+                    </a:gs>
+                    <a:gs pos="50000">
+                      <a:schemeClr val="accent2">
+                        <a:lumMod val="75000"/>
+                      </a:schemeClr>
+                    </a:gs>
+                    <a:gs pos="79000">
+                      <a:schemeClr val="accent2">
+                        <a:lumMod val="60000"/>
+                        <a:lumOff val="40000"/>
+                      </a:schemeClr>
+                    </a:gs>
+                    <a:gs pos="100000">
+                      <a:schemeClr val="accent2">
+                        <a:lumMod val="40000"/>
+                        <a:lumOff val="60000"/>
+                      </a:schemeClr>
+                    </a:gs>
+                  </a:gsLst>
+                  <a:lin ang="5400000"/>
+                </a:gradFill>
+              </a:rPr>
+              <a:t>＊</a:t>
+            </a:r>
+            <a:r>
+              <a:rPr lang="zh-TW" altLang="en-US" sz="4400" dirty="0" smtClean="0"/>
+              <a:t> </a:t>
+            </a:r>
+            <a:r>
+              <a:rPr lang="en-US" altLang="zh-TW" sz="4400" dirty="0" smtClean="0"/>
+              <a:t>Angry Runner </a:t>
+            </a:r>
+            <a:r>
+              <a:rPr lang="zh-TW" altLang="en-US" sz="4400" dirty="0" smtClean="0"/>
+              <a:t>利用手機內建的 </a:t>
+            </a:r>
+            <a:r>
+              <a:rPr lang="en-US" altLang="zh-TW" sz="4400" dirty="0" smtClean="0"/>
+              <a:t>GPS </a:t>
+            </a:r>
+            <a:r>
+              <a:rPr lang="zh-TW" altLang="en-US" sz="4400" dirty="0" smtClean="0"/>
+              <a:t>即時掌握您的運動時間、距離、和速度</a:t>
+            </a:r>
+            <a:r>
+              <a:rPr lang="zh-TW" altLang="en-US" sz="4400" dirty="0" smtClean="0"/>
+              <a:t>，並</a:t>
+            </a:r>
+            <a:r>
+              <a:rPr lang="zh-TW" altLang="en-US" sz="4400" dirty="0" smtClean="0"/>
+              <a:t>即時計算卡路里消耗量</a:t>
+            </a:r>
+            <a:r>
+              <a:rPr lang="zh-TW" altLang="en-US" sz="4400" dirty="0" smtClean="0"/>
+              <a:t>。</a:t>
+            </a:r>
+            <a:endParaRPr lang="en-US" altLang="zh-TW" sz="4400" dirty="0" smtClean="0"/>
+          </a:p>
+          <a:p>
+            <a:r>
+              <a:rPr lang="zh-TW" altLang="en-US" sz="4400" b="1" dirty="0" smtClean="0">
+                <a:ln w="10541" cmpd="sng">
+                  <a:solidFill>
+                    <a:schemeClr val="accent2">
+                      <a:lumMod val="50000"/>
+                    </a:schemeClr>
+                  </a:solidFill>
+                  <a:prstDash val="solid"/>
+                </a:ln>
+                <a:gradFill>
+                  <a:gsLst>
+                    <a:gs pos="0">
+                      <a:schemeClr val="accent2">
+                        <a:lumMod val="40000"/>
+                        <a:lumOff val="60000"/>
+                      </a:schemeClr>
+                    </a:gs>
+                    <a:gs pos="9000">
+                      <a:schemeClr val="accent2">
+                        <a:lumMod val="60000"/>
+                        <a:lumOff val="40000"/>
+                      </a:schemeClr>
+                    </a:gs>
+                    <a:gs pos="50000">
+                      <a:schemeClr val="accent2">
+                        <a:lumMod val="75000"/>
+                      </a:schemeClr>
+                    </a:gs>
+                    <a:gs pos="79000">
+                      <a:schemeClr val="accent2">
+                        <a:lumMod val="60000"/>
+                        <a:lumOff val="40000"/>
+                      </a:schemeClr>
+                    </a:gs>
+                    <a:gs pos="100000">
+                      <a:schemeClr val="accent2">
+                        <a:lumMod val="40000"/>
+                        <a:lumOff val="60000"/>
+                      </a:schemeClr>
+                    </a:gs>
+                  </a:gsLst>
+                  <a:lin ang="5400000"/>
+                </a:gradFill>
+              </a:rPr>
+              <a:t>＊</a:t>
+            </a:r>
+            <a:r>
+              <a:rPr lang="zh-TW" altLang="en-US" sz="4400" b="1" dirty="0" smtClean="0">
+                <a:ln w="10541" cmpd="sng">
+                  <a:solidFill>
+                    <a:schemeClr val="accent3">
+                      <a:lumMod val="50000"/>
+                    </a:schemeClr>
+                  </a:solidFill>
+                  <a:prstDash val="solid"/>
+                </a:ln>
+                <a:gradFill>
+                  <a:gsLst>
+                    <a:gs pos="0">
+                      <a:schemeClr val="accent3">
+                        <a:lumMod val="40000"/>
+                        <a:lumOff val="60000"/>
+                      </a:schemeClr>
+                    </a:gs>
+                    <a:gs pos="9000">
+                      <a:schemeClr val="accent3">
+                        <a:lumMod val="60000"/>
+                        <a:lumOff val="40000"/>
+                      </a:schemeClr>
+                    </a:gs>
+                    <a:gs pos="50000">
+                      <a:schemeClr val="accent3">
+                        <a:lumMod val="75000"/>
+                      </a:schemeClr>
+                    </a:gs>
+                    <a:gs pos="79000">
+                      <a:schemeClr val="accent3">
+                        <a:lumMod val="60000"/>
+                        <a:lumOff val="40000"/>
+                      </a:schemeClr>
+                    </a:gs>
+                    <a:gs pos="100000">
+                      <a:schemeClr val="accent3">
+                        <a:lumMod val="40000"/>
+                        <a:lumOff val="60000"/>
+                      </a:schemeClr>
+                    </a:gs>
+                  </a:gsLst>
+                  <a:lin ang="5400000"/>
+                </a:gradFill>
+              </a:rPr>
+              <a:t> </a:t>
+            </a:r>
+            <a:r>
+              <a:rPr lang="en-US" altLang="zh-TW" sz="4400" dirty="0" smtClean="0"/>
+              <a:t>Angry Runner </a:t>
+            </a:r>
+            <a:r>
+              <a:rPr lang="zh-TW" altLang="en-US" sz="4400" dirty="0" smtClean="0"/>
+              <a:t>會在您開始運動時自動播放音樂</a:t>
+            </a:r>
+            <a:r>
+              <a:rPr lang="zh-TW" altLang="en-US" sz="4400" dirty="0" smtClean="0"/>
+              <a:t>。</a:t>
+            </a:r>
+            <a:endParaRPr lang="en-US" altLang="zh-TW" sz="4400" dirty="0" smtClean="0"/>
+          </a:p>
+          <a:p>
+            <a:r>
+              <a:rPr lang="zh-TW" altLang="en-US" sz="4400" b="1" dirty="0" smtClean="0">
+                <a:ln w="10541" cmpd="sng">
+                  <a:solidFill>
+                    <a:schemeClr val="accent2">
+                      <a:lumMod val="50000"/>
+                    </a:schemeClr>
+                  </a:solidFill>
+                  <a:prstDash val="solid"/>
+                </a:ln>
+                <a:gradFill>
+                  <a:gsLst>
+                    <a:gs pos="0">
+                      <a:schemeClr val="accent2">
+                        <a:lumMod val="40000"/>
+                        <a:lumOff val="60000"/>
+                      </a:schemeClr>
+                    </a:gs>
+                    <a:gs pos="9000">
+                      <a:schemeClr val="accent2">
+                        <a:lumMod val="60000"/>
+                        <a:lumOff val="40000"/>
+                      </a:schemeClr>
+                    </a:gs>
+                    <a:gs pos="50000">
+                      <a:schemeClr val="accent2">
+                        <a:lumMod val="75000"/>
+                      </a:schemeClr>
+                    </a:gs>
+                    <a:gs pos="79000">
+                      <a:schemeClr val="accent2">
+                        <a:lumMod val="60000"/>
+                        <a:lumOff val="40000"/>
+                      </a:schemeClr>
+                    </a:gs>
+                    <a:gs pos="100000">
+                      <a:schemeClr val="accent2">
+                        <a:lumMod val="40000"/>
+                        <a:lumOff val="60000"/>
+                      </a:schemeClr>
+                    </a:gs>
+                  </a:gsLst>
+                  <a:lin ang="5400000"/>
+                </a:gradFill>
+              </a:rPr>
+              <a:t>＊</a:t>
+            </a:r>
+            <a:r>
+              <a:rPr lang="zh-TW" altLang="en-US" sz="4400" b="1" dirty="0" smtClean="0">
+                <a:ln w="10541" cmpd="sng">
+                  <a:solidFill>
+                    <a:schemeClr val="accent3">
+                      <a:lumMod val="50000"/>
+                    </a:schemeClr>
+                  </a:solidFill>
+                  <a:prstDash val="solid"/>
+                </a:ln>
+                <a:gradFill>
+                  <a:gsLst>
+                    <a:gs pos="0">
+                      <a:schemeClr val="accent3">
+                        <a:lumMod val="40000"/>
+                        <a:lumOff val="60000"/>
+                      </a:schemeClr>
+                    </a:gs>
+                    <a:gs pos="9000">
+                      <a:schemeClr val="accent3">
+                        <a:lumMod val="60000"/>
+                        <a:lumOff val="40000"/>
+                      </a:schemeClr>
+                    </a:gs>
+                    <a:gs pos="50000">
+                      <a:schemeClr val="accent3">
+                        <a:lumMod val="75000"/>
+                      </a:schemeClr>
+                    </a:gs>
+                    <a:gs pos="79000">
+                      <a:schemeClr val="accent3">
+                        <a:lumMod val="60000"/>
+                        <a:lumOff val="40000"/>
+                      </a:schemeClr>
+                    </a:gs>
+                    <a:gs pos="100000">
+                      <a:schemeClr val="accent3">
+                        <a:lumMod val="40000"/>
+                        <a:lumOff val="60000"/>
+                      </a:schemeClr>
+                    </a:gs>
+                  </a:gsLst>
+                  <a:lin ang="5400000"/>
+                </a:gradFill>
+              </a:rPr>
+              <a:t> </a:t>
+            </a:r>
+            <a:r>
+              <a:rPr lang="en-US" altLang="zh-TW" sz="4400" dirty="0" smtClean="0"/>
+              <a:t>Angry </a:t>
+            </a:r>
+            <a:r>
+              <a:rPr lang="en-US" altLang="zh-TW" sz="4400" dirty="0" smtClean="0"/>
+              <a:t>Runner </a:t>
+            </a:r>
+            <a:r>
+              <a:rPr lang="zh-TW" altLang="en-US" sz="4400" dirty="0" smtClean="0"/>
+              <a:t>會依您運動的速度自動調整音樂的音量，提醒您保持適當地運動速度。</a:t>
+            </a:r>
+          </a:p>
+        </p:txBody>
+      </p:sp>
+      <p:sp>
+        <p:nvSpPr>
+          <p:cNvPr id="19" name="圓角矩形 18"/>
+          <p:cNvSpPr/>
+          <p:nvPr/>
+        </p:nvSpPr>
+        <p:spPr>
+          <a:xfrm>
+            <a:off x="900312" y="8731275"/>
+            <a:ext cx="12457384" cy="12097344"/>
+          </a:xfrm>
+          <a:prstGeom prst="roundRect">
+            <a:avLst>
+              <a:gd name="adj" fmla="val 5042"/>
+            </a:avLst>
+          </a:prstGeom>
+          <a:noFill/>
+          <a:ln w="38100"/>
+        </p:spPr>
+        <p:style>
+          <a:lnRef idx="2">
+            <a:schemeClr val="accent2"/>
+          </a:lnRef>
+          <a:fillRef idx="1">
+            <a:schemeClr val="lt1"/>
+          </a:fillRef>
+          <a:effectRef idx="0">
+            <a:schemeClr val="accent2"/>
+          </a:effectRef>
+          <a:fontRef idx="minor">
+            <a:schemeClr val="dk1"/>
+          </a:fontRef>
+        </p:style>
+        <p:txBody>
+          <a:bodyPr rtlCol="0" anchor="ctr"/>
+          <a:lstStyle/>
+          <a:p>
+            <a:pPr algn="ctr"/>
+            <a:endParaRPr lang="zh-TW" altLang="en-US"/>
+          </a:p>
+        </p:txBody>
+      </p:sp>
+      <p:pic>
+        <p:nvPicPr>
+          <p:cNvPr id="20" name="Picture 4" descr="C:\Documents and Settings\user\桌面\MobileProgramming\project\screenshot\device-2011-12-22-145919_gmap.png"/>
+          <p:cNvPicPr>
+            <a:picLocks noChangeAspect="1" noChangeArrowheads="1"/>
+          </p:cNvPicPr>
+          <p:nvPr/>
+        </p:nvPicPr>
+        <p:blipFill>
+          <a:blip r:embed="rId7" cstate="print"/>
+          <a:stretch>
+            <a:fillRect/>
+          </a:stretch>
+        </p:blipFill>
+        <p:spPr bwMode="auto">
+          <a:xfrm>
+            <a:off x="7597056" y="21260667"/>
+            <a:ext cx="4572000" cy="7620000"/>
+          </a:xfrm>
+          <a:prstGeom prst="rect">
+            <a:avLst/>
+          </a:prstGeom>
+          <a:noFill/>
+          <a:ln w="38100">
+            <a:solidFill>
+              <a:schemeClr val="accent4">
+                <a:lumMod val="60000"/>
+                <a:lumOff val="40000"/>
+              </a:schemeClr>
+            </a:solidFill>
+          </a:ln>
+        </p:spPr>
+      </p:pic>
+      <p:sp>
+        <p:nvSpPr>
+          <p:cNvPr id="21" name="文字方塊 20"/>
+          <p:cNvSpPr txBox="1"/>
+          <p:nvPr/>
+        </p:nvSpPr>
+        <p:spPr>
+          <a:xfrm>
+            <a:off x="1548384" y="23852955"/>
+            <a:ext cx="5365104" cy="2800767"/>
+          </a:xfrm>
+          <a:prstGeom prst="rect">
+            <a:avLst/>
+          </a:prstGeom>
+          <a:ln>
+            <a:noFill/>
+          </a:ln>
+        </p:spPr>
+        <p:style>
+          <a:lnRef idx="2">
+            <a:schemeClr val="accent2"/>
+          </a:lnRef>
+          <a:fillRef idx="1">
+            <a:schemeClr val="lt1"/>
+          </a:fillRef>
+          <a:effectRef idx="0">
+            <a:schemeClr val="accent2"/>
+          </a:effectRef>
+          <a:fontRef idx="minor">
+            <a:schemeClr val="dk1"/>
+          </a:fontRef>
+        </p:style>
+        <p:txBody>
+          <a:bodyPr wrap="square" rtlCol="0">
+            <a:spAutoFit/>
+          </a:bodyPr>
+          <a:lstStyle/>
+          <a:p>
+            <a:r>
+              <a:rPr lang="zh-TW" altLang="en-US" sz="4400" b="1" dirty="0" smtClean="0">
+                <a:ln w="10541" cmpd="sng">
+                  <a:solidFill>
+                    <a:schemeClr val="accent4">
+                      <a:lumMod val="50000"/>
+                    </a:schemeClr>
+                  </a:solidFill>
+                  <a:prstDash val="solid"/>
+                </a:ln>
+                <a:gradFill>
+                  <a:gsLst>
+                    <a:gs pos="0">
+                      <a:schemeClr val="accent4">
+                        <a:lumMod val="40000"/>
+                        <a:lumOff val="60000"/>
+                      </a:schemeClr>
+                    </a:gs>
+                    <a:gs pos="9000">
+                      <a:schemeClr val="accent4">
+                        <a:lumMod val="60000"/>
+                        <a:lumOff val="40000"/>
+                      </a:schemeClr>
+                    </a:gs>
+                    <a:gs pos="50000">
+                      <a:schemeClr val="accent4">
+                        <a:lumMod val="75000"/>
+                      </a:schemeClr>
+                    </a:gs>
+                    <a:gs pos="79000">
+                      <a:schemeClr val="accent4">
+                        <a:lumMod val="60000"/>
+                        <a:lumOff val="40000"/>
+                      </a:schemeClr>
+                    </a:gs>
+                    <a:gs pos="100000">
+                      <a:schemeClr val="accent4">
+                        <a:lumMod val="40000"/>
+                        <a:lumOff val="60000"/>
+                      </a:schemeClr>
+                    </a:gs>
+                  </a:gsLst>
+                  <a:lin ang="5400000"/>
+                </a:gradFill>
+              </a:rPr>
+              <a:t>＊</a:t>
+            </a:r>
+            <a:r>
+              <a:rPr lang="zh-TW" altLang="en-US" sz="4400" dirty="0" smtClean="0"/>
+              <a:t> </a:t>
+            </a:r>
+            <a:r>
+              <a:rPr lang="en-US" altLang="zh-TW" sz="4400" dirty="0" smtClean="0"/>
+              <a:t>Angry Runner </a:t>
+            </a:r>
+            <a:r>
+              <a:rPr lang="zh-TW" altLang="en-US" sz="4400" dirty="0" smtClean="0"/>
+              <a:t>可以</a:t>
+            </a:r>
+            <a:r>
+              <a:rPr lang="zh-TW" altLang="en-US" sz="4400" dirty="0" smtClean="0"/>
+              <a:t>保存</a:t>
+            </a:r>
+            <a:r>
+              <a:rPr lang="zh-TW" altLang="en-US" sz="4400" dirty="0" smtClean="0"/>
+              <a:t>您的運動記錄，包括日期、運動時間、距離及速度。</a:t>
+            </a:r>
+            <a:endParaRPr lang="zh-TW" altLang="en-US" sz="4400" dirty="0"/>
+          </a:p>
+        </p:txBody>
+      </p:sp>
+      <p:sp>
+        <p:nvSpPr>
+          <p:cNvPr id="22" name="圓角矩形 21"/>
+          <p:cNvSpPr/>
+          <p:nvPr/>
+        </p:nvSpPr>
+        <p:spPr>
+          <a:xfrm>
+            <a:off x="1404368" y="21044643"/>
+            <a:ext cx="11161240" cy="7992888"/>
+          </a:xfrm>
+          <a:prstGeom prst="roundRect">
+            <a:avLst>
+              <a:gd name="adj" fmla="val 6658"/>
+            </a:avLst>
+          </a:prstGeom>
+          <a:noFill/>
+          <a:ln w="38100"/>
+        </p:spPr>
+        <p:style>
+          <a:lnRef idx="2">
+            <a:schemeClr val="accent4"/>
+          </a:lnRef>
+          <a:fillRef idx="1">
+            <a:schemeClr val="lt1"/>
+          </a:fillRef>
+          <a:effectRef idx="0">
+            <a:schemeClr val="accent4"/>
+          </a:effectRef>
+          <a:fontRef idx="minor">
+            <a:schemeClr val="dk1"/>
+          </a:fontRef>
+        </p:style>
+        <p:txBody>
+          <a:bodyPr rtlCol="0" anchor="ctr"/>
+          <a:lstStyle/>
+          <a:p>
+            <a:pPr algn="ctr"/>
+            <a:endParaRPr lang="zh-TW" altLang="en-US"/>
+          </a:p>
+        </p:txBody>
+      </p:sp>
+      <p:sp>
+        <p:nvSpPr>
+          <p:cNvPr id="23" name="文字方塊 22"/>
+          <p:cNvSpPr txBox="1"/>
+          <p:nvPr/>
+        </p:nvSpPr>
+        <p:spPr>
+          <a:xfrm>
+            <a:off x="13789744" y="8731275"/>
+            <a:ext cx="6552728" cy="2123658"/>
+          </a:xfrm>
+          <a:prstGeom prst="rect">
+            <a:avLst/>
+          </a:prstGeom>
+          <a:noFill/>
+        </p:spPr>
+        <p:txBody>
+          <a:bodyPr wrap="square" rtlCol="0">
+            <a:spAutoFit/>
+          </a:bodyPr>
+          <a:lstStyle/>
+          <a:p>
+            <a:r>
+              <a:rPr lang="zh-TW" altLang="en-US" sz="4400" b="1" dirty="0" smtClean="0">
+                <a:ln w="10541" cmpd="sng">
+                  <a:solidFill>
+                    <a:schemeClr val="accent3">
+                      <a:lumMod val="50000"/>
+                    </a:schemeClr>
+                  </a:solidFill>
+                  <a:prstDash val="solid"/>
+                </a:ln>
+                <a:gradFill>
+                  <a:gsLst>
+                    <a:gs pos="0">
+                      <a:schemeClr val="accent3">
+                        <a:lumMod val="40000"/>
+                        <a:lumOff val="60000"/>
+                      </a:schemeClr>
+                    </a:gs>
+                    <a:gs pos="9000">
+                      <a:schemeClr val="accent3">
+                        <a:lumMod val="60000"/>
+                        <a:lumOff val="40000"/>
+                      </a:schemeClr>
+                    </a:gs>
+                    <a:gs pos="50000">
+                      <a:schemeClr val="accent3">
+                        <a:lumMod val="75000"/>
+                      </a:schemeClr>
+                    </a:gs>
+                    <a:gs pos="79000">
+                      <a:schemeClr val="accent3">
+                        <a:lumMod val="60000"/>
+                        <a:lumOff val="40000"/>
+                      </a:schemeClr>
+                    </a:gs>
+                    <a:gs pos="100000">
+                      <a:schemeClr val="accent3">
+                        <a:lumMod val="40000"/>
+                        <a:lumOff val="60000"/>
+                      </a:schemeClr>
+                    </a:gs>
+                  </a:gsLst>
+                  <a:lin ang="5400000"/>
+                </a:gradFill>
+              </a:rPr>
+              <a:t>＊</a:t>
+            </a:r>
+            <a:r>
+              <a:rPr lang="zh-TW" altLang="en-US" sz="4400" dirty="0" smtClean="0">
+                <a:solidFill>
+                  <a:schemeClr val="dk1"/>
+                </a:solidFill>
+              </a:rPr>
+              <a:t>您</a:t>
+            </a:r>
+            <a:r>
+              <a:rPr lang="zh-TW" altLang="en-US" sz="4400" dirty="0" smtClean="0">
+                <a:solidFill>
+                  <a:schemeClr val="dk1"/>
+                </a:solidFill>
+              </a:rPr>
+              <a:t>可以在 </a:t>
+            </a:r>
+            <a:r>
+              <a:rPr lang="en-US" altLang="zh-TW" sz="4400" dirty="0" smtClean="0">
+                <a:solidFill>
+                  <a:schemeClr val="dk1"/>
+                </a:solidFill>
+              </a:rPr>
+              <a:t>Angry Runner </a:t>
+            </a:r>
+            <a:r>
+              <a:rPr lang="zh-TW" altLang="en-US" sz="4400" dirty="0" smtClean="0">
+                <a:solidFill>
+                  <a:schemeClr val="dk1"/>
+                </a:solidFill>
+              </a:rPr>
+              <a:t>指定運動時播放的音樂清單，或建立新的音樂清單。</a:t>
+            </a:r>
+          </a:p>
+        </p:txBody>
+      </p:sp>
+      <p:sp>
+        <p:nvSpPr>
+          <p:cNvPr id="24" name="圓角矩形 23"/>
+          <p:cNvSpPr/>
+          <p:nvPr/>
+        </p:nvSpPr>
+        <p:spPr>
+          <a:xfrm>
+            <a:off x="13789744" y="8731275"/>
+            <a:ext cx="6696744" cy="10153128"/>
+          </a:xfrm>
+          <a:prstGeom prst="roundRect">
+            <a:avLst>
+              <a:gd name="adj" fmla="val 9343"/>
+            </a:avLst>
+          </a:prstGeom>
+          <a:noFill/>
+          <a:ln w="38100"/>
+        </p:spPr>
+        <p:style>
+          <a:lnRef idx="2">
+            <a:schemeClr val="accent3"/>
+          </a:lnRef>
+          <a:fillRef idx="1">
+            <a:schemeClr val="lt1"/>
+          </a:fillRef>
+          <a:effectRef idx="0">
+            <a:schemeClr val="accent3"/>
+          </a:effectRef>
+          <a:fontRef idx="minor">
+            <a:schemeClr val="dk1"/>
+          </a:fontRef>
+        </p:style>
+        <p:txBody>
+          <a:bodyPr rtlCol="0" anchor="ctr"/>
+          <a:lstStyle/>
+          <a:p>
+            <a:pPr algn="ctr"/>
+            <a:endParaRPr lang="zh-TW" altLang="en-US"/>
+          </a:p>
+        </p:txBody>
+      </p:sp>
+      <p:pic>
+        <p:nvPicPr>
+          <p:cNvPr id="25" name="Picture 4" descr="C:\Documents and Settings\user\桌面\MobileProgramming\project\screenshot\device-2011-12-22-145919_gmap.png"/>
+          <p:cNvPicPr>
+            <a:picLocks noChangeAspect="1" noChangeArrowheads="1"/>
+          </p:cNvPicPr>
+          <p:nvPr/>
+        </p:nvPicPr>
+        <p:blipFill>
+          <a:blip r:embed="rId8" cstate="print"/>
+          <a:stretch>
+            <a:fillRect/>
+          </a:stretch>
+        </p:blipFill>
+        <p:spPr bwMode="auto">
+          <a:xfrm>
+            <a:off x="7597056" y="12907739"/>
+            <a:ext cx="4572000" cy="7620000"/>
+          </a:xfrm>
+          <a:prstGeom prst="rect">
+            <a:avLst/>
+          </a:prstGeom>
+          <a:noFill/>
+          <a:ln w="38100">
+            <a:solidFill>
+              <a:schemeClr val="accent2">
+                <a:lumMod val="60000"/>
+                <a:lumOff val="40000"/>
+              </a:schemeClr>
+            </a:solidFill>
+          </a:ln>
+        </p:spPr>
+      </p:pic>
     </p:spTree>
   </p:cSld>
   <p:clrMapOvr>
@@ -3755,4 +5376,287 @@
   <a:objectDefaults/>
   <a:extraClrSchemeLst/>
 </a:theme>
+</file>
+
+<file path=ppt/theme/theme2.xml><?xml version="1.0" encoding="utf-8"?>
+<a:theme xmlns:a="http://schemas.openxmlformats.org/drawingml/2006/main" name="Office 佈景主題">
+  <a:themeElements>
+    <a:clrScheme name="Office">
+      <a:dk1>
+        <a:sysClr val="windowText" lastClr="000000"/>
+      </a:dk1>
+      <a:lt1>
+        <a:sysClr val="window" lastClr="FFFFFF"/>
+      </a:lt1>
+      <a:dk2>
+        <a:srgbClr val="1F497D"/>
+      </a:dk2>
+      <a:lt2>
+        <a:srgbClr val="EEECE1"/>
+      </a:lt2>
+      <a:accent1>
+        <a:srgbClr val="4F81BD"/>
+      </a:accent1>
+      <a:accent2>
+        <a:srgbClr val="C0504D"/>
+      </a:accent2>
+      <a:accent3>
+        <a:srgbClr val="9BBB59"/>
+      </a:accent3>
+      <a:accent4>
+        <a:srgbClr val="8064A2"/>
+      </a:accent4>
+      <a:accent5>
+        <a:srgbClr val="4BACC6"/>
+      </a:accent5>
+      <a:accent6>
+        <a:srgbClr val="F79646"/>
+      </a:accent6>
+      <a:hlink>
+        <a:srgbClr val="0000FF"/>
+      </a:hlink>
+      <a:folHlink>
+        <a:srgbClr val="800080"/>
+      </a:folHlink>
+    </a:clrScheme>
+    <a:fontScheme name="Office">
+      <a:majorFont>
+        <a:latin typeface="Calibri"/>
+        <a:ea typeface=""/>
+        <a:cs typeface=""/>
+        <a:font script="Jpan" typeface="ＭＳ Ｐゴシック"/>
+        <a:font script="Hang" typeface="맑은 고딕"/>
+        <a:font script="Hans" typeface="宋体"/>
+        <a:font script="Hant" typeface="新細明體"/>
+        <a:font script="Arab" typeface="Times New Roman"/>
+        <a:font script="Hebr" typeface="Times New Roman"/>
+        <a:font script="Thai" typeface="Angsana New"/>
+        <a:font script="Ethi" typeface="Nyala"/>
+        <a:font script="Beng" typeface="Vrinda"/>
+        <a:font script="Gujr" typeface="Shruti"/>
+        <a:font script="Khmr" typeface="MoolBoran"/>
+        <a:font script="Knda" typeface="Tunga"/>
+        <a:font script="Guru" typeface="Raavi"/>
+        <a:font script="Cans" typeface="Euphemia"/>
+        <a:font script="Cher" typeface="Plantagenet Cherokee"/>
+        <a:font script="Yiii" typeface="Microsoft Yi Baiti"/>
+        <a:font script="Tibt" typeface="Microsoft Himalaya"/>
+        <a:font script="Thaa" typeface="MV Boli"/>
+        <a:font script="Deva" typeface="Mangal"/>
+        <a:font script="Telu" typeface="Gautami"/>
+        <a:font script="Taml" typeface="Latha"/>
+        <a:font script="Syrc" typeface="Estrangelo Edessa"/>
+        <a:font script="Orya" typeface="Kalinga"/>
+        <a:font script="Mlym" typeface="Kartika"/>
+        <a:font script="Laoo" typeface="DokChampa"/>
+        <a:font script="Sinh" typeface="Iskoola Pota"/>
+        <a:font script="Mong" typeface="Mongolian Baiti"/>
+        <a:font script="Viet" typeface="Times New Roman"/>
+        <a:font script="Uigh" typeface="Microsoft Uighur"/>
+      </a:majorFont>
+      <a:minorFont>
+        <a:latin typeface="Calibri"/>
+        <a:ea typeface=""/>
+        <a:cs typeface=""/>
+        <a:font script="Jpan" typeface="ＭＳ Ｐゴシック"/>
+        <a:font script="Hang" typeface="맑은 고딕"/>
+        <a:font script="Hans" typeface="宋体"/>
+        <a:font script="Hant" typeface="新細明體"/>
+        <a:font script="Arab" typeface="Arial"/>
+        <a:font script="Hebr" typeface="Arial"/>
+        <a:font script="Thai" typeface="Cordia New"/>
+        <a:font script="Ethi" typeface="Nyala"/>
+        <a:font script="Beng" typeface="Vrinda"/>
+        <a:font script="Gujr" typeface="Shruti"/>
+        <a:font script="Khmr" typeface="DaunPenh"/>
+        <a:font script="Knda" typeface="Tunga"/>
+        <a:font script="Guru" typeface="Raavi"/>
+        <a:font script="Cans" typeface="Euphemia"/>
+        <a:font script="Cher" typeface="Plantagenet Cherokee"/>
+        <a:font script="Yiii" typeface="Microsoft Yi Baiti"/>
+        <a:font script="Tibt" typeface="Microsoft Himalaya"/>
+        <a:font script="Thaa" typeface="MV Boli"/>
+        <a:font script="Deva" typeface="Mangal"/>
+        <a:font script="Telu" typeface="Gautami"/>
+        <a:font script="Taml" typeface="Latha"/>
+        <a:font script="Syrc" typeface="Estrangelo Edessa"/>
+        <a:font script="Orya" typeface="Kalinga"/>
+        <a:font script="Mlym" typeface="Kartika"/>
+        <a:font script="Laoo" typeface="DokChampa"/>
+        <a:font script="Sinh" typeface="Iskoola Pota"/>
+        <a:font script="Mong" typeface="Mongolian Baiti"/>
+        <a:font script="Viet" typeface="Arial"/>
+        <a:font script="Uigh" typeface="Microsoft Uighur"/>
+      </a:minorFont>
+    </a:fontScheme>
+    <a:fmtScheme name="Office">
+      <a:fillStyleLst>
+        <a:solidFill>
+          <a:schemeClr val="phClr"/>
+        </a:solidFill>
+        <a:gradFill rotWithShape="1">
+          <a:gsLst>
+            <a:gs pos="0">
+              <a:schemeClr val="phClr">
+                <a:tint val="50000"/>
+                <a:satMod val="300000"/>
+              </a:schemeClr>
+            </a:gs>
+            <a:gs pos="35000">
+              <a:schemeClr val="phClr">
+                <a:tint val="37000"/>
+                <a:satMod val="300000"/>
+              </a:schemeClr>
+            </a:gs>
+            <a:gs pos="100000">
+              <a:schemeClr val="phClr">
+                <a:tint val="15000"/>
+                <a:satMod val="350000"/>
+              </a:schemeClr>
+            </a:gs>
+          </a:gsLst>
+          <a:lin ang="16200000" scaled="1"/>
+        </a:gradFill>
+        <a:gradFill rotWithShape="1">
+          <a:gsLst>
+            <a:gs pos="0">
+              <a:schemeClr val="phClr">
+                <a:shade val="51000"/>
+                <a:satMod val="130000"/>
+              </a:schemeClr>
+            </a:gs>
+            <a:gs pos="80000">
+              <a:schemeClr val="phClr">
+                <a:shade val="93000"/>
+                <a:satMod val="130000"/>
+              </a:schemeClr>
+            </a:gs>
+            <a:gs pos="100000">
+              <a:schemeClr val="phClr">
+                <a:shade val="94000"/>
+                <a:satMod val="135000"/>
+              </a:schemeClr>
+            </a:gs>
+          </a:gsLst>
+          <a:lin ang="16200000" scaled="0"/>
+        </a:gradFill>
+      </a:fillStyleLst>
+      <a:lnStyleLst>
+        <a:ln w="9525" cap="flat" cmpd="sng" algn="ctr">
+          <a:solidFill>
+            <a:schemeClr val="phClr">
+              <a:shade val="95000"/>
+              <a:satMod val="105000"/>
+            </a:schemeClr>
+          </a:solidFill>
+          <a:prstDash val="solid"/>
+        </a:ln>
+        <a:ln w="25400" cap="flat" cmpd="sng" algn="ctr">
+          <a:solidFill>
+            <a:schemeClr val="phClr"/>
+          </a:solidFill>
+          <a:prstDash val="solid"/>
+        </a:ln>
+        <a:ln w="38100" cap="flat" cmpd="sng" algn="ctr">
+          <a:solidFill>
+            <a:schemeClr val="phClr"/>
+          </a:solidFill>
+          <a:prstDash val="solid"/>
+        </a:ln>
+      </a:lnStyleLst>
+      <a:effectStyleLst>
+        <a:effectStyle>
+          <a:effectLst>
+            <a:outerShdw blurRad="40000" dist="20000" dir="5400000" rotWithShape="0">
+              <a:srgbClr val="000000">
+                <a:alpha val="38000"/>
+              </a:srgbClr>
+            </a:outerShdw>
+          </a:effectLst>
+        </a:effectStyle>
+        <a:effectStyle>
+          <a:effectLst>
+            <a:outerShdw blurRad="40000" dist="23000" dir="5400000" rotWithShape="0">
+              <a:srgbClr val="000000">
+                <a:alpha val="35000"/>
+              </a:srgbClr>
+            </a:outerShdw>
+          </a:effectLst>
+        </a:effectStyle>
+        <a:effectStyle>
+          <a:effectLst>
+            <a:outerShdw blurRad="40000" dist="23000" dir="5400000" rotWithShape="0">
+              <a:srgbClr val="000000">
+                <a:alpha val="35000"/>
+              </a:srgbClr>
+            </a:outerShdw>
+          </a:effectLst>
+          <a:scene3d>
+            <a:camera prst="orthographicFront">
+              <a:rot lat="0" lon="0" rev="0"/>
+            </a:camera>
+            <a:lightRig rig="threePt" dir="t">
+              <a:rot lat="0" lon="0" rev="1200000"/>
+            </a:lightRig>
+          </a:scene3d>
+          <a:sp3d>
+            <a:bevelT w="63500" h="25400"/>
+          </a:sp3d>
+        </a:effectStyle>
+      </a:effectStyleLst>
+      <a:bgFillStyleLst>
+        <a:solidFill>
+          <a:schemeClr val="phClr"/>
+        </a:solidFill>
+        <a:gradFill rotWithShape="1">
+          <a:gsLst>
+            <a:gs pos="0">
+              <a:schemeClr val="phClr">
+                <a:tint val="40000"/>
+                <a:satMod val="350000"/>
+              </a:schemeClr>
+            </a:gs>
+            <a:gs pos="40000">
+              <a:schemeClr val="phClr">
+                <a:tint val="45000"/>
+                <a:shade val="99000"/>
+                <a:satMod val="350000"/>
+              </a:schemeClr>
+            </a:gs>
+            <a:gs pos="100000">
+              <a:schemeClr val="phClr">
+                <a:shade val="20000"/>
+                <a:satMod val="255000"/>
+              </a:schemeClr>
+            </a:gs>
+          </a:gsLst>
+          <a:path path="circle">
+            <a:fillToRect l="50000" t="-80000" r="50000" b="180000"/>
+          </a:path>
+        </a:gradFill>
+        <a:gradFill rotWithShape="1">
+          <a:gsLst>
+            <a:gs pos="0">
+              <a:schemeClr val="phClr">
+                <a:tint val="80000"/>
+                <a:satMod val="300000"/>
+              </a:schemeClr>
+            </a:gs>
+            <a:gs pos="100000">
+              <a:schemeClr val="phClr">
+                <a:shade val="30000"/>
+                <a:satMod val="200000"/>
+              </a:schemeClr>
+            </a:gs>
+          </a:gsLst>
+          <a:path path="circle">
+            <a:fillToRect l="50000" t="50000" r="50000" b="50000"/>
+          </a:path>
+        </a:gradFill>
+      </a:bgFillStyleLst>
+    </a:fmtScheme>
+  </a:themeElements>
+  <a:objectDefaults/>
+  <a:extraClrSchemeLst/>
+</a:theme>
 </file>
--- a/poster.pptx
+++ b/poster.pptx
@@ -3986,8 +3986,8 @@
         </p:nvSpPr>
         <p:spPr>
           <a:xfrm>
-            <a:off x="1188344" y="6931075"/>
-            <a:ext cx="19010112" cy="1569660"/>
+            <a:off x="1980432" y="23708939"/>
+            <a:ext cx="8136904" cy="3785652"/>
           </a:xfrm>
           <a:prstGeom prst="rect">
             <a:avLst/>
@@ -4063,7 +4063,7 @@
       </p:pic>
       <p:pic>
         <p:nvPicPr>
-          <p:cNvPr id="1027" name="Picture 3" descr="C:\Documents and Settings\user\桌面\MobileProgramming\project\screenshot\device-2011-12-22-150203_newplaylist.png"/>
+          <p:cNvPr id="17" name="Picture 4" descr="C:\Documents and Settings\user\桌面\MobileProgramming\project\screenshot\device-2011-12-22-145919_gmap.png"/>
           <p:cNvPicPr>
             <a:picLocks noChangeAspect="1" noChangeArrowheads="1"/>
           </p:cNvPicPr>
@@ -4071,14 +4071,13 @@
         </p:nvPicPr>
         <p:blipFill>
           <a:blip r:embed="rId4" cstate="print"/>
-          <a:srcRect/>
           <a:stretch>
             <a:fillRect/>
           </a:stretch>
         </p:blipFill>
         <p:spPr bwMode="auto">
           <a:xfrm>
-            <a:off x="14869864" y="11035531"/>
+            <a:off x="2700512" y="6931075"/>
             <a:ext cx="4572000" cy="7620000"/>
           </a:xfrm>
           <a:prstGeom prst="rect">
@@ -4087,41 +4086,9 @@
           <a:noFill/>
           <a:ln w="38100">
             <a:solidFill>
-              <a:schemeClr val="accent3"/>
-            </a:solidFill>
-            <a:prstDash val="solid"/>
-          </a:ln>
-        </p:spPr>
-      </p:pic>
-      <p:pic>
-        <p:nvPicPr>
-          <p:cNvPr id="1028" name="Picture 4" descr="C:\Documents and Settings\user\桌面\MobileProgramming\project\screenshot\device-2011-12-22-145919_gmap.png"/>
-          <p:cNvPicPr>
-            <a:picLocks noChangeAspect="1" noChangeArrowheads="1"/>
-          </p:cNvPicPr>
-          <p:nvPr/>
-        </p:nvPicPr>
-        <p:blipFill>
-          <a:blip r:embed="rId5" cstate="print"/>
-          <a:srcRect/>
-          <a:stretch>
-            <a:fillRect/>
-          </a:stretch>
-        </p:blipFill>
-        <p:spPr bwMode="auto">
-          <a:xfrm>
-            <a:off x="14834368" y="21260667"/>
-            <a:ext cx="4572000" cy="7620000"/>
-          </a:xfrm>
-          <a:prstGeom prst="rect">
-            <a:avLst/>
-          </a:prstGeom>
-          <a:noFill/>
-          <a:ln w="38100">
-            <a:solidFill>
-              <a:schemeClr val="tx2">
-                <a:lumMod val="40000"/>
-                <a:lumOff val="60000"/>
+              <a:schemeClr val="accent2">
+                <a:lumMod val="60000"/>
+                <a:lumOff val="40000"/>
               </a:schemeClr>
             </a:solidFill>
           </a:ln>
@@ -4129,14 +4096,14 @@
       </p:pic>
       <p:sp>
         <p:nvSpPr>
-          <p:cNvPr id="15" name="文字方塊 14"/>
+          <p:cNvPr id="18" name="文字方塊 17"/>
           <p:cNvSpPr txBox="1"/>
           <p:nvPr/>
         </p:nvSpPr>
         <p:spPr>
           <a:xfrm>
-            <a:off x="14653840" y="19028419"/>
-            <a:ext cx="5112567" cy="2123658"/>
+            <a:off x="1980432" y="14923963"/>
+            <a:ext cx="17929992" cy="6863417"/>
           </a:xfrm>
           <a:prstGeom prst="rect">
             <a:avLst/>
@@ -4164,6 +4131,442 @@
             <a:spAutoFit/>
           </a:bodyPr>
           <a:lstStyle/>
+          <a:p>
+            <a:r>
+              <a:rPr lang="zh-TW" altLang="en-US" sz="4400" b="1" dirty="0" smtClean="0">
+                <a:ln w="10541" cmpd="sng">
+                  <a:solidFill>
+                    <a:schemeClr val="accent2">
+                      <a:lumMod val="50000"/>
+                    </a:schemeClr>
+                  </a:solidFill>
+                  <a:prstDash val="solid"/>
+                </a:ln>
+                <a:gradFill>
+                  <a:gsLst>
+                    <a:gs pos="0">
+                      <a:schemeClr val="accent2">
+                        <a:lumMod val="40000"/>
+                        <a:lumOff val="60000"/>
+                      </a:schemeClr>
+                    </a:gs>
+                    <a:gs pos="9000">
+                      <a:schemeClr val="accent2">
+                        <a:lumMod val="60000"/>
+                        <a:lumOff val="40000"/>
+                      </a:schemeClr>
+                    </a:gs>
+                    <a:gs pos="50000">
+                      <a:schemeClr val="accent2">
+                        <a:lumMod val="75000"/>
+                      </a:schemeClr>
+                    </a:gs>
+                    <a:gs pos="79000">
+                      <a:schemeClr val="accent2">
+                        <a:lumMod val="60000"/>
+                        <a:lumOff val="40000"/>
+                      </a:schemeClr>
+                    </a:gs>
+                    <a:gs pos="100000">
+                      <a:schemeClr val="accent2">
+                        <a:lumMod val="40000"/>
+                        <a:lumOff val="60000"/>
+                      </a:schemeClr>
+                    </a:gs>
+                  </a:gsLst>
+                  <a:lin ang="5400000"/>
+                </a:gradFill>
+              </a:rPr>
+              <a:t>＊</a:t>
+            </a:r>
+            <a:r>
+              <a:rPr lang="zh-TW" altLang="en-US" sz="4400" dirty="0" smtClean="0"/>
+              <a:t> </a:t>
+            </a:r>
+            <a:r>
+              <a:rPr lang="en-US" altLang="zh-TW" sz="4400" dirty="0" smtClean="0"/>
+              <a:t>Angry Runner </a:t>
+            </a:r>
+            <a:r>
+              <a:rPr lang="zh-TW" altLang="en-US" sz="4400" dirty="0" smtClean="0"/>
+              <a:t>利用手機內建的 </a:t>
+            </a:r>
+            <a:r>
+              <a:rPr lang="en-US" altLang="zh-TW" sz="4400" dirty="0" smtClean="0"/>
+              <a:t>GPS </a:t>
+            </a:r>
+            <a:r>
+              <a:rPr lang="zh-TW" altLang="en-US" sz="4400" dirty="0" smtClean="0"/>
+              <a:t>即時掌握您的運動時間、距離、和速度</a:t>
+            </a:r>
+            <a:r>
+              <a:rPr lang="zh-TW" altLang="en-US" sz="4400" dirty="0" smtClean="0"/>
+              <a:t>，並</a:t>
+            </a:r>
+            <a:r>
+              <a:rPr lang="zh-TW" altLang="en-US" sz="4400" dirty="0" smtClean="0"/>
+              <a:t>即時計算卡路里消耗量</a:t>
+            </a:r>
+            <a:r>
+              <a:rPr lang="zh-TW" altLang="en-US" sz="4400" dirty="0" smtClean="0"/>
+              <a:t>。</a:t>
+            </a:r>
+            <a:endParaRPr lang="en-US" altLang="zh-TW" sz="4400" dirty="0" smtClean="0"/>
+          </a:p>
+          <a:p>
+            <a:r>
+              <a:rPr lang="zh-TW" altLang="en-US" sz="4400" b="1" dirty="0" smtClean="0">
+                <a:ln w="10541" cmpd="sng">
+                  <a:solidFill>
+                    <a:schemeClr val="accent2">
+                      <a:lumMod val="50000"/>
+                    </a:schemeClr>
+                  </a:solidFill>
+                  <a:prstDash val="solid"/>
+                </a:ln>
+                <a:gradFill>
+                  <a:gsLst>
+                    <a:gs pos="0">
+                      <a:schemeClr val="accent2">
+                        <a:lumMod val="40000"/>
+                        <a:lumOff val="60000"/>
+                      </a:schemeClr>
+                    </a:gs>
+                    <a:gs pos="9000">
+                      <a:schemeClr val="accent2">
+                        <a:lumMod val="60000"/>
+                        <a:lumOff val="40000"/>
+                      </a:schemeClr>
+                    </a:gs>
+                    <a:gs pos="50000">
+                      <a:schemeClr val="accent2">
+                        <a:lumMod val="75000"/>
+                      </a:schemeClr>
+                    </a:gs>
+                    <a:gs pos="79000">
+                      <a:schemeClr val="accent2">
+                        <a:lumMod val="60000"/>
+                        <a:lumOff val="40000"/>
+                      </a:schemeClr>
+                    </a:gs>
+                    <a:gs pos="100000">
+                      <a:schemeClr val="accent2">
+                        <a:lumMod val="40000"/>
+                        <a:lumOff val="60000"/>
+                      </a:schemeClr>
+                    </a:gs>
+                  </a:gsLst>
+                  <a:lin ang="5400000"/>
+                </a:gradFill>
+              </a:rPr>
+              <a:t>＊</a:t>
+            </a:r>
+            <a:r>
+              <a:rPr lang="zh-TW" altLang="en-US" sz="4400" b="1" dirty="0" smtClean="0">
+                <a:ln w="10541" cmpd="sng">
+                  <a:solidFill>
+                    <a:schemeClr val="accent3">
+                      <a:lumMod val="50000"/>
+                    </a:schemeClr>
+                  </a:solidFill>
+                  <a:prstDash val="solid"/>
+                </a:ln>
+                <a:gradFill>
+                  <a:gsLst>
+                    <a:gs pos="0">
+                      <a:schemeClr val="accent3">
+                        <a:lumMod val="40000"/>
+                        <a:lumOff val="60000"/>
+                      </a:schemeClr>
+                    </a:gs>
+                    <a:gs pos="9000">
+                      <a:schemeClr val="accent3">
+                        <a:lumMod val="60000"/>
+                        <a:lumOff val="40000"/>
+                      </a:schemeClr>
+                    </a:gs>
+                    <a:gs pos="50000">
+                      <a:schemeClr val="accent3">
+                        <a:lumMod val="75000"/>
+                      </a:schemeClr>
+                    </a:gs>
+                    <a:gs pos="79000">
+                      <a:schemeClr val="accent3">
+                        <a:lumMod val="60000"/>
+                        <a:lumOff val="40000"/>
+                      </a:schemeClr>
+                    </a:gs>
+                    <a:gs pos="100000">
+                      <a:schemeClr val="accent3">
+                        <a:lumMod val="40000"/>
+                        <a:lumOff val="60000"/>
+                      </a:schemeClr>
+                    </a:gs>
+                  </a:gsLst>
+                  <a:lin ang="5400000"/>
+                </a:gradFill>
+              </a:rPr>
+              <a:t> </a:t>
+            </a:r>
+            <a:r>
+              <a:rPr lang="en-US" altLang="zh-TW" sz="4400" dirty="0" smtClean="0"/>
+              <a:t>Angry Runner </a:t>
+            </a:r>
+            <a:r>
+              <a:rPr lang="zh-TW" altLang="en-US" sz="4400" dirty="0" smtClean="0"/>
+              <a:t>會在您開始運動時自動播放音樂</a:t>
+            </a:r>
+            <a:r>
+              <a:rPr lang="zh-TW" altLang="en-US" sz="4400" dirty="0" smtClean="0"/>
+              <a:t>。</a:t>
+            </a:r>
+            <a:endParaRPr lang="en-US" altLang="zh-TW" sz="4400" dirty="0" smtClean="0"/>
+          </a:p>
+          <a:p>
+            <a:r>
+              <a:rPr lang="zh-TW" altLang="en-US" sz="4400" b="1" dirty="0" smtClean="0">
+                <a:ln w="10541" cmpd="sng">
+                  <a:solidFill>
+                    <a:schemeClr val="accent2">
+                      <a:lumMod val="50000"/>
+                    </a:schemeClr>
+                  </a:solidFill>
+                  <a:prstDash val="solid"/>
+                </a:ln>
+                <a:gradFill>
+                  <a:gsLst>
+                    <a:gs pos="0">
+                      <a:schemeClr val="accent2">
+                        <a:lumMod val="40000"/>
+                        <a:lumOff val="60000"/>
+                      </a:schemeClr>
+                    </a:gs>
+                    <a:gs pos="9000">
+                      <a:schemeClr val="accent2">
+                        <a:lumMod val="60000"/>
+                        <a:lumOff val="40000"/>
+                      </a:schemeClr>
+                    </a:gs>
+                    <a:gs pos="50000">
+                      <a:schemeClr val="accent2">
+                        <a:lumMod val="75000"/>
+                      </a:schemeClr>
+                    </a:gs>
+                    <a:gs pos="79000">
+                      <a:schemeClr val="accent2">
+                        <a:lumMod val="60000"/>
+                        <a:lumOff val="40000"/>
+                      </a:schemeClr>
+                    </a:gs>
+                    <a:gs pos="100000">
+                      <a:schemeClr val="accent2">
+                        <a:lumMod val="40000"/>
+                        <a:lumOff val="60000"/>
+                      </a:schemeClr>
+                    </a:gs>
+                  </a:gsLst>
+                  <a:lin ang="5400000"/>
+                </a:gradFill>
+              </a:rPr>
+              <a:t>＊</a:t>
+            </a:r>
+            <a:r>
+              <a:rPr lang="zh-TW" altLang="en-US" sz="4400" b="1" dirty="0" smtClean="0">
+                <a:ln w="10541" cmpd="sng">
+                  <a:solidFill>
+                    <a:schemeClr val="accent3">
+                      <a:lumMod val="50000"/>
+                    </a:schemeClr>
+                  </a:solidFill>
+                  <a:prstDash val="solid"/>
+                </a:ln>
+                <a:gradFill>
+                  <a:gsLst>
+                    <a:gs pos="0">
+                      <a:schemeClr val="accent3">
+                        <a:lumMod val="40000"/>
+                        <a:lumOff val="60000"/>
+                      </a:schemeClr>
+                    </a:gs>
+                    <a:gs pos="9000">
+                      <a:schemeClr val="accent3">
+                        <a:lumMod val="60000"/>
+                        <a:lumOff val="40000"/>
+                      </a:schemeClr>
+                    </a:gs>
+                    <a:gs pos="50000">
+                      <a:schemeClr val="accent3">
+                        <a:lumMod val="75000"/>
+                      </a:schemeClr>
+                    </a:gs>
+                    <a:gs pos="79000">
+                      <a:schemeClr val="accent3">
+                        <a:lumMod val="60000"/>
+                        <a:lumOff val="40000"/>
+                      </a:schemeClr>
+                    </a:gs>
+                    <a:gs pos="100000">
+                      <a:schemeClr val="accent3">
+                        <a:lumMod val="40000"/>
+                        <a:lumOff val="60000"/>
+                      </a:schemeClr>
+                    </a:gs>
+                  </a:gsLst>
+                  <a:lin ang="5400000"/>
+                </a:gradFill>
+              </a:rPr>
+              <a:t> </a:t>
+            </a:r>
+            <a:r>
+              <a:rPr lang="en-US" altLang="zh-TW" sz="4400" dirty="0" smtClean="0"/>
+              <a:t>Angry </a:t>
+            </a:r>
+            <a:r>
+              <a:rPr lang="en-US" altLang="zh-TW" sz="4400" dirty="0" smtClean="0"/>
+              <a:t>Runner </a:t>
+            </a:r>
+            <a:r>
+              <a:rPr lang="zh-TW" altLang="en-US" sz="4400" dirty="0" smtClean="0"/>
+              <a:t>會依您運動的速度自動調整音樂的音量，提醒您保持適當地運動速度</a:t>
+            </a:r>
+            <a:r>
+              <a:rPr lang="zh-TW" altLang="en-US" sz="4400" dirty="0" smtClean="0"/>
+              <a:t>。</a:t>
+            </a:r>
+            <a:endParaRPr lang="en-US" altLang="zh-TW" sz="4400" dirty="0" smtClean="0"/>
+          </a:p>
+          <a:p>
+            <a:r>
+              <a:rPr lang="zh-TW" altLang="en-US" sz="4400" b="1" dirty="0" smtClean="0">
+                <a:ln w="10541" cmpd="sng">
+                  <a:solidFill>
+                    <a:schemeClr val="accent3">
+                      <a:lumMod val="50000"/>
+                    </a:schemeClr>
+                  </a:solidFill>
+                  <a:prstDash val="solid"/>
+                </a:ln>
+                <a:gradFill>
+                  <a:gsLst>
+                    <a:gs pos="0">
+                      <a:schemeClr val="accent3">
+                        <a:lumMod val="40000"/>
+                        <a:lumOff val="60000"/>
+                      </a:schemeClr>
+                    </a:gs>
+                    <a:gs pos="9000">
+                      <a:schemeClr val="accent3">
+                        <a:lumMod val="60000"/>
+                        <a:lumOff val="40000"/>
+                      </a:schemeClr>
+                    </a:gs>
+                    <a:gs pos="50000">
+                      <a:schemeClr val="accent3">
+                        <a:lumMod val="75000"/>
+                      </a:schemeClr>
+                    </a:gs>
+                    <a:gs pos="79000">
+                      <a:schemeClr val="accent3">
+                        <a:lumMod val="60000"/>
+                        <a:lumOff val="40000"/>
+                      </a:schemeClr>
+                    </a:gs>
+                    <a:gs pos="100000">
+                      <a:schemeClr val="accent3">
+                        <a:lumMod val="40000"/>
+                        <a:lumOff val="60000"/>
+                      </a:schemeClr>
+                    </a:gs>
+                  </a:gsLst>
+                  <a:lin ang="5400000"/>
+                </a:gradFill>
+              </a:rPr>
+              <a:t>＊</a:t>
+            </a:r>
+            <a:r>
+              <a:rPr lang="zh-TW" altLang="en-US" sz="4400" dirty="0" smtClean="0"/>
+              <a:t>您可以在 </a:t>
+            </a:r>
+            <a:r>
+              <a:rPr lang="en-US" altLang="zh-TW" sz="4400" dirty="0" smtClean="0"/>
+              <a:t>Angry Runner </a:t>
+            </a:r>
+            <a:r>
+              <a:rPr lang="zh-TW" altLang="en-US" sz="4400" dirty="0" smtClean="0"/>
+              <a:t>指定運動時播放的音樂清單，或建立新的音樂清單</a:t>
+            </a:r>
+            <a:r>
+              <a:rPr lang="zh-TW" altLang="en-US" sz="4400" dirty="0" smtClean="0"/>
+              <a:t>。</a:t>
+            </a:r>
+            <a:endParaRPr lang="en-US" altLang="zh-TW" sz="4400" dirty="0" smtClean="0"/>
+          </a:p>
+          <a:p>
+            <a:r>
+              <a:rPr lang="zh-TW" altLang="en-US" sz="4400" b="1" dirty="0" smtClean="0">
+                <a:ln w="10541" cmpd="sng">
+                  <a:solidFill>
+                    <a:schemeClr val="accent4">
+                      <a:lumMod val="50000"/>
+                    </a:schemeClr>
+                  </a:solidFill>
+                  <a:prstDash val="solid"/>
+                </a:ln>
+                <a:gradFill>
+                  <a:gsLst>
+                    <a:gs pos="0">
+                      <a:schemeClr val="accent4">
+                        <a:lumMod val="40000"/>
+                        <a:lumOff val="60000"/>
+                      </a:schemeClr>
+                    </a:gs>
+                    <a:gs pos="9000">
+                      <a:schemeClr val="accent4">
+                        <a:lumMod val="60000"/>
+                        <a:lumOff val="40000"/>
+                      </a:schemeClr>
+                    </a:gs>
+                    <a:gs pos="50000">
+                      <a:schemeClr val="accent4">
+                        <a:lumMod val="75000"/>
+                      </a:schemeClr>
+                    </a:gs>
+                    <a:gs pos="79000">
+                      <a:schemeClr val="accent4">
+                        <a:lumMod val="60000"/>
+                        <a:lumOff val="40000"/>
+                      </a:schemeClr>
+                    </a:gs>
+                    <a:gs pos="100000">
+                      <a:schemeClr val="accent4">
+                        <a:lumMod val="40000"/>
+                        <a:lumOff val="60000"/>
+                      </a:schemeClr>
+                    </a:gs>
+                  </a:gsLst>
+                  <a:lin ang="5400000"/>
+                </a:gradFill>
+              </a:rPr>
+              <a:t>＊</a:t>
+            </a:r>
+            <a:r>
+              <a:rPr lang="zh-TW" altLang="en-US" sz="4400" dirty="0" smtClean="0"/>
+              <a:t> </a:t>
+            </a:r>
+            <a:r>
+              <a:rPr lang="en-US" altLang="zh-TW" sz="4400" dirty="0" smtClean="0"/>
+              <a:t>Angry Runner </a:t>
+            </a:r>
+            <a:r>
+              <a:rPr lang="zh-TW" altLang="en-US" sz="4400" dirty="0" smtClean="0"/>
+              <a:t>可以保存您的運動記錄，包括日期、運動時間、距離及速度</a:t>
+            </a:r>
+            <a:r>
+              <a:rPr lang="zh-TW" altLang="en-US" sz="4400" dirty="0" smtClean="0"/>
+              <a:t>。</a:t>
+            </a:r>
+            <a:endParaRPr lang="en-US" altLang="zh-TW" sz="4400" dirty="0" smtClean="0"/>
+          </a:p>
           <a:p>
             <a:r>
               <a:rPr lang="zh-TW" altLang="en-US" sz="4400" b="1" dirty="0" smtClean="0">
@@ -4220,500 +4623,12 @@
             </a:r>
             <a:r>
               <a:rPr lang="en-US" altLang="zh-TW" sz="4400" dirty="0" smtClean="0"/>
-              <a:t>Angry </a:t>
-            </a:r>
-            <a:r>
-              <a:rPr lang="en-US" altLang="zh-TW" sz="4400" dirty="0" smtClean="0"/>
-              <a:t>Runner </a:t>
-            </a:r>
-            <a:endParaRPr lang="en-US" altLang="zh-TW" sz="4400" dirty="0" smtClean="0"/>
-          </a:p>
-          <a:p>
+              <a:t>Angry Runner </a:t>
+            </a:r>
             <a:r>
               <a:rPr lang="zh-TW" altLang="en-US" sz="4400" dirty="0" smtClean="0"/>
-              <a:t>會</a:t>
-            </a:r>
-            <a:r>
-              <a:rPr lang="zh-TW" altLang="en-US" sz="4400" dirty="0" smtClean="0"/>
-              <a:t>將您的運動</a:t>
-            </a:r>
-            <a:r>
-              <a:rPr lang="zh-TW" altLang="en-US" sz="4400" dirty="0" smtClean="0"/>
-              <a:t>路徑</a:t>
-            </a:r>
-            <a:endParaRPr lang="en-US" altLang="zh-TW" sz="4400" dirty="0" smtClean="0"/>
-          </a:p>
-          <a:p>
-            <a:r>
-              <a:rPr lang="zh-TW" altLang="en-US" sz="4400" dirty="0" smtClean="0"/>
-              <a:t>即時</a:t>
-            </a:r>
-            <a:r>
-              <a:rPr lang="zh-TW" altLang="en-US" sz="4400" dirty="0" smtClean="0"/>
-              <a:t>顯示在地圖上</a:t>
-            </a:r>
-            <a:r>
-              <a:rPr lang="zh-TW" altLang="en-US" sz="4400" dirty="0" smtClean="0"/>
-              <a:t>。</a:t>
-            </a:r>
-            <a:endParaRPr lang="zh-TW" altLang="en-US" sz="4400" dirty="0"/>
-          </a:p>
-        </p:txBody>
-      </p:sp>
-      <p:sp>
-        <p:nvSpPr>
-          <p:cNvPr id="16" name="圓角矩形 15"/>
-          <p:cNvSpPr/>
-          <p:nvPr/>
-        </p:nvSpPr>
-        <p:spPr>
-          <a:xfrm>
-            <a:off x="14581832" y="19100427"/>
-            <a:ext cx="5112568" cy="10009112"/>
-          </a:xfrm>
-          <a:prstGeom prst="roundRect">
-            <a:avLst>
-              <a:gd name="adj" fmla="val 9343"/>
-            </a:avLst>
-          </a:prstGeom>
-          <a:noFill/>
-          <a:ln w="38100"/>
-        </p:spPr>
-        <p:style>
-          <a:lnRef idx="2">
-            <a:schemeClr val="accent1">
-              <a:shade val="50000"/>
-            </a:schemeClr>
-          </a:lnRef>
-          <a:fillRef idx="1">
-            <a:schemeClr val="accent1"/>
-          </a:fillRef>
-          <a:effectRef idx="0">
-            <a:schemeClr val="accent1"/>
-          </a:effectRef>
-          <a:fontRef idx="minor">
-            <a:schemeClr val="lt1"/>
-          </a:fontRef>
-        </p:style>
-        <p:txBody>
-          <a:bodyPr rtlCol="0" anchor="ctr"/>
-          <a:lstStyle/>
-          <a:p>
-            <a:pPr algn="ctr"/>
-            <a:endParaRPr lang="zh-TW" altLang="en-US"/>
-          </a:p>
-        </p:txBody>
-      </p:sp>
-      <p:pic>
-        <p:nvPicPr>
-          <p:cNvPr id="17" name="Picture 4" descr="C:\Documents and Settings\user\桌面\MobileProgramming\project\screenshot\device-2011-12-22-145919_gmap.png"/>
-          <p:cNvPicPr>
-            <a:picLocks noChangeAspect="1" noChangeArrowheads="1"/>
-          </p:cNvPicPr>
-          <p:nvPr/>
-        </p:nvPicPr>
-        <p:blipFill>
-          <a:blip r:embed="rId6" cstate="print"/>
-          <a:stretch>
-            <a:fillRect/>
-          </a:stretch>
-        </p:blipFill>
-        <p:spPr bwMode="auto">
-          <a:xfrm>
-            <a:off x="2052440" y="12907739"/>
-            <a:ext cx="4572000" cy="7620000"/>
-          </a:xfrm>
-          <a:prstGeom prst="rect">
-            <a:avLst/>
-          </a:prstGeom>
-          <a:noFill/>
-          <a:ln w="38100">
-            <a:solidFill>
-              <a:schemeClr val="accent2">
-                <a:lumMod val="60000"/>
-                <a:lumOff val="40000"/>
-              </a:schemeClr>
-            </a:solidFill>
-          </a:ln>
-        </p:spPr>
-      </p:pic>
-      <p:sp>
-        <p:nvSpPr>
-          <p:cNvPr id="18" name="文字方塊 17"/>
-          <p:cNvSpPr txBox="1"/>
-          <p:nvPr/>
-        </p:nvSpPr>
-        <p:spPr>
-          <a:xfrm>
-            <a:off x="972320" y="8659267"/>
-            <a:ext cx="12385376" cy="4154984"/>
-          </a:xfrm>
-          <a:prstGeom prst="rect">
-            <a:avLst/>
-          </a:prstGeom>
-          <a:ln>
-            <a:noFill/>
-          </a:ln>
-        </p:spPr>
-        <p:style>
-          <a:lnRef idx="2">
-            <a:schemeClr val="accent2"/>
-          </a:lnRef>
-          <a:fillRef idx="1">
-            <a:schemeClr val="lt1"/>
-          </a:fillRef>
-          <a:effectRef idx="0">
-            <a:schemeClr val="accent2"/>
-          </a:effectRef>
-          <a:fontRef idx="minor">
-            <a:schemeClr val="dk1"/>
-          </a:fontRef>
-        </p:style>
-        <p:txBody>
-          <a:bodyPr wrap="square" rtlCol="0">
-            <a:spAutoFit/>
-          </a:bodyPr>
-          <a:lstStyle/>
-          <a:p>
-            <a:r>
-              <a:rPr lang="zh-TW" altLang="en-US" sz="4400" b="1" dirty="0" smtClean="0">
-                <a:ln w="10541" cmpd="sng">
-                  <a:solidFill>
-                    <a:schemeClr val="accent2">
-                      <a:lumMod val="50000"/>
-                    </a:schemeClr>
-                  </a:solidFill>
-                  <a:prstDash val="solid"/>
-                </a:ln>
-                <a:gradFill>
-                  <a:gsLst>
-                    <a:gs pos="0">
-                      <a:schemeClr val="accent2">
-                        <a:lumMod val="40000"/>
-                        <a:lumOff val="60000"/>
-                      </a:schemeClr>
-                    </a:gs>
-                    <a:gs pos="9000">
-                      <a:schemeClr val="accent2">
-                        <a:lumMod val="60000"/>
-                        <a:lumOff val="40000"/>
-                      </a:schemeClr>
-                    </a:gs>
-                    <a:gs pos="50000">
-                      <a:schemeClr val="accent2">
-                        <a:lumMod val="75000"/>
-                      </a:schemeClr>
-                    </a:gs>
-                    <a:gs pos="79000">
-                      <a:schemeClr val="accent2">
-                        <a:lumMod val="60000"/>
-                        <a:lumOff val="40000"/>
-                      </a:schemeClr>
-                    </a:gs>
-                    <a:gs pos="100000">
-                      <a:schemeClr val="accent2">
-                        <a:lumMod val="40000"/>
-                        <a:lumOff val="60000"/>
-                      </a:schemeClr>
-                    </a:gs>
-                  </a:gsLst>
-                  <a:lin ang="5400000"/>
-                </a:gradFill>
-              </a:rPr>
-              <a:t>＊</a:t>
-            </a:r>
-            <a:r>
-              <a:rPr lang="zh-TW" altLang="en-US" sz="4400" dirty="0" smtClean="0"/>
-              <a:t> </a:t>
-            </a:r>
-            <a:r>
-              <a:rPr lang="en-US" altLang="zh-TW" sz="4400" dirty="0" smtClean="0"/>
-              <a:t>Angry Runner </a:t>
-            </a:r>
-            <a:r>
-              <a:rPr lang="zh-TW" altLang="en-US" sz="4400" dirty="0" smtClean="0"/>
-              <a:t>利用手機內建的 </a:t>
-            </a:r>
-            <a:r>
-              <a:rPr lang="en-US" altLang="zh-TW" sz="4400" dirty="0" smtClean="0"/>
-              <a:t>GPS </a:t>
-            </a:r>
-            <a:r>
-              <a:rPr lang="zh-TW" altLang="en-US" sz="4400" dirty="0" smtClean="0"/>
-              <a:t>即時掌握您的運動時間、距離、和速度</a:t>
-            </a:r>
-            <a:r>
-              <a:rPr lang="zh-TW" altLang="en-US" sz="4400" dirty="0" smtClean="0"/>
-              <a:t>，並</a:t>
-            </a:r>
-            <a:r>
-              <a:rPr lang="zh-TW" altLang="en-US" sz="4400" dirty="0" smtClean="0"/>
-              <a:t>即時計算卡路里消耗量</a:t>
-            </a:r>
-            <a:r>
-              <a:rPr lang="zh-TW" altLang="en-US" sz="4400" dirty="0" smtClean="0"/>
-              <a:t>。</a:t>
-            </a:r>
-            <a:endParaRPr lang="en-US" altLang="zh-TW" sz="4400" dirty="0" smtClean="0"/>
-          </a:p>
-          <a:p>
-            <a:r>
-              <a:rPr lang="zh-TW" altLang="en-US" sz="4400" b="1" dirty="0" smtClean="0">
-                <a:ln w="10541" cmpd="sng">
-                  <a:solidFill>
-                    <a:schemeClr val="accent2">
-                      <a:lumMod val="50000"/>
-                    </a:schemeClr>
-                  </a:solidFill>
-                  <a:prstDash val="solid"/>
-                </a:ln>
-                <a:gradFill>
-                  <a:gsLst>
-                    <a:gs pos="0">
-                      <a:schemeClr val="accent2">
-                        <a:lumMod val="40000"/>
-                        <a:lumOff val="60000"/>
-                      </a:schemeClr>
-                    </a:gs>
-                    <a:gs pos="9000">
-                      <a:schemeClr val="accent2">
-                        <a:lumMod val="60000"/>
-                        <a:lumOff val="40000"/>
-                      </a:schemeClr>
-                    </a:gs>
-                    <a:gs pos="50000">
-                      <a:schemeClr val="accent2">
-                        <a:lumMod val="75000"/>
-                      </a:schemeClr>
-                    </a:gs>
-                    <a:gs pos="79000">
-                      <a:schemeClr val="accent2">
-                        <a:lumMod val="60000"/>
-                        <a:lumOff val="40000"/>
-                      </a:schemeClr>
-                    </a:gs>
-                    <a:gs pos="100000">
-                      <a:schemeClr val="accent2">
-                        <a:lumMod val="40000"/>
-                        <a:lumOff val="60000"/>
-                      </a:schemeClr>
-                    </a:gs>
-                  </a:gsLst>
-                  <a:lin ang="5400000"/>
-                </a:gradFill>
-              </a:rPr>
-              <a:t>＊</a:t>
-            </a:r>
-            <a:r>
-              <a:rPr lang="zh-TW" altLang="en-US" sz="4400" b="1" dirty="0" smtClean="0">
-                <a:ln w="10541" cmpd="sng">
-                  <a:solidFill>
-                    <a:schemeClr val="accent3">
-                      <a:lumMod val="50000"/>
-                    </a:schemeClr>
-                  </a:solidFill>
-                  <a:prstDash val="solid"/>
-                </a:ln>
-                <a:gradFill>
-                  <a:gsLst>
-                    <a:gs pos="0">
-                      <a:schemeClr val="accent3">
-                        <a:lumMod val="40000"/>
-                        <a:lumOff val="60000"/>
-                      </a:schemeClr>
-                    </a:gs>
-                    <a:gs pos="9000">
-                      <a:schemeClr val="accent3">
-                        <a:lumMod val="60000"/>
-                        <a:lumOff val="40000"/>
-                      </a:schemeClr>
-                    </a:gs>
-                    <a:gs pos="50000">
-                      <a:schemeClr val="accent3">
-                        <a:lumMod val="75000"/>
-                      </a:schemeClr>
-                    </a:gs>
-                    <a:gs pos="79000">
-                      <a:schemeClr val="accent3">
-                        <a:lumMod val="60000"/>
-                        <a:lumOff val="40000"/>
-                      </a:schemeClr>
-                    </a:gs>
-                    <a:gs pos="100000">
-                      <a:schemeClr val="accent3">
-                        <a:lumMod val="40000"/>
-                        <a:lumOff val="60000"/>
-                      </a:schemeClr>
-                    </a:gs>
-                  </a:gsLst>
-                  <a:lin ang="5400000"/>
-                </a:gradFill>
-              </a:rPr>
-              <a:t> </a:t>
-            </a:r>
-            <a:r>
-              <a:rPr lang="en-US" altLang="zh-TW" sz="4400" dirty="0" smtClean="0"/>
-              <a:t>Angry Runner </a:t>
-            </a:r>
-            <a:r>
-              <a:rPr lang="zh-TW" altLang="en-US" sz="4400" dirty="0" smtClean="0"/>
-              <a:t>會在您開始運動時自動播放音樂</a:t>
-            </a:r>
-            <a:r>
-              <a:rPr lang="zh-TW" altLang="en-US" sz="4400" dirty="0" smtClean="0"/>
-              <a:t>。</a:t>
-            </a:r>
-            <a:endParaRPr lang="en-US" altLang="zh-TW" sz="4400" dirty="0" smtClean="0"/>
-          </a:p>
-          <a:p>
-            <a:r>
-              <a:rPr lang="zh-TW" altLang="en-US" sz="4400" b="1" dirty="0" smtClean="0">
-                <a:ln w="10541" cmpd="sng">
-                  <a:solidFill>
-                    <a:schemeClr val="accent2">
-                      <a:lumMod val="50000"/>
-                    </a:schemeClr>
-                  </a:solidFill>
-                  <a:prstDash val="solid"/>
-                </a:ln>
-                <a:gradFill>
-                  <a:gsLst>
-                    <a:gs pos="0">
-                      <a:schemeClr val="accent2">
-                        <a:lumMod val="40000"/>
-                        <a:lumOff val="60000"/>
-                      </a:schemeClr>
-                    </a:gs>
-                    <a:gs pos="9000">
-                      <a:schemeClr val="accent2">
-                        <a:lumMod val="60000"/>
-                        <a:lumOff val="40000"/>
-                      </a:schemeClr>
-                    </a:gs>
-                    <a:gs pos="50000">
-                      <a:schemeClr val="accent2">
-                        <a:lumMod val="75000"/>
-                      </a:schemeClr>
-                    </a:gs>
-                    <a:gs pos="79000">
-                      <a:schemeClr val="accent2">
-                        <a:lumMod val="60000"/>
-                        <a:lumOff val="40000"/>
-                      </a:schemeClr>
-                    </a:gs>
-                    <a:gs pos="100000">
-                      <a:schemeClr val="accent2">
-                        <a:lumMod val="40000"/>
-                        <a:lumOff val="60000"/>
-                      </a:schemeClr>
-                    </a:gs>
-                  </a:gsLst>
-                  <a:lin ang="5400000"/>
-                </a:gradFill>
-              </a:rPr>
-              <a:t>＊</a:t>
-            </a:r>
-            <a:r>
-              <a:rPr lang="zh-TW" altLang="en-US" sz="4400" b="1" dirty="0" smtClean="0">
-                <a:ln w="10541" cmpd="sng">
-                  <a:solidFill>
-                    <a:schemeClr val="accent3">
-                      <a:lumMod val="50000"/>
-                    </a:schemeClr>
-                  </a:solidFill>
-                  <a:prstDash val="solid"/>
-                </a:ln>
-                <a:gradFill>
-                  <a:gsLst>
-                    <a:gs pos="0">
-                      <a:schemeClr val="accent3">
-                        <a:lumMod val="40000"/>
-                        <a:lumOff val="60000"/>
-                      </a:schemeClr>
-                    </a:gs>
-                    <a:gs pos="9000">
-                      <a:schemeClr val="accent3">
-                        <a:lumMod val="60000"/>
-                        <a:lumOff val="40000"/>
-                      </a:schemeClr>
-                    </a:gs>
-                    <a:gs pos="50000">
-                      <a:schemeClr val="accent3">
-                        <a:lumMod val="75000"/>
-                      </a:schemeClr>
-                    </a:gs>
-                    <a:gs pos="79000">
-                      <a:schemeClr val="accent3">
-                        <a:lumMod val="60000"/>
-                        <a:lumOff val="40000"/>
-                      </a:schemeClr>
-                    </a:gs>
-                    <a:gs pos="100000">
-                      <a:schemeClr val="accent3">
-                        <a:lumMod val="40000"/>
-                        <a:lumOff val="60000"/>
-                      </a:schemeClr>
-                    </a:gs>
-                  </a:gsLst>
-                  <a:lin ang="5400000"/>
-                </a:gradFill>
-              </a:rPr>
-              <a:t> </a:t>
-            </a:r>
-            <a:r>
-              <a:rPr lang="en-US" altLang="zh-TW" sz="4400" dirty="0" smtClean="0"/>
-              <a:t>Angry </a:t>
-            </a:r>
-            <a:r>
-              <a:rPr lang="en-US" altLang="zh-TW" sz="4400" dirty="0" smtClean="0"/>
-              <a:t>Runner </a:t>
-            </a:r>
-            <a:r>
-              <a:rPr lang="zh-TW" altLang="en-US" sz="4400" dirty="0" smtClean="0"/>
-              <a:t>會依您運動的速度自動調整音樂的音量，提醒您保持適當地運動速度。</a:t>
-            </a:r>
-          </a:p>
-        </p:txBody>
-      </p:sp>
-      <p:sp>
-        <p:nvSpPr>
-          <p:cNvPr id="19" name="圓角矩形 18"/>
-          <p:cNvSpPr/>
-          <p:nvPr/>
-        </p:nvSpPr>
-        <p:spPr>
-          <a:xfrm>
-            <a:off x="900312" y="8731275"/>
-            <a:ext cx="12457384" cy="12097344"/>
-          </a:xfrm>
-          <a:prstGeom prst="roundRect">
-            <a:avLst>
-              <a:gd name="adj" fmla="val 5042"/>
-            </a:avLst>
-          </a:prstGeom>
-          <a:noFill/>
-          <a:ln w="38100"/>
-        </p:spPr>
-        <p:style>
-          <a:lnRef idx="2">
-            <a:schemeClr val="accent2"/>
-          </a:lnRef>
-          <a:fillRef idx="1">
-            <a:schemeClr val="lt1"/>
-          </a:fillRef>
-          <a:effectRef idx="0">
-            <a:schemeClr val="accent2"/>
-          </a:effectRef>
-          <a:fontRef idx="minor">
-            <a:schemeClr val="dk1"/>
-          </a:fontRef>
-        </p:style>
-        <p:txBody>
-          <a:bodyPr rtlCol="0" anchor="ctr"/>
-          <a:lstStyle/>
-          <a:p>
-            <a:pPr algn="ctr"/>
-            <a:endParaRPr lang="zh-TW" altLang="en-US"/>
+              <a:t>會將您的運動路徑即時顯示在地圖上。</a:t>
+            </a:r>
           </a:p>
         </p:txBody>
       </p:sp>
@@ -4726,14 +4641,14 @@
           <p:nvPr/>
         </p:nvPicPr>
         <p:blipFill>
-          <a:blip r:embed="rId7" cstate="print"/>
+          <a:blip r:embed="rId5" cstate="print"/>
           <a:stretch>
             <a:fillRect/>
           </a:stretch>
         </p:blipFill>
         <p:spPr bwMode="auto">
           <a:xfrm>
-            <a:off x="7597056" y="21260667"/>
+            <a:off x="14221792" y="6931075"/>
             <a:ext cx="4572000" cy="7620000"/>
           </a:xfrm>
           <a:prstGeom prst="rect">
@@ -4750,303 +4665,6 @@
           </a:ln>
         </p:spPr>
       </p:pic>
-      <p:sp>
-        <p:nvSpPr>
-          <p:cNvPr id="21" name="文字方塊 20"/>
-          <p:cNvSpPr txBox="1"/>
-          <p:nvPr/>
-        </p:nvSpPr>
-        <p:spPr>
-          <a:xfrm>
-            <a:off x="1548384" y="23852955"/>
-            <a:ext cx="5365104" cy="2800767"/>
-          </a:xfrm>
-          <a:prstGeom prst="rect">
-            <a:avLst/>
-          </a:prstGeom>
-          <a:ln>
-            <a:noFill/>
-          </a:ln>
-        </p:spPr>
-        <p:style>
-          <a:lnRef idx="2">
-            <a:schemeClr val="accent2"/>
-          </a:lnRef>
-          <a:fillRef idx="1">
-            <a:schemeClr val="lt1"/>
-          </a:fillRef>
-          <a:effectRef idx="0">
-            <a:schemeClr val="accent2"/>
-          </a:effectRef>
-          <a:fontRef idx="minor">
-            <a:schemeClr val="dk1"/>
-          </a:fontRef>
-        </p:style>
-        <p:txBody>
-          <a:bodyPr wrap="square" rtlCol="0">
-            <a:spAutoFit/>
-          </a:bodyPr>
-          <a:lstStyle/>
-          <a:p>
-            <a:r>
-              <a:rPr lang="zh-TW" altLang="en-US" sz="4400" b="1" dirty="0" smtClean="0">
-                <a:ln w="10541" cmpd="sng">
-                  <a:solidFill>
-                    <a:schemeClr val="accent4">
-                      <a:lumMod val="50000"/>
-                    </a:schemeClr>
-                  </a:solidFill>
-                  <a:prstDash val="solid"/>
-                </a:ln>
-                <a:gradFill>
-                  <a:gsLst>
-                    <a:gs pos="0">
-                      <a:schemeClr val="accent4">
-                        <a:lumMod val="40000"/>
-                        <a:lumOff val="60000"/>
-                      </a:schemeClr>
-                    </a:gs>
-                    <a:gs pos="9000">
-                      <a:schemeClr val="accent4">
-                        <a:lumMod val="60000"/>
-                        <a:lumOff val="40000"/>
-                      </a:schemeClr>
-                    </a:gs>
-                    <a:gs pos="50000">
-                      <a:schemeClr val="accent4">
-                        <a:lumMod val="75000"/>
-                      </a:schemeClr>
-                    </a:gs>
-                    <a:gs pos="79000">
-                      <a:schemeClr val="accent4">
-                        <a:lumMod val="60000"/>
-                        <a:lumOff val="40000"/>
-                      </a:schemeClr>
-                    </a:gs>
-                    <a:gs pos="100000">
-                      <a:schemeClr val="accent4">
-                        <a:lumMod val="40000"/>
-                        <a:lumOff val="60000"/>
-                      </a:schemeClr>
-                    </a:gs>
-                  </a:gsLst>
-                  <a:lin ang="5400000"/>
-                </a:gradFill>
-              </a:rPr>
-              <a:t>＊</a:t>
-            </a:r>
-            <a:r>
-              <a:rPr lang="zh-TW" altLang="en-US" sz="4400" dirty="0" smtClean="0"/>
-              <a:t> </a:t>
-            </a:r>
-            <a:r>
-              <a:rPr lang="en-US" altLang="zh-TW" sz="4400" dirty="0" smtClean="0"/>
-              <a:t>Angry Runner </a:t>
-            </a:r>
-            <a:r>
-              <a:rPr lang="zh-TW" altLang="en-US" sz="4400" dirty="0" smtClean="0"/>
-              <a:t>可以</a:t>
-            </a:r>
-            <a:r>
-              <a:rPr lang="zh-TW" altLang="en-US" sz="4400" dirty="0" smtClean="0"/>
-              <a:t>保存</a:t>
-            </a:r>
-            <a:r>
-              <a:rPr lang="zh-TW" altLang="en-US" sz="4400" dirty="0" smtClean="0"/>
-              <a:t>您的運動記錄，包括日期、運動時間、距離及速度。</a:t>
-            </a:r>
-            <a:endParaRPr lang="zh-TW" altLang="en-US" sz="4400" dirty="0"/>
-          </a:p>
-        </p:txBody>
-      </p:sp>
-      <p:sp>
-        <p:nvSpPr>
-          <p:cNvPr id="22" name="圓角矩形 21"/>
-          <p:cNvSpPr/>
-          <p:nvPr/>
-        </p:nvSpPr>
-        <p:spPr>
-          <a:xfrm>
-            <a:off x="1404368" y="21044643"/>
-            <a:ext cx="11161240" cy="7992888"/>
-          </a:xfrm>
-          <a:prstGeom prst="roundRect">
-            <a:avLst>
-              <a:gd name="adj" fmla="val 6658"/>
-            </a:avLst>
-          </a:prstGeom>
-          <a:noFill/>
-          <a:ln w="38100"/>
-        </p:spPr>
-        <p:style>
-          <a:lnRef idx="2">
-            <a:schemeClr val="accent4"/>
-          </a:lnRef>
-          <a:fillRef idx="1">
-            <a:schemeClr val="lt1"/>
-          </a:fillRef>
-          <a:effectRef idx="0">
-            <a:schemeClr val="accent4"/>
-          </a:effectRef>
-          <a:fontRef idx="minor">
-            <a:schemeClr val="dk1"/>
-          </a:fontRef>
-        </p:style>
-        <p:txBody>
-          <a:bodyPr rtlCol="0" anchor="ctr"/>
-          <a:lstStyle/>
-          <a:p>
-            <a:pPr algn="ctr"/>
-            <a:endParaRPr lang="zh-TW" altLang="en-US"/>
-          </a:p>
-        </p:txBody>
-      </p:sp>
-      <p:sp>
-        <p:nvSpPr>
-          <p:cNvPr id="23" name="文字方塊 22"/>
-          <p:cNvSpPr txBox="1"/>
-          <p:nvPr/>
-        </p:nvSpPr>
-        <p:spPr>
-          <a:xfrm>
-            <a:off x="13789744" y="8731275"/>
-            <a:ext cx="6552728" cy="2123658"/>
-          </a:xfrm>
-          <a:prstGeom prst="rect">
-            <a:avLst/>
-          </a:prstGeom>
-          <a:noFill/>
-        </p:spPr>
-        <p:txBody>
-          <a:bodyPr wrap="square" rtlCol="0">
-            <a:spAutoFit/>
-          </a:bodyPr>
-          <a:lstStyle/>
-          <a:p>
-            <a:r>
-              <a:rPr lang="zh-TW" altLang="en-US" sz="4400" b="1" dirty="0" smtClean="0">
-                <a:ln w="10541" cmpd="sng">
-                  <a:solidFill>
-                    <a:schemeClr val="accent3">
-                      <a:lumMod val="50000"/>
-                    </a:schemeClr>
-                  </a:solidFill>
-                  <a:prstDash val="solid"/>
-                </a:ln>
-                <a:gradFill>
-                  <a:gsLst>
-                    <a:gs pos="0">
-                      <a:schemeClr val="accent3">
-                        <a:lumMod val="40000"/>
-                        <a:lumOff val="60000"/>
-                      </a:schemeClr>
-                    </a:gs>
-                    <a:gs pos="9000">
-                      <a:schemeClr val="accent3">
-                        <a:lumMod val="60000"/>
-                        <a:lumOff val="40000"/>
-                      </a:schemeClr>
-                    </a:gs>
-                    <a:gs pos="50000">
-                      <a:schemeClr val="accent3">
-                        <a:lumMod val="75000"/>
-                      </a:schemeClr>
-                    </a:gs>
-                    <a:gs pos="79000">
-                      <a:schemeClr val="accent3">
-                        <a:lumMod val="60000"/>
-                        <a:lumOff val="40000"/>
-                      </a:schemeClr>
-                    </a:gs>
-                    <a:gs pos="100000">
-                      <a:schemeClr val="accent3">
-                        <a:lumMod val="40000"/>
-                        <a:lumOff val="60000"/>
-                      </a:schemeClr>
-                    </a:gs>
-                  </a:gsLst>
-                  <a:lin ang="5400000"/>
-                </a:gradFill>
-              </a:rPr>
-              <a:t>＊</a:t>
-            </a:r>
-            <a:r>
-              <a:rPr lang="zh-TW" altLang="en-US" sz="4400" dirty="0" smtClean="0">
-                <a:solidFill>
-                  <a:schemeClr val="dk1"/>
-                </a:solidFill>
-              </a:rPr>
-              <a:t>您</a:t>
-            </a:r>
-            <a:r>
-              <a:rPr lang="zh-TW" altLang="en-US" sz="4400" dirty="0" smtClean="0">
-                <a:solidFill>
-                  <a:schemeClr val="dk1"/>
-                </a:solidFill>
-              </a:rPr>
-              <a:t>可以在 </a:t>
-            </a:r>
-            <a:r>
-              <a:rPr lang="en-US" altLang="zh-TW" sz="4400" dirty="0" smtClean="0">
-                <a:solidFill>
-                  <a:schemeClr val="dk1"/>
-                </a:solidFill>
-              </a:rPr>
-              <a:t>Angry Runner </a:t>
-            </a:r>
-            <a:r>
-              <a:rPr lang="zh-TW" altLang="en-US" sz="4400" dirty="0" smtClean="0">
-                <a:solidFill>
-                  <a:schemeClr val="dk1"/>
-                </a:solidFill>
-              </a:rPr>
-              <a:t>指定運動時播放的音樂清單，或建立新的音樂清單。</a:t>
-            </a:r>
-          </a:p>
-        </p:txBody>
-      </p:sp>
-      <p:sp>
-        <p:nvSpPr>
-          <p:cNvPr id="24" name="圓角矩形 23"/>
-          <p:cNvSpPr/>
-          <p:nvPr/>
-        </p:nvSpPr>
-        <p:spPr>
-          <a:xfrm>
-            <a:off x="13789744" y="8731275"/>
-            <a:ext cx="6696744" cy="10153128"/>
-          </a:xfrm>
-          <a:prstGeom prst="roundRect">
-            <a:avLst>
-              <a:gd name="adj" fmla="val 9343"/>
-            </a:avLst>
-          </a:prstGeom>
-          <a:noFill/>
-          <a:ln w="38100"/>
-        </p:spPr>
-        <p:style>
-          <a:lnRef idx="2">
-            <a:schemeClr val="accent3"/>
-          </a:lnRef>
-          <a:fillRef idx="1">
-            <a:schemeClr val="lt1"/>
-          </a:fillRef>
-          <a:effectRef idx="0">
-            <a:schemeClr val="accent3"/>
-          </a:effectRef>
-          <a:fontRef idx="minor">
-            <a:schemeClr val="dk1"/>
-          </a:fontRef>
-        </p:style>
-        <p:txBody>
-          <a:bodyPr rtlCol="0" anchor="ctr"/>
-          <a:lstStyle/>
-          <a:p>
-            <a:pPr algn="ctr"/>
-            <a:endParaRPr lang="zh-TW" altLang="en-US"/>
-          </a:p>
-        </p:txBody>
-      </p:sp>
       <p:pic>
         <p:nvPicPr>
           <p:cNvPr id="25" name="Picture 4" descr="C:\Documents and Settings\user\桌面\MobileProgramming\project\screenshot\device-2011-12-22-145919_gmap.png"/>
@@ -5056,14 +4674,14 @@
           <p:nvPr/>
         </p:nvPicPr>
         <p:blipFill>
-          <a:blip r:embed="rId8" cstate="print"/>
+          <a:blip r:embed="rId6" cstate="print"/>
           <a:stretch>
             <a:fillRect/>
           </a:stretch>
         </p:blipFill>
         <p:spPr bwMode="auto">
           <a:xfrm>
-            <a:off x="7597056" y="12907739"/>
+            <a:off x="8461152" y="6931075"/>
             <a:ext cx="4572000" cy="7620000"/>
           </a:xfrm>
           <a:prstGeom prst="rect">
@@ -5072,7 +4690,7 @@
           <a:noFill/>
           <a:ln w="38100">
             <a:solidFill>
-              <a:schemeClr val="accent2">
+              <a:schemeClr val="accent3">
                 <a:lumMod val="60000"/>
                 <a:lumOff val="40000"/>
               </a:schemeClr>
@@ -5080,6 +4698,351 @@
           </a:ln>
         </p:spPr>
       </p:pic>
+      <p:grpSp>
+        <p:nvGrpSpPr>
+          <p:cNvPr id="26" name="群組 25"/>
+          <p:cNvGrpSpPr/>
+          <p:nvPr/>
+        </p:nvGrpSpPr>
+        <p:grpSpPr>
+          <a:xfrm>
+            <a:off x="11557496" y="22050183"/>
+            <a:ext cx="8074078" cy="6987348"/>
+            <a:chOff x="1498585" y="7390507"/>
+            <a:chExt cx="9082190" cy="7859773"/>
+          </a:xfrm>
+        </p:grpSpPr>
+        <p:pic>
+          <p:nvPicPr>
+            <p:cNvPr id="27" name="Picture 4"/>
+            <p:cNvPicPr>
+              <a:picLocks noChangeAspect="1" noChangeArrowheads="1"/>
+            </p:cNvPicPr>
+            <p:nvPr/>
+          </p:nvPicPr>
+          <p:blipFill>
+            <a:blip r:embed="rId7" cstate="print">
+              <a:extLst>
+                <a:ext uri="{28A0092B-C50C-407E-A947-70E740481C1C}">
+                  <a14:useLocalDpi xmlns:a14="http://schemas.microsoft.com/office/drawing/2010/main" xmlns="" val="0"/>
+                </a:ext>
+              </a:extLst>
+            </a:blip>
+            <a:stretch>
+              <a:fillRect/>
+            </a:stretch>
+          </p:blipFill>
+          <p:spPr bwMode="auto">
+            <a:xfrm>
+              <a:off x="6008775" y="7435131"/>
+              <a:ext cx="4572000" cy="3429000"/>
+            </a:xfrm>
+            <a:prstGeom prst="rect">
+              <a:avLst/>
+            </a:prstGeom>
+            <a:ln>
+              <a:noFill/>
+            </a:ln>
+            <a:effectLst>
+              <a:softEdge rad="112500"/>
+            </a:effectLst>
+            <a:extLst>
+              <a:ext uri="{909E8E84-426E-40DD-AFC4-6F175D3DCCD1}">
+                <a14:hiddenFill xmlns:a14="http://schemas.microsoft.com/office/drawing/2010/main" xmlns="">
+                  <a:solidFill>
+                    <a:srgbClr val="FFFFFF"/>
+                  </a:solidFill>
+                </a14:hiddenFill>
+              </a:ext>
+            </a:extLst>
+          </p:spPr>
+        </p:pic>
+        <p:pic>
+          <p:nvPicPr>
+            <p:cNvPr id="28" name="Picture 2"/>
+            <p:cNvPicPr>
+              <a:picLocks noChangeAspect="1" noChangeArrowheads="1"/>
+            </p:cNvPicPr>
+            <p:nvPr/>
+          </p:nvPicPr>
+          <p:blipFill rotWithShape="1">
+            <a:blip r:embed="rId8" cstate="print">
+              <a:extLst>
+                <a:ext uri="{BEBA8EAE-BF5A-486C-A8C5-ECC9F3942E4B}">
+                  <a14:imgProps xmlns:a14="http://schemas.microsoft.com/office/drawing/2010/main" xmlns="">
+                    <a14:imgLayer r:embed="rId9">
+                      <a14:imgEffect>
+                        <a14:sharpenSoften amount="50000"/>
+                      </a14:imgEffect>
+                    </a14:imgLayer>
+                  </a14:imgProps>
+                </a:ext>
+                <a:ext uri="{28A0092B-C50C-407E-A947-70E740481C1C}">
+                  <a14:useLocalDpi xmlns:a14="http://schemas.microsoft.com/office/drawing/2010/main" xmlns="" val="0"/>
+                </a:ext>
+              </a:extLst>
+            </a:blip>
+            <a:srcRect b="49206"/>
+            <a:stretch/>
+          </p:blipFill>
+          <p:spPr bwMode="auto">
+            <a:xfrm>
+              <a:off x="4136567" y="12043643"/>
+              <a:ext cx="3780000" cy="3206637"/>
+            </a:xfrm>
+            <a:prstGeom prst="rect">
+              <a:avLst/>
+            </a:prstGeom>
+            <a:ln>
+              <a:noFill/>
+            </a:ln>
+            <a:effectLst>
+              <a:outerShdw blurRad="50800" dist="50800" dir="5400000" algn="ctr" rotWithShape="0">
+                <a:srgbClr val="000000">
+                  <a:alpha val="40000"/>
+                </a:srgbClr>
+              </a:outerShdw>
+              <a:softEdge rad="112500"/>
+            </a:effectLst>
+            <a:extLst>
+              <a:ext uri="{909E8E84-426E-40DD-AFC4-6F175D3DCCD1}">
+                <a14:hiddenFill xmlns:a14="http://schemas.microsoft.com/office/drawing/2010/main" xmlns="">
+                  <a:solidFill>
+                    <a:srgbClr val="FFFFFF"/>
+                  </a:solidFill>
+                </a14:hiddenFill>
+              </a:ext>
+            </a:extLst>
+          </p:spPr>
+        </p:pic>
+        <p:pic>
+          <p:nvPicPr>
+            <p:cNvPr id="29" name="Picture 2" descr="C:\Users\user\Pictures\20111225\IMAG0038.jpg"/>
+            <p:cNvPicPr>
+              <a:picLocks noChangeAspect="1" noChangeArrowheads="1"/>
+            </p:cNvPicPr>
+            <p:nvPr/>
+          </p:nvPicPr>
+          <p:blipFill>
+            <a:blip r:embed="rId10" cstate="print">
+              <a:extLst>
+                <a:ext uri="{BEBA8EAE-BF5A-486C-A8C5-ECC9F3942E4B}">
+                  <a14:imgProps xmlns:a14="http://schemas.microsoft.com/office/drawing/2010/main" xmlns="">
+                    <a14:imgLayer r:embed="rId11">
+                      <a14:imgEffect>
+                        <a14:sharpenSoften amount="50000"/>
+                      </a14:imgEffect>
+                    </a14:imgLayer>
+                  </a14:imgProps>
+                </a:ext>
+                <a:ext uri="{28A0092B-C50C-407E-A947-70E740481C1C}">
+                  <a14:useLocalDpi xmlns:a14="http://schemas.microsoft.com/office/drawing/2010/main" xmlns="" val="0"/>
+                </a:ext>
+              </a:extLst>
+            </a:blip>
+            <a:srcRect/>
+            <a:stretch>
+              <a:fillRect/>
+            </a:stretch>
+          </p:blipFill>
+          <p:spPr bwMode="auto">
+            <a:xfrm>
+              <a:off x="7854940" y="10747499"/>
+              <a:ext cx="2694444" cy="4500000"/>
+            </a:xfrm>
+            <a:prstGeom prst="rect">
+              <a:avLst/>
+            </a:prstGeom>
+            <a:ln>
+              <a:noFill/>
+            </a:ln>
+            <a:effectLst>
+              <a:softEdge rad="112500"/>
+            </a:effectLst>
+            <a:extLst>
+              <a:ext uri="{909E8E84-426E-40DD-AFC4-6F175D3DCCD1}">
+                <a14:hiddenFill xmlns:a14="http://schemas.microsoft.com/office/drawing/2010/main" xmlns="">
+                  <a:solidFill>
+                    <a:srgbClr val="FFFFFF"/>
+                  </a:solidFill>
+                </a14:hiddenFill>
+              </a:ext>
+            </a:extLst>
+          </p:spPr>
+        </p:pic>
+        <p:pic>
+          <p:nvPicPr>
+            <p:cNvPr id="30" name="Picture 2"/>
+            <p:cNvPicPr>
+              <a:picLocks noChangeAspect="1" noChangeArrowheads="1"/>
+            </p:cNvPicPr>
+            <p:nvPr/>
+          </p:nvPicPr>
+          <p:blipFill>
+            <a:blip r:embed="rId12" cstate="print">
+              <a:extLst>
+                <a:ext uri="{BEBA8EAE-BF5A-486C-A8C5-ECC9F3942E4B}">
+                  <a14:imgProps xmlns:a14="http://schemas.microsoft.com/office/drawing/2010/main" xmlns="">
+                    <a14:imgLayer r:embed="rId13">
+                      <a14:imgEffect>
+                        <a14:sharpenSoften amount="50000"/>
+                      </a14:imgEffect>
+                    </a14:imgLayer>
+                  </a14:imgProps>
+                </a:ext>
+                <a:ext uri="{28A0092B-C50C-407E-A947-70E740481C1C}">
+                  <a14:useLocalDpi xmlns:a14="http://schemas.microsoft.com/office/drawing/2010/main" xmlns="" val="0"/>
+                </a:ext>
+              </a:extLst>
+            </a:blip>
+            <a:stretch>
+              <a:fillRect/>
+            </a:stretch>
+          </p:blipFill>
+          <p:spPr bwMode="auto">
+            <a:xfrm>
+              <a:off x="1498585" y="10716925"/>
+              <a:ext cx="2709990" cy="4525962"/>
+            </a:xfrm>
+            <a:prstGeom prst="rect">
+              <a:avLst/>
+            </a:prstGeom>
+            <a:ln>
+              <a:noFill/>
+            </a:ln>
+            <a:effectLst>
+              <a:softEdge rad="112500"/>
+            </a:effectLst>
+            <a:extLst>
+              <a:ext uri="{909E8E84-426E-40DD-AFC4-6F175D3DCCD1}">
+                <a14:hiddenFill xmlns:a14="http://schemas.microsoft.com/office/drawing/2010/main" xmlns="">
+                  <a:solidFill>
+                    <a:srgbClr val="FFFFFF"/>
+                  </a:solidFill>
+                </a14:hiddenFill>
+              </a:ext>
+            </a:extLst>
+          </p:spPr>
+        </p:pic>
+        <p:pic>
+          <p:nvPicPr>
+            <p:cNvPr id="31" name="Picture 3" descr="C:\Users\user\Desktop\381494_2731353886098_1324771147_2916343_1850278505_n.jpg"/>
+            <p:cNvPicPr>
+              <a:picLocks noChangeAspect="1" noChangeArrowheads="1"/>
+            </p:cNvPicPr>
+            <p:nvPr/>
+          </p:nvPicPr>
+          <p:blipFill>
+            <a:blip r:embed="rId14" cstate="print">
+              <a:extLst>
+                <a:ext uri="{28A0092B-C50C-407E-A947-70E740481C1C}">
+                  <a14:useLocalDpi xmlns:a14="http://schemas.microsoft.com/office/drawing/2010/main" xmlns="" val="0"/>
+                </a:ext>
+              </a:extLst>
+            </a:blip>
+            <a:srcRect/>
+            <a:stretch>
+              <a:fillRect/>
+            </a:stretch>
+          </p:blipFill>
+          <p:spPr bwMode="auto">
+            <a:xfrm>
+              <a:off x="1508783" y="7390507"/>
+              <a:ext cx="4572000" cy="3429000"/>
+            </a:xfrm>
+            <a:prstGeom prst="rect">
+              <a:avLst/>
+            </a:prstGeom>
+            <a:ln>
+              <a:noFill/>
+            </a:ln>
+            <a:effectLst>
+              <a:softEdge rad="112500"/>
+            </a:effectLst>
+            <a:extLst>
+              <a:ext uri="{909E8E84-426E-40DD-AFC4-6F175D3DCCD1}">
+                <a14:hiddenFill xmlns:a14="http://schemas.microsoft.com/office/drawing/2010/main" xmlns="">
+                  <a:solidFill>
+                    <a:srgbClr val="FFFFFF"/>
+                  </a:solidFill>
+                </a14:hiddenFill>
+              </a:ext>
+            </a:extLst>
+          </p:spPr>
+        </p:pic>
+        <p:pic>
+          <p:nvPicPr>
+            <p:cNvPr id="32" name="Picture 2" descr="C:\Users\user\Desktop\387544_2731363166330_1324771147_2916359_541190708_n.jpg"/>
+            <p:cNvPicPr>
+              <a:picLocks noChangeAspect="1" noChangeArrowheads="1"/>
+            </p:cNvPicPr>
+            <p:nvPr/>
+          </p:nvPicPr>
+          <p:blipFill>
+            <a:blip r:embed="rId15" cstate="print">
+              <a:extLst>
+                <a:ext uri="{28A0092B-C50C-407E-A947-70E740481C1C}">
+                  <a14:useLocalDpi xmlns:a14="http://schemas.microsoft.com/office/drawing/2010/main" xmlns="" val="0"/>
+                </a:ext>
+              </a:extLst>
+            </a:blip>
+            <a:srcRect/>
+            <a:stretch>
+              <a:fillRect/>
+            </a:stretch>
+          </p:blipFill>
+          <p:spPr bwMode="auto">
+            <a:xfrm>
+              <a:off x="4112991" y="9451675"/>
+              <a:ext cx="3840000" cy="2880000"/>
+            </a:xfrm>
+            <a:prstGeom prst="rect">
+              <a:avLst/>
+            </a:prstGeom>
+            <a:solidFill>
+              <a:srgbClr val="FFFFFF">
+                <a:shade val="85000"/>
+              </a:srgbClr>
+            </a:solidFill>
+            <a:ln w="190500" cap="sq">
+              <a:solidFill>
+                <a:srgbClr val="FFFFFF"/>
+              </a:solidFill>
+              <a:miter lim="800000"/>
+            </a:ln>
+            <a:effectLst>
+              <a:outerShdw blurRad="65000" dist="50800" dir="12900000" kx="195000" ky="145000" algn="tl" rotWithShape="0">
+                <a:srgbClr val="000000">
+                  <a:alpha val="30000"/>
+                </a:srgbClr>
+              </a:outerShdw>
+            </a:effectLst>
+            <a:scene3d>
+              <a:camera prst="orthographicFront">
+                <a:rot lat="0" lon="0" rev="360000"/>
+              </a:camera>
+              <a:lightRig rig="twoPt" dir="t">
+                <a:rot lat="0" lon="0" rev="7200000"/>
+              </a:lightRig>
+            </a:scene3d>
+            <a:sp3d contourW="12700">
+              <a:bevelT w="25400" h="19050"/>
+              <a:contourClr>
+                <a:srgbClr val="969696"/>
+              </a:contourClr>
+            </a:sp3d>
+            <a:extLst>
+              <a:ext uri="{909E8E84-426E-40DD-AFC4-6F175D3DCCD1}">
+                <a14:hiddenFill xmlns:a14="http://schemas.microsoft.com/office/drawing/2010/main" xmlns="">
+                  <a:solidFill>
+                    <a:srgbClr val="FFFFFF"/>
+                  </a:solidFill>
+                </a14:hiddenFill>
+              </a:ext>
+            </a:extLst>
+          </p:spPr>
+        </p:pic>
+      </p:grpSp>
     </p:spTree>
   </p:cSld>
   <p:clrMapOvr>

--- a/poster.pptx
+++ b/poster.pptx
@@ -3986,7 +3986,7 @@
         </p:nvSpPr>
         <p:spPr>
           <a:xfrm>
-            <a:off x="1980432" y="23708939"/>
+            <a:off x="1260352" y="23708939"/>
             <a:ext cx="8136904" cy="3785652"/>
           </a:xfrm>
           <a:prstGeom prst="rect">
@@ -4077,7 +4077,7 @@
         </p:blipFill>
         <p:spPr bwMode="auto">
           <a:xfrm>
-            <a:off x="2700512" y="6931075"/>
+            <a:off x="15445928" y="7003083"/>
             <a:ext cx="4572000" cy="7620000"/>
           </a:xfrm>
           <a:prstGeom prst="rect">
@@ -4094,544 +4094,6 @@
           </a:ln>
         </p:spPr>
       </p:pic>
-      <p:sp>
-        <p:nvSpPr>
-          <p:cNvPr id="18" name="文字方塊 17"/>
-          <p:cNvSpPr txBox="1"/>
-          <p:nvPr/>
-        </p:nvSpPr>
-        <p:spPr>
-          <a:xfrm>
-            <a:off x="1980432" y="14923963"/>
-            <a:ext cx="17929992" cy="6863417"/>
-          </a:xfrm>
-          <a:prstGeom prst="rect">
-            <a:avLst/>
-          </a:prstGeom>
-          <a:ln>
-            <a:noFill/>
-          </a:ln>
-        </p:spPr>
-        <p:style>
-          <a:lnRef idx="2">
-            <a:schemeClr val="accent2"/>
-          </a:lnRef>
-          <a:fillRef idx="1">
-            <a:schemeClr val="lt1"/>
-          </a:fillRef>
-          <a:effectRef idx="0">
-            <a:schemeClr val="accent2"/>
-          </a:effectRef>
-          <a:fontRef idx="minor">
-            <a:schemeClr val="dk1"/>
-          </a:fontRef>
-        </p:style>
-        <p:txBody>
-          <a:bodyPr wrap="square" rtlCol="0">
-            <a:spAutoFit/>
-          </a:bodyPr>
-          <a:lstStyle/>
-          <a:p>
-            <a:r>
-              <a:rPr lang="zh-TW" altLang="en-US" sz="4400" b="1" dirty="0" smtClean="0">
-                <a:ln w="10541" cmpd="sng">
-                  <a:solidFill>
-                    <a:schemeClr val="accent2">
-                      <a:lumMod val="50000"/>
-                    </a:schemeClr>
-                  </a:solidFill>
-                  <a:prstDash val="solid"/>
-                </a:ln>
-                <a:gradFill>
-                  <a:gsLst>
-                    <a:gs pos="0">
-                      <a:schemeClr val="accent2">
-                        <a:lumMod val="40000"/>
-                        <a:lumOff val="60000"/>
-                      </a:schemeClr>
-                    </a:gs>
-                    <a:gs pos="9000">
-                      <a:schemeClr val="accent2">
-                        <a:lumMod val="60000"/>
-                        <a:lumOff val="40000"/>
-                      </a:schemeClr>
-                    </a:gs>
-                    <a:gs pos="50000">
-                      <a:schemeClr val="accent2">
-                        <a:lumMod val="75000"/>
-                      </a:schemeClr>
-                    </a:gs>
-                    <a:gs pos="79000">
-                      <a:schemeClr val="accent2">
-                        <a:lumMod val="60000"/>
-                        <a:lumOff val="40000"/>
-                      </a:schemeClr>
-                    </a:gs>
-                    <a:gs pos="100000">
-                      <a:schemeClr val="accent2">
-                        <a:lumMod val="40000"/>
-                        <a:lumOff val="60000"/>
-                      </a:schemeClr>
-                    </a:gs>
-                  </a:gsLst>
-                  <a:lin ang="5400000"/>
-                </a:gradFill>
-              </a:rPr>
-              <a:t>＊</a:t>
-            </a:r>
-            <a:r>
-              <a:rPr lang="zh-TW" altLang="en-US" sz="4400" dirty="0" smtClean="0"/>
-              <a:t> </a:t>
-            </a:r>
-            <a:r>
-              <a:rPr lang="en-US" altLang="zh-TW" sz="4400" dirty="0" smtClean="0"/>
-              <a:t>Angry Runner </a:t>
-            </a:r>
-            <a:r>
-              <a:rPr lang="zh-TW" altLang="en-US" sz="4400" dirty="0" smtClean="0"/>
-              <a:t>利用手機內建的 </a:t>
-            </a:r>
-            <a:r>
-              <a:rPr lang="en-US" altLang="zh-TW" sz="4400" dirty="0" smtClean="0"/>
-              <a:t>GPS </a:t>
-            </a:r>
-            <a:r>
-              <a:rPr lang="zh-TW" altLang="en-US" sz="4400" dirty="0" smtClean="0"/>
-              <a:t>即時掌握您的運動時間、距離、和速度</a:t>
-            </a:r>
-            <a:r>
-              <a:rPr lang="zh-TW" altLang="en-US" sz="4400" dirty="0" smtClean="0"/>
-              <a:t>，並</a:t>
-            </a:r>
-            <a:r>
-              <a:rPr lang="zh-TW" altLang="en-US" sz="4400" dirty="0" smtClean="0"/>
-              <a:t>即時計算卡路里消耗量</a:t>
-            </a:r>
-            <a:r>
-              <a:rPr lang="zh-TW" altLang="en-US" sz="4400" dirty="0" smtClean="0"/>
-              <a:t>。</a:t>
-            </a:r>
-            <a:endParaRPr lang="en-US" altLang="zh-TW" sz="4400" dirty="0" smtClean="0"/>
-          </a:p>
-          <a:p>
-            <a:r>
-              <a:rPr lang="zh-TW" altLang="en-US" sz="4400" b="1" dirty="0" smtClean="0">
-                <a:ln w="10541" cmpd="sng">
-                  <a:solidFill>
-                    <a:schemeClr val="accent2">
-                      <a:lumMod val="50000"/>
-                    </a:schemeClr>
-                  </a:solidFill>
-                  <a:prstDash val="solid"/>
-                </a:ln>
-                <a:gradFill>
-                  <a:gsLst>
-                    <a:gs pos="0">
-                      <a:schemeClr val="accent2">
-                        <a:lumMod val="40000"/>
-                        <a:lumOff val="60000"/>
-                      </a:schemeClr>
-                    </a:gs>
-                    <a:gs pos="9000">
-                      <a:schemeClr val="accent2">
-                        <a:lumMod val="60000"/>
-                        <a:lumOff val="40000"/>
-                      </a:schemeClr>
-                    </a:gs>
-                    <a:gs pos="50000">
-                      <a:schemeClr val="accent2">
-                        <a:lumMod val="75000"/>
-                      </a:schemeClr>
-                    </a:gs>
-                    <a:gs pos="79000">
-                      <a:schemeClr val="accent2">
-                        <a:lumMod val="60000"/>
-                        <a:lumOff val="40000"/>
-                      </a:schemeClr>
-                    </a:gs>
-                    <a:gs pos="100000">
-                      <a:schemeClr val="accent2">
-                        <a:lumMod val="40000"/>
-                        <a:lumOff val="60000"/>
-                      </a:schemeClr>
-                    </a:gs>
-                  </a:gsLst>
-                  <a:lin ang="5400000"/>
-                </a:gradFill>
-              </a:rPr>
-              <a:t>＊</a:t>
-            </a:r>
-            <a:r>
-              <a:rPr lang="zh-TW" altLang="en-US" sz="4400" b="1" dirty="0" smtClean="0">
-                <a:ln w="10541" cmpd="sng">
-                  <a:solidFill>
-                    <a:schemeClr val="accent3">
-                      <a:lumMod val="50000"/>
-                    </a:schemeClr>
-                  </a:solidFill>
-                  <a:prstDash val="solid"/>
-                </a:ln>
-                <a:gradFill>
-                  <a:gsLst>
-                    <a:gs pos="0">
-                      <a:schemeClr val="accent3">
-                        <a:lumMod val="40000"/>
-                        <a:lumOff val="60000"/>
-                      </a:schemeClr>
-                    </a:gs>
-                    <a:gs pos="9000">
-                      <a:schemeClr val="accent3">
-                        <a:lumMod val="60000"/>
-                        <a:lumOff val="40000"/>
-                      </a:schemeClr>
-                    </a:gs>
-                    <a:gs pos="50000">
-                      <a:schemeClr val="accent3">
-                        <a:lumMod val="75000"/>
-                      </a:schemeClr>
-                    </a:gs>
-                    <a:gs pos="79000">
-                      <a:schemeClr val="accent3">
-                        <a:lumMod val="60000"/>
-                        <a:lumOff val="40000"/>
-                      </a:schemeClr>
-                    </a:gs>
-                    <a:gs pos="100000">
-                      <a:schemeClr val="accent3">
-                        <a:lumMod val="40000"/>
-                        <a:lumOff val="60000"/>
-                      </a:schemeClr>
-                    </a:gs>
-                  </a:gsLst>
-                  <a:lin ang="5400000"/>
-                </a:gradFill>
-              </a:rPr>
-              <a:t> </a:t>
-            </a:r>
-            <a:r>
-              <a:rPr lang="en-US" altLang="zh-TW" sz="4400" dirty="0" smtClean="0"/>
-              <a:t>Angry Runner </a:t>
-            </a:r>
-            <a:r>
-              <a:rPr lang="zh-TW" altLang="en-US" sz="4400" dirty="0" smtClean="0"/>
-              <a:t>會在您開始運動時自動播放音樂</a:t>
-            </a:r>
-            <a:r>
-              <a:rPr lang="zh-TW" altLang="en-US" sz="4400" dirty="0" smtClean="0"/>
-              <a:t>。</a:t>
-            </a:r>
-            <a:endParaRPr lang="en-US" altLang="zh-TW" sz="4400" dirty="0" smtClean="0"/>
-          </a:p>
-          <a:p>
-            <a:r>
-              <a:rPr lang="zh-TW" altLang="en-US" sz="4400" b="1" dirty="0" smtClean="0">
-                <a:ln w="10541" cmpd="sng">
-                  <a:solidFill>
-                    <a:schemeClr val="accent2">
-                      <a:lumMod val="50000"/>
-                    </a:schemeClr>
-                  </a:solidFill>
-                  <a:prstDash val="solid"/>
-                </a:ln>
-                <a:gradFill>
-                  <a:gsLst>
-                    <a:gs pos="0">
-                      <a:schemeClr val="accent2">
-                        <a:lumMod val="40000"/>
-                        <a:lumOff val="60000"/>
-                      </a:schemeClr>
-                    </a:gs>
-                    <a:gs pos="9000">
-                      <a:schemeClr val="accent2">
-                        <a:lumMod val="60000"/>
-                        <a:lumOff val="40000"/>
-                      </a:schemeClr>
-                    </a:gs>
-                    <a:gs pos="50000">
-                      <a:schemeClr val="accent2">
-                        <a:lumMod val="75000"/>
-                      </a:schemeClr>
-                    </a:gs>
-                    <a:gs pos="79000">
-                      <a:schemeClr val="accent2">
-                        <a:lumMod val="60000"/>
-                        <a:lumOff val="40000"/>
-                      </a:schemeClr>
-                    </a:gs>
-                    <a:gs pos="100000">
-                      <a:schemeClr val="accent2">
-                        <a:lumMod val="40000"/>
-                        <a:lumOff val="60000"/>
-                      </a:schemeClr>
-                    </a:gs>
-                  </a:gsLst>
-                  <a:lin ang="5400000"/>
-                </a:gradFill>
-              </a:rPr>
-              <a:t>＊</a:t>
-            </a:r>
-            <a:r>
-              <a:rPr lang="zh-TW" altLang="en-US" sz="4400" b="1" dirty="0" smtClean="0">
-                <a:ln w="10541" cmpd="sng">
-                  <a:solidFill>
-                    <a:schemeClr val="accent3">
-                      <a:lumMod val="50000"/>
-                    </a:schemeClr>
-                  </a:solidFill>
-                  <a:prstDash val="solid"/>
-                </a:ln>
-                <a:gradFill>
-                  <a:gsLst>
-                    <a:gs pos="0">
-                      <a:schemeClr val="accent3">
-                        <a:lumMod val="40000"/>
-                        <a:lumOff val="60000"/>
-                      </a:schemeClr>
-                    </a:gs>
-                    <a:gs pos="9000">
-                      <a:schemeClr val="accent3">
-                        <a:lumMod val="60000"/>
-                        <a:lumOff val="40000"/>
-                      </a:schemeClr>
-                    </a:gs>
-                    <a:gs pos="50000">
-                      <a:schemeClr val="accent3">
-                        <a:lumMod val="75000"/>
-                      </a:schemeClr>
-                    </a:gs>
-                    <a:gs pos="79000">
-                      <a:schemeClr val="accent3">
-                        <a:lumMod val="60000"/>
-                        <a:lumOff val="40000"/>
-                      </a:schemeClr>
-                    </a:gs>
-                    <a:gs pos="100000">
-                      <a:schemeClr val="accent3">
-                        <a:lumMod val="40000"/>
-                        <a:lumOff val="60000"/>
-                      </a:schemeClr>
-                    </a:gs>
-                  </a:gsLst>
-                  <a:lin ang="5400000"/>
-                </a:gradFill>
-              </a:rPr>
-              <a:t> </a:t>
-            </a:r>
-            <a:r>
-              <a:rPr lang="en-US" altLang="zh-TW" sz="4400" dirty="0" smtClean="0"/>
-              <a:t>Angry </a:t>
-            </a:r>
-            <a:r>
-              <a:rPr lang="en-US" altLang="zh-TW" sz="4400" dirty="0" smtClean="0"/>
-              <a:t>Runner </a:t>
-            </a:r>
-            <a:r>
-              <a:rPr lang="zh-TW" altLang="en-US" sz="4400" dirty="0" smtClean="0"/>
-              <a:t>會依您運動的速度自動調整音樂的音量，提醒您保持適當地運動速度</a:t>
-            </a:r>
-            <a:r>
-              <a:rPr lang="zh-TW" altLang="en-US" sz="4400" dirty="0" smtClean="0"/>
-              <a:t>。</a:t>
-            </a:r>
-            <a:endParaRPr lang="en-US" altLang="zh-TW" sz="4400" dirty="0" smtClean="0"/>
-          </a:p>
-          <a:p>
-            <a:r>
-              <a:rPr lang="zh-TW" altLang="en-US" sz="4400" b="1" dirty="0" smtClean="0">
-                <a:ln w="10541" cmpd="sng">
-                  <a:solidFill>
-                    <a:schemeClr val="accent3">
-                      <a:lumMod val="50000"/>
-                    </a:schemeClr>
-                  </a:solidFill>
-                  <a:prstDash val="solid"/>
-                </a:ln>
-                <a:gradFill>
-                  <a:gsLst>
-                    <a:gs pos="0">
-                      <a:schemeClr val="accent3">
-                        <a:lumMod val="40000"/>
-                        <a:lumOff val="60000"/>
-                      </a:schemeClr>
-                    </a:gs>
-                    <a:gs pos="9000">
-                      <a:schemeClr val="accent3">
-                        <a:lumMod val="60000"/>
-                        <a:lumOff val="40000"/>
-                      </a:schemeClr>
-                    </a:gs>
-                    <a:gs pos="50000">
-                      <a:schemeClr val="accent3">
-                        <a:lumMod val="75000"/>
-                      </a:schemeClr>
-                    </a:gs>
-                    <a:gs pos="79000">
-                      <a:schemeClr val="accent3">
-                        <a:lumMod val="60000"/>
-                        <a:lumOff val="40000"/>
-                      </a:schemeClr>
-                    </a:gs>
-                    <a:gs pos="100000">
-                      <a:schemeClr val="accent3">
-                        <a:lumMod val="40000"/>
-                        <a:lumOff val="60000"/>
-                      </a:schemeClr>
-                    </a:gs>
-                  </a:gsLst>
-                  <a:lin ang="5400000"/>
-                </a:gradFill>
-              </a:rPr>
-              <a:t>＊</a:t>
-            </a:r>
-            <a:r>
-              <a:rPr lang="zh-TW" altLang="en-US" sz="4400" dirty="0" smtClean="0"/>
-              <a:t>您可以在 </a:t>
-            </a:r>
-            <a:r>
-              <a:rPr lang="en-US" altLang="zh-TW" sz="4400" dirty="0" smtClean="0"/>
-              <a:t>Angry Runner </a:t>
-            </a:r>
-            <a:r>
-              <a:rPr lang="zh-TW" altLang="en-US" sz="4400" dirty="0" smtClean="0"/>
-              <a:t>指定運動時播放的音樂清單，或建立新的音樂清單</a:t>
-            </a:r>
-            <a:r>
-              <a:rPr lang="zh-TW" altLang="en-US" sz="4400" dirty="0" smtClean="0"/>
-              <a:t>。</a:t>
-            </a:r>
-            <a:endParaRPr lang="en-US" altLang="zh-TW" sz="4400" dirty="0" smtClean="0"/>
-          </a:p>
-          <a:p>
-            <a:r>
-              <a:rPr lang="zh-TW" altLang="en-US" sz="4400" b="1" dirty="0" smtClean="0">
-                <a:ln w="10541" cmpd="sng">
-                  <a:solidFill>
-                    <a:schemeClr val="accent4">
-                      <a:lumMod val="50000"/>
-                    </a:schemeClr>
-                  </a:solidFill>
-                  <a:prstDash val="solid"/>
-                </a:ln>
-                <a:gradFill>
-                  <a:gsLst>
-                    <a:gs pos="0">
-                      <a:schemeClr val="accent4">
-                        <a:lumMod val="40000"/>
-                        <a:lumOff val="60000"/>
-                      </a:schemeClr>
-                    </a:gs>
-                    <a:gs pos="9000">
-                      <a:schemeClr val="accent4">
-                        <a:lumMod val="60000"/>
-                        <a:lumOff val="40000"/>
-                      </a:schemeClr>
-                    </a:gs>
-                    <a:gs pos="50000">
-                      <a:schemeClr val="accent4">
-                        <a:lumMod val="75000"/>
-                      </a:schemeClr>
-                    </a:gs>
-                    <a:gs pos="79000">
-                      <a:schemeClr val="accent4">
-                        <a:lumMod val="60000"/>
-                        <a:lumOff val="40000"/>
-                      </a:schemeClr>
-                    </a:gs>
-                    <a:gs pos="100000">
-                      <a:schemeClr val="accent4">
-                        <a:lumMod val="40000"/>
-                        <a:lumOff val="60000"/>
-                      </a:schemeClr>
-                    </a:gs>
-                  </a:gsLst>
-                  <a:lin ang="5400000"/>
-                </a:gradFill>
-              </a:rPr>
-              <a:t>＊</a:t>
-            </a:r>
-            <a:r>
-              <a:rPr lang="zh-TW" altLang="en-US" sz="4400" dirty="0" smtClean="0"/>
-              <a:t> </a:t>
-            </a:r>
-            <a:r>
-              <a:rPr lang="en-US" altLang="zh-TW" sz="4400" dirty="0" smtClean="0"/>
-              <a:t>Angry Runner </a:t>
-            </a:r>
-            <a:r>
-              <a:rPr lang="zh-TW" altLang="en-US" sz="4400" dirty="0" smtClean="0"/>
-              <a:t>可以保存您的運動記錄，包括日期、運動時間、距離及速度</a:t>
-            </a:r>
-            <a:r>
-              <a:rPr lang="zh-TW" altLang="en-US" sz="4400" dirty="0" smtClean="0"/>
-              <a:t>。</a:t>
-            </a:r>
-            <a:endParaRPr lang="en-US" altLang="zh-TW" sz="4400" dirty="0" smtClean="0"/>
-          </a:p>
-          <a:p>
-            <a:r>
-              <a:rPr lang="zh-TW" altLang="en-US" sz="4400" b="1" dirty="0" smtClean="0">
-                <a:ln w="10541" cmpd="sng">
-                  <a:solidFill>
-                    <a:schemeClr val="accent1">
-                      <a:shade val="88000"/>
-                      <a:satMod val="110000"/>
-                    </a:schemeClr>
-                  </a:solidFill>
-                  <a:prstDash val="solid"/>
-                </a:ln>
-                <a:gradFill>
-                  <a:gsLst>
-                    <a:gs pos="0">
-                      <a:schemeClr val="accent1">
-                        <a:tint val="40000"/>
-                        <a:satMod val="250000"/>
-                      </a:schemeClr>
-                    </a:gs>
-                    <a:gs pos="9000">
-                      <a:schemeClr val="accent1">
-                        <a:tint val="52000"/>
-                        <a:satMod val="300000"/>
-                      </a:schemeClr>
-                    </a:gs>
-                    <a:gs pos="50000">
-                      <a:schemeClr val="accent1">
-                        <a:shade val="20000"/>
-                        <a:satMod val="300000"/>
-                      </a:schemeClr>
-                    </a:gs>
-                    <a:gs pos="79000">
-                      <a:schemeClr val="accent1">
-                        <a:tint val="52000"/>
-                        <a:satMod val="300000"/>
-                      </a:schemeClr>
-                    </a:gs>
-                    <a:gs pos="100000">
-                      <a:schemeClr val="accent1">
-                        <a:tint val="40000"/>
-                        <a:satMod val="250000"/>
-                      </a:schemeClr>
-                    </a:gs>
-                  </a:gsLst>
-                  <a:lin ang="5400000"/>
-                </a:gradFill>
-              </a:rPr>
-              <a:t>＊</a:t>
-            </a:r>
-            <a:r>
-              <a:rPr lang="zh-TW" altLang="en-US" sz="4400" dirty="0" smtClean="0"/>
-              <a:t> </a:t>
-            </a:r>
-            <a:r>
-              <a:rPr lang="en-US" altLang="zh-TW" sz="4400" dirty="0" smtClean="0"/>
-              <a:t>Angry Runner </a:t>
-            </a:r>
-            <a:r>
-              <a:rPr lang="zh-TW" altLang="en-US" sz="4400" dirty="0" smtClean="0"/>
-              <a:t>會將您的運動路徑即時顯示在地圖上。</a:t>
-            </a:r>
-          </a:p>
-        </p:txBody>
-      </p:sp>
       <p:pic>
         <p:nvPicPr>
           <p:cNvPr id="20" name="Picture 4" descr="C:\Documents and Settings\user\桌面\MobileProgramming\project\screenshot\device-2011-12-22-145919_gmap.png"/>
@@ -4648,7 +4110,7 @@
         </p:blipFill>
         <p:spPr bwMode="auto">
           <a:xfrm>
-            <a:off x="14221792" y="6931075"/>
+            <a:off x="9325248" y="14072715"/>
             <a:ext cx="4572000" cy="7620000"/>
           </a:xfrm>
           <a:prstGeom prst="rect">
@@ -4681,7 +4143,7 @@
         </p:blipFill>
         <p:spPr bwMode="auto">
           <a:xfrm>
-            <a:off x="8461152" y="6931075"/>
+            <a:off x="1260352" y="10315451"/>
             <a:ext cx="4572000" cy="7620000"/>
           </a:xfrm>
           <a:prstGeom prst="rect">
@@ -4706,7 +4168,7 @@
         </p:nvGrpSpPr>
         <p:grpSpPr>
           <a:xfrm>
-            <a:off x="11557496" y="22050183"/>
+            <a:off x="11943850" y="22050183"/>
             <a:ext cx="8074078" cy="6987348"/>
             <a:chOff x="1498585" y="7390507"/>
             <a:chExt cx="9082190" cy="7859773"/>
@@ -5043,6 +4505,756 @@
           </p:spPr>
         </p:pic>
       </p:grpSp>
+      <p:sp>
+        <p:nvSpPr>
+          <p:cNvPr id="33" name="文字方塊 32"/>
+          <p:cNvSpPr txBox="1"/>
+          <p:nvPr/>
+        </p:nvSpPr>
+        <p:spPr>
+          <a:xfrm>
+            <a:off x="1332360" y="7003083"/>
+            <a:ext cx="13321480" cy="2800767"/>
+          </a:xfrm>
+          <a:prstGeom prst="rect">
+            <a:avLst/>
+          </a:prstGeom>
+          <a:noFill/>
+        </p:spPr>
+        <p:txBody>
+          <a:bodyPr wrap="square" rtlCol="0">
+            <a:spAutoFit/>
+          </a:bodyPr>
+          <a:lstStyle/>
+          <a:p>
+            <a:r>
+              <a:rPr lang="zh-TW" altLang="en-US" sz="4400" b="1" dirty="0" smtClean="0">
+                <a:ln w="10541" cmpd="sng">
+                  <a:solidFill>
+                    <a:schemeClr val="accent2">
+                      <a:lumMod val="50000"/>
+                    </a:schemeClr>
+                  </a:solidFill>
+                  <a:prstDash val="solid"/>
+                </a:ln>
+                <a:gradFill>
+                  <a:gsLst>
+                    <a:gs pos="0">
+                      <a:schemeClr val="accent2">
+                        <a:lumMod val="40000"/>
+                        <a:lumOff val="60000"/>
+                      </a:schemeClr>
+                    </a:gs>
+                    <a:gs pos="9000">
+                      <a:schemeClr val="accent2">
+                        <a:lumMod val="60000"/>
+                        <a:lumOff val="40000"/>
+                      </a:schemeClr>
+                    </a:gs>
+                    <a:gs pos="50000">
+                      <a:schemeClr val="accent2">
+                        <a:lumMod val="75000"/>
+                      </a:schemeClr>
+                    </a:gs>
+                    <a:gs pos="79000">
+                      <a:schemeClr val="accent2">
+                        <a:lumMod val="60000"/>
+                        <a:lumOff val="40000"/>
+                      </a:schemeClr>
+                    </a:gs>
+                    <a:gs pos="100000">
+                      <a:schemeClr val="accent2">
+                        <a:lumMod val="40000"/>
+                        <a:lumOff val="60000"/>
+                      </a:schemeClr>
+                    </a:gs>
+                  </a:gsLst>
+                  <a:lin ang="5400000"/>
+                </a:gradFill>
+              </a:rPr>
+              <a:t>＊</a:t>
+            </a:r>
+            <a:r>
+              <a:rPr lang="zh-TW" altLang="en-US" sz="4400" dirty="0" smtClean="0"/>
+              <a:t> </a:t>
+            </a:r>
+            <a:r>
+              <a:rPr lang="en-US" altLang="zh-TW" sz="4400" dirty="0" smtClean="0"/>
+              <a:t>Angry Runner </a:t>
+            </a:r>
+            <a:r>
+              <a:rPr lang="zh-TW" altLang="en-US" sz="4400" dirty="0" smtClean="0"/>
+              <a:t>利用手機內建的 </a:t>
+            </a:r>
+            <a:r>
+              <a:rPr lang="en-US" altLang="zh-TW" sz="4400" dirty="0" smtClean="0"/>
+              <a:t>GPS </a:t>
+            </a:r>
+            <a:r>
+              <a:rPr lang="zh-TW" altLang="en-US" sz="4400" dirty="0" smtClean="0"/>
+              <a:t>即時掌握您的運動時間、距離、和速度，並即時計算卡路里消耗量</a:t>
+            </a:r>
+            <a:r>
+              <a:rPr lang="zh-TW" altLang="en-US" sz="4400" dirty="0" smtClean="0"/>
+              <a:t>。</a:t>
+            </a:r>
+            <a:endParaRPr lang="en-US" altLang="zh-TW" sz="4400" dirty="0" smtClean="0"/>
+          </a:p>
+          <a:p>
+            <a:r>
+              <a:rPr lang="zh-TW" altLang="en-US" sz="4400" b="1" dirty="0" smtClean="0">
+                <a:ln w="10541" cmpd="sng">
+                  <a:solidFill>
+                    <a:schemeClr val="accent2">
+                      <a:lumMod val="50000"/>
+                    </a:schemeClr>
+                  </a:solidFill>
+                  <a:prstDash val="solid"/>
+                </a:ln>
+                <a:gradFill>
+                  <a:gsLst>
+                    <a:gs pos="0">
+                      <a:schemeClr val="accent2">
+                        <a:lumMod val="40000"/>
+                        <a:lumOff val="60000"/>
+                      </a:schemeClr>
+                    </a:gs>
+                    <a:gs pos="9000">
+                      <a:schemeClr val="accent2">
+                        <a:lumMod val="60000"/>
+                        <a:lumOff val="40000"/>
+                      </a:schemeClr>
+                    </a:gs>
+                    <a:gs pos="50000">
+                      <a:schemeClr val="accent2">
+                        <a:lumMod val="75000"/>
+                      </a:schemeClr>
+                    </a:gs>
+                    <a:gs pos="79000">
+                      <a:schemeClr val="accent2">
+                        <a:lumMod val="60000"/>
+                        <a:lumOff val="40000"/>
+                      </a:schemeClr>
+                    </a:gs>
+                    <a:gs pos="100000">
+                      <a:schemeClr val="accent2">
+                        <a:lumMod val="40000"/>
+                        <a:lumOff val="60000"/>
+                      </a:schemeClr>
+                    </a:gs>
+                  </a:gsLst>
+                  <a:lin ang="5400000"/>
+                </a:gradFill>
+              </a:rPr>
+              <a:t>＊</a:t>
+            </a:r>
+            <a:r>
+              <a:rPr lang="zh-TW" altLang="en-US" sz="4400" b="1" dirty="0" smtClean="0">
+                <a:ln w="10541" cmpd="sng">
+                  <a:solidFill>
+                    <a:schemeClr val="accent3">
+                      <a:lumMod val="50000"/>
+                    </a:schemeClr>
+                  </a:solidFill>
+                  <a:prstDash val="solid"/>
+                </a:ln>
+                <a:gradFill>
+                  <a:gsLst>
+                    <a:gs pos="0">
+                      <a:schemeClr val="accent3">
+                        <a:lumMod val="40000"/>
+                        <a:lumOff val="60000"/>
+                      </a:schemeClr>
+                    </a:gs>
+                    <a:gs pos="9000">
+                      <a:schemeClr val="accent3">
+                        <a:lumMod val="60000"/>
+                        <a:lumOff val="40000"/>
+                      </a:schemeClr>
+                    </a:gs>
+                    <a:gs pos="50000">
+                      <a:schemeClr val="accent3">
+                        <a:lumMod val="75000"/>
+                      </a:schemeClr>
+                    </a:gs>
+                    <a:gs pos="79000">
+                      <a:schemeClr val="accent3">
+                        <a:lumMod val="60000"/>
+                        <a:lumOff val="40000"/>
+                      </a:schemeClr>
+                    </a:gs>
+                    <a:gs pos="100000">
+                      <a:schemeClr val="accent3">
+                        <a:lumMod val="40000"/>
+                        <a:lumOff val="60000"/>
+                      </a:schemeClr>
+                    </a:gs>
+                  </a:gsLst>
+                  <a:lin ang="5400000"/>
+                </a:gradFill>
+              </a:rPr>
+              <a:t> </a:t>
+            </a:r>
+            <a:r>
+              <a:rPr lang="en-US" altLang="zh-TW" sz="4400" dirty="0" smtClean="0"/>
+              <a:t>Angry Runner </a:t>
+            </a:r>
+            <a:r>
+              <a:rPr lang="zh-TW" altLang="en-US" sz="4400" dirty="0" smtClean="0"/>
+              <a:t>會依您運動的速度自動調整音樂的音量，提醒您保持適當地運動速度。</a:t>
+            </a:r>
+            <a:endParaRPr lang="zh-TW" altLang="en-US" sz="4400" dirty="0"/>
+          </a:p>
+        </p:txBody>
+      </p:sp>
+      <p:sp>
+        <p:nvSpPr>
+          <p:cNvPr id="34" name="圓角矩形 33"/>
+          <p:cNvSpPr/>
+          <p:nvPr/>
+        </p:nvSpPr>
+        <p:spPr>
+          <a:xfrm>
+            <a:off x="1260352" y="7003083"/>
+            <a:ext cx="13393488" cy="2808312"/>
+          </a:xfrm>
+          <a:prstGeom prst="roundRect">
+            <a:avLst>
+              <a:gd name="adj" fmla="val 14039"/>
+            </a:avLst>
+          </a:prstGeom>
+          <a:noFill/>
+          <a:ln>
+            <a:solidFill>
+              <a:schemeClr val="accent2"/>
+            </a:solidFill>
+          </a:ln>
+        </p:spPr>
+        <p:style>
+          <a:lnRef idx="2">
+            <a:schemeClr val="accent1">
+              <a:shade val="50000"/>
+            </a:schemeClr>
+          </a:lnRef>
+          <a:fillRef idx="1">
+            <a:schemeClr val="accent1"/>
+          </a:fillRef>
+          <a:effectRef idx="0">
+            <a:schemeClr val="accent1"/>
+          </a:effectRef>
+          <a:fontRef idx="minor">
+            <a:schemeClr val="lt1"/>
+          </a:fontRef>
+        </p:style>
+        <p:txBody>
+          <a:bodyPr rtlCol="0" anchor="ctr"/>
+          <a:lstStyle/>
+          <a:p>
+            <a:pPr algn="ctr"/>
+            <a:endParaRPr lang="zh-TW" altLang="en-US"/>
+          </a:p>
+        </p:txBody>
+      </p:sp>
+      <p:sp>
+        <p:nvSpPr>
+          <p:cNvPr id="35" name="文字方塊 34"/>
+          <p:cNvSpPr txBox="1"/>
+          <p:nvPr/>
+        </p:nvSpPr>
+        <p:spPr>
+          <a:xfrm>
+            <a:off x="15121384" y="16076091"/>
+            <a:ext cx="4896544" cy="4154984"/>
+          </a:xfrm>
+          <a:prstGeom prst="rect">
+            <a:avLst/>
+          </a:prstGeom>
+          <a:noFill/>
+        </p:spPr>
+        <p:txBody>
+          <a:bodyPr wrap="square" rtlCol="0">
+            <a:spAutoFit/>
+          </a:bodyPr>
+          <a:lstStyle/>
+          <a:p>
+            <a:r>
+              <a:rPr lang="zh-TW" altLang="en-US" sz="4400" b="1" dirty="0" smtClean="0">
+                <a:ln w="10541" cmpd="sng">
+                  <a:solidFill>
+                    <a:schemeClr val="accent1">
+                      <a:shade val="88000"/>
+                      <a:satMod val="110000"/>
+                    </a:schemeClr>
+                  </a:solidFill>
+                  <a:prstDash val="solid"/>
+                </a:ln>
+                <a:gradFill>
+                  <a:gsLst>
+                    <a:gs pos="0">
+                      <a:schemeClr val="accent1">
+                        <a:tint val="40000"/>
+                        <a:satMod val="250000"/>
+                      </a:schemeClr>
+                    </a:gs>
+                    <a:gs pos="9000">
+                      <a:schemeClr val="accent1">
+                        <a:tint val="52000"/>
+                        <a:satMod val="300000"/>
+                      </a:schemeClr>
+                    </a:gs>
+                    <a:gs pos="50000">
+                      <a:schemeClr val="accent1">
+                        <a:shade val="20000"/>
+                        <a:satMod val="300000"/>
+                      </a:schemeClr>
+                    </a:gs>
+                    <a:gs pos="79000">
+                      <a:schemeClr val="accent1">
+                        <a:tint val="52000"/>
+                        <a:satMod val="300000"/>
+                      </a:schemeClr>
+                    </a:gs>
+                    <a:gs pos="100000">
+                      <a:schemeClr val="accent1">
+                        <a:tint val="40000"/>
+                        <a:satMod val="250000"/>
+                      </a:schemeClr>
+                    </a:gs>
+                  </a:gsLst>
+                  <a:lin ang="5400000"/>
+                </a:gradFill>
+              </a:rPr>
+              <a:t>＊</a:t>
+            </a:r>
+            <a:r>
+              <a:rPr lang="zh-TW" altLang="en-US" sz="4400" b="1" dirty="0" smtClean="0">
+                <a:ln w="10541" cmpd="sng">
+                  <a:solidFill>
+                    <a:schemeClr val="accent3">
+                      <a:lumMod val="50000"/>
+                    </a:schemeClr>
+                  </a:solidFill>
+                  <a:prstDash val="solid"/>
+                </a:ln>
+                <a:gradFill>
+                  <a:gsLst>
+                    <a:gs pos="0">
+                      <a:schemeClr val="accent3">
+                        <a:lumMod val="40000"/>
+                        <a:lumOff val="60000"/>
+                      </a:schemeClr>
+                    </a:gs>
+                    <a:gs pos="9000">
+                      <a:schemeClr val="accent3">
+                        <a:lumMod val="60000"/>
+                        <a:lumOff val="40000"/>
+                      </a:schemeClr>
+                    </a:gs>
+                    <a:gs pos="50000">
+                      <a:schemeClr val="accent3">
+                        <a:lumMod val="75000"/>
+                      </a:schemeClr>
+                    </a:gs>
+                    <a:gs pos="79000">
+                      <a:schemeClr val="accent3">
+                        <a:lumMod val="60000"/>
+                        <a:lumOff val="40000"/>
+                      </a:schemeClr>
+                    </a:gs>
+                    <a:gs pos="100000">
+                      <a:schemeClr val="accent3">
+                        <a:lumMod val="40000"/>
+                        <a:lumOff val="60000"/>
+                      </a:schemeClr>
+                    </a:gs>
+                  </a:gsLst>
+                  <a:lin ang="5400000"/>
+                </a:gradFill>
+              </a:rPr>
+              <a:t> </a:t>
+            </a:r>
+            <a:r>
+              <a:rPr lang="en-US" altLang="zh-TW" sz="4400" dirty="0" smtClean="0"/>
+              <a:t>Angry Runner </a:t>
+            </a:r>
+            <a:r>
+              <a:rPr lang="zh-TW" altLang="en-US" sz="4400" dirty="0" smtClean="0"/>
+              <a:t>會在您開始運動時自動播放音樂</a:t>
+            </a:r>
+            <a:r>
+              <a:rPr lang="zh-TW" altLang="en-US" sz="4400" dirty="0" smtClean="0"/>
+              <a:t>。</a:t>
+            </a:r>
+            <a:endParaRPr lang="en-US" altLang="zh-TW" sz="4400" dirty="0" smtClean="0"/>
+          </a:p>
+          <a:p>
+            <a:r>
+              <a:rPr lang="zh-TW" altLang="en-US" sz="4400" b="1" dirty="0" smtClean="0">
+                <a:ln w="10541" cmpd="sng">
+                  <a:solidFill>
+                    <a:schemeClr val="accent1">
+                      <a:shade val="88000"/>
+                      <a:satMod val="110000"/>
+                    </a:schemeClr>
+                  </a:solidFill>
+                  <a:prstDash val="solid"/>
+                </a:ln>
+                <a:gradFill>
+                  <a:gsLst>
+                    <a:gs pos="0">
+                      <a:schemeClr val="accent1">
+                        <a:tint val="40000"/>
+                        <a:satMod val="250000"/>
+                      </a:schemeClr>
+                    </a:gs>
+                    <a:gs pos="9000">
+                      <a:schemeClr val="accent1">
+                        <a:tint val="52000"/>
+                        <a:satMod val="300000"/>
+                      </a:schemeClr>
+                    </a:gs>
+                    <a:gs pos="50000">
+                      <a:schemeClr val="accent1">
+                        <a:shade val="20000"/>
+                        <a:satMod val="300000"/>
+                      </a:schemeClr>
+                    </a:gs>
+                    <a:gs pos="79000">
+                      <a:schemeClr val="accent1">
+                        <a:tint val="52000"/>
+                        <a:satMod val="300000"/>
+                      </a:schemeClr>
+                    </a:gs>
+                    <a:gs pos="100000">
+                      <a:schemeClr val="accent1">
+                        <a:tint val="40000"/>
+                        <a:satMod val="250000"/>
+                      </a:schemeClr>
+                    </a:gs>
+                  </a:gsLst>
+                  <a:lin ang="5400000"/>
+                </a:gradFill>
+              </a:rPr>
+              <a:t>＊</a:t>
+            </a:r>
+            <a:r>
+              <a:rPr lang="zh-TW" altLang="en-US" sz="4400" dirty="0" smtClean="0"/>
+              <a:t> </a:t>
+            </a:r>
+            <a:r>
+              <a:rPr lang="en-US" altLang="zh-TW" sz="4400" dirty="0" smtClean="0"/>
+              <a:t>Angry Runner </a:t>
+            </a:r>
+            <a:r>
+              <a:rPr lang="zh-TW" altLang="en-US" sz="4400" dirty="0" smtClean="0"/>
+              <a:t>會將您的運動路徑即時顯示在地圖上。</a:t>
+            </a:r>
+            <a:endParaRPr lang="zh-TW" altLang="en-US" sz="4400" dirty="0"/>
+          </a:p>
+        </p:txBody>
+      </p:sp>
+      <p:sp>
+        <p:nvSpPr>
+          <p:cNvPr id="36" name="圓角矩形 35"/>
+          <p:cNvSpPr/>
+          <p:nvPr/>
+        </p:nvSpPr>
+        <p:spPr>
+          <a:xfrm>
+            <a:off x="15156880" y="16148099"/>
+            <a:ext cx="4861048" cy="4104456"/>
+          </a:xfrm>
+          <a:prstGeom prst="roundRect">
+            <a:avLst>
+              <a:gd name="adj" fmla="val 6479"/>
+            </a:avLst>
+          </a:prstGeom>
+          <a:noFill/>
+          <a:ln w="38100"/>
+        </p:spPr>
+        <p:style>
+          <a:lnRef idx="2">
+            <a:schemeClr val="accent1">
+              <a:shade val="50000"/>
+            </a:schemeClr>
+          </a:lnRef>
+          <a:fillRef idx="1">
+            <a:schemeClr val="accent1"/>
+          </a:fillRef>
+          <a:effectRef idx="0">
+            <a:schemeClr val="accent1"/>
+          </a:effectRef>
+          <a:fontRef idx="minor">
+            <a:schemeClr val="lt1"/>
+          </a:fontRef>
+        </p:style>
+        <p:txBody>
+          <a:bodyPr rtlCol="0" anchor="ctr"/>
+          <a:lstStyle/>
+          <a:p>
+            <a:pPr algn="ctr"/>
+            <a:endParaRPr lang="zh-TW" altLang="en-US"/>
+          </a:p>
+        </p:txBody>
+      </p:sp>
+      <p:sp>
+        <p:nvSpPr>
+          <p:cNvPr id="37" name="文字方塊 36"/>
+          <p:cNvSpPr txBox="1"/>
+          <p:nvPr/>
+        </p:nvSpPr>
+        <p:spPr>
+          <a:xfrm>
+            <a:off x="7093000" y="10315451"/>
+            <a:ext cx="7560840" cy="2123658"/>
+          </a:xfrm>
+          <a:prstGeom prst="rect">
+            <a:avLst/>
+          </a:prstGeom>
+          <a:noFill/>
+        </p:spPr>
+        <p:txBody>
+          <a:bodyPr wrap="square" rtlCol="0">
+            <a:spAutoFit/>
+          </a:bodyPr>
+          <a:lstStyle/>
+          <a:p>
+            <a:r>
+              <a:rPr lang="zh-TW" altLang="en-US" sz="4400" b="1" dirty="0" smtClean="0">
+                <a:ln w="10541" cmpd="sng">
+                  <a:solidFill>
+                    <a:schemeClr val="accent3">
+                      <a:lumMod val="50000"/>
+                    </a:schemeClr>
+                  </a:solidFill>
+                  <a:prstDash val="solid"/>
+                </a:ln>
+                <a:gradFill>
+                  <a:gsLst>
+                    <a:gs pos="0">
+                      <a:schemeClr val="accent3">
+                        <a:lumMod val="40000"/>
+                        <a:lumOff val="60000"/>
+                      </a:schemeClr>
+                    </a:gs>
+                    <a:gs pos="9000">
+                      <a:schemeClr val="accent3">
+                        <a:lumMod val="60000"/>
+                        <a:lumOff val="40000"/>
+                      </a:schemeClr>
+                    </a:gs>
+                    <a:gs pos="50000">
+                      <a:schemeClr val="accent3">
+                        <a:lumMod val="75000"/>
+                      </a:schemeClr>
+                    </a:gs>
+                    <a:gs pos="79000">
+                      <a:schemeClr val="accent3">
+                        <a:lumMod val="60000"/>
+                        <a:lumOff val="40000"/>
+                      </a:schemeClr>
+                    </a:gs>
+                    <a:gs pos="100000">
+                      <a:schemeClr val="accent3">
+                        <a:lumMod val="40000"/>
+                        <a:lumOff val="60000"/>
+                      </a:schemeClr>
+                    </a:gs>
+                  </a:gsLst>
+                  <a:lin ang="5400000"/>
+                </a:gradFill>
+              </a:rPr>
+              <a:t>＊</a:t>
+            </a:r>
+            <a:r>
+              <a:rPr lang="zh-TW" altLang="en-US" sz="4400" dirty="0" smtClean="0"/>
+              <a:t>您可以在 </a:t>
+            </a:r>
+            <a:r>
+              <a:rPr lang="en-US" altLang="zh-TW" sz="4400" dirty="0" smtClean="0"/>
+              <a:t>Angry Runner </a:t>
+            </a:r>
+            <a:r>
+              <a:rPr lang="zh-TW" altLang="en-US" sz="4400" dirty="0" smtClean="0"/>
+              <a:t>指定運動時播放的音樂清單，或建立新的音樂清單</a:t>
+            </a:r>
+            <a:r>
+              <a:rPr lang="zh-TW" altLang="en-US" sz="4400" dirty="0" smtClean="0"/>
+              <a:t>。</a:t>
+            </a:r>
+            <a:endParaRPr lang="en-US" altLang="zh-TW" sz="4400" dirty="0" smtClean="0"/>
+          </a:p>
+        </p:txBody>
+      </p:sp>
+      <p:sp>
+        <p:nvSpPr>
+          <p:cNvPr id="38" name="圓角矩形 37"/>
+          <p:cNvSpPr/>
+          <p:nvPr/>
+        </p:nvSpPr>
+        <p:spPr>
+          <a:xfrm>
+            <a:off x="7093000" y="10315451"/>
+            <a:ext cx="7560840" cy="2160240"/>
+          </a:xfrm>
+          <a:prstGeom prst="roundRect">
+            <a:avLst>
+              <a:gd name="adj" fmla="val 13325"/>
+            </a:avLst>
+          </a:prstGeom>
+          <a:noFill/>
+          <a:ln w="38100"/>
+        </p:spPr>
+        <p:style>
+          <a:lnRef idx="2">
+            <a:schemeClr val="accent3"/>
+          </a:lnRef>
+          <a:fillRef idx="1">
+            <a:schemeClr val="lt1"/>
+          </a:fillRef>
+          <a:effectRef idx="0">
+            <a:schemeClr val="accent3"/>
+          </a:effectRef>
+          <a:fontRef idx="minor">
+            <a:schemeClr val="dk1"/>
+          </a:fontRef>
+        </p:style>
+        <p:txBody>
+          <a:bodyPr rtlCol="0" anchor="ctr"/>
+          <a:lstStyle/>
+          <a:p>
+            <a:pPr algn="ctr"/>
+            <a:endParaRPr lang="zh-TW" altLang="en-US"/>
+          </a:p>
+        </p:txBody>
+      </p:sp>
+      <p:sp>
+        <p:nvSpPr>
+          <p:cNvPr id="39" name="文字方塊 38"/>
+          <p:cNvSpPr txBox="1"/>
+          <p:nvPr/>
+        </p:nvSpPr>
+        <p:spPr>
+          <a:xfrm>
+            <a:off x="1260352" y="19604483"/>
+            <a:ext cx="6347263" cy="2123658"/>
+          </a:xfrm>
+          <a:prstGeom prst="rect">
+            <a:avLst/>
+          </a:prstGeom>
+          <a:noFill/>
+        </p:spPr>
+        <p:txBody>
+          <a:bodyPr wrap="square" rtlCol="0">
+            <a:spAutoFit/>
+          </a:bodyPr>
+          <a:lstStyle/>
+          <a:p>
+            <a:r>
+              <a:rPr lang="zh-TW" altLang="en-US" sz="4400" b="1" dirty="0" smtClean="0">
+                <a:ln w="10541" cmpd="sng">
+                  <a:solidFill>
+                    <a:schemeClr val="accent4">
+                      <a:lumMod val="50000"/>
+                    </a:schemeClr>
+                  </a:solidFill>
+                  <a:prstDash val="solid"/>
+                </a:ln>
+                <a:gradFill>
+                  <a:gsLst>
+                    <a:gs pos="0">
+                      <a:schemeClr val="accent4">
+                        <a:lumMod val="40000"/>
+                        <a:lumOff val="60000"/>
+                      </a:schemeClr>
+                    </a:gs>
+                    <a:gs pos="9000">
+                      <a:schemeClr val="accent4">
+                        <a:lumMod val="60000"/>
+                        <a:lumOff val="40000"/>
+                      </a:schemeClr>
+                    </a:gs>
+                    <a:gs pos="50000">
+                      <a:schemeClr val="accent4">
+                        <a:lumMod val="75000"/>
+                      </a:schemeClr>
+                    </a:gs>
+                    <a:gs pos="79000">
+                      <a:schemeClr val="accent4">
+                        <a:lumMod val="60000"/>
+                        <a:lumOff val="40000"/>
+                      </a:schemeClr>
+                    </a:gs>
+                    <a:gs pos="100000">
+                      <a:schemeClr val="accent4">
+                        <a:lumMod val="40000"/>
+                        <a:lumOff val="60000"/>
+                      </a:schemeClr>
+                    </a:gs>
+                  </a:gsLst>
+                  <a:lin ang="5400000"/>
+                </a:gradFill>
+              </a:rPr>
+              <a:t>＊</a:t>
+            </a:r>
+            <a:r>
+              <a:rPr lang="zh-TW" altLang="en-US" sz="4400" dirty="0" smtClean="0"/>
+              <a:t> </a:t>
+            </a:r>
+            <a:r>
+              <a:rPr lang="en-US" altLang="zh-TW" sz="4400" dirty="0" smtClean="0"/>
+              <a:t>Angry Runner </a:t>
+            </a:r>
+            <a:r>
+              <a:rPr lang="zh-TW" altLang="en-US" sz="4400" dirty="0" smtClean="0"/>
+              <a:t>可以保存您的運動記錄，包括日期、運動時間、距離及速度。</a:t>
+            </a:r>
+            <a:endParaRPr lang="zh-TW" altLang="en-US" sz="4400" dirty="0"/>
+          </a:p>
+        </p:txBody>
+      </p:sp>
+      <p:sp>
+        <p:nvSpPr>
+          <p:cNvPr id="40" name="圓角矩形 39"/>
+          <p:cNvSpPr/>
+          <p:nvPr/>
+        </p:nvSpPr>
+        <p:spPr>
+          <a:xfrm>
+            <a:off x="1260352" y="19676491"/>
+            <a:ext cx="6912768" cy="2016224"/>
+          </a:xfrm>
+          <a:prstGeom prst="roundRect">
+            <a:avLst>
+              <a:gd name="adj" fmla="val 13087"/>
+            </a:avLst>
+          </a:prstGeom>
+          <a:noFill/>
+          <a:ln w="38100"/>
+        </p:spPr>
+        <p:style>
+          <a:lnRef idx="2">
+            <a:schemeClr val="accent4"/>
+          </a:lnRef>
+          <a:fillRef idx="1">
+            <a:schemeClr val="lt1"/>
+          </a:fillRef>
+          <a:effectRef idx="0">
+            <a:schemeClr val="accent4"/>
+          </a:effectRef>
+          <a:fontRef idx="minor">
+            <a:schemeClr val="dk1"/>
+          </a:fontRef>
+        </p:style>
+        <p:txBody>
+          <a:bodyPr rtlCol="0" anchor="ctr"/>
+          <a:lstStyle/>
+          <a:p>
+            <a:pPr algn="ctr"/>
+            <a:endParaRPr lang="zh-TW" altLang="en-US"/>
+          </a:p>
+        </p:txBody>
+      </p:sp>
     </p:spTree>
   </p:cSld>
   <p:clrMapOvr>

--- a/poster.pptx
+++ b/poster.pptx
@@ -192,7 +192,8 @@
           <a:p>
             <a:fld id="{A935A430-2E5E-4C15-B9AD-3105F4E47E17}" type="datetimeFigureOut">
               <a:rPr lang="zh-TW" altLang="en-US" smtClean="0"/>
-              <a:t>2011/12/25</a:t>
+              <a:pPr/>
+              <a:t>2011/12/26</a:t>
             </a:fld>
             <a:endParaRPr lang="zh-TW" altLang="en-US"/>
           </a:p>
@@ -353,6 +354,7 @@
           <a:p>
             <a:fld id="{4E05F29E-FC43-48B6-B3D8-FE3780C8300C}" type="slidenum">
               <a:rPr lang="zh-TW" altLang="en-US" smtClean="0"/>
+              <a:pPr/>
               <a:t>‹#›</a:t>
             </a:fld>
             <a:endParaRPr lang="zh-TW" altLang="en-US"/>
@@ -524,6 +526,7 @@
           <a:p>
             <a:fld id="{4E05F29E-FC43-48B6-B3D8-FE3780C8300C}" type="slidenum">
               <a:rPr lang="zh-TW" altLang="en-US" smtClean="0"/>
+              <a:pPr/>
               <a:t>1</a:t>
             </a:fld>
             <a:endParaRPr lang="zh-TW" altLang="en-US"/>
@@ -720,7 +723,7 @@
             <a:fld id="{6824B76D-F948-4EDF-B5E4-A06A15984D1A}" type="datetimeFigureOut">
               <a:rPr lang="zh-TW" altLang="en-US" smtClean="0"/>
               <a:pPr/>
-              <a:t>2011/12/25</a:t>
+              <a:t>2011/12/26</a:t>
             </a:fld>
             <a:endParaRPr lang="zh-TW" altLang="en-US"/>
           </a:p>
@@ -887,7 +890,7 @@
             <a:fld id="{6824B76D-F948-4EDF-B5E4-A06A15984D1A}" type="datetimeFigureOut">
               <a:rPr lang="zh-TW" altLang="en-US" smtClean="0"/>
               <a:pPr/>
-              <a:t>2011/12/25</a:t>
+              <a:t>2011/12/26</a:t>
             </a:fld>
             <a:endParaRPr lang="zh-TW" altLang="en-US"/>
           </a:p>
@@ -1064,7 +1067,7 @@
             <a:fld id="{6824B76D-F948-4EDF-B5E4-A06A15984D1A}" type="datetimeFigureOut">
               <a:rPr lang="zh-TW" altLang="en-US" smtClean="0"/>
               <a:pPr/>
-              <a:t>2011/12/25</a:t>
+              <a:t>2011/12/26</a:t>
             </a:fld>
             <a:endParaRPr lang="zh-TW" altLang="en-US"/>
           </a:p>
@@ -1231,7 +1234,7 @@
             <a:fld id="{6824B76D-F948-4EDF-B5E4-A06A15984D1A}" type="datetimeFigureOut">
               <a:rPr lang="zh-TW" altLang="en-US" smtClean="0"/>
               <a:pPr/>
-              <a:t>2011/12/25</a:t>
+              <a:t>2011/12/26</a:t>
             </a:fld>
             <a:endParaRPr lang="zh-TW" altLang="en-US"/>
           </a:p>
@@ -1474,7 +1477,7 @@
             <a:fld id="{6824B76D-F948-4EDF-B5E4-A06A15984D1A}" type="datetimeFigureOut">
               <a:rPr lang="zh-TW" altLang="en-US" smtClean="0"/>
               <a:pPr/>
-              <a:t>2011/12/25</a:t>
+              <a:t>2011/12/26</a:t>
             </a:fld>
             <a:endParaRPr lang="zh-TW" altLang="en-US"/>
           </a:p>
@@ -1759,7 +1762,7 @@
             <a:fld id="{6824B76D-F948-4EDF-B5E4-A06A15984D1A}" type="datetimeFigureOut">
               <a:rPr lang="zh-TW" altLang="en-US" smtClean="0"/>
               <a:pPr/>
-              <a:t>2011/12/25</a:t>
+              <a:t>2011/12/26</a:t>
             </a:fld>
             <a:endParaRPr lang="zh-TW" altLang="en-US"/>
           </a:p>
@@ -2183,7 +2186,7 @@
             <a:fld id="{6824B76D-F948-4EDF-B5E4-A06A15984D1A}" type="datetimeFigureOut">
               <a:rPr lang="zh-TW" altLang="en-US" smtClean="0"/>
               <a:pPr/>
-              <a:t>2011/12/25</a:t>
+              <a:t>2011/12/26</a:t>
             </a:fld>
             <a:endParaRPr lang="zh-TW" altLang="en-US"/>
           </a:p>
@@ -2298,7 +2301,7 @@
             <a:fld id="{6824B76D-F948-4EDF-B5E4-A06A15984D1A}" type="datetimeFigureOut">
               <a:rPr lang="zh-TW" altLang="en-US" smtClean="0"/>
               <a:pPr/>
-              <a:t>2011/12/25</a:t>
+              <a:t>2011/12/26</a:t>
             </a:fld>
             <a:endParaRPr lang="zh-TW" altLang="en-US"/>
           </a:p>
@@ -2390,7 +2393,7 @@
             <a:fld id="{6824B76D-F948-4EDF-B5E4-A06A15984D1A}" type="datetimeFigureOut">
               <a:rPr lang="zh-TW" altLang="en-US" smtClean="0"/>
               <a:pPr/>
-              <a:t>2011/12/25</a:t>
+              <a:t>2011/12/26</a:t>
             </a:fld>
             <a:endParaRPr lang="zh-TW" altLang="en-US"/>
           </a:p>
@@ -2664,7 +2667,7 @@
             <a:fld id="{6824B76D-F948-4EDF-B5E4-A06A15984D1A}" type="datetimeFigureOut">
               <a:rPr lang="zh-TW" altLang="en-US" smtClean="0"/>
               <a:pPr/>
-              <a:t>2011/12/25</a:t>
+              <a:t>2011/12/26</a:t>
             </a:fld>
             <a:endParaRPr lang="zh-TW" altLang="en-US"/>
           </a:p>
@@ -2914,7 +2917,7 @@
             <a:fld id="{6824B76D-F948-4EDF-B5E4-A06A15984D1A}" type="datetimeFigureOut">
               <a:rPr lang="zh-TW" altLang="en-US" smtClean="0"/>
               <a:pPr/>
-              <a:t>2011/12/25</a:t>
+              <a:t>2011/12/26</a:t>
             </a:fld>
             <a:endParaRPr lang="zh-TW" altLang="en-US"/>
           </a:p>
@@ -3124,7 +3127,7 @@
             <a:fld id="{6824B76D-F948-4EDF-B5E4-A06A15984D1A}" type="datetimeFigureOut">
               <a:rPr lang="zh-TW" altLang="en-US" smtClean="0"/>
               <a:pPr/>
-              <a:t>2011/12/25</a:t>
+              <a:t>2011/12/26</a:t>
             </a:fld>
             <a:endParaRPr lang="zh-TW" altLang="en-US"/>
           </a:p>
@@ -3495,6 +3498,380 @@
           <a:chExt cx="0" cy="0"/>
         </a:xfrm>
       </p:grpSpPr>
+      <p:grpSp>
+        <p:nvGrpSpPr>
+          <p:cNvPr id="54" name="群組 53"/>
+          <p:cNvGrpSpPr/>
+          <p:nvPr/>
+        </p:nvGrpSpPr>
+        <p:grpSpPr>
+          <a:xfrm>
+            <a:off x="1260352" y="13123763"/>
+            <a:ext cx="13249472" cy="8568952"/>
+            <a:chOff x="1260352" y="13123763"/>
+            <a:chExt cx="13249472" cy="8568952"/>
+          </a:xfrm>
+        </p:grpSpPr>
+        <p:sp>
+          <p:nvSpPr>
+            <p:cNvPr id="40" name="圓角矩形 39"/>
+            <p:cNvSpPr/>
+            <p:nvPr/>
+          </p:nvSpPr>
+          <p:spPr>
+            <a:xfrm>
+              <a:off x="1260352" y="19244443"/>
+              <a:ext cx="8640960" cy="2448272"/>
+            </a:xfrm>
+            <a:prstGeom prst="roundRect">
+              <a:avLst>
+                <a:gd name="adj" fmla="val 18001"/>
+              </a:avLst>
+            </a:prstGeom>
+            <a:noFill/>
+            <a:ln w="38100"/>
+          </p:spPr>
+          <p:style>
+            <a:lnRef idx="2">
+              <a:schemeClr val="accent4"/>
+            </a:lnRef>
+            <a:fillRef idx="1">
+              <a:schemeClr val="lt1"/>
+            </a:fillRef>
+            <a:effectRef idx="0">
+              <a:schemeClr val="accent4"/>
+            </a:effectRef>
+            <a:fontRef idx="minor">
+              <a:schemeClr val="dk1"/>
+            </a:fontRef>
+          </p:style>
+          <p:txBody>
+            <a:bodyPr rtlCol="0" anchor="ctr"/>
+            <a:lstStyle/>
+            <a:p>
+              <a:pPr algn="ctr"/>
+              <a:endParaRPr lang="zh-TW" altLang="en-US"/>
+            </a:p>
+          </p:txBody>
+        </p:sp>
+        <p:sp>
+          <p:nvSpPr>
+            <p:cNvPr id="51" name="圓角矩形 50"/>
+            <p:cNvSpPr/>
+            <p:nvPr/>
+          </p:nvSpPr>
+          <p:spPr>
+            <a:xfrm>
+              <a:off x="8821192" y="13123763"/>
+              <a:ext cx="5688632" cy="8568952"/>
+            </a:xfrm>
+            <a:prstGeom prst="roundRect">
+              <a:avLst>
+                <a:gd name="adj" fmla="val 7588"/>
+              </a:avLst>
+            </a:prstGeom>
+            <a:noFill/>
+            <a:ln w="38100"/>
+          </p:spPr>
+          <p:style>
+            <a:lnRef idx="2">
+              <a:schemeClr val="accent4"/>
+            </a:lnRef>
+            <a:fillRef idx="1">
+              <a:schemeClr val="lt1"/>
+            </a:fillRef>
+            <a:effectRef idx="0">
+              <a:schemeClr val="accent4"/>
+            </a:effectRef>
+            <a:fontRef idx="minor">
+              <a:schemeClr val="dk1"/>
+            </a:fontRef>
+          </p:style>
+          <p:txBody>
+            <a:bodyPr rtlCol="0" anchor="ctr"/>
+            <a:lstStyle/>
+            <a:p>
+              <a:pPr algn="ctr"/>
+              <a:endParaRPr lang="zh-TW" altLang="en-US"/>
+            </a:p>
+          </p:txBody>
+        </p:sp>
+        <p:sp>
+          <p:nvSpPr>
+            <p:cNvPr id="53" name="矩形 52"/>
+            <p:cNvSpPr/>
+            <p:nvPr/>
+          </p:nvSpPr>
+          <p:spPr>
+            <a:xfrm>
+              <a:off x="8361961" y="18794465"/>
+              <a:ext cx="2016224" cy="2880320"/>
+            </a:xfrm>
+            <a:prstGeom prst="rect">
+              <a:avLst/>
+            </a:prstGeom>
+            <a:solidFill>
+              <a:schemeClr val="bg1"/>
+            </a:solidFill>
+            <a:ln>
+              <a:noFill/>
+            </a:ln>
+          </p:spPr>
+          <p:style>
+            <a:lnRef idx="2">
+              <a:schemeClr val="accent1">
+                <a:shade val="50000"/>
+              </a:schemeClr>
+            </a:lnRef>
+            <a:fillRef idx="1">
+              <a:schemeClr val="accent1"/>
+            </a:fillRef>
+            <a:effectRef idx="0">
+              <a:schemeClr val="accent1"/>
+            </a:effectRef>
+            <a:fontRef idx="minor">
+              <a:schemeClr val="lt1"/>
+            </a:fontRef>
+          </p:style>
+          <p:txBody>
+            <a:bodyPr rtlCol="0" anchor="ctr"/>
+            <a:lstStyle/>
+            <a:p>
+              <a:pPr algn="ctr"/>
+              <a:endParaRPr lang="en-US"/>
+            </a:p>
+          </p:txBody>
+        </p:sp>
+        <p:sp>
+          <p:nvSpPr>
+            <p:cNvPr id="52" name="弧形 51"/>
+            <p:cNvSpPr/>
+            <p:nvPr/>
+          </p:nvSpPr>
+          <p:spPr>
+            <a:xfrm flipV="1">
+              <a:off x="7885088" y="18308339"/>
+              <a:ext cx="936000" cy="936000"/>
+            </a:xfrm>
+            <a:prstGeom prst="arc">
+              <a:avLst/>
+            </a:prstGeom>
+            <a:ln w="38100">
+              <a:solidFill>
+                <a:schemeClr val="accent4"/>
+              </a:solidFill>
+            </a:ln>
+          </p:spPr>
+          <p:style>
+            <a:lnRef idx="1">
+              <a:schemeClr val="accent1"/>
+            </a:lnRef>
+            <a:fillRef idx="0">
+              <a:schemeClr val="accent1"/>
+            </a:fillRef>
+            <a:effectRef idx="0">
+              <a:schemeClr val="accent1"/>
+            </a:effectRef>
+            <a:fontRef idx="minor">
+              <a:schemeClr val="tx1"/>
+            </a:fontRef>
+          </p:style>
+          <p:txBody>
+            <a:bodyPr rtlCol="0" anchor="ctr"/>
+            <a:lstStyle/>
+            <a:p>
+              <a:pPr algn="ctr"/>
+              <a:endParaRPr lang="en-US"/>
+            </a:p>
+          </p:txBody>
+        </p:sp>
+      </p:grpSp>
+      <p:grpSp>
+        <p:nvGrpSpPr>
+          <p:cNvPr id="50" name="群組 49"/>
+          <p:cNvGrpSpPr/>
+          <p:nvPr/>
+        </p:nvGrpSpPr>
+        <p:grpSpPr>
+          <a:xfrm>
+            <a:off x="1260352" y="10243443"/>
+            <a:ext cx="13249472" cy="8712968"/>
+            <a:chOff x="1260352" y="10243443"/>
+            <a:chExt cx="13249472" cy="8712968"/>
+          </a:xfrm>
+        </p:grpSpPr>
+        <p:sp>
+          <p:nvSpPr>
+            <p:cNvPr id="38" name="圓角矩形 37"/>
+            <p:cNvSpPr/>
+            <p:nvPr/>
+          </p:nvSpPr>
+          <p:spPr>
+            <a:xfrm>
+              <a:off x="4788744" y="10243443"/>
+              <a:ext cx="9721080" cy="2448272"/>
+            </a:xfrm>
+            <a:prstGeom prst="roundRect">
+              <a:avLst>
+                <a:gd name="adj" fmla="val 13325"/>
+              </a:avLst>
+            </a:prstGeom>
+            <a:noFill/>
+            <a:ln w="38100"/>
+          </p:spPr>
+          <p:style>
+            <a:lnRef idx="2">
+              <a:schemeClr val="accent3"/>
+            </a:lnRef>
+            <a:fillRef idx="1">
+              <a:schemeClr val="lt1"/>
+            </a:fillRef>
+            <a:effectRef idx="0">
+              <a:schemeClr val="accent3"/>
+            </a:effectRef>
+            <a:fontRef idx="minor">
+              <a:schemeClr val="dk1"/>
+            </a:fontRef>
+          </p:style>
+          <p:txBody>
+            <a:bodyPr rtlCol="0" anchor="ctr"/>
+            <a:lstStyle/>
+            <a:p>
+              <a:pPr algn="ctr"/>
+              <a:endParaRPr lang="zh-TW" altLang="en-US"/>
+            </a:p>
+          </p:txBody>
+        </p:sp>
+        <p:sp>
+          <p:nvSpPr>
+            <p:cNvPr id="45" name="圓角矩形 44"/>
+            <p:cNvSpPr/>
+            <p:nvPr/>
+          </p:nvSpPr>
+          <p:spPr>
+            <a:xfrm>
+              <a:off x="1260352" y="10243443"/>
+              <a:ext cx="5400600" cy="8712968"/>
+            </a:xfrm>
+            <a:prstGeom prst="roundRect">
+              <a:avLst>
+                <a:gd name="adj" fmla="val 10545"/>
+              </a:avLst>
+            </a:prstGeom>
+            <a:noFill/>
+            <a:ln w="38100"/>
+          </p:spPr>
+          <p:style>
+            <a:lnRef idx="2">
+              <a:schemeClr val="accent3"/>
+            </a:lnRef>
+            <a:fillRef idx="1">
+              <a:schemeClr val="lt1"/>
+            </a:fillRef>
+            <a:effectRef idx="0">
+              <a:schemeClr val="accent3"/>
+            </a:effectRef>
+            <a:fontRef idx="minor">
+              <a:schemeClr val="dk1"/>
+            </a:fontRef>
+          </p:style>
+          <p:txBody>
+            <a:bodyPr rtlCol="0" anchor="ctr"/>
+            <a:lstStyle/>
+            <a:p>
+              <a:pPr algn="ctr"/>
+              <a:endParaRPr lang="zh-TW" altLang="en-US"/>
+            </a:p>
+          </p:txBody>
+        </p:sp>
+        <p:sp>
+          <p:nvSpPr>
+            <p:cNvPr id="46" name="矩形 45"/>
+            <p:cNvSpPr/>
+            <p:nvPr/>
+          </p:nvSpPr>
+          <p:spPr>
+            <a:xfrm>
+              <a:off x="4500712" y="10255457"/>
+              <a:ext cx="2592288" cy="2921264"/>
+            </a:xfrm>
+            <a:prstGeom prst="rect">
+              <a:avLst/>
+            </a:prstGeom>
+            <a:ln>
+              <a:noFill/>
+            </a:ln>
+          </p:spPr>
+          <p:style>
+            <a:lnRef idx="2">
+              <a:schemeClr val="accent6"/>
+            </a:lnRef>
+            <a:fillRef idx="1">
+              <a:schemeClr val="lt1"/>
+            </a:fillRef>
+            <a:effectRef idx="0">
+              <a:schemeClr val="accent6"/>
+            </a:effectRef>
+            <a:fontRef idx="minor">
+              <a:schemeClr val="dk1"/>
+            </a:fontRef>
+          </p:style>
+          <p:txBody>
+            <a:bodyPr rtlCol="0" anchor="ctr"/>
+            <a:lstStyle/>
+            <a:p>
+              <a:pPr algn="ctr"/>
+              <a:endParaRPr lang="en-US"/>
+            </a:p>
+          </p:txBody>
+        </p:sp>
+        <p:sp>
+          <p:nvSpPr>
+            <p:cNvPr id="47" name="弧形 46"/>
+            <p:cNvSpPr/>
+            <p:nvPr/>
+          </p:nvSpPr>
+          <p:spPr>
+            <a:xfrm>
+              <a:off x="6660952" y="12691715"/>
+              <a:ext cx="972000" cy="972000"/>
+            </a:xfrm>
+            <a:prstGeom prst="arc">
+              <a:avLst>
+                <a:gd name="adj1" fmla="val 10636279"/>
+                <a:gd name="adj2" fmla="val 16262060"/>
+              </a:avLst>
+            </a:prstGeom>
+            <a:ln w="38100">
+              <a:solidFill>
+                <a:schemeClr val="accent3"/>
+              </a:solidFill>
+            </a:ln>
+          </p:spPr>
+          <p:style>
+            <a:lnRef idx="1">
+              <a:schemeClr val="accent1"/>
+            </a:lnRef>
+            <a:fillRef idx="0">
+              <a:schemeClr val="accent1"/>
+            </a:fillRef>
+            <a:effectRef idx="0">
+              <a:schemeClr val="accent1"/>
+            </a:effectRef>
+            <a:fontRef idx="minor">
+              <a:schemeClr val="tx1"/>
+            </a:fontRef>
+          </p:style>
+          <p:txBody>
+            <a:bodyPr rtlCol="0" anchor="ctr"/>
+            <a:lstStyle/>
+            <a:p>
+              <a:pPr algn="ctr"/>
+              <a:endParaRPr lang="en-US"/>
+            </a:p>
+          </p:txBody>
+        </p:sp>
+      </p:grpSp>
       <p:sp>
         <p:nvSpPr>
           <p:cNvPr id="2" name="標題 1"/>
@@ -3562,52 +3939,7 @@
                 </a:effectLst>
                 <a:latin typeface="Jokerman" pitchFamily="82" charset="0"/>
               </a:rPr>
-              <a:t>Angry </a:t>
-            </a:r>
-            <a:r>
-              <a:rPr lang="en-US" altLang="zh-TW" dirty="0" smtClean="0">
-                <a:ln>
-                  <a:solidFill>
-                    <a:srgbClr val="7030A0"/>
-                  </a:solidFill>
-                </a:ln>
-                <a:gradFill flip="none" rotWithShape="1">
-                  <a:gsLst>
-                    <a:gs pos="0">
-                      <a:srgbClr val="3399FF"/>
-                    </a:gs>
-                    <a:gs pos="16000">
-                      <a:srgbClr val="00CCCC"/>
-                    </a:gs>
-                    <a:gs pos="47000">
-                      <a:srgbClr val="9999FF"/>
-                    </a:gs>
-                    <a:gs pos="60001">
-                      <a:srgbClr val="2E6792"/>
-                    </a:gs>
-                    <a:gs pos="71001">
-                      <a:srgbClr val="3333CC"/>
-                    </a:gs>
-                    <a:gs pos="81000">
-                      <a:srgbClr val="1170FF"/>
-                    </a:gs>
-                    <a:gs pos="100000">
-                      <a:srgbClr val="006699"/>
-                    </a:gs>
-                  </a:gsLst>
-                  <a:lin ang="10800000" scaled="0"/>
-                  <a:tileRect/>
-                </a:gradFill>
-                <a:effectLst>
-                  <a:outerShdw blurRad="60007" dist="200025" dir="15000000" sy="30000" kx="-1800000" algn="bl" rotWithShape="0">
-                    <a:prstClr val="black">
-                      <a:alpha val="32000"/>
-                    </a:prstClr>
-                  </a:outerShdw>
-                </a:effectLst>
-                <a:latin typeface="Jokerman" pitchFamily="82" charset="0"/>
-              </a:rPr>
-              <a:t>     Runner</a:t>
+              <a:t>Angry      Runner</a:t>
             </a:r>
             <a:endParaRPr lang="zh-TW" altLang="en-US" dirty="0">
               <a:ln>
@@ -3751,11 +4083,7 @@
             </a:r>
             <a:r>
               <a:rPr lang="zh-TW" altLang="en-US" sz="4800" dirty="0" smtClean="0"/>
-              <a:t>   </a:t>
-            </a:r>
-            <a:r>
-              <a:rPr lang="zh-TW" altLang="en-US" sz="4800" dirty="0" smtClean="0"/>
-              <a:t>組員</a:t>
+              <a:t>   組員</a:t>
             </a:r>
             <a:r>
               <a:rPr lang="en-US" altLang="zh-TW" sz="4800" dirty="0" smtClean="0"/>
@@ -3770,15 +4098,7 @@
             </a:r>
             <a:r>
               <a:rPr lang="zh-TW" altLang="en-US" sz="4800" dirty="0" smtClean="0"/>
-              <a:t>   </a:t>
-            </a:r>
-            <a:r>
-              <a:rPr lang="zh-TW" altLang="en-US" sz="4800" dirty="0" smtClean="0"/>
-              <a:t>指導</a:t>
-            </a:r>
-            <a:r>
-              <a:rPr lang="zh-TW" altLang="en-US" sz="4800" dirty="0" smtClean="0"/>
-              <a:t>老師</a:t>
+              <a:t>   指導老師</a:t>
             </a:r>
             <a:r>
               <a:rPr lang="en-US" altLang="zh-TW" sz="4800" dirty="0" smtClean="0"/>
@@ -3789,14 +4109,7 @@
                 <a:latin typeface="標楷體" pitchFamily="65" charset="-120"/>
                 <a:ea typeface="標楷體" pitchFamily="65" charset="-120"/>
               </a:rPr>
-              <a:t>陳彥</a:t>
-            </a:r>
-            <a:r>
-              <a:rPr lang="zh-TW" altLang="en-US" sz="4800" dirty="0" smtClean="0">
-                <a:latin typeface="標楷體" pitchFamily="65" charset="-120"/>
-                <a:ea typeface="標楷體" pitchFamily="65" charset="-120"/>
-              </a:rPr>
-              <a:t>仰教授</a:t>
+              <a:t>陳彥仰教授</a:t>
             </a:r>
             <a:endParaRPr lang="zh-TW" altLang="en-US" sz="4800" dirty="0">
               <a:latin typeface="標楷體" pitchFamily="65" charset="-120"/>
@@ -4015,23 +4328,7 @@
           <a:p>
             <a:r>
               <a:rPr lang="zh-TW" altLang="en-US" sz="4800" dirty="0" smtClean="0"/>
-              <a:t>音樂讓你的運動時間更有趣</a:t>
-            </a:r>
-            <a:r>
-              <a:rPr lang="zh-TW" altLang="en-US" sz="4800" dirty="0" smtClean="0"/>
-              <a:t>，利用</a:t>
-            </a:r>
-            <a:r>
-              <a:rPr lang="zh-TW" altLang="en-US" sz="4800" dirty="0" smtClean="0"/>
-              <a:t>你喜愛的音樂幫助你運動時維持在最佳速度</a:t>
-            </a:r>
-            <a:r>
-              <a:rPr lang="zh-TW" altLang="en-US" sz="4800" dirty="0" smtClean="0"/>
-              <a:t>，讓</a:t>
-            </a:r>
-            <a:r>
-              <a:rPr lang="zh-TW" altLang="en-US" sz="4800" dirty="0" smtClean="0"/>
-              <a:t>你在有限的運動時間內能燃燒最多卡路里。</a:t>
+              <a:t>音樂讓你的運動時間更有趣，利用你喜愛的音樂幫助你運動時維持在最佳速度，讓你在有限的運動時間內能燃燒最多卡路里。</a:t>
             </a:r>
             <a:endParaRPr lang="zh-TW" altLang="en-US" sz="4800" dirty="0"/>
           </a:p>
@@ -4063,7 +4360,7 @@
       </p:pic>
       <p:pic>
         <p:nvPicPr>
-          <p:cNvPr id="17" name="Picture 4" descr="C:\Documents and Settings\user\桌面\MobileProgramming\project\screenshot\device-2011-12-22-145919_gmap.png"/>
+          <p:cNvPr id="20" name="Picture 4" descr="C:\Documents and Settings\user\桌面\MobileProgramming\project\screenshot\device-2011-12-22-145919_gmap.png"/>
           <p:cNvPicPr>
             <a:picLocks noChangeAspect="1" noChangeArrowheads="1"/>
           </p:cNvPicPr>
@@ -4077,40 +4374,7 @@
         </p:blipFill>
         <p:spPr bwMode="auto">
           <a:xfrm>
-            <a:off x="15445928" y="7003083"/>
-            <a:ext cx="4572000" cy="7620000"/>
-          </a:xfrm>
-          <a:prstGeom prst="rect">
-            <a:avLst/>
-          </a:prstGeom>
-          <a:noFill/>
-          <a:ln w="38100">
-            <a:solidFill>
-              <a:schemeClr val="accent2">
-                <a:lumMod val="60000"/>
-                <a:lumOff val="40000"/>
-              </a:schemeClr>
-            </a:solidFill>
-          </a:ln>
-        </p:spPr>
-      </p:pic>
-      <p:pic>
-        <p:nvPicPr>
-          <p:cNvPr id="20" name="Picture 4" descr="C:\Documents and Settings\user\桌面\MobileProgramming\project\screenshot\device-2011-12-22-145919_gmap.png"/>
-          <p:cNvPicPr>
-            <a:picLocks noChangeAspect="1" noChangeArrowheads="1"/>
-          </p:cNvPicPr>
-          <p:nvPr/>
-        </p:nvPicPr>
-        <p:blipFill>
-          <a:blip r:embed="rId5" cstate="print"/>
-          <a:stretch>
-            <a:fillRect/>
-          </a:stretch>
-        </p:blipFill>
-        <p:spPr bwMode="auto">
-          <a:xfrm>
-            <a:off x="9325248" y="14072715"/>
+            <a:off x="9505776" y="13627819"/>
             <a:ext cx="4572000" cy="7620000"/>
           </a:xfrm>
           <a:prstGeom prst="rect">
@@ -4136,14 +4400,14 @@
           <p:nvPr/>
         </p:nvPicPr>
         <p:blipFill>
-          <a:blip r:embed="rId6" cstate="print"/>
+          <a:blip r:embed="rId5" cstate="print"/>
           <a:stretch>
             <a:fillRect/>
           </a:stretch>
         </p:blipFill>
         <p:spPr bwMode="auto">
           <a:xfrm>
-            <a:off x="1260352" y="10315451"/>
+            <a:off x="1656904" y="10832355"/>
             <a:ext cx="4572000" cy="7620000"/>
           </a:xfrm>
           <a:prstGeom prst="rect">
@@ -4183,7 +4447,7 @@
             <p:nvPr/>
           </p:nvPicPr>
           <p:blipFill>
-            <a:blip r:embed="rId7" cstate="print">
+            <a:blip r:embed="rId6" cstate="print">
               <a:extLst>
                 <a:ext uri="{28A0092B-C50C-407E-A947-70E740481C1C}">
                   <a14:useLocalDpi xmlns:a14="http://schemas.microsoft.com/office/drawing/2010/main" xmlns="" val="0"/>
@@ -4228,7 +4492,7 @@
             <p:nvPr/>
           </p:nvPicPr>
           <p:blipFill rotWithShape="1">
-            <a:blip r:embed="rId8" cstate="print">
+            <a:blip r:embed="rId7" cstate="print">
               <a:extLst>
                 <a:ext uri="{BEBA8EAE-BF5A-486C-A8C5-ECC9F3942E4B}">
                   <a14:imgProps xmlns:a14="http://schemas.microsoft.com/office/drawing/2010/main" xmlns="">
@@ -4507,264 +4771,14 @@
       </p:grpSp>
       <p:sp>
         <p:nvSpPr>
-          <p:cNvPr id="33" name="文字方塊 32"/>
-          <p:cNvSpPr txBox="1"/>
-          <p:nvPr/>
-        </p:nvSpPr>
-        <p:spPr>
-          <a:xfrm>
-            <a:off x="1332360" y="7003083"/>
-            <a:ext cx="13321480" cy="2800767"/>
-          </a:xfrm>
-          <a:prstGeom prst="rect">
-            <a:avLst/>
-          </a:prstGeom>
-          <a:noFill/>
-        </p:spPr>
-        <p:txBody>
-          <a:bodyPr wrap="square" rtlCol="0">
-            <a:spAutoFit/>
-          </a:bodyPr>
-          <a:lstStyle/>
-          <a:p>
-            <a:r>
-              <a:rPr lang="zh-TW" altLang="en-US" sz="4400" b="1" dirty="0" smtClean="0">
-                <a:ln w="10541" cmpd="sng">
-                  <a:solidFill>
-                    <a:schemeClr val="accent2">
-                      <a:lumMod val="50000"/>
-                    </a:schemeClr>
-                  </a:solidFill>
-                  <a:prstDash val="solid"/>
-                </a:ln>
-                <a:gradFill>
-                  <a:gsLst>
-                    <a:gs pos="0">
-                      <a:schemeClr val="accent2">
-                        <a:lumMod val="40000"/>
-                        <a:lumOff val="60000"/>
-                      </a:schemeClr>
-                    </a:gs>
-                    <a:gs pos="9000">
-                      <a:schemeClr val="accent2">
-                        <a:lumMod val="60000"/>
-                        <a:lumOff val="40000"/>
-                      </a:schemeClr>
-                    </a:gs>
-                    <a:gs pos="50000">
-                      <a:schemeClr val="accent2">
-                        <a:lumMod val="75000"/>
-                      </a:schemeClr>
-                    </a:gs>
-                    <a:gs pos="79000">
-                      <a:schemeClr val="accent2">
-                        <a:lumMod val="60000"/>
-                        <a:lumOff val="40000"/>
-                      </a:schemeClr>
-                    </a:gs>
-                    <a:gs pos="100000">
-                      <a:schemeClr val="accent2">
-                        <a:lumMod val="40000"/>
-                        <a:lumOff val="60000"/>
-                      </a:schemeClr>
-                    </a:gs>
-                  </a:gsLst>
-                  <a:lin ang="5400000"/>
-                </a:gradFill>
-              </a:rPr>
-              <a:t>＊</a:t>
-            </a:r>
-            <a:r>
-              <a:rPr lang="zh-TW" altLang="en-US" sz="4400" dirty="0" smtClean="0"/>
-              <a:t> </a:t>
-            </a:r>
-            <a:r>
-              <a:rPr lang="en-US" altLang="zh-TW" sz="4400" dirty="0" smtClean="0"/>
-              <a:t>Angry Runner </a:t>
-            </a:r>
-            <a:r>
-              <a:rPr lang="zh-TW" altLang="en-US" sz="4400" dirty="0" smtClean="0"/>
-              <a:t>利用手機內建的 </a:t>
-            </a:r>
-            <a:r>
-              <a:rPr lang="en-US" altLang="zh-TW" sz="4400" dirty="0" smtClean="0"/>
-              <a:t>GPS </a:t>
-            </a:r>
-            <a:r>
-              <a:rPr lang="zh-TW" altLang="en-US" sz="4400" dirty="0" smtClean="0"/>
-              <a:t>即時掌握您的運動時間、距離、和速度，並即時計算卡路里消耗量</a:t>
-            </a:r>
-            <a:r>
-              <a:rPr lang="zh-TW" altLang="en-US" sz="4400" dirty="0" smtClean="0"/>
-              <a:t>。</a:t>
-            </a:r>
-            <a:endParaRPr lang="en-US" altLang="zh-TW" sz="4400" dirty="0" smtClean="0"/>
-          </a:p>
-          <a:p>
-            <a:r>
-              <a:rPr lang="zh-TW" altLang="en-US" sz="4400" b="1" dirty="0" smtClean="0">
-                <a:ln w="10541" cmpd="sng">
-                  <a:solidFill>
-                    <a:schemeClr val="accent2">
-                      <a:lumMod val="50000"/>
-                    </a:schemeClr>
-                  </a:solidFill>
-                  <a:prstDash val="solid"/>
-                </a:ln>
-                <a:gradFill>
-                  <a:gsLst>
-                    <a:gs pos="0">
-                      <a:schemeClr val="accent2">
-                        <a:lumMod val="40000"/>
-                        <a:lumOff val="60000"/>
-                      </a:schemeClr>
-                    </a:gs>
-                    <a:gs pos="9000">
-                      <a:schemeClr val="accent2">
-                        <a:lumMod val="60000"/>
-                        <a:lumOff val="40000"/>
-                      </a:schemeClr>
-                    </a:gs>
-                    <a:gs pos="50000">
-                      <a:schemeClr val="accent2">
-                        <a:lumMod val="75000"/>
-                      </a:schemeClr>
-                    </a:gs>
-                    <a:gs pos="79000">
-                      <a:schemeClr val="accent2">
-                        <a:lumMod val="60000"/>
-                        <a:lumOff val="40000"/>
-                      </a:schemeClr>
-                    </a:gs>
-                    <a:gs pos="100000">
-                      <a:schemeClr val="accent2">
-                        <a:lumMod val="40000"/>
-                        <a:lumOff val="60000"/>
-                      </a:schemeClr>
-                    </a:gs>
-                  </a:gsLst>
-                  <a:lin ang="5400000"/>
-                </a:gradFill>
-              </a:rPr>
-              <a:t>＊</a:t>
-            </a:r>
-            <a:r>
-              <a:rPr lang="zh-TW" altLang="en-US" sz="4400" b="1" dirty="0" smtClean="0">
-                <a:ln w="10541" cmpd="sng">
-                  <a:solidFill>
-                    <a:schemeClr val="accent3">
-                      <a:lumMod val="50000"/>
-                    </a:schemeClr>
-                  </a:solidFill>
-                  <a:prstDash val="solid"/>
-                </a:ln>
-                <a:gradFill>
-                  <a:gsLst>
-                    <a:gs pos="0">
-                      <a:schemeClr val="accent3">
-                        <a:lumMod val="40000"/>
-                        <a:lumOff val="60000"/>
-                      </a:schemeClr>
-                    </a:gs>
-                    <a:gs pos="9000">
-                      <a:schemeClr val="accent3">
-                        <a:lumMod val="60000"/>
-                        <a:lumOff val="40000"/>
-                      </a:schemeClr>
-                    </a:gs>
-                    <a:gs pos="50000">
-                      <a:schemeClr val="accent3">
-                        <a:lumMod val="75000"/>
-                      </a:schemeClr>
-                    </a:gs>
-                    <a:gs pos="79000">
-                      <a:schemeClr val="accent3">
-                        <a:lumMod val="60000"/>
-                        <a:lumOff val="40000"/>
-                      </a:schemeClr>
-                    </a:gs>
-                    <a:gs pos="100000">
-                      <a:schemeClr val="accent3">
-                        <a:lumMod val="40000"/>
-                        <a:lumOff val="60000"/>
-                      </a:schemeClr>
-                    </a:gs>
-                  </a:gsLst>
-                  <a:lin ang="5400000"/>
-                </a:gradFill>
-              </a:rPr>
-              <a:t> </a:t>
-            </a:r>
-            <a:r>
-              <a:rPr lang="en-US" altLang="zh-TW" sz="4400" dirty="0" smtClean="0"/>
-              <a:t>Angry Runner </a:t>
-            </a:r>
-            <a:r>
-              <a:rPr lang="zh-TW" altLang="en-US" sz="4400" dirty="0" smtClean="0"/>
-              <a:t>會依您運動的速度自動調整音樂的音量，提醒您保持適當地運動速度。</a:t>
-            </a:r>
-            <a:endParaRPr lang="zh-TW" altLang="en-US" sz="4400" dirty="0"/>
-          </a:p>
-        </p:txBody>
-      </p:sp>
-      <p:sp>
-        <p:nvSpPr>
-          <p:cNvPr id="34" name="圓角矩形 33"/>
-          <p:cNvSpPr/>
-          <p:nvPr/>
-        </p:nvSpPr>
-        <p:spPr>
-          <a:xfrm>
-            <a:off x="1260352" y="7003083"/>
-            <a:ext cx="13393488" cy="2808312"/>
-          </a:xfrm>
-          <a:prstGeom prst="roundRect">
-            <a:avLst>
-              <a:gd name="adj" fmla="val 14039"/>
-            </a:avLst>
-          </a:prstGeom>
-          <a:noFill/>
-          <a:ln>
-            <a:solidFill>
-              <a:schemeClr val="accent2"/>
-            </a:solidFill>
-          </a:ln>
-        </p:spPr>
-        <p:style>
-          <a:lnRef idx="2">
-            <a:schemeClr val="accent1">
-              <a:shade val="50000"/>
-            </a:schemeClr>
-          </a:lnRef>
-          <a:fillRef idx="1">
-            <a:schemeClr val="accent1"/>
-          </a:fillRef>
-          <a:effectRef idx="0">
-            <a:schemeClr val="accent1"/>
-          </a:effectRef>
-          <a:fontRef idx="minor">
-            <a:schemeClr val="lt1"/>
-          </a:fontRef>
-        </p:style>
-        <p:txBody>
-          <a:bodyPr rtlCol="0" anchor="ctr"/>
-          <a:lstStyle/>
-          <a:p>
-            <a:pPr algn="ctr"/>
-            <a:endParaRPr lang="zh-TW" altLang="en-US"/>
-          </a:p>
-        </p:txBody>
-      </p:sp>
-      <p:sp>
-        <p:nvSpPr>
           <p:cNvPr id="35" name="文字方塊 34"/>
           <p:cNvSpPr txBox="1"/>
           <p:nvPr/>
         </p:nvSpPr>
         <p:spPr>
           <a:xfrm>
-            <a:off x="15121384" y="16076091"/>
-            <a:ext cx="4896544" cy="4154984"/>
+            <a:off x="15085888" y="16169579"/>
+            <a:ext cx="5256584" cy="4154984"/>
           </a:xfrm>
           <a:prstGeom prst="rect">
             <a:avLst/>
@@ -4879,11 +4893,7 @@
             </a:r>
             <a:r>
               <a:rPr lang="zh-TW" altLang="en-US" sz="4400" dirty="0" smtClean="0"/>
-              <a:t>會在您開始運動時自動播放音樂</a:t>
-            </a:r>
-            <a:r>
-              <a:rPr lang="zh-TW" altLang="en-US" sz="4400" dirty="0" smtClean="0"/>
-              <a:t>。</a:t>
+              <a:t>會在您開始運動時自動播放音樂。</a:t>
             </a:r>
             <a:endParaRPr lang="en-US" altLang="zh-TW" sz="4400" dirty="0" smtClean="0"/>
           </a:p>
@@ -4961,8 +4971,8 @@
         </p:nvSpPr>
         <p:spPr>
           <a:xfrm>
-            <a:off x="15156880" y="16148099"/>
-            <a:ext cx="4861048" cy="4104456"/>
+            <a:off x="14941872" y="15860067"/>
+            <a:ext cx="5544616" cy="4968552"/>
           </a:xfrm>
           <a:prstGeom prst="roundRect">
             <a:avLst>
@@ -5005,7 +5015,7 @@
         </p:nvSpPr>
         <p:spPr>
           <a:xfrm>
-            <a:off x="7093000" y="10315451"/>
+            <a:off x="6588944" y="10531475"/>
             <a:ext cx="7560840" cy="2123658"/>
           </a:xfrm>
           <a:prstGeom prst="rect">
@@ -5076,55 +5086,9 @@
             </a:r>
             <a:r>
               <a:rPr lang="zh-TW" altLang="en-US" sz="4400" dirty="0" smtClean="0"/>
-              <a:t>指定運動時播放的音樂清單，或建立新的音樂清單</a:t>
-            </a:r>
-            <a:r>
-              <a:rPr lang="zh-TW" altLang="en-US" sz="4400" dirty="0" smtClean="0"/>
-              <a:t>。</a:t>
+              <a:t>指定運動時播放的音樂清單，或建立新的音樂清單。</a:t>
             </a:r>
             <a:endParaRPr lang="en-US" altLang="zh-TW" sz="4400" dirty="0" smtClean="0"/>
-          </a:p>
-        </p:txBody>
-      </p:sp>
-      <p:sp>
-        <p:nvSpPr>
-          <p:cNvPr id="38" name="圓角矩形 37"/>
-          <p:cNvSpPr/>
-          <p:nvPr/>
-        </p:nvSpPr>
-        <p:spPr>
-          <a:xfrm>
-            <a:off x="7093000" y="10315451"/>
-            <a:ext cx="7560840" cy="2160240"/>
-          </a:xfrm>
-          <a:prstGeom prst="roundRect">
-            <a:avLst>
-              <a:gd name="adj" fmla="val 13325"/>
-            </a:avLst>
-          </a:prstGeom>
-          <a:noFill/>
-          <a:ln w="38100"/>
-        </p:spPr>
-        <p:style>
-          <a:lnRef idx="2">
-            <a:schemeClr val="accent3"/>
-          </a:lnRef>
-          <a:fillRef idx="1">
-            <a:schemeClr val="lt1"/>
-          </a:fillRef>
-          <a:effectRef idx="0">
-            <a:schemeClr val="accent3"/>
-          </a:effectRef>
-          <a:fontRef idx="minor">
-            <a:schemeClr val="dk1"/>
-          </a:fontRef>
-        </p:style>
-        <p:txBody>
-          <a:bodyPr rtlCol="0" anchor="ctr"/>
-          <a:lstStyle/>
-          <a:p>
-            <a:pPr algn="ctr"/>
-            <a:endParaRPr lang="zh-TW" altLang="en-US"/>
           </a:p>
         </p:txBody>
       </p:sp>
@@ -5136,7 +5100,7 @@
         </p:nvSpPr>
         <p:spPr>
           <a:xfrm>
-            <a:off x="1260352" y="19604483"/>
+            <a:off x="1656904" y="19388459"/>
             <a:ext cx="6347263" cy="2123658"/>
           </a:xfrm>
           <a:prstGeom prst="rect">
@@ -5213,45 +5177,431 @@
           </a:p>
         </p:txBody>
       </p:sp>
-      <p:sp>
-        <p:nvSpPr>
-          <p:cNvPr id="40" name="圓角矩形 39"/>
-          <p:cNvSpPr/>
+      <p:grpSp>
+        <p:nvGrpSpPr>
+          <p:cNvPr id="55" name="群組 54"/>
+          <p:cNvGrpSpPr/>
+          <p:nvPr/>
+        </p:nvGrpSpPr>
+        <p:grpSpPr>
+          <a:xfrm>
+            <a:off x="1260352" y="6859066"/>
+            <a:ext cx="19226136" cy="8280921"/>
+            <a:chOff x="1260352" y="6859066"/>
+            <a:chExt cx="19226136" cy="8280921"/>
+          </a:xfrm>
+        </p:grpSpPr>
+        <p:sp>
+          <p:nvSpPr>
+            <p:cNvPr id="41" name="圓角矩形 40"/>
+            <p:cNvSpPr/>
+            <p:nvPr/>
+          </p:nvSpPr>
+          <p:spPr>
+            <a:xfrm>
+              <a:off x="14941872" y="6859066"/>
+              <a:ext cx="5544616" cy="8280921"/>
+            </a:xfrm>
+            <a:prstGeom prst="roundRect">
+              <a:avLst>
+                <a:gd name="adj" fmla="val 7628"/>
+              </a:avLst>
+            </a:prstGeom>
+            <a:noFill/>
+            <a:ln w="38100">
+              <a:solidFill>
+                <a:schemeClr val="accent2"/>
+              </a:solidFill>
+            </a:ln>
+          </p:spPr>
+          <p:style>
+            <a:lnRef idx="2">
+              <a:schemeClr val="accent1">
+                <a:shade val="50000"/>
+              </a:schemeClr>
+            </a:lnRef>
+            <a:fillRef idx="1">
+              <a:schemeClr val="accent1"/>
+            </a:fillRef>
+            <a:effectRef idx="0">
+              <a:schemeClr val="accent1"/>
+            </a:effectRef>
+            <a:fontRef idx="minor">
+              <a:schemeClr val="lt1"/>
+            </a:fontRef>
+          </p:style>
+          <p:txBody>
+            <a:bodyPr rtlCol="0" anchor="ctr"/>
+            <a:lstStyle/>
+            <a:p>
+              <a:pPr algn="ctr"/>
+              <a:endParaRPr lang="zh-TW" altLang="en-US"/>
+            </a:p>
+          </p:txBody>
+        </p:sp>
+        <p:sp>
+          <p:nvSpPr>
+            <p:cNvPr id="34" name="圓角矩形 33"/>
+            <p:cNvSpPr/>
+            <p:nvPr/>
+          </p:nvSpPr>
+          <p:spPr>
+            <a:xfrm>
+              <a:off x="1260352" y="6859067"/>
+              <a:ext cx="14761640" cy="3024336"/>
+            </a:xfrm>
+            <a:prstGeom prst="roundRect">
+              <a:avLst>
+                <a:gd name="adj" fmla="val 14039"/>
+              </a:avLst>
+            </a:prstGeom>
+            <a:noFill/>
+            <a:ln w="38100">
+              <a:solidFill>
+                <a:schemeClr val="accent2"/>
+              </a:solidFill>
+              <a:round/>
+            </a:ln>
+          </p:spPr>
+          <p:style>
+            <a:lnRef idx="2">
+              <a:schemeClr val="accent1">
+                <a:shade val="50000"/>
+              </a:schemeClr>
+            </a:lnRef>
+            <a:fillRef idx="1">
+              <a:schemeClr val="accent1"/>
+            </a:fillRef>
+            <a:effectRef idx="0">
+              <a:schemeClr val="accent1"/>
+            </a:effectRef>
+            <a:fontRef idx="minor">
+              <a:schemeClr val="lt1"/>
+            </a:fontRef>
+          </p:style>
+          <p:txBody>
+            <a:bodyPr rtlCol="0" anchor="ctr"/>
+            <a:lstStyle/>
+            <a:p>
+              <a:pPr algn="ctr"/>
+              <a:endParaRPr lang="zh-TW" altLang="en-US"/>
+            </a:p>
+          </p:txBody>
+        </p:sp>
+        <p:sp>
+          <p:nvSpPr>
+            <p:cNvPr id="42" name="矩形 41"/>
+            <p:cNvSpPr/>
+            <p:nvPr/>
+          </p:nvSpPr>
+          <p:spPr>
+            <a:xfrm>
+              <a:off x="14581832" y="6878117"/>
+              <a:ext cx="1440160" cy="3365326"/>
+            </a:xfrm>
+            <a:prstGeom prst="rect">
+              <a:avLst/>
+            </a:prstGeom>
+            <a:solidFill>
+              <a:schemeClr val="bg1"/>
+            </a:solidFill>
+            <a:ln>
+              <a:noFill/>
+            </a:ln>
+          </p:spPr>
+          <p:style>
+            <a:lnRef idx="2">
+              <a:schemeClr val="accent1">
+                <a:shade val="50000"/>
+              </a:schemeClr>
+            </a:lnRef>
+            <a:fillRef idx="1">
+              <a:schemeClr val="accent1"/>
+            </a:fillRef>
+            <a:effectRef idx="0">
+              <a:schemeClr val="accent1"/>
+            </a:effectRef>
+            <a:fontRef idx="minor">
+              <a:schemeClr val="lt1"/>
+            </a:fontRef>
+          </p:style>
+          <p:txBody>
+            <a:bodyPr rtlCol="0" anchor="ctr"/>
+            <a:lstStyle/>
+            <a:p>
+              <a:pPr algn="ctr"/>
+              <a:endParaRPr lang="en-US"/>
+            </a:p>
+          </p:txBody>
+        </p:sp>
+        <p:sp>
+          <p:nvSpPr>
+            <p:cNvPr id="43" name="弧形 42"/>
+            <p:cNvSpPr/>
+            <p:nvPr/>
+          </p:nvSpPr>
+          <p:spPr>
+            <a:xfrm>
+              <a:off x="14149784" y="9883403"/>
+              <a:ext cx="792000" cy="792000"/>
+            </a:xfrm>
+            <a:prstGeom prst="arc">
+              <a:avLst/>
+            </a:prstGeom>
+            <a:ln w="38100"/>
+          </p:spPr>
+          <p:style>
+            <a:lnRef idx="1">
+              <a:schemeClr val="accent2"/>
+            </a:lnRef>
+            <a:fillRef idx="0">
+              <a:schemeClr val="accent2"/>
+            </a:fillRef>
+            <a:effectRef idx="0">
+              <a:schemeClr val="accent2"/>
+            </a:effectRef>
+            <a:fontRef idx="minor">
+              <a:schemeClr val="tx1"/>
+            </a:fontRef>
+          </p:style>
+          <p:txBody>
+            <a:bodyPr rtlCol="0" anchor="ctr"/>
+            <a:lstStyle/>
+            <a:p>
+              <a:pPr algn="ctr"/>
+              <a:endParaRPr lang="en-US"/>
+            </a:p>
+          </p:txBody>
+        </p:sp>
+      </p:grpSp>
+      <p:pic>
+        <p:nvPicPr>
+          <p:cNvPr id="17" name="Picture 4" descr="C:\Documents and Settings\user\桌面\MobileProgramming\project\screenshot\device-2011-12-22-145919_gmap.png"/>
+          <p:cNvPicPr>
+            <a:picLocks noChangeAspect="1" noChangeArrowheads="1"/>
+          </p:cNvPicPr>
+          <p:nvPr/>
+        </p:nvPicPr>
+        <p:blipFill>
+          <a:blip r:embed="rId16" cstate="print"/>
+          <a:stretch>
+            <a:fillRect/>
+          </a:stretch>
+        </p:blipFill>
+        <p:spPr bwMode="auto">
+          <a:xfrm>
+            <a:off x="15445928" y="7159947"/>
+            <a:ext cx="4572000" cy="7620000"/>
+          </a:xfrm>
+          <a:prstGeom prst="rect">
+            <a:avLst/>
+          </a:prstGeom>
+          <a:noFill/>
+          <a:ln w="38100">
+            <a:solidFill>
+              <a:schemeClr val="accent2">
+                <a:lumMod val="60000"/>
+                <a:lumOff val="40000"/>
+              </a:schemeClr>
+            </a:solidFill>
+          </a:ln>
+        </p:spPr>
+      </p:pic>
+      <p:sp>
+        <p:nvSpPr>
+          <p:cNvPr id="33" name="文字方塊 32"/>
+          <p:cNvSpPr txBox="1"/>
           <p:nvPr/>
         </p:nvSpPr>
         <p:spPr>
           <a:xfrm>
-            <a:off x="1260352" y="19676491"/>
-            <a:ext cx="6912768" cy="2016224"/>
+            <a:off x="1332360" y="7003083"/>
+            <a:ext cx="13321480" cy="2800767"/>
           </a:xfrm>
-          <a:prstGeom prst="roundRect">
-            <a:avLst>
-              <a:gd name="adj" fmla="val 13087"/>
-            </a:avLst>
+          <a:prstGeom prst="rect">
+            <a:avLst/>
           </a:prstGeom>
           <a:noFill/>
-          <a:ln w="38100"/>
         </p:spPr>
-        <p:style>
-          <a:lnRef idx="2">
-            <a:schemeClr val="accent4"/>
-          </a:lnRef>
-          <a:fillRef idx="1">
-            <a:schemeClr val="lt1"/>
-          </a:fillRef>
-          <a:effectRef idx="0">
-            <a:schemeClr val="accent4"/>
-          </a:effectRef>
-          <a:fontRef idx="minor">
-            <a:schemeClr val="dk1"/>
-          </a:fontRef>
-        </p:style>
-        <p:txBody>
-          <a:bodyPr rtlCol="0" anchor="ctr"/>
+        <p:txBody>
+          <a:bodyPr wrap="square" rtlCol="0">
+            <a:spAutoFit/>
+          </a:bodyPr>
           <a:lstStyle/>
           <a:p>
-            <a:pPr algn="ctr"/>
-            <a:endParaRPr lang="zh-TW" altLang="en-US"/>
+            <a:r>
+              <a:rPr lang="zh-TW" altLang="en-US" sz="4400" b="1" dirty="0" smtClean="0">
+                <a:ln w="10541" cmpd="sng">
+                  <a:solidFill>
+                    <a:schemeClr val="accent2">
+                      <a:lumMod val="50000"/>
+                    </a:schemeClr>
+                  </a:solidFill>
+                  <a:prstDash val="solid"/>
+                </a:ln>
+                <a:gradFill>
+                  <a:gsLst>
+                    <a:gs pos="0">
+                      <a:schemeClr val="accent2">
+                        <a:lumMod val="40000"/>
+                        <a:lumOff val="60000"/>
+                      </a:schemeClr>
+                    </a:gs>
+                    <a:gs pos="9000">
+                      <a:schemeClr val="accent2">
+                        <a:lumMod val="60000"/>
+                        <a:lumOff val="40000"/>
+                      </a:schemeClr>
+                    </a:gs>
+                    <a:gs pos="50000">
+                      <a:schemeClr val="accent2">
+                        <a:lumMod val="75000"/>
+                      </a:schemeClr>
+                    </a:gs>
+                    <a:gs pos="79000">
+                      <a:schemeClr val="accent2">
+                        <a:lumMod val="60000"/>
+                        <a:lumOff val="40000"/>
+                      </a:schemeClr>
+                    </a:gs>
+                    <a:gs pos="100000">
+                      <a:schemeClr val="accent2">
+                        <a:lumMod val="40000"/>
+                        <a:lumOff val="60000"/>
+                      </a:schemeClr>
+                    </a:gs>
+                  </a:gsLst>
+                  <a:lin ang="5400000"/>
+                </a:gradFill>
+              </a:rPr>
+              <a:t>＊</a:t>
+            </a:r>
+            <a:r>
+              <a:rPr lang="zh-TW" altLang="en-US" sz="4400" dirty="0" smtClean="0"/>
+              <a:t> </a:t>
+            </a:r>
+            <a:r>
+              <a:rPr lang="en-US" altLang="zh-TW" sz="4400" dirty="0" smtClean="0"/>
+              <a:t>Angry Runner </a:t>
+            </a:r>
+            <a:r>
+              <a:rPr lang="zh-TW" altLang="en-US" sz="4400" dirty="0" smtClean="0"/>
+              <a:t>利用手機內建的 </a:t>
+            </a:r>
+            <a:r>
+              <a:rPr lang="en-US" altLang="zh-TW" sz="4400" dirty="0" smtClean="0"/>
+              <a:t>GPS </a:t>
+            </a:r>
+            <a:r>
+              <a:rPr lang="zh-TW" altLang="en-US" sz="4400" dirty="0" smtClean="0"/>
+              <a:t>即時掌握您的運動時間、距離、和速度，並即時計算卡路里消耗量。</a:t>
+            </a:r>
+            <a:endParaRPr lang="en-US" altLang="zh-TW" sz="4400" dirty="0" smtClean="0"/>
+          </a:p>
+          <a:p>
+            <a:r>
+              <a:rPr lang="zh-TW" altLang="en-US" sz="4400" b="1" dirty="0" smtClean="0">
+                <a:ln w="10541" cmpd="sng">
+                  <a:solidFill>
+                    <a:schemeClr val="accent2">
+                      <a:lumMod val="50000"/>
+                    </a:schemeClr>
+                  </a:solidFill>
+                  <a:prstDash val="solid"/>
+                </a:ln>
+                <a:gradFill>
+                  <a:gsLst>
+                    <a:gs pos="0">
+                      <a:schemeClr val="accent2">
+                        <a:lumMod val="40000"/>
+                        <a:lumOff val="60000"/>
+                      </a:schemeClr>
+                    </a:gs>
+                    <a:gs pos="9000">
+                      <a:schemeClr val="accent2">
+                        <a:lumMod val="60000"/>
+                        <a:lumOff val="40000"/>
+                      </a:schemeClr>
+                    </a:gs>
+                    <a:gs pos="50000">
+                      <a:schemeClr val="accent2">
+                        <a:lumMod val="75000"/>
+                      </a:schemeClr>
+                    </a:gs>
+                    <a:gs pos="79000">
+                      <a:schemeClr val="accent2">
+                        <a:lumMod val="60000"/>
+                        <a:lumOff val="40000"/>
+                      </a:schemeClr>
+                    </a:gs>
+                    <a:gs pos="100000">
+                      <a:schemeClr val="accent2">
+                        <a:lumMod val="40000"/>
+                        <a:lumOff val="60000"/>
+                      </a:schemeClr>
+                    </a:gs>
+                  </a:gsLst>
+                  <a:lin ang="5400000"/>
+                </a:gradFill>
+              </a:rPr>
+              <a:t>＊</a:t>
+            </a:r>
+            <a:r>
+              <a:rPr lang="zh-TW" altLang="en-US" sz="4400" b="1" dirty="0" smtClean="0">
+                <a:ln w="10541" cmpd="sng">
+                  <a:solidFill>
+                    <a:schemeClr val="accent3">
+                      <a:lumMod val="50000"/>
+                    </a:schemeClr>
+                  </a:solidFill>
+                  <a:prstDash val="solid"/>
+                </a:ln>
+                <a:gradFill>
+                  <a:gsLst>
+                    <a:gs pos="0">
+                      <a:schemeClr val="accent3">
+                        <a:lumMod val="40000"/>
+                        <a:lumOff val="60000"/>
+                      </a:schemeClr>
+                    </a:gs>
+                    <a:gs pos="9000">
+                      <a:schemeClr val="accent3">
+                        <a:lumMod val="60000"/>
+                        <a:lumOff val="40000"/>
+                      </a:schemeClr>
+                    </a:gs>
+                    <a:gs pos="50000">
+                      <a:schemeClr val="accent3">
+                        <a:lumMod val="75000"/>
+                      </a:schemeClr>
+                    </a:gs>
+                    <a:gs pos="79000">
+                      <a:schemeClr val="accent3">
+                        <a:lumMod val="60000"/>
+                        <a:lumOff val="40000"/>
+                      </a:schemeClr>
+                    </a:gs>
+                    <a:gs pos="100000">
+                      <a:schemeClr val="accent3">
+                        <a:lumMod val="40000"/>
+                        <a:lumOff val="60000"/>
+                      </a:schemeClr>
+                    </a:gs>
+                  </a:gsLst>
+                  <a:lin ang="5400000"/>
+                </a:gradFill>
+              </a:rPr>
+              <a:t> </a:t>
+            </a:r>
+            <a:r>
+              <a:rPr lang="en-US" altLang="zh-TW" sz="4400" dirty="0" smtClean="0"/>
+              <a:t>Angry Runner </a:t>
+            </a:r>
+            <a:r>
+              <a:rPr lang="zh-TW" altLang="en-US" sz="4400" dirty="0" smtClean="0"/>
+              <a:t>會依您運動的速度自動調整音樂的音量，提醒您保持適當地運動速度。</a:t>
+            </a:r>
+            <a:endParaRPr lang="zh-TW" altLang="en-US" sz="4400" dirty="0"/>
           </a:p>
         </p:txBody>
       </p:sp>

--- a/poster.pptx
+++ b/poster.pptx
@@ -4,9 +4,6 @@
   <p:sldMasterIdLst>
     <p:sldMasterId id="2147483648" r:id="rId1"/>
   </p:sldMasterIdLst>
-  <p:notesMasterIdLst>
-    <p:notesMasterId r:id="rId3"/>
-  </p:notesMasterIdLst>
   <p:sldIdLst>
     <p:sldId id="256" r:id="rId2"/>
   </p:sldIdLst>
@@ -110,434 +107,6 @@
 </p:presentation>
 </file>
 
-<file path=ppt/notesMasters/notesMaster1.xml><?xml version="1.0" encoding="utf-8"?>
-<p:notesMaster xmlns:a="http://schemas.openxmlformats.org/drawingml/2006/main" xmlns:r="http://schemas.openxmlformats.org/officeDocument/2006/relationships" xmlns:p="http://schemas.openxmlformats.org/presentationml/2006/main">
-  <p:cSld>
-    <p:bg>
-      <p:bgRef idx="1001">
-        <a:schemeClr val="bg1"/>
-      </p:bgRef>
-    </p:bg>
-    <p:spTree>
-      <p:nvGrpSpPr>
-        <p:cNvPr id="1" name=""/>
-        <p:cNvGrpSpPr/>
-        <p:nvPr/>
-      </p:nvGrpSpPr>
-      <p:grpSpPr>
-        <a:xfrm>
-          <a:off x="0" y="0"/>
-          <a:ext cx="0" cy="0"/>
-          <a:chOff x="0" y="0"/>
-          <a:chExt cx="0" cy="0"/>
-        </a:xfrm>
-      </p:grpSpPr>
-      <p:sp>
-        <p:nvSpPr>
-          <p:cNvPr id="2" name="頁首版面配置區 1"/>
-          <p:cNvSpPr>
-            <a:spLocks noGrp="1"/>
-          </p:cNvSpPr>
-          <p:nvPr>
-            <p:ph type="hdr" sz="quarter"/>
-          </p:nvPr>
-        </p:nvSpPr>
-        <p:spPr>
-          <a:xfrm>
-            <a:off x="0" y="0"/>
-            <a:ext cx="2971800" cy="457200"/>
-          </a:xfrm>
-          <a:prstGeom prst="rect">
-            <a:avLst/>
-          </a:prstGeom>
-        </p:spPr>
-        <p:txBody>
-          <a:bodyPr vert="horz" lIns="91440" tIns="45720" rIns="91440" bIns="45720" rtlCol="0"/>
-          <a:lstStyle>
-            <a:lvl1pPr algn="l">
-              <a:defRPr sz="1200"/>
-            </a:lvl1pPr>
-          </a:lstStyle>
-          <a:p>
-            <a:endParaRPr lang="zh-TW" altLang="en-US"/>
-          </a:p>
-        </p:txBody>
-      </p:sp>
-      <p:sp>
-        <p:nvSpPr>
-          <p:cNvPr id="3" name="日期版面配置區 2"/>
-          <p:cNvSpPr>
-            <a:spLocks noGrp="1"/>
-          </p:cNvSpPr>
-          <p:nvPr>
-            <p:ph type="dt" idx="1"/>
-          </p:nvPr>
-        </p:nvSpPr>
-        <p:spPr>
-          <a:xfrm>
-            <a:off x="3884613" y="0"/>
-            <a:ext cx="2971800" cy="457200"/>
-          </a:xfrm>
-          <a:prstGeom prst="rect">
-            <a:avLst/>
-          </a:prstGeom>
-        </p:spPr>
-        <p:txBody>
-          <a:bodyPr vert="horz" lIns="91440" tIns="45720" rIns="91440" bIns="45720" rtlCol="0"/>
-          <a:lstStyle>
-            <a:lvl1pPr algn="r">
-              <a:defRPr sz="1200"/>
-            </a:lvl1pPr>
-          </a:lstStyle>
-          <a:p>
-            <a:fld id="{A935A430-2E5E-4C15-B9AD-3105F4E47E17}" type="datetimeFigureOut">
-              <a:rPr lang="zh-TW" altLang="en-US" smtClean="0"/>
-              <a:t>2011/12/25</a:t>
-            </a:fld>
-            <a:endParaRPr lang="zh-TW" altLang="en-US"/>
-          </a:p>
-        </p:txBody>
-      </p:sp>
-      <p:sp>
-        <p:nvSpPr>
-          <p:cNvPr id="4" name="投影片圖像版面配置區 3"/>
-          <p:cNvSpPr>
-            <a:spLocks noGrp="1" noRot="1" noChangeAspect="1"/>
-          </p:cNvSpPr>
-          <p:nvPr>
-            <p:ph type="sldImg" idx="2"/>
-          </p:nvPr>
-        </p:nvSpPr>
-        <p:spPr>
-          <a:xfrm>
-            <a:off x="2217738" y="685800"/>
-            <a:ext cx="2422525" cy="3429000"/>
-          </a:xfrm>
-          <a:prstGeom prst="rect">
-            <a:avLst/>
-          </a:prstGeom>
-          <a:noFill/>
-          <a:ln w="12700">
-            <a:solidFill>
-              <a:prstClr val="black"/>
-            </a:solidFill>
-          </a:ln>
-        </p:spPr>
-        <p:txBody>
-          <a:bodyPr vert="horz" lIns="91440" tIns="45720" rIns="91440" bIns="45720" rtlCol="0" anchor="ctr"/>
-          <a:lstStyle/>
-          <a:p>
-            <a:endParaRPr lang="zh-TW" altLang="en-US"/>
-          </a:p>
-        </p:txBody>
-      </p:sp>
-      <p:sp>
-        <p:nvSpPr>
-          <p:cNvPr id="5" name="備忘稿版面配置區 4"/>
-          <p:cNvSpPr>
-            <a:spLocks noGrp="1"/>
-          </p:cNvSpPr>
-          <p:nvPr>
-            <p:ph type="body" sz="quarter" idx="3"/>
-          </p:nvPr>
-        </p:nvSpPr>
-        <p:spPr>
-          <a:xfrm>
-            <a:off x="685800" y="4343400"/>
-            <a:ext cx="5486400" cy="4114800"/>
-          </a:xfrm>
-          <a:prstGeom prst="rect">
-            <a:avLst/>
-          </a:prstGeom>
-        </p:spPr>
-        <p:txBody>
-          <a:bodyPr vert="horz" lIns="91440" tIns="45720" rIns="91440" bIns="45720" rtlCol="0">
-            <a:normAutofit/>
-          </a:bodyPr>
-          <a:lstStyle/>
-          <a:p>
-            <a:pPr lvl="0"/>
-            <a:r>
-              <a:rPr lang="zh-TW" altLang="en-US" smtClean="0"/>
-              <a:t>按一下以編輯母片文字樣式</a:t>
-            </a:r>
-          </a:p>
-          <a:p>
-            <a:pPr lvl="1"/>
-            <a:r>
-              <a:rPr lang="zh-TW" altLang="en-US" smtClean="0"/>
-              <a:t>第二層</a:t>
-            </a:r>
-          </a:p>
-          <a:p>
-            <a:pPr lvl="2"/>
-            <a:r>
-              <a:rPr lang="zh-TW" altLang="en-US" smtClean="0"/>
-              <a:t>第三層</a:t>
-            </a:r>
-          </a:p>
-          <a:p>
-            <a:pPr lvl="3"/>
-            <a:r>
-              <a:rPr lang="zh-TW" altLang="en-US" smtClean="0"/>
-              <a:t>第四層</a:t>
-            </a:r>
-          </a:p>
-          <a:p>
-            <a:pPr lvl="4"/>
-            <a:r>
-              <a:rPr lang="zh-TW" altLang="en-US" smtClean="0"/>
-              <a:t>第五層</a:t>
-            </a:r>
-            <a:endParaRPr lang="zh-TW" altLang="en-US"/>
-          </a:p>
-        </p:txBody>
-      </p:sp>
-      <p:sp>
-        <p:nvSpPr>
-          <p:cNvPr id="6" name="頁尾版面配置區 5"/>
-          <p:cNvSpPr>
-            <a:spLocks noGrp="1"/>
-          </p:cNvSpPr>
-          <p:nvPr>
-            <p:ph type="ftr" sz="quarter" idx="4"/>
-          </p:nvPr>
-        </p:nvSpPr>
-        <p:spPr>
-          <a:xfrm>
-            <a:off x="0" y="8685213"/>
-            <a:ext cx="2971800" cy="457200"/>
-          </a:xfrm>
-          <a:prstGeom prst="rect">
-            <a:avLst/>
-          </a:prstGeom>
-        </p:spPr>
-        <p:txBody>
-          <a:bodyPr vert="horz" lIns="91440" tIns="45720" rIns="91440" bIns="45720" rtlCol="0" anchor="b"/>
-          <a:lstStyle>
-            <a:lvl1pPr algn="l">
-              <a:defRPr sz="1200"/>
-            </a:lvl1pPr>
-          </a:lstStyle>
-          <a:p>
-            <a:endParaRPr lang="zh-TW" altLang="en-US"/>
-          </a:p>
-        </p:txBody>
-      </p:sp>
-      <p:sp>
-        <p:nvSpPr>
-          <p:cNvPr id="7" name="投影片編號版面配置區 6"/>
-          <p:cNvSpPr>
-            <a:spLocks noGrp="1"/>
-          </p:cNvSpPr>
-          <p:nvPr>
-            <p:ph type="sldNum" sz="quarter" idx="5"/>
-          </p:nvPr>
-        </p:nvSpPr>
-        <p:spPr>
-          <a:xfrm>
-            <a:off x="3884613" y="8685213"/>
-            <a:ext cx="2971800" cy="457200"/>
-          </a:xfrm>
-          <a:prstGeom prst="rect">
-            <a:avLst/>
-          </a:prstGeom>
-        </p:spPr>
-        <p:txBody>
-          <a:bodyPr vert="horz" lIns="91440" tIns="45720" rIns="91440" bIns="45720" rtlCol="0" anchor="b"/>
-          <a:lstStyle>
-            <a:lvl1pPr algn="r">
-              <a:defRPr sz="1200"/>
-            </a:lvl1pPr>
-          </a:lstStyle>
-          <a:p>
-            <a:fld id="{4E05F29E-FC43-48B6-B3D8-FE3780C8300C}" type="slidenum">
-              <a:rPr lang="zh-TW" altLang="en-US" smtClean="0"/>
-              <a:t>‹#›</a:t>
-            </a:fld>
-            <a:endParaRPr lang="zh-TW" altLang="en-US"/>
-          </a:p>
-        </p:txBody>
-      </p:sp>
-    </p:spTree>
-  </p:cSld>
-  <p:clrMap bg1="lt1" tx1="dk1" bg2="lt2" tx2="dk2" accent1="accent1" accent2="accent2" accent3="accent3" accent4="accent4" accent5="accent5" accent6="accent6" hlink="hlink" folHlink="folHlink"/>
-  <p:notesStyle>
-    <a:lvl1pPr marL="0" algn="l" defTabSz="914400" rtl="0" eaLnBrk="1" latinLnBrk="0" hangingPunct="1">
-      <a:defRPr sz="1200" kern="1200">
-        <a:solidFill>
-          <a:schemeClr val="tx1"/>
-        </a:solidFill>
-        <a:latin typeface="+mn-lt"/>
-        <a:ea typeface="+mn-ea"/>
-        <a:cs typeface="+mn-cs"/>
-      </a:defRPr>
-    </a:lvl1pPr>
-    <a:lvl2pPr marL="457200" algn="l" defTabSz="914400" rtl="0" eaLnBrk="1" latinLnBrk="0" hangingPunct="1">
-      <a:defRPr sz="1200" kern="1200">
-        <a:solidFill>
-          <a:schemeClr val="tx1"/>
-        </a:solidFill>
-        <a:latin typeface="+mn-lt"/>
-        <a:ea typeface="+mn-ea"/>
-        <a:cs typeface="+mn-cs"/>
-      </a:defRPr>
-    </a:lvl2pPr>
-    <a:lvl3pPr marL="914400" algn="l" defTabSz="914400" rtl="0" eaLnBrk="1" latinLnBrk="0" hangingPunct="1">
-      <a:defRPr sz="1200" kern="1200">
-        <a:solidFill>
-          <a:schemeClr val="tx1"/>
-        </a:solidFill>
-        <a:latin typeface="+mn-lt"/>
-        <a:ea typeface="+mn-ea"/>
-        <a:cs typeface="+mn-cs"/>
-      </a:defRPr>
-    </a:lvl3pPr>
-    <a:lvl4pPr marL="1371600" algn="l" defTabSz="914400" rtl="0" eaLnBrk="1" latinLnBrk="0" hangingPunct="1">
-      <a:defRPr sz="1200" kern="1200">
-        <a:solidFill>
-          <a:schemeClr val="tx1"/>
-        </a:solidFill>
-        <a:latin typeface="+mn-lt"/>
-        <a:ea typeface="+mn-ea"/>
-        <a:cs typeface="+mn-cs"/>
-      </a:defRPr>
-    </a:lvl4pPr>
-    <a:lvl5pPr marL="1828800" algn="l" defTabSz="914400" rtl="0" eaLnBrk="1" latinLnBrk="0" hangingPunct="1">
-      <a:defRPr sz="1200" kern="1200">
-        <a:solidFill>
-          <a:schemeClr val="tx1"/>
-        </a:solidFill>
-        <a:latin typeface="+mn-lt"/>
-        <a:ea typeface="+mn-ea"/>
-        <a:cs typeface="+mn-cs"/>
-      </a:defRPr>
-    </a:lvl5pPr>
-    <a:lvl6pPr marL="2286000" algn="l" defTabSz="914400" rtl="0" eaLnBrk="1" latinLnBrk="0" hangingPunct="1">
-      <a:defRPr sz="1200" kern="1200">
-        <a:solidFill>
-          <a:schemeClr val="tx1"/>
-        </a:solidFill>
-        <a:latin typeface="+mn-lt"/>
-        <a:ea typeface="+mn-ea"/>
-        <a:cs typeface="+mn-cs"/>
-      </a:defRPr>
-    </a:lvl6pPr>
-    <a:lvl7pPr marL="2743200" algn="l" defTabSz="914400" rtl="0" eaLnBrk="1" latinLnBrk="0" hangingPunct="1">
-      <a:defRPr sz="1200" kern="1200">
-        <a:solidFill>
-          <a:schemeClr val="tx1"/>
-        </a:solidFill>
-        <a:latin typeface="+mn-lt"/>
-        <a:ea typeface="+mn-ea"/>
-        <a:cs typeface="+mn-cs"/>
-      </a:defRPr>
-    </a:lvl7pPr>
-    <a:lvl8pPr marL="3200400" algn="l" defTabSz="914400" rtl="0" eaLnBrk="1" latinLnBrk="0" hangingPunct="1">
-      <a:defRPr sz="1200" kern="1200">
-        <a:solidFill>
-          <a:schemeClr val="tx1"/>
-        </a:solidFill>
-        <a:latin typeface="+mn-lt"/>
-        <a:ea typeface="+mn-ea"/>
-        <a:cs typeface="+mn-cs"/>
-      </a:defRPr>
-    </a:lvl8pPr>
-    <a:lvl9pPr marL="3657600" algn="l" defTabSz="914400" rtl="0" eaLnBrk="1" latinLnBrk="0" hangingPunct="1">
-      <a:defRPr sz="1200" kern="1200">
-        <a:solidFill>
-          <a:schemeClr val="tx1"/>
-        </a:solidFill>
-        <a:latin typeface="+mn-lt"/>
-        <a:ea typeface="+mn-ea"/>
-        <a:cs typeface="+mn-cs"/>
-      </a:defRPr>
-    </a:lvl9pPr>
-  </p:notesStyle>
-</p:notesMaster>
-</file>
-
-<file path=ppt/notesSlides/notesSlide1.xml><?xml version="1.0" encoding="utf-8"?>
-<p:notes xmlns:a="http://schemas.openxmlformats.org/drawingml/2006/main" xmlns:r="http://schemas.openxmlformats.org/officeDocument/2006/relationships" xmlns:p="http://schemas.openxmlformats.org/presentationml/2006/main">
-  <p:cSld>
-    <p:spTree>
-      <p:nvGrpSpPr>
-        <p:cNvPr id="1" name=""/>
-        <p:cNvGrpSpPr/>
-        <p:nvPr/>
-      </p:nvGrpSpPr>
-      <p:grpSpPr>
-        <a:xfrm>
-          <a:off x="0" y="0"/>
-          <a:ext cx="0" cy="0"/>
-          <a:chOff x="0" y="0"/>
-          <a:chExt cx="0" cy="0"/>
-        </a:xfrm>
-      </p:grpSpPr>
-      <p:sp>
-        <p:nvSpPr>
-          <p:cNvPr id="2" name="投影片圖像版面配置區 1"/>
-          <p:cNvSpPr>
-            <a:spLocks noGrp="1" noRot="1" noChangeAspect="1"/>
-          </p:cNvSpPr>
-          <p:nvPr>
-            <p:ph type="sldImg"/>
-          </p:nvPr>
-        </p:nvSpPr>
-        <p:spPr/>
-      </p:sp>
-      <p:sp>
-        <p:nvSpPr>
-          <p:cNvPr id="3" name="備忘稿版面配置區 2"/>
-          <p:cNvSpPr>
-            <a:spLocks noGrp="1"/>
-          </p:cNvSpPr>
-          <p:nvPr>
-            <p:ph type="body" idx="1"/>
-          </p:nvPr>
-        </p:nvSpPr>
-        <p:spPr/>
-        <p:txBody>
-          <a:bodyPr>
-            <a:normAutofit/>
-          </a:bodyPr>
-          <a:lstStyle/>
-          <a:p>
-            <a:endParaRPr lang="zh-TW" altLang="en-US" dirty="0"/>
-          </a:p>
-        </p:txBody>
-      </p:sp>
-      <p:sp>
-        <p:nvSpPr>
-          <p:cNvPr id="4" name="投影片編號版面配置區 3"/>
-          <p:cNvSpPr>
-            <a:spLocks noGrp="1"/>
-          </p:cNvSpPr>
-          <p:nvPr>
-            <p:ph type="sldNum" sz="quarter" idx="10"/>
-          </p:nvPr>
-        </p:nvSpPr>
-        <p:spPr/>
-        <p:txBody>
-          <a:bodyPr/>
-          <a:lstStyle/>
-          <a:p>
-            <a:fld id="{4E05F29E-FC43-48B6-B3D8-FE3780C8300C}" type="slidenum">
-              <a:rPr lang="zh-TW" altLang="en-US" smtClean="0"/>
-              <a:t>1</a:t>
-            </a:fld>
-            <a:endParaRPr lang="zh-TW" altLang="en-US"/>
-          </a:p>
-        </p:txBody>
-      </p:sp>
-    </p:spTree>
-  </p:cSld>
-  <p:clrMapOvr>
-    <a:masterClrMapping/>
-  </p:clrMapOvr>
-</p:notes>
-</file>
-
 <file path=ppt/slideLayouts/slideLayout1.xml><?xml version="1.0" encoding="utf-8"?>
 <p:sldLayout xmlns:a="http://schemas.openxmlformats.org/drawingml/2006/main" xmlns:r="http://schemas.openxmlformats.org/officeDocument/2006/relationships" xmlns:p="http://schemas.openxmlformats.org/presentationml/2006/main" type="title" preserve="1">
   <p:cSld name="標題投影片">
@@ -719,8 +288,7 @@
           <a:p>
             <a:fld id="{6824B76D-F948-4EDF-B5E4-A06A15984D1A}" type="datetimeFigureOut">
               <a:rPr lang="zh-TW" altLang="en-US" smtClean="0"/>
-              <a:pPr/>
-              <a:t>2011/12/25</a:t>
+              <a:t>2011/12/26</a:t>
             </a:fld>
             <a:endParaRPr lang="zh-TW" altLang="en-US"/>
           </a:p>
@@ -762,7 +330,6 @@
           <a:p>
             <a:fld id="{70BD87A7-25D8-437F-BC7D-E1FC764C4637}" type="slidenum">
               <a:rPr lang="zh-TW" altLang="en-US" smtClean="0"/>
-              <a:pPr/>
               <a:t>‹#›</a:t>
             </a:fld>
             <a:endParaRPr lang="zh-TW" altLang="en-US"/>
@@ -886,8 +453,7 @@
           <a:p>
             <a:fld id="{6824B76D-F948-4EDF-B5E4-A06A15984D1A}" type="datetimeFigureOut">
               <a:rPr lang="zh-TW" altLang="en-US" smtClean="0"/>
-              <a:pPr/>
-              <a:t>2011/12/25</a:t>
+              <a:t>2011/12/26</a:t>
             </a:fld>
             <a:endParaRPr lang="zh-TW" altLang="en-US"/>
           </a:p>
@@ -929,7 +495,6 @@
           <a:p>
             <a:fld id="{70BD87A7-25D8-437F-BC7D-E1FC764C4637}" type="slidenum">
               <a:rPr lang="zh-TW" altLang="en-US" smtClean="0"/>
-              <a:pPr/>
               <a:t>‹#›</a:t>
             </a:fld>
             <a:endParaRPr lang="zh-TW" altLang="en-US"/>
@@ -1063,8 +628,7 @@
           <a:p>
             <a:fld id="{6824B76D-F948-4EDF-B5E4-A06A15984D1A}" type="datetimeFigureOut">
               <a:rPr lang="zh-TW" altLang="en-US" smtClean="0"/>
-              <a:pPr/>
-              <a:t>2011/12/25</a:t>
+              <a:t>2011/12/26</a:t>
             </a:fld>
             <a:endParaRPr lang="zh-TW" altLang="en-US"/>
           </a:p>
@@ -1106,7 +670,6 @@
           <a:p>
             <a:fld id="{70BD87A7-25D8-437F-BC7D-E1FC764C4637}" type="slidenum">
               <a:rPr lang="zh-TW" altLang="en-US" smtClean="0"/>
-              <a:pPr/>
               <a:t>‹#›</a:t>
             </a:fld>
             <a:endParaRPr lang="zh-TW" altLang="en-US"/>
@@ -1230,8 +793,7 @@
           <a:p>
             <a:fld id="{6824B76D-F948-4EDF-B5E4-A06A15984D1A}" type="datetimeFigureOut">
               <a:rPr lang="zh-TW" altLang="en-US" smtClean="0"/>
-              <a:pPr/>
-              <a:t>2011/12/25</a:t>
+              <a:t>2011/12/26</a:t>
             </a:fld>
             <a:endParaRPr lang="zh-TW" altLang="en-US"/>
           </a:p>
@@ -1273,7 +835,6 @@
           <a:p>
             <a:fld id="{70BD87A7-25D8-437F-BC7D-E1FC764C4637}" type="slidenum">
               <a:rPr lang="zh-TW" altLang="en-US" smtClean="0"/>
-              <a:pPr/>
               <a:t>‹#›</a:t>
             </a:fld>
             <a:endParaRPr lang="zh-TW" altLang="en-US"/>
@@ -1473,8 +1034,7 @@
           <a:p>
             <a:fld id="{6824B76D-F948-4EDF-B5E4-A06A15984D1A}" type="datetimeFigureOut">
               <a:rPr lang="zh-TW" altLang="en-US" smtClean="0"/>
-              <a:pPr/>
-              <a:t>2011/12/25</a:t>
+              <a:t>2011/12/26</a:t>
             </a:fld>
             <a:endParaRPr lang="zh-TW" altLang="en-US"/>
           </a:p>
@@ -1516,7 +1076,6 @@
           <a:p>
             <a:fld id="{70BD87A7-25D8-437F-BC7D-E1FC764C4637}" type="slidenum">
               <a:rPr lang="zh-TW" altLang="en-US" smtClean="0"/>
-              <a:pPr/>
               <a:t>‹#›</a:t>
             </a:fld>
             <a:endParaRPr lang="zh-TW" altLang="en-US"/>
@@ -1758,8 +1317,7 @@
           <a:p>
             <a:fld id="{6824B76D-F948-4EDF-B5E4-A06A15984D1A}" type="datetimeFigureOut">
               <a:rPr lang="zh-TW" altLang="en-US" smtClean="0"/>
-              <a:pPr/>
-              <a:t>2011/12/25</a:t>
+              <a:t>2011/12/26</a:t>
             </a:fld>
             <a:endParaRPr lang="zh-TW" altLang="en-US"/>
           </a:p>
@@ -1801,7 +1359,6 @@
           <a:p>
             <a:fld id="{70BD87A7-25D8-437F-BC7D-E1FC764C4637}" type="slidenum">
               <a:rPr lang="zh-TW" altLang="en-US" smtClean="0"/>
-              <a:pPr/>
               <a:t>‹#›</a:t>
             </a:fld>
             <a:endParaRPr lang="zh-TW" altLang="en-US"/>
@@ -2182,8 +1739,7 @@
           <a:p>
             <a:fld id="{6824B76D-F948-4EDF-B5E4-A06A15984D1A}" type="datetimeFigureOut">
               <a:rPr lang="zh-TW" altLang="en-US" smtClean="0"/>
-              <a:pPr/>
-              <a:t>2011/12/25</a:t>
+              <a:t>2011/12/26</a:t>
             </a:fld>
             <a:endParaRPr lang="zh-TW" altLang="en-US"/>
           </a:p>
@@ -2225,7 +1781,6 @@
           <a:p>
             <a:fld id="{70BD87A7-25D8-437F-BC7D-E1FC764C4637}" type="slidenum">
               <a:rPr lang="zh-TW" altLang="en-US" smtClean="0"/>
-              <a:pPr/>
               <a:t>‹#›</a:t>
             </a:fld>
             <a:endParaRPr lang="zh-TW" altLang="en-US"/>
@@ -2297,8 +1852,7 @@
           <a:p>
             <a:fld id="{6824B76D-F948-4EDF-B5E4-A06A15984D1A}" type="datetimeFigureOut">
               <a:rPr lang="zh-TW" altLang="en-US" smtClean="0"/>
-              <a:pPr/>
-              <a:t>2011/12/25</a:t>
+              <a:t>2011/12/26</a:t>
             </a:fld>
             <a:endParaRPr lang="zh-TW" altLang="en-US"/>
           </a:p>
@@ -2340,7 +1894,6 @@
           <a:p>
             <a:fld id="{70BD87A7-25D8-437F-BC7D-E1FC764C4637}" type="slidenum">
               <a:rPr lang="zh-TW" altLang="en-US" smtClean="0"/>
-              <a:pPr/>
               <a:t>‹#›</a:t>
             </a:fld>
             <a:endParaRPr lang="zh-TW" altLang="en-US"/>
@@ -2389,8 +1942,7 @@
           <a:p>
             <a:fld id="{6824B76D-F948-4EDF-B5E4-A06A15984D1A}" type="datetimeFigureOut">
               <a:rPr lang="zh-TW" altLang="en-US" smtClean="0"/>
-              <a:pPr/>
-              <a:t>2011/12/25</a:t>
+              <a:t>2011/12/26</a:t>
             </a:fld>
             <a:endParaRPr lang="zh-TW" altLang="en-US"/>
           </a:p>
@@ -2432,7 +1984,6 @@
           <a:p>
             <a:fld id="{70BD87A7-25D8-437F-BC7D-E1FC764C4637}" type="slidenum">
               <a:rPr lang="zh-TW" altLang="en-US" smtClean="0"/>
-              <a:pPr/>
               <a:t>‹#›</a:t>
             </a:fld>
             <a:endParaRPr lang="zh-TW" altLang="en-US"/>
@@ -2663,8 +2214,7 @@
           <a:p>
             <a:fld id="{6824B76D-F948-4EDF-B5E4-A06A15984D1A}" type="datetimeFigureOut">
               <a:rPr lang="zh-TW" altLang="en-US" smtClean="0"/>
-              <a:pPr/>
-              <a:t>2011/12/25</a:t>
+              <a:t>2011/12/26</a:t>
             </a:fld>
             <a:endParaRPr lang="zh-TW" altLang="en-US"/>
           </a:p>
@@ -2706,7 +2256,6 @@
           <a:p>
             <a:fld id="{70BD87A7-25D8-437F-BC7D-E1FC764C4637}" type="slidenum">
               <a:rPr lang="zh-TW" altLang="en-US" smtClean="0"/>
-              <a:pPr/>
               <a:t>‹#›</a:t>
             </a:fld>
             <a:endParaRPr lang="zh-TW" altLang="en-US"/>
@@ -2913,8 +2462,7 @@
           <a:p>
             <a:fld id="{6824B76D-F948-4EDF-B5E4-A06A15984D1A}" type="datetimeFigureOut">
               <a:rPr lang="zh-TW" altLang="en-US" smtClean="0"/>
-              <a:pPr/>
-              <a:t>2011/12/25</a:t>
+              <a:t>2011/12/26</a:t>
             </a:fld>
             <a:endParaRPr lang="zh-TW" altLang="en-US"/>
           </a:p>
@@ -2956,7 +2504,6 @@
           <a:p>
             <a:fld id="{70BD87A7-25D8-437F-BC7D-E1FC764C4637}" type="slidenum">
               <a:rPr lang="zh-TW" altLang="en-US" smtClean="0"/>
-              <a:pPr/>
               <a:t>‹#›</a:t>
             </a:fld>
             <a:endParaRPr lang="zh-TW" altLang="en-US"/>
@@ -3123,8 +2670,7 @@
           <a:p>
             <a:fld id="{6824B76D-F948-4EDF-B5E4-A06A15984D1A}" type="datetimeFigureOut">
               <a:rPr lang="zh-TW" altLang="en-US" smtClean="0"/>
-              <a:pPr/>
-              <a:t>2011/12/25</a:t>
+              <a:t>2011/12/26</a:t>
             </a:fld>
             <a:endParaRPr lang="zh-TW" altLang="en-US"/>
           </a:p>
@@ -3202,7 +2748,6 @@
           <a:p>
             <a:fld id="{70BD87A7-25D8-437F-BC7D-E1FC764C4637}" type="slidenum">
               <a:rPr lang="zh-TW" altLang="en-US" smtClean="0"/>
-              <a:pPr/>
               <a:t>‹#›</a:t>
             </a:fld>
             <a:endParaRPr lang="zh-TW" altLang="en-US"/>
@@ -3507,8 +3052,8 @@
         </p:nvSpPr>
         <p:spPr>
           <a:xfrm>
-            <a:off x="1188344" y="738387"/>
-            <a:ext cx="18938104" cy="3312369"/>
+            <a:off x="1620392" y="954412"/>
+            <a:ext cx="18178780" cy="3096344"/>
           </a:xfrm>
         </p:spPr>
         <p:txBody>
@@ -3562,52 +3107,7 @@
                 </a:effectLst>
                 <a:latin typeface="Jokerman" pitchFamily="82" charset="0"/>
               </a:rPr>
-              <a:t>Angry </a:t>
-            </a:r>
-            <a:r>
-              <a:rPr lang="en-US" altLang="zh-TW" dirty="0" smtClean="0">
-                <a:ln>
-                  <a:solidFill>
-                    <a:srgbClr val="7030A0"/>
-                  </a:solidFill>
-                </a:ln>
-                <a:gradFill flip="none" rotWithShape="1">
-                  <a:gsLst>
-                    <a:gs pos="0">
-                      <a:srgbClr val="3399FF"/>
-                    </a:gs>
-                    <a:gs pos="16000">
-                      <a:srgbClr val="00CCCC"/>
-                    </a:gs>
-                    <a:gs pos="47000">
-                      <a:srgbClr val="9999FF"/>
-                    </a:gs>
-                    <a:gs pos="60001">
-                      <a:srgbClr val="2E6792"/>
-                    </a:gs>
-                    <a:gs pos="71001">
-                      <a:srgbClr val="3333CC"/>
-                    </a:gs>
-                    <a:gs pos="81000">
-                      <a:srgbClr val="1170FF"/>
-                    </a:gs>
-                    <a:gs pos="100000">
-                      <a:srgbClr val="006699"/>
-                    </a:gs>
-                  </a:gsLst>
-                  <a:lin ang="10800000" scaled="0"/>
-                  <a:tileRect/>
-                </a:gradFill>
-                <a:effectLst>
-                  <a:outerShdw blurRad="60007" dist="200025" dir="15000000" sy="30000" kx="-1800000" algn="bl" rotWithShape="0">
-                    <a:prstClr val="black">
-                      <a:alpha val="32000"/>
-                    </a:prstClr>
-                  </a:outerShdw>
-                </a:effectLst>
-                <a:latin typeface="Jokerman" pitchFamily="82" charset="0"/>
-              </a:rPr>
-              <a:t>     Runner</a:t>
+              <a:t>Angry Runner</a:t>
             </a:r>
             <a:endParaRPr lang="zh-TW" altLang="en-US" dirty="0">
               <a:ln>
@@ -3662,7 +3162,7 @@
         </p:nvSpPr>
         <p:spPr>
           <a:xfrm>
-            <a:off x="396256" y="29122313"/>
+            <a:off x="396256" y="28965523"/>
             <a:ext cx="20541649" cy="923330"/>
           </a:xfrm>
           <a:prstGeom prst="rect">
@@ -3751,11 +3251,7 @@
             </a:r>
             <a:r>
               <a:rPr lang="zh-TW" altLang="en-US" sz="4800" dirty="0" smtClean="0"/>
-              <a:t>   </a:t>
-            </a:r>
-            <a:r>
-              <a:rPr lang="zh-TW" altLang="en-US" sz="4800" dirty="0" smtClean="0"/>
-              <a:t>組員</a:t>
+              <a:t>    組員</a:t>
             </a:r>
             <a:r>
               <a:rPr lang="en-US" altLang="zh-TW" sz="4800" dirty="0" smtClean="0"/>
@@ -3770,15 +3266,7 @@
             </a:r>
             <a:r>
               <a:rPr lang="zh-TW" altLang="en-US" sz="4800" dirty="0" smtClean="0"/>
-              <a:t>   </a:t>
-            </a:r>
-            <a:r>
-              <a:rPr lang="zh-TW" altLang="en-US" sz="4800" dirty="0" smtClean="0"/>
-              <a:t>指導</a:t>
-            </a:r>
-            <a:r>
-              <a:rPr lang="zh-TW" altLang="en-US" sz="4800" dirty="0" smtClean="0"/>
-              <a:t>老師</a:t>
+              <a:t>    指導老師</a:t>
             </a:r>
             <a:r>
               <a:rPr lang="en-US" altLang="zh-TW" sz="4800" dirty="0" smtClean="0"/>
@@ -3789,14 +3277,7 @@
                 <a:latin typeface="標楷體" pitchFamily="65" charset="-120"/>
                 <a:ea typeface="標楷體" pitchFamily="65" charset="-120"/>
               </a:rPr>
-              <a:t>陳彥</a:t>
-            </a:r>
-            <a:r>
-              <a:rPr lang="zh-TW" altLang="en-US" sz="4800" dirty="0" smtClean="0">
-                <a:latin typeface="標楷體" pitchFamily="65" charset="-120"/>
-                <a:ea typeface="標楷體" pitchFamily="65" charset="-120"/>
-              </a:rPr>
-              <a:t>仰教授</a:t>
+              <a:t>陳彥仰</a:t>
             </a:r>
             <a:endParaRPr lang="zh-TW" altLang="en-US" sz="4800" dirty="0">
               <a:latin typeface="標楷體" pitchFamily="65" charset="-120"/>
@@ -3978,139 +3459,781 @@
           </a:p>
         </p:txBody>
       </p:sp>
-      <p:sp>
-        <p:nvSpPr>
-          <p:cNvPr id="6" name="文字方塊 5"/>
-          <p:cNvSpPr txBox="1"/>
-          <p:nvPr/>
-        </p:nvSpPr>
-        <p:spPr>
-          <a:xfrm>
-            <a:off x="1260352" y="23708939"/>
-            <a:ext cx="8136904" cy="3785652"/>
-          </a:xfrm>
-          <a:prstGeom prst="rect">
-            <a:avLst/>
-          </a:prstGeom>
-        </p:spPr>
-        <p:style>
-          <a:lnRef idx="1">
-            <a:schemeClr val="accent3"/>
-          </a:lnRef>
-          <a:fillRef idx="2">
-            <a:schemeClr val="accent3"/>
-          </a:fillRef>
-          <a:effectRef idx="1">
-            <a:schemeClr val="accent3"/>
-          </a:effectRef>
-          <a:fontRef idx="minor">
-            <a:schemeClr val="dk1"/>
-          </a:fontRef>
-        </p:style>
-        <p:txBody>
-          <a:bodyPr wrap="square" rtlCol="0">
-            <a:spAutoFit/>
-          </a:bodyPr>
-          <a:lstStyle/>
-          <a:p>
-            <a:r>
-              <a:rPr lang="zh-TW" altLang="en-US" sz="4800" dirty="0" smtClean="0"/>
-              <a:t>音樂讓你的運動時間更有趣</a:t>
-            </a:r>
-            <a:r>
-              <a:rPr lang="zh-TW" altLang="en-US" sz="4800" dirty="0" smtClean="0"/>
-              <a:t>，利用</a:t>
-            </a:r>
-            <a:r>
-              <a:rPr lang="zh-TW" altLang="en-US" sz="4800" dirty="0" smtClean="0"/>
-              <a:t>你喜愛的音樂幫助你運動時維持在最佳速度</a:t>
-            </a:r>
-            <a:r>
-              <a:rPr lang="zh-TW" altLang="en-US" sz="4800" dirty="0" smtClean="0"/>
-              <a:t>，讓</a:t>
-            </a:r>
-            <a:r>
-              <a:rPr lang="zh-TW" altLang="en-US" sz="4800" dirty="0" smtClean="0"/>
-              <a:t>你在有限的運動時間內能燃燒最多卡路里。</a:t>
-            </a:r>
-            <a:endParaRPr lang="zh-TW" altLang="en-US" sz="4800" dirty="0"/>
-          </a:p>
-        </p:txBody>
-      </p:sp>
       <p:pic>
         <p:nvPicPr>
-          <p:cNvPr id="8" name="圖片 7" descr="HighResolutionIcon.png"/>
+          <p:cNvPr id="11" name="Picture 2" descr="C:\Users\user\Desktop\387544_2731363166330_1324771147_2916359_541190708_n.jpg"/>
           <p:cNvPicPr>
-            <a:picLocks noChangeAspect="1"/>
+            <a:picLocks noChangeAspect="1" noChangeArrowheads="1"/>
           </p:cNvPicPr>
           <p:nvPr/>
         </p:nvPicPr>
-        <p:blipFill>
-          <a:blip r:embed="rId3" cstate="print"/>
-          <a:stretch>
-            <a:fillRect/>
-          </a:stretch>
+        <p:blipFill rotWithShape="1">
+          <a:blip r:embed="rId2" cstate="print">
+            <a:duotone>
+              <a:schemeClr val="bg2">
+                <a:shade val="45000"/>
+                <a:satMod val="135000"/>
+              </a:schemeClr>
+              <a:prstClr val="white"/>
+            </a:duotone>
+            <a:extLst>
+              <a:ext uri="{BEBA8EAE-BF5A-486C-A8C5-ECC9F3942E4B}">
+                <a14:imgProps xmlns:a14="http://schemas.microsoft.com/office/drawing/2010/main">
+                  <a14:imgLayer r:embed="rId3">
+                    <a14:imgEffect>
+                      <a14:sharpenSoften amount="25000"/>
+                    </a14:imgEffect>
+                  </a14:imgLayer>
+                </a14:imgProps>
+              </a:ext>
+              <a:ext uri="{28A0092B-C50C-407E-A947-70E740481C1C}">
+                <a14:useLocalDpi xmlns:a14="http://schemas.microsoft.com/office/drawing/2010/main" val="0"/>
+              </a:ext>
+            </a:extLst>
+          </a:blip>
+          <a:srcRect t="32650" b="2921"/>
+          <a:stretch/>
         </p:blipFill>
-        <p:spPr>
+        <p:spPr bwMode="auto">
           <a:xfrm>
-            <a:off x="8677176" y="666379"/>
-            <a:ext cx="2952328" cy="2952328"/>
+            <a:off x="1550424" y="6889046"/>
+            <a:ext cx="18360000" cy="5802669"/>
           </a:xfrm>
-          <a:prstGeom prst="rect">
-            <a:avLst/>
+          <a:prstGeom prst="roundRect">
+            <a:avLst>
+              <a:gd name="adj" fmla="val 8594"/>
+            </a:avLst>
           </a:prstGeom>
+          <a:solidFill>
+            <a:srgbClr val="FFFFFF">
+              <a:shade val="85000"/>
+            </a:srgbClr>
+          </a:solidFill>
+          <a:ln w="76200">
+            <a:noFill/>
+          </a:ln>
+          <a:effectLst>
+            <a:reflection blurRad="12700" stA="38000" endPos="28000" dist="5000" dir="5400000" sy="-100000" algn="bl" rotWithShape="0"/>
+          </a:effectLst>
+          <a:extLst/>
         </p:spPr>
       </p:pic>
       <p:pic>
         <p:nvPicPr>
-          <p:cNvPr id="17" name="Picture 4" descr="C:\Documents and Settings\user\桌面\MobileProgramming\project\screenshot\device-2011-12-22-145919_gmap.png"/>
+          <p:cNvPr id="15" name="Picture 2"/>
+          <p:cNvPicPr>
+            <a:picLocks noChangeAspect="1" noChangeArrowheads="1"/>
+          </p:cNvPicPr>
+          <p:nvPr/>
+        </p:nvPicPr>
+        <p:blipFill rotWithShape="1">
+          <a:blip r:embed="rId4" cstate="print">
+            <a:duotone>
+              <a:schemeClr val="bg2">
+                <a:shade val="45000"/>
+                <a:satMod val="135000"/>
+              </a:schemeClr>
+              <a:prstClr val="white"/>
+            </a:duotone>
+            <a:extLst>
+              <a:ext uri="{BEBA8EAE-BF5A-486C-A8C5-ECC9F3942E4B}">
+                <a14:imgProps xmlns:a14="http://schemas.microsoft.com/office/drawing/2010/main">
+                  <a14:imgLayer r:embed="rId5">
+                    <a14:imgEffect>
+                      <a14:sharpenSoften amount="50000"/>
+                    </a14:imgEffect>
+                  </a14:imgLayer>
+                </a14:imgProps>
+              </a:ext>
+              <a:ext uri="{28A0092B-C50C-407E-A947-70E740481C1C}">
+                <a14:useLocalDpi xmlns:a14="http://schemas.microsoft.com/office/drawing/2010/main" val="0"/>
+              </a:ext>
+            </a:extLst>
+          </a:blip>
+          <a:srcRect t="13289" b="2"/>
+          <a:stretch/>
+        </p:blipFill>
+        <p:spPr bwMode="auto">
+          <a:xfrm>
+            <a:off x="7453041" y="19604483"/>
+            <a:ext cx="6388979" cy="9252008"/>
+          </a:xfrm>
+          <a:prstGeom prst="roundRect">
+            <a:avLst>
+              <a:gd name="adj" fmla="val 8594"/>
+            </a:avLst>
+          </a:prstGeom>
+          <a:solidFill>
+            <a:srgbClr val="FFFFFF">
+              <a:shade val="85000"/>
+            </a:srgbClr>
+          </a:solidFill>
+          <a:ln>
+            <a:noFill/>
+          </a:ln>
+          <a:effectLst>
+            <a:reflection blurRad="12700" stA="38000" endPos="28000" dist="5000" dir="5400000" sy="-100000" algn="bl" rotWithShape="0"/>
+          </a:effectLst>
+          <a:extLst>
+            <a:ext uri="{909E8E84-426E-40DD-AFC4-6F175D3DCCD1}">
+              <a14:hiddenFill xmlns:a14="http://schemas.microsoft.com/office/drawing/2010/main">
+                <a:solidFill>
+                  <a:srgbClr val="FFFFFF"/>
+                </a:solidFill>
+              </a14:hiddenFill>
+            </a:ext>
+          </a:extLst>
+        </p:spPr>
+      </p:pic>
+      <p:pic>
+        <p:nvPicPr>
+          <p:cNvPr id="16" name="Picture 2" descr="C:\Users\user\Pictures\20111225\IMAG0038.jpg"/>
+          <p:cNvPicPr>
+            <a:picLocks noChangeAspect="1" noChangeArrowheads="1"/>
+          </p:cNvPicPr>
+          <p:nvPr/>
+        </p:nvPicPr>
+        <p:blipFill rotWithShape="1">
+          <a:blip r:embed="rId6" cstate="print">
+            <a:duotone>
+              <a:schemeClr val="bg2">
+                <a:shade val="45000"/>
+                <a:satMod val="135000"/>
+              </a:schemeClr>
+              <a:prstClr val="white"/>
+            </a:duotone>
+            <a:extLst>
+              <a:ext uri="{BEBA8EAE-BF5A-486C-A8C5-ECC9F3942E4B}">
+                <a14:imgProps xmlns:a14="http://schemas.microsoft.com/office/drawing/2010/main">
+                  <a14:imgLayer r:embed="rId7">
+                    <a14:imgEffect>
+                      <a14:sharpenSoften amount="50000"/>
+                    </a14:imgEffect>
+                  </a14:imgLayer>
+                </a14:imgProps>
+              </a:ext>
+              <a:ext uri="{28A0092B-C50C-407E-A947-70E740481C1C}">
+                <a14:useLocalDpi xmlns:a14="http://schemas.microsoft.com/office/drawing/2010/main" val="0"/>
+              </a:ext>
+            </a:extLst>
+          </a:blip>
+          <a:srcRect t="9213"/>
+          <a:stretch/>
+        </p:blipFill>
+        <p:spPr bwMode="auto">
+          <a:xfrm>
+            <a:off x="13862432" y="19604483"/>
+            <a:ext cx="6120000" cy="9279339"/>
+          </a:xfrm>
+          <a:prstGeom prst="roundRect">
+            <a:avLst>
+              <a:gd name="adj" fmla="val 8594"/>
+            </a:avLst>
+          </a:prstGeom>
+          <a:solidFill>
+            <a:srgbClr val="FFFFFF">
+              <a:shade val="85000"/>
+            </a:srgbClr>
+          </a:solidFill>
+          <a:ln>
+            <a:noFill/>
+          </a:ln>
+          <a:effectLst>
+            <a:reflection blurRad="12700" stA="38000" endPos="28000" dist="5000" dir="5400000" sy="-100000" algn="bl" rotWithShape="0"/>
+          </a:effectLst>
+          <a:extLst>
+            <a:ext uri="{909E8E84-426E-40DD-AFC4-6F175D3DCCD1}">
+              <a14:hiddenFill xmlns:a14="http://schemas.microsoft.com/office/drawing/2010/main">
+                <a:solidFill>
+                  <a:srgbClr val="FFFFFF"/>
+                </a:solidFill>
+              </a14:hiddenFill>
+            </a:ext>
+          </a:extLst>
+        </p:spPr>
+      </p:pic>
+      <p:pic>
+        <p:nvPicPr>
+          <p:cNvPr id="14" name="Picture 4"/>
           <p:cNvPicPr>
             <a:picLocks noChangeAspect="1" noChangeArrowheads="1"/>
           </p:cNvPicPr>
           <p:nvPr/>
         </p:nvPicPr>
         <p:blipFill>
-          <a:blip r:embed="rId4" cstate="print"/>
+          <a:blip r:embed="rId8" cstate="print">
+            <a:duotone>
+              <a:schemeClr val="bg2">
+                <a:shade val="45000"/>
+                <a:satMod val="135000"/>
+              </a:schemeClr>
+              <a:prstClr val="white"/>
+            </a:duotone>
+            <a:extLst>
+              <a:ext uri="{28A0092B-C50C-407E-A947-70E740481C1C}">
+                <a14:useLocalDpi xmlns:a14="http://schemas.microsoft.com/office/drawing/2010/main" val="0"/>
+              </a:ext>
+            </a:extLst>
+          </a:blip>
           <a:stretch>
             <a:fillRect/>
           </a:stretch>
         </p:blipFill>
         <p:spPr bwMode="auto">
           <a:xfrm>
-            <a:off x="15445928" y="7003083"/>
-            <a:ext cx="4572000" cy="7620000"/>
+            <a:off x="10693400" y="12719483"/>
+            <a:ext cx="9252000" cy="6939000"/>
           </a:xfrm>
-          <a:prstGeom prst="rect">
-            <a:avLst/>
+          <a:prstGeom prst="roundRect">
+            <a:avLst>
+              <a:gd name="adj" fmla="val 8594"/>
+            </a:avLst>
           </a:prstGeom>
-          <a:noFill/>
-          <a:ln w="38100">
-            <a:solidFill>
-              <a:schemeClr val="accent2">
-                <a:lumMod val="60000"/>
-                <a:lumOff val="40000"/>
-              </a:schemeClr>
-            </a:solidFill>
+          <a:solidFill>
+            <a:srgbClr val="FFFFFF">
+              <a:shade val="85000"/>
+            </a:srgbClr>
+          </a:solidFill>
+          <a:ln w="76200">
+            <a:noFill/>
           </a:ln>
+          <a:effectLst>
+            <a:reflection blurRad="12700" stA="38000" endPos="28000" dist="5000" dir="5400000" sy="-100000" algn="bl" rotWithShape="0"/>
+          </a:effectLst>
+          <a:extLst>
+            <a:ext uri="{909E8E84-426E-40DD-AFC4-6F175D3DCCD1}">
+              <a14:hiddenFill xmlns:a14="http://schemas.microsoft.com/office/drawing/2010/main">
+                <a:solidFill>
+                  <a:srgbClr val="FFFFFF"/>
+                </a:solidFill>
+              </a14:hiddenFill>
+            </a:ext>
+          </a:extLst>
         </p:spPr>
       </p:pic>
       <p:pic>
         <p:nvPicPr>
-          <p:cNvPr id="20" name="Picture 4" descr="C:\Documents and Settings\user\桌面\MobileProgramming\project\screenshot\device-2011-12-22-145919_gmap.png"/>
+          <p:cNvPr id="17" name="Picture 2"/>
+          <p:cNvPicPr>
+            <a:picLocks noChangeAspect="1" noChangeArrowheads="1"/>
+          </p:cNvPicPr>
+          <p:nvPr/>
+        </p:nvPicPr>
+        <p:blipFill rotWithShape="1">
+          <a:blip r:embed="rId9" cstate="print">
+            <a:duotone>
+              <a:schemeClr val="bg2">
+                <a:shade val="45000"/>
+                <a:satMod val="135000"/>
+              </a:schemeClr>
+              <a:prstClr val="white"/>
+            </a:duotone>
+            <a:extLst>
+              <a:ext uri="{BEBA8EAE-BF5A-486C-A8C5-ECC9F3942E4B}">
+                <a14:imgProps xmlns:a14="http://schemas.microsoft.com/office/drawing/2010/main">
+                  <a14:imgLayer r:embed="rId10">
+                    <a14:imgEffect>
+                      <a14:sharpenSoften amount="50000"/>
+                    </a14:imgEffect>
+                  </a14:imgLayer>
+                </a14:imgProps>
+              </a:ext>
+              <a:ext uri="{28A0092B-C50C-407E-A947-70E740481C1C}">
+                <a14:useLocalDpi xmlns:a14="http://schemas.microsoft.com/office/drawing/2010/main" val="0"/>
+              </a:ext>
+            </a:extLst>
+          </a:blip>
+          <a:srcRect t="9254"/>
+          <a:stretch/>
+        </p:blipFill>
+        <p:spPr bwMode="auto">
+          <a:xfrm>
+            <a:off x="1332360" y="19604483"/>
+            <a:ext cx="6120000" cy="9275232"/>
+          </a:xfrm>
+          <a:prstGeom prst="roundRect">
+            <a:avLst>
+              <a:gd name="adj" fmla="val 8594"/>
+            </a:avLst>
+          </a:prstGeom>
+          <a:solidFill>
+            <a:srgbClr val="FFFFFF">
+              <a:shade val="85000"/>
+            </a:srgbClr>
+          </a:solidFill>
+          <a:ln>
+            <a:noFill/>
+          </a:ln>
+          <a:effectLst>
+            <a:reflection blurRad="12700" stA="38000" endPos="28000" dist="5000" dir="5400000" sy="-100000" algn="bl" rotWithShape="0"/>
+          </a:effectLst>
+          <a:extLst>
+            <a:ext uri="{909E8E84-426E-40DD-AFC4-6F175D3DCCD1}">
+              <a14:hiddenFill xmlns:a14="http://schemas.microsoft.com/office/drawing/2010/main">
+                <a:solidFill>
+                  <a:srgbClr val="FFFFFF"/>
+                </a:solidFill>
+              </a14:hiddenFill>
+            </a:ext>
+          </a:extLst>
+        </p:spPr>
+      </p:pic>
+      <p:pic>
+        <p:nvPicPr>
+          <p:cNvPr id="18" name="Picture 3" descr="C:\Users\user\Desktop\381494_2731353886098_1324771147_2916343_1850278505_n.jpg"/>
           <p:cNvPicPr>
             <a:picLocks noChangeAspect="1" noChangeArrowheads="1"/>
           </p:cNvPicPr>
           <p:nvPr/>
         </p:nvPicPr>
         <p:blipFill>
-          <a:blip r:embed="rId5" cstate="print"/>
+          <a:blip r:embed="rId11">
+            <a:duotone>
+              <a:schemeClr val="bg2">
+                <a:shade val="45000"/>
+                <a:satMod val="135000"/>
+              </a:schemeClr>
+              <a:prstClr val="white"/>
+            </a:duotone>
+            <a:extLst>
+              <a:ext uri="{BEBA8EAE-BF5A-486C-A8C5-ECC9F3942E4B}">
+                <a14:imgProps xmlns:a14="http://schemas.microsoft.com/office/drawing/2010/main">
+                  <a14:imgLayer r:embed="rId12"/>
+                </a14:imgProps>
+              </a:ext>
+              <a:ext uri="{28A0092B-C50C-407E-A947-70E740481C1C}">
+                <a14:useLocalDpi xmlns:a14="http://schemas.microsoft.com/office/drawing/2010/main" val="0"/>
+              </a:ext>
+            </a:extLst>
+          </a:blip>
+          <a:srcRect/>
           <a:stretch>
             <a:fillRect/>
           </a:stretch>
         </p:blipFill>
         <p:spPr bwMode="auto">
           <a:xfrm>
-            <a:off x="9325248" y="14072715"/>
+            <a:off x="1404368" y="12809499"/>
+            <a:ext cx="9252000" cy="6939000"/>
+          </a:xfrm>
+          <a:prstGeom prst="roundRect">
+            <a:avLst>
+              <a:gd name="adj" fmla="val 8594"/>
+            </a:avLst>
+          </a:prstGeom>
+          <a:solidFill>
+            <a:srgbClr val="FFFFFF">
+              <a:shade val="85000"/>
+            </a:srgbClr>
+          </a:solidFill>
+          <a:ln w="76200">
+            <a:noFill/>
+          </a:ln>
+          <a:effectLst>
+            <a:reflection blurRad="12700" stA="38000" endPos="28000" dist="5000" dir="5400000" sy="-100000" algn="bl" rotWithShape="0"/>
+          </a:effectLst>
+          <a:extLst>
+            <a:ext uri="{909E8E84-426E-40DD-AFC4-6F175D3DCCD1}">
+              <a14:hiddenFill xmlns:a14="http://schemas.microsoft.com/office/drawing/2010/main">
+                <a:solidFill>
+                  <a:srgbClr val="FFFFFF"/>
+                </a:solidFill>
+              </a14:hiddenFill>
+            </a:ext>
+          </a:extLst>
+        </p:spPr>
+      </p:pic>
+      <p:grpSp>
+        <p:nvGrpSpPr>
+          <p:cNvPr id="19" name="群組 18"/>
+          <p:cNvGrpSpPr/>
+          <p:nvPr/>
+        </p:nvGrpSpPr>
+        <p:grpSpPr>
+          <a:xfrm>
+            <a:off x="1152848" y="13051755"/>
+            <a:ext cx="13249472" cy="8568952"/>
+            <a:chOff x="1260352" y="13123763"/>
+            <a:chExt cx="13249472" cy="8568952"/>
+          </a:xfrm>
+        </p:grpSpPr>
+        <p:sp>
+          <p:nvSpPr>
+            <p:cNvPr id="20" name="圓角矩形 19"/>
+            <p:cNvSpPr/>
+            <p:nvPr/>
+          </p:nvSpPr>
+          <p:spPr>
+            <a:xfrm>
+              <a:off x="1260352" y="19244443"/>
+              <a:ext cx="8640960" cy="2448272"/>
+            </a:xfrm>
+            <a:prstGeom prst="roundRect">
+              <a:avLst>
+                <a:gd name="adj" fmla="val 18001"/>
+              </a:avLst>
+            </a:prstGeom>
+            <a:noFill/>
+            <a:ln w="38100"/>
+          </p:spPr>
+          <p:style>
+            <a:lnRef idx="2">
+              <a:schemeClr val="accent4"/>
+            </a:lnRef>
+            <a:fillRef idx="1">
+              <a:schemeClr val="lt1"/>
+            </a:fillRef>
+            <a:effectRef idx="0">
+              <a:schemeClr val="accent4"/>
+            </a:effectRef>
+            <a:fontRef idx="minor">
+              <a:schemeClr val="dk1"/>
+            </a:fontRef>
+          </p:style>
+          <p:txBody>
+            <a:bodyPr rtlCol="0" anchor="ctr"/>
+            <a:lstStyle/>
+            <a:p>
+              <a:pPr algn="ctr"/>
+              <a:endParaRPr lang="zh-TW" altLang="en-US"/>
+            </a:p>
+          </p:txBody>
+        </p:sp>
+        <p:sp>
+          <p:nvSpPr>
+            <p:cNvPr id="21" name="圓角矩形 20"/>
+            <p:cNvSpPr/>
+            <p:nvPr/>
+          </p:nvSpPr>
+          <p:spPr>
+            <a:xfrm>
+              <a:off x="8821192" y="13123763"/>
+              <a:ext cx="5688632" cy="8568952"/>
+            </a:xfrm>
+            <a:prstGeom prst="roundRect">
+              <a:avLst>
+                <a:gd name="adj" fmla="val 7588"/>
+              </a:avLst>
+            </a:prstGeom>
+            <a:noFill/>
+            <a:ln w="38100"/>
+          </p:spPr>
+          <p:style>
+            <a:lnRef idx="2">
+              <a:schemeClr val="accent4"/>
+            </a:lnRef>
+            <a:fillRef idx="1">
+              <a:schemeClr val="lt1"/>
+            </a:fillRef>
+            <a:effectRef idx="0">
+              <a:schemeClr val="accent4"/>
+            </a:effectRef>
+            <a:fontRef idx="minor">
+              <a:schemeClr val="dk1"/>
+            </a:fontRef>
+          </p:style>
+          <p:txBody>
+            <a:bodyPr rtlCol="0" anchor="ctr"/>
+            <a:lstStyle/>
+            <a:p>
+              <a:pPr algn="ctr"/>
+              <a:endParaRPr lang="zh-TW" altLang="en-US"/>
+            </a:p>
+          </p:txBody>
+        </p:sp>
+        <p:sp>
+          <p:nvSpPr>
+            <p:cNvPr id="22" name="矩形 21"/>
+            <p:cNvSpPr/>
+            <p:nvPr/>
+          </p:nvSpPr>
+          <p:spPr>
+            <a:xfrm>
+              <a:off x="8361961" y="18794465"/>
+              <a:ext cx="2016224" cy="2880320"/>
+            </a:xfrm>
+            <a:prstGeom prst="rect">
+              <a:avLst/>
+            </a:prstGeom>
+            <a:solidFill>
+              <a:schemeClr val="bg1"/>
+            </a:solidFill>
+            <a:ln>
+              <a:noFill/>
+            </a:ln>
+          </p:spPr>
+          <p:style>
+            <a:lnRef idx="2">
+              <a:schemeClr val="accent1">
+                <a:shade val="50000"/>
+              </a:schemeClr>
+            </a:lnRef>
+            <a:fillRef idx="1">
+              <a:schemeClr val="accent1"/>
+            </a:fillRef>
+            <a:effectRef idx="0">
+              <a:schemeClr val="accent1"/>
+            </a:effectRef>
+            <a:fontRef idx="minor">
+              <a:schemeClr val="lt1"/>
+            </a:fontRef>
+          </p:style>
+          <p:txBody>
+            <a:bodyPr rtlCol="0" anchor="ctr"/>
+            <a:lstStyle/>
+            <a:p>
+              <a:pPr algn="ctr"/>
+              <a:endParaRPr lang="en-US"/>
+            </a:p>
+          </p:txBody>
+        </p:sp>
+        <p:sp>
+          <p:nvSpPr>
+            <p:cNvPr id="23" name="弧形 22"/>
+            <p:cNvSpPr/>
+            <p:nvPr/>
+          </p:nvSpPr>
+          <p:spPr>
+            <a:xfrm flipV="1">
+              <a:off x="7885088" y="18308339"/>
+              <a:ext cx="936000" cy="936000"/>
+            </a:xfrm>
+            <a:prstGeom prst="arc">
+              <a:avLst/>
+            </a:prstGeom>
+            <a:ln w="38100">
+              <a:solidFill>
+                <a:schemeClr val="accent4"/>
+              </a:solidFill>
+            </a:ln>
+          </p:spPr>
+          <p:style>
+            <a:lnRef idx="1">
+              <a:schemeClr val="accent1"/>
+            </a:lnRef>
+            <a:fillRef idx="0">
+              <a:schemeClr val="accent1"/>
+            </a:fillRef>
+            <a:effectRef idx="0">
+              <a:schemeClr val="accent1"/>
+            </a:effectRef>
+            <a:fontRef idx="minor">
+              <a:schemeClr val="tx1"/>
+            </a:fontRef>
+          </p:style>
+          <p:txBody>
+            <a:bodyPr rtlCol="0" anchor="ctr"/>
+            <a:lstStyle/>
+            <a:p>
+              <a:pPr algn="ctr"/>
+              <a:endParaRPr lang="en-US"/>
+            </a:p>
+          </p:txBody>
+        </p:sp>
+      </p:grpSp>
+      <p:grpSp>
+        <p:nvGrpSpPr>
+          <p:cNvPr id="24" name="群組 23"/>
+          <p:cNvGrpSpPr/>
+          <p:nvPr/>
+        </p:nvGrpSpPr>
+        <p:grpSpPr>
+          <a:xfrm>
+            <a:off x="1152848" y="10291782"/>
+            <a:ext cx="13249472" cy="8712968"/>
+            <a:chOff x="1260352" y="10243443"/>
+            <a:chExt cx="13249472" cy="8712968"/>
+          </a:xfrm>
+        </p:grpSpPr>
+        <p:sp>
+          <p:nvSpPr>
+            <p:cNvPr id="25" name="圓角矩形 24"/>
+            <p:cNvSpPr/>
+            <p:nvPr/>
+          </p:nvSpPr>
+          <p:spPr>
+            <a:xfrm>
+              <a:off x="4788744" y="10243443"/>
+              <a:ext cx="9721080" cy="2448272"/>
+            </a:xfrm>
+            <a:prstGeom prst="roundRect">
+              <a:avLst>
+                <a:gd name="adj" fmla="val 13325"/>
+              </a:avLst>
+            </a:prstGeom>
+            <a:noFill/>
+            <a:ln w="38100"/>
+          </p:spPr>
+          <p:style>
+            <a:lnRef idx="2">
+              <a:schemeClr val="accent3"/>
+            </a:lnRef>
+            <a:fillRef idx="1">
+              <a:schemeClr val="lt1"/>
+            </a:fillRef>
+            <a:effectRef idx="0">
+              <a:schemeClr val="accent3"/>
+            </a:effectRef>
+            <a:fontRef idx="minor">
+              <a:schemeClr val="dk1"/>
+            </a:fontRef>
+          </p:style>
+          <p:txBody>
+            <a:bodyPr rtlCol="0" anchor="ctr"/>
+            <a:lstStyle/>
+            <a:p>
+              <a:pPr algn="ctr"/>
+              <a:endParaRPr lang="zh-TW" altLang="en-US"/>
+            </a:p>
+          </p:txBody>
+        </p:sp>
+        <p:sp>
+          <p:nvSpPr>
+            <p:cNvPr id="26" name="圓角矩形 25"/>
+            <p:cNvSpPr/>
+            <p:nvPr/>
+          </p:nvSpPr>
+          <p:spPr>
+            <a:xfrm>
+              <a:off x="1260352" y="10243443"/>
+              <a:ext cx="5400600" cy="8712968"/>
+            </a:xfrm>
+            <a:prstGeom prst="roundRect">
+              <a:avLst>
+                <a:gd name="adj" fmla="val 10545"/>
+              </a:avLst>
+            </a:prstGeom>
+            <a:noFill/>
+            <a:ln w="38100"/>
+          </p:spPr>
+          <p:style>
+            <a:lnRef idx="2">
+              <a:schemeClr val="accent3"/>
+            </a:lnRef>
+            <a:fillRef idx="1">
+              <a:schemeClr val="lt1"/>
+            </a:fillRef>
+            <a:effectRef idx="0">
+              <a:schemeClr val="accent3"/>
+            </a:effectRef>
+            <a:fontRef idx="minor">
+              <a:schemeClr val="dk1"/>
+            </a:fontRef>
+          </p:style>
+          <p:txBody>
+            <a:bodyPr rtlCol="0" anchor="ctr"/>
+            <a:lstStyle/>
+            <a:p>
+              <a:pPr algn="ctr"/>
+              <a:endParaRPr lang="zh-TW" altLang="en-US"/>
+            </a:p>
+          </p:txBody>
+        </p:sp>
+        <p:sp>
+          <p:nvSpPr>
+            <p:cNvPr id="27" name="矩形 26"/>
+            <p:cNvSpPr/>
+            <p:nvPr/>
+          </p:nvSpPr>
+          <p:spPr>
+            <a:xfrm>
+              <a:off x="4500712" y="10255457"/>
+              <a:ext cx="2592288" cy="2921264"/>
+            </a:xfrm>
+            <a:prstGeom prst="rect">
+              <a:avLst/>
+            </a:prstGeom>
+            <a:ln>
+              <a:noFill/>
+            </a:ln>
+          </p:spPr>
+          <p:style>
+            <a:lnRef idx="2">
+              <a:schemeClr val="accent6"/>
+            </a:lnRef>
+            <a:fillRef idx="1">
+              <a:schemeClr val="lt1"/>
+            </a:fillRef>
+            <a:effectRef idx="0">
+              <a:schemeClr val="accent6"/>
+            </a:effectRef>
+            <a:fontRef idx="minor">
+              <a:schemeClr val="dk1"/>
+            </a:fontRef>
+          </p:style>
+          <p:txBody>
+            <a:bodyPr rtlCol="0" anchor="ctr"/>
+            <a:lstStyle/>
+            <a:p>
+              <a:pPr algn="ctr"/>
+              <a:endParaRPr lang="en-US"/>
+            </a:p>
+          </p:txBody>
+        </p:sp>
+        <p:sp>
+          <p:nvSpPr>
+            <p:cNvPr id="28" name="弧形 27"/>
+            <p:cNvSpPr/>
+            <p:nvPr/>
+          </p:nvSpPr>
+          <p:spPr>
+            <a:xfrm>
+              <a:off x="6660952" y="12691715"/>
+              <a:ext cx="972000" cy="972000"/>
+            </a:xfrm>
+            <a:prstGeom prst="arc">
+              <a:avLst>
+                <a:gd name="adj1" fmla="val 10636279"/>
+                <a:gd name="adj2" fmla="val 16262060"/>
+              </a:avLst>
+            </a:prstGeom>
+            <a:ln w="38100">
+              <a:solidFill>
+                <a:schemeClr val="accent3"/>
+              </a:solidFill>
+            </a:ln>
+          </p:spPr>
+          <p:style>
+            <a:lnRef idx="1">
+              <a:schemeClr val="accent1"/>
+            </a:lnRef>
+            <a:fillRef idx="0">
+              <a:schemeClr val="accent1"/>
+            </a:fillRef>
+            <a:effectRef idx="0">
+              <a:schemeClr val="accent1"/>
+            </a:effectRef>
+            <a:fontRef idx="minor">
+              <a:schemeClr val="tx1"/>
+            </a:fontRef>
+          </p:style>
+          <p:txBody>
+            <a:bodyPr rtlCol="0" anchor="ctr"/>
+            <a:lstStyle/>
+            <a:p>
+              <a:pPr algn="ctr"/>
+              <a:endParaRPr lang="en-US"/>
+            </a:p>
+          </p:txBody>
+        </p:sp>
+      </p:grpSp>
+      <p:pic>
+        <p:nvPicPr>
+          <p:cNvPr id="30" name="Picture 4" descr="C:\Documents and Settings\user\桌面\MobileProgramming\project\screenshot\device-2011-12-22-145919_gmap.png"/>
+          <p:cNvPicPr>
+            <a:picLocks noChangeAspect="1" noChangeArrowheads="1"/>
+          </p:cNvPicPr>
+          <p:nvPr/>
+        </p:nvPicPr>
+        <p:blipFill>
+          <a:blip r:embed="rId13" cstate="print"/>
+          <a:stretch>
+            <a:fillRect/>
+          </a:stretch>
+        </p:blipFill>
+        <p:spPr bwMode="auto">
+          <a:xfrm>
+            <a:off x="9398272" y="13676158"/>
             <a:ext cx="4572000" cy="7620000"/>
           </a:xfrm>
           <a:prstGeom prst="rect">
@@ -4129,21 +4252,21 @@
       </p:pic>
       <p:pic>
         <p:nvPicPr>
-          <p:cNvPr id="25" name="Picture 4" descr="C:\Documents and Settings\user\桌面\MobileProgramming\project\screenshot\device-2011-12-22-145919_gmap.png"/>
+          <p:cNvPr id="31" name="Picture 4" descr="C:\Documents and Settings\user\桌面\MobileProgramming\project\screenshot\device-2011-12-22-145919_gmap.png"/>
           <p:cNvPicPr>
             <a:picLocks noChangeAspect="1" noChangeArrowheads="1"/>
           </p:cNvPicPr>
           <p:nvPr/>
         </p:nvPicPr>
         <p:blipFill>
-          <a:blip r:embed="rId6" cstate="print"/>
+          <a:blip r:embed="rId14" cstate="print"/>
           <a:stretch>
             <a:fillRect/>
           </a:stretch>
         </p:blipFill>
         <p:spPr bwMode="auto">
           <a:xfrm>
-            <a:off x="1260352" y="10315451"/>
+            <a:off x="1549400" y="10880694"/>
             <a:ext cx="4572000" cy="7620000"/>
           </a:xfrm>
           <a:prstGeom prst="rect">
@@ -4160,611 +4283,16 @@
           </a:ln>
         </p:spPr>
       </p:pic>
-      <p:grpSp>
-        <p:nvGrpSpPr>
-          <p:cNvPr id="26" name="群組 25"/>
-          <p:cNvGrpSpPr/>
-          <p:nvPr/>
-        </p:nvGrpSpPr>
-        <p:grpSpPr>
-          <a:xfrm>
-            <a:off x="11943850" y="22050183"/>
-            <a:ext cx="8074078" cy="6987348"/>
-            <a:chOff x="1498585" y="7390507"/>
-            <a:chExt cx="9082190" cy="7859773"/>
-          </a:xfrm>
-        </p:grpSpPr>
-        <p:pic>
-          <p:nvPicPr>
-            <p:cNvPr id="27" name="Picture 4"/>
-            <p:cNvPicPr>
-              <a:picLocks noChangeAspect="1" noChangeArrowheads="1"/>
-            </p:cNvPicPr>
-            <p:nvPr/>
-          </p:nvPicPr>
-          <p:blipFill>
-            <a:blip r:embed="rId7" cstate="print">
-              <a:extLst>
-                <a:ext uri="{28A0092B-C50C-407E-A947-70E740481C1C}">
-                  <a14:useLocalDpi xmlns:a14="http://schemas.microsoft.com/office/drawing/2010/main" xmlns="" val="0"/>
-                </a:ext>
-              </a:extLst>
-            </a:blip>
-            <a:stretch>
-              <a:fillRect/>
-            </a:stretch>
-          </p:blipFill>
-          <p:spPr bwMode="auto">
-            <a:xfrm>
-              <a:off x="6008775" y="7435131"/>
-              <a:ext cx="4572000" cy="3429000"/>
-            </a:xfrm>
-            <a:prstGeom prst="rect">
-              <a:avLst/>
-            </a:prstGeom>
-            <a:ln>
-              <a:noFill/>
-            </a:ln>
-            <a:effectLst>
-              <a:softEdge rad="112500"/>
-            </a:effectLst>
-            <a:extLst>
-              <a:ext uri="{909E8E84-426E-40DD-AFC4-6F175D3DCCD1}">
-                <a14:hiddenFill xmlns:a14="http://schemas.microsoft.com/office/drawing/2010/main" xmlns="">
-                  <a:solidFill>
-                    <a:srgbClr val="FFFFFF"/>
-                  </a:solidFill>
-                </a14:hiddenFill>
-              </a:ext>
-            </a:extLst>
-          </p:spPr>
-        </p:pic>
-        <p:pic>
-          <p:nvPicPr>
-            <p:cNvPr id="28" name="Picture 2"/>
-            <p:cNvPicPr>
-              <a:picLocks noChangeAspect="1" noChangeArrowheads="1"/>
-            </p:cNvPicPr>
-            <p:nvPr/>
-          </p:nvPicPr>
-          <p:blipFill rotWithShape="1">
-            <a:blip r:embed="rId8" cstate="print">
-              <a:extLst>
-                <a:ext uri="{BEBA8EAE-BF5A-486C-A8C5-ECC9F3942E4B}">
-                  <a14:imgProps xmlns:a14="http://schemas.microsoft.com/office/drawing/2010/main" xmlns="">
-                    <a14:imgLayer r:embed="rId9">
-                      <a14:imgEffect>
-                        <a14:sharpenSoften amount="50000"/>
-                      </a14:imgEffect>
-                    </a14:imgLayer>
-                  </a14:imgProps>
-                </a:ext>
-                <a:ext uri="{28A0092B-C50C-407E-A947-70E740481C1C}">
-                  <a14:useLocalDpi xmlns:a14="http://schemas.microsoft.com/office/drawing/2010/main" xmlns="" val="0"/>
-                </a:ext>
-              </a:extLst>
-            </a:blip>
-            <a:srcRect b="49206"/>
-            <a:stretch/>
-          </p:blipFill>
-          <p:spPr bwMode="auto">
-            <a:xfrm>
-              <a:off x="4136567" y="12043643"/>
-              <a:ext cx="3780000" cy="3206637"/>
-            </a:xfrm>
-            <a:prstGeom prst="rect">
-              <a:avLst/>
-            </a:prstGeom>
-            <a:ln>
-              <a:noFill/>
-            </a:ln>
-            <a:effectLst>
-              <a:outerShdw blurRad="50800" dist="50800" dir="5400000" algn="ctr" rotWithShape="0">
-                <a:srgbClr val="000000">
-                  <a:alpha val="40000"/>
-                </a:srgbClr>
-              </a:outerShdw>
-              <a:softEdge rad="112500"/>
-            </a:effectLst>
-            <a:extLst>
-              <a:ext uri="{909E8E84-426E-40DD-AFC4-6F175D3DCCD1}">
-                <a14:hiddenFill xmlns:a14="http://schemas.microsoft.com/office/drawing/2010/main" xmlns="">
-                  <a:solidFill>
-                    <a:srgbClr val="FFFFFF"/>
-                  </a:solidFill>
-                </a14:hiddenFill>
-              </a:ext>
-            </a:extLst>
-          </p:spPr>
-        </p:pic>
-        <p:pic>
-          <p:nvPicPr>
-            <p:cNvPr id="29" name="Picture 2" descr="C:\Users\user\Pictures\20111225\IMAG0038.jpg"/>
-            <p:cNvPicPr>
-              <a:picLocks noChangeAspect="1" noChangeArrowheads="1"/>
-            </p:cNvPicPr>
-            <p:nvPr/>
-          </p:nvPicPr>
-          <p:blipFill>
-            <a:blip r:embed="rId10" cstate="print">
-              <a:extLst>
-                <a:ext uri="{BEBA8EAE-BF5A-486C-A8C5-ECC9F3942E4B}">
-                  <a14:imgProps xmlns:a14="http://schemas.microsoft.com/office/drawing/2010/main" xmlns="">
-                    <a14:imgLayer r:embed="rId11">
-                      <a14:imgEffect>
-                        <a14:sharpenSoften amount="50000"/>
-                      </a14:imgEffect>
-                    </a14:imgLayer>
-                  </a14:imgProps>
-                </a:ext>
-                <a:ext uri="{28A0092B-C50C-407E-A947-70E740481C1C}">
-                  <a14:useLocalDpi xmlns:a14="http://schemas.microsoft.com/office/drawing/2010/main" xmlns="" val="0"/>
-                </a:ext>
-              </a:extLst>
-            </a:blip>
-            <a:srcRect/>
-            <a:stretch>
-              <a:fillRect/>
-            </a:stretch>
-          </p:blipFill>
-          <p:spPr bwMode="auto">
-            <a:xfrm>
-              <a:off x="7854940" y="10747499"/>
-              <a:ext cx="2694444" cy="4500000"/>
-            </a:xfrm>
-            <a:prstGeom prst="rect">
-              <a:avLst/>
-            </a:prstGeom>
-            <a:ln>
-              <a:noFill/>
-            </a:ln>
-            <a:effectLst>
-              <a:softEdge rad="112500"/>
-            </a:effectLst>
-            <a:extLst>
-              <a:ext uri="{909E8E84-426E-40DD-AFC4-6F175D3DCCD1}">
-                <a14:hiddenFill xmlns:a14="http://schemas.microsoft.com/office/drawing/2010/main" xmlns="">
-                  <a:solidFill>
-                    <a:srgbClr val="FFFFFF"/>
-                  </a:solidFill>
-                </a14:hiddenFill>
-              </a:ext>
-            </a:extLst>
-          </p:spPr>
-        </p:pic>
-        <p:pic>
-          <p:nvPicPr>
-            <p:cNvPr id="30" name="Picture 2"/>
-            <p:cNvPicPr>
-              <a:picLocks noChangeAspect="1" noChangeArrowheads="1"/>
-            </p:cNvPicPr>
-            <p:nvPr/>
-          </p:nvPicPr>
-          <p:blipFill>
-            <a:blip r:embed="rId12" cstate="print">
-              <a:extLst>
-                <a:ext uri="{BEBA8EAE-BF5A-486C-A8C5-ECC9F3942E4B}">
-                  <a14:imgProps xmlns:a14="http://schemas.microsoft.com/office/drawing/2010/main" xmlns="">
-                    <a14:imgLayer r:embed="rId13">
-                      <a14:imgEffect>
-                        <a14:sharpenSoften amount="50000"/>
-                      </a14:imgEffect>
-                    </a14:imgLayer>
-                  </a14:imgProps>
-                </a:ext>
-                <a:ext uri="{28A0092B-C50C-407E-A947-70E740481C1C}">
-                  <a14:useLocalDpi xmlns:a14="http://schemas.microsoft.com/office/drawing/2010/main" xmlns="" val="0"/>
-                </a:ext>
-              </a:extLst>
-            </a:blip>
-            <a:stretch>
-              <a:fillRect/>
-            </a:stretch>
-          </p:blipFill>
-          <p:spPr bwMode="auto">
-            <a:xfrm>
-              <a:off x="1498585" y="10716925"/>
-              <a:ext cx="2709990" cy="4525962"/>
-            </a:xfrm>
-            <a:prstGeom prst="rect">
-              <a:avLst/>
-            </a:prstGeom>
-            <a:ln>
-              <a:noFill/>
-            </a:ln>
-            <a:effectLst>
-              <a:softEdge rad="112500"/>
-            </a:effectLst>
-            <a:extLst>
-              <a:ext uri="{909E8E84-426E-40DD-AFC4-6F175D3DCCD1}">
-                <a14:hiddenFill xmlns:a14="http://schemas.microsoft.com/office/drawing/2010/main" xmlns="">
-                  <a:solidFill>
-                    <a:srgbClr val="FFFFFF"/>
-                  </a:solidFill>
-                </a14:hiddenFill>
-              </a:ext>
-            </a:extLst>
-          </p:spPr>
-        </p:pic>
-        <p:pic>
-          <p:nvPicPr>
-            <p:cNvPr id="31" name="Picture 3" descr="C:\Users\user\Desktop\381494_2731353886098_1324771147_2916343_1850278505_n.jpg"/>
-            <p:cNvPicPr>
-              <a:picLocks noChangeAspect="1" noChangeArrowheads="1"/>
-            </p:cNvPicPr>
-            <p:nvPr/>
-          </p:nvPicPr>
-          <p:blipFill>
-            <a:blip r:embed="rId14" cstate="print">
-              <a:extLst>
-                <a:ext uri="{28A0092B-C50C-407E-A947-70E740481C1C}">
-                  <a14:useLocalDpi xmlns:a14="http://schemas.microsoft.com/office/drawing/2010/main" xmlns="" val="0"/>
-                </a:ext>
-              </a:extLst>
-            </a:blip>
-            <a:srcRect/>
-            <a:stretch>
-              <a:fillRect/>
-            </a:stretch>
-          </p:blipFill>
-          <p:spPr bwMode="auto">
-            <a:xfrm>
-              <a:off x="1508783" y="7390507"/>
-              <a:ext cx="4572000" cy="3429000"/>
-            </a:xfrm>
-            <a:prstGeom prst="rect">
-              <a:avLst/>
-            </a:prstGeom>
-            <a:ln>
-              <a:noFill/>
-            </a:ln>
-            <a:effectLst>
-              <a:softEdge rad="112500"/>
-            </a:effectLst>
-            <a:extLst>
-              <a:ext uri="{909E8E84-426E-40DD-AFC4-6F175D3DCCD1}">
-                <a14:hiddenFill xmlns:a14="http://schemas.microsoft.com/office/drawing/2010/main" xmlns="">
-                  <a:solidFill>
-                    <a:srgbClr val="FFFFFF"/>
-                  </a:solidFill>
-                </a14:hiddenFill>
-              </a:ext>
-            </a:extLst>
-          </p:spPr>
-        </p:pic>
-        <p:pic>
-          <p:nvPicPr>
-            <p:cNvPr id="32" name="Picture 2" descr="C:\Users\user\Desktop\387544_2731363166330_1324771147_2916359_541190708_n.jpg"/>
-            <p:cNvPicPr>
-              <a:picLocks noChangeAspect="1" noChangeArrowheads="1"/>
-            </p:cNvPicPr>
-            <p:nvPr/>
-          </p:nvPicPr>
-          <p:blipFill>
-            <a:blip r:embed="rId15" cstate="print">
-              <a:extLst>
-                <a:ext uri="{28A0092B-C50C-407E-A947-70E740481C1C}">
-                  <a14:useLocalDpi xmlns:a14="http://schemas.microsoft.com/office/drawing/2010/main" xmlns="" val="0"/>
-                </a:ext>
-              </a:extLst>
-            </a:blip>
-            <a:srcRect/>
-            <a:stretch>
-              <a:fillRect/>
-            </a:stretch>
-          </p:blipFill>
-          <p:spPr bwMode="auto">
-            <a:xfrm>
-              <a:off x="4112991" y="9451675"/>
-              <a:ext cx="3840000" cy="2880000"/>
-            </a:xfrm>
-            <a:prstGeom prst="rect">
-              <a:avLst/>
-            </a:prstGeom>
-            <a:solidFill>
-              <a:srgbClr val="FFFFFF">
-                <a:shade val="85000"/>
-              </a:srgbClr>
-            </a:solidFill>
-            <a:ln w="190500" cap="sq">
-              <a:solidFill>
-                <a:srgbClr val="FFFFFF"/>
-              </a:solidFill>
-              <a:miter lim="800000"/>
-            </a:ln>
-            <a:effectLst>
-              <a:outerShdw blurRad="65000" dist="50800" dir="12900000" kx="195000" ky="145000" algn="tl" rotWithShape="0">
-                <a:srgbClr val="000000">
-                  <a:alpha val="30000"/>
-                </a:srgbClr>
-              </a:outerShdw>
-            </a:effectLst>
-            <a:scene3d>
-              <a:camera prst="orthographicFront">
-                <a:rot lat="0" lon="0" rev="360000"/>
-              </a:camera>
-              <a:lightRig rig="twoPt" dir="t">
-                <a:rot lat="0" lon="0" rev="7200000"/>
-              </a:lightRig>
-            </a:scene3d>
-            <a:sp3d contourW="12700">
-              <a:bevelT w="25400" h="19050"/>
-              <a:contourClr>
-                <a:srgbClr val="969696"/>
-              </a:contourClr>
-            </a:sp3d>
-            <a:extLst>
-              <a:ext uri="{909E8E84-426E-40DD-AFC4-6F175D3DCCD1}">
-                <a14:hiddenFill xmlns:a14="http://schemas.microsoft.com/office/drawing/2010/main" xmlns="">
-                  <a:solidFill>
-                    <a:srgbClr val="FFFFFF"/>
-                  </a:solidFill>
-                </a14:hiddenFill>
-              </a:ext>
-            </a:extLst>
-          </p:spPr>
-        </p:pic>
-      </p:grpSp>
-      <p:sp>
-        <p:nvSpPr>
-          <p:cNvPr id="33" name="文字方塊 32"/>
+      <p:sp>
+        <p:nvSpPr>
+          <p:cNvPr id="32" name="文字方塊 31"/>
           <p:cNvSpPr txBox="1"/>
           <p:nvPr/>
         </p:nvSpPr>
         <p:spPr>
           <a:xfrm>
-            <a:off x="1332360" y="7003083"/>
-            <a:ext cx="13321480" cy="2800767"/>
-          </a:xfrm>
-          <a:prstGeom prst="rect">
-            <a:avLst/>
-          </a:prstGeom>
-          <a:noFill/>
-        </p:spPr>
-        <p:txBody>
-          <a:bodyPr wrap="square" rtlCol="0">
-            <a:spAutoFit/>
-          </a:bodyPr>
-          <a:lstStyle/>
-          <a:p>
-            <a:r>
-              <a:rPr lang="zh-TW" altLang="en-US" sz="4400" b="1" dirty="0" smtClean="0">
-                <a:ln w="10541" cmpd="sng">
-                  <a:solidFill>
-                    <a:schemeClr val="accent2">
-                      <a:lumMod val="50000"/>
-                    </a:schemeClr>
-                  </a:solidFill>
-                  <a:prstDash val="solid"/>
-                </a:ln>
-                <a:gradFill>
-                  <a:gsLst>
-                    <a:gs pos="0">
-                      <a:schemeClr val="accent2">
-                        <a:lumMod val="40000"/>
-                        <a:lumOff val="60000"/>
-                      </a:schemeClr>
-                    </a:gs>
-                    <a:gs pos="9000">
-                      <a:schemeClr val="accent2">
-                        <a:lumMod val="60000"/>
-                        <a:lumOff val="40000"/>
-                      </a:schemeClr>
-                    </a:gs>
-                    <a:gs pos="50000">
-                      <a:schemeClr val="accent2">
-                        <a:lumMod val="75000"/>
-                      </a:schemeClr>
-                    </a:gs>
-                    <a:gs pos="79000">
-                      <a:schemeClr val="accent2">
-                        <a:lumMod val="60000"/>
-                        <a:lumOff val="40000"/>
-                      </a:schemeClr>
-                    </a:gs>
-                    <a:gs pos="100000">
-                      <a:schemeClr val="accent2">
-                        <a:lumMod val="40000"/>
-                        <a:lumOff val="60000"/>
-                      </a:schemeClr>
-                    </a:gs>
-                  </a:gsLst>
-                  <a:lin ang="5400000"/>
-                </a:gradFill>
-              </a:rPr>
-              <a:t>＊</a:t>
-            </a:r>
-            <a:r>
-              <a:rPr lang="zh-TW" altLang="en-US" sz="4400" dirty="0" smtClean="0"/>
-              <a:t> </a:t>
-            </a:r>
-            <a:r>
-              <a:rPr lang="en-US" altLang="zh-TW" sz="4400" dirty="0" smtClean="0"/>
-              <a:t>Angry Runner </a:t>
-            </a:r>
-            <a:r>
-              <a:rPr lang="zh-TW" altLang="en-US" sz="4400" dirty="0" smtClean="0"/>
-              <a:t>利用手機內建的 </a:t>
-            </a:r>
-            <a:r>
-              <a:rPr lang="en-US" altLang="zh-TW" sz="4400" dirty="0" smtClean="0"/>
-              <a:t>GPS </a:t>
-            </a:r>
-            <a:r>
-              <a:rPr lang="zh-TW" altLang="en-US" sz="4400" dirty="0" smtClean="0"/>
-              <a:t>即時掌握您的運動時間、距離、和速度，並即時計算卡路里消耗量</a:t>
-            </a:r>
-            <a:r>
-              <a:rPr lang="zh-TW" altLang="en-US" sz="4400" dirty="0" smtClean="0"/>
-              <a:t>。</a:t>
-            </a:r>
-            <a:endParaRPr lang="en-US" altLang="zh-TW" sz="4400" dirty="0" smtClean="0"/>
-          </a:p>
-          <a:p>
-            <a:r>
-              <a:rPr lang="zh-TW" altLang="en-US" sz="4400" b="1" dirty="0" smtClean="0">
-                <a:ln w="10541" cmpd="sng">
-                  <a:solidFill>
-                    <a:schemeClr val="accent2">
-                      <a:lumMod val="50000"/>
-                    </a:schemeClr>
-                  </a:solidFill>
-                  <a:prstDash val="solid"/>
-                </a:ln>
-                <a:gradFill>
-                  <a:gsLst>
-                    <a:gs pos="0">
-                      <a:schemeClr val="accent2">
-                        <a:lumMod val="40000"/>
-                        <a:lumOff val="60000"/>
-                      </a:schemeClr>
-                    </a:gs>
-                    <a:gs pos="9000">
-                      <a:schemeClr val="accent2">
-                        <a:lumMod val="60000"/>
-                        <a:lumOff val="40000"/>
-                      </a:schemeClr>
-                    </a:gs>
-                    <a:gs pos="50000">
-                      <a:schemeClr val="accent2">
-                        <a:lumMod val="75000"/>
-                      </a:schemeClr>
-                    </a:gs>
-                    <a:gs pos="79000">
-                      <a:schemeClr val="accent2">
-                        <a:lumMod val="60000"/>
-                        <a:lumOff val="40000"/>
-                      </a:schemeClr>
-                    </a:gs>
-                    <a:gs pos="100000">
-                      <a:schemeClr val="accent2">
-                        <a:lumMod val="40000"/>
-                        <a:lumOff val="60000"/>
-                      </a:schemeClr>
-                    </a:gs>
-                  </a:gsLst>
-                  <a:lin ang="5400000"/>
-                </a:gradFill>
-              </a:rPr>
-              <a:t>＊</a:t>
-            </a:r>
-            <a:r>
-              <a:rPr lang="zh-TW" altLang="en-US" sz="4400" b="1" dirty="0" smtClean="0">
-                <a:ln w="10541" cmpd="sng">
-                  <a:solidFill>
-                    <a:schemeClr val="accent3">
-                      <a:lumMod val="50000"/>
-                    </a:schemeClr>
-                  </a:solidFill>
-                  <a:prstDash val="solid"/>
-                </a:ln>
-                <a:gradFill>
-                  <a:gsLst>
-                    <a:gs pos="0">
-                      <a:schemeClr val="accent3">
-                        <a:lumMod val="40000"/>
-                        <a:lumOff val="60000"/>
-                      </a:schemeClr>
-                    </a:gs>
-                    <a:gs pos="9000">
-                      <a:schemeClr val="accent3">
-                        <a:lumMod val="60000"/>
-                        <a:lumOff val="40000"/>
-                      </a:schemeClr>
-                    </a:gs>
-                    <a:gs pos="50000">
-                      <a:schemeClr val="accent3">
-                        <a:lumMod val="75000"/>
-                      </a:schemeClr>
-                    </a:gs>
-                    <a:gs pos="79000">
-                      <a:schemeClr val="accent3">
-                        <a:lumMod val="60000"/>
-                        <a:lumOff val="40000"/>
-                      </a:schemeClr>
-                    </a:gs>
-                    <a:gs pos="100000">
-                      <a:schemeClr val="accent3">
-                        <a:lumMod val="40000"/>
-                        <a:lumOff val="60000"/>
-                      </a:schemeClr>
-                    </a:gs>
-                  </a:gsLst>
-                  <a:lin ang="5400000"/>
-                </a:gradFill>
-              </a:rPr>
-              <a:t> </a:t>
-            </a:r>
-            <a:r>
-              <a:rPr lang="en-US" altLang="zh-TW" sz="4400" dirty="0" smtClean="0"/>
-              <a:t>Angry Runner </a:t>
-            </a:r>
-            <a:r>
-              <a:rPr lang="zh-TW" altLang="en-US" sz="4400" dirty="0" smtClean="0"/>
-              <a:t>會依您運動的速度自動調整音樂的音量，提醒您保持適當地運動速度。</a:t>
-            </a:r>
-            <a:endParaRPr lang="zh-TW" altLang="en-US" sz="4400" dirty="0"/>
-          </a:p>
-        </p:txBody>
-      </p:sp>
-      <p:sp>
-        <p:nvSpPr>
-          <p:cNvPr id="34" name="圓角矩形 33"/>
-          <p:cNvSpPr/>
-          <p:nvPr/>
-        </p:nvSpPr>
-        <p:spPr>
-          <a:xfrm>
-            <a:off x="1260352" y="7003083"/>
-            <a:ext cx="13393488" cy="2808312"/>
-          </a:xfrm>
-          <a:prstGeom prst="roundRect">
-            <a:avLst>
-              <a:gd name="adj" fmla="val 14039"/>
-            </a:avLst>
-          </a:prstGeom>
-          <a:noFill/>
-          <a:ln>
-            <a:solidFill>
-              <a:schemeClr val="accent2"/>
-            </a:solidFill>
-          </a:ln>
-        </p:spPr>
-        <p:style>
-          <a:lnRef idx="2">
-            <a:schemeClr val="accent1">
-              <a:shade val="50000"/>
-            </a:schemeClr>
-          </a:lnRef>
-          <a:fillRef idx="1">
-            <a:schemeClr val="accent1"/>
-          </a:fillRef>
-          <a:effectRef idx="0">
-            <a:schemeClr val="accent1"/>
-          </a:effectRef>
-          <a:fontRef idx="minor">
-            <a:schemeClr val="lt1"/>
-          </a:fontRef>
-        </p:style>
-        <p:txBody>
-          <a:bodyPr rtlCol="0" anchor="ctr"/>
-          <a:lstStyle/>
-          <a:p>
-            <a:pPr algn="ctr"/>
-            <a:endParaRPr lang="zh-TW" altLang="en-US"/>
-          </a:p>
-        </p:txBody>
-      </p:sp>
-      <p:sp>
-        <p:nvSpPr>
-          <p:cNvPr id="35" name="文字方塊 34"/>
-          <p:cNvSpPr txBox="1"/>
-          <p:nvPr/>
-        </p:nvSpPr>
-        <p:spPr>
-          <a:xfrm>
-            <a:off x="15121384" y="16076091"/>
-            <a:ext cx="4896544" cy="4154984"/>
+            <a:off x="15085888" y="16217918"/>
+            <a:ext cx="5256584" cy="4832092"/>
           </a:xfrm>
           <a:prstGeom prst="rect">
             <a:avLst/>
@@ -4888,6 +4416,9 @@
             <a:endParaRPr lang="en-US" altLang="zh-TW" sz="4400" dirty="0" smtClean="0"/>
           </a:p>
           <a:p>
+            <a:endParaRPr lang="en-US" altLang="zh-TW" sz="4400" dirty="0" smtClean="0"/>
+          </a:p>
+          <a:p>
             <a:r>
               <a:rPr lang="zh-TW" altLang="en-US" sz="4400" b="1" dirty="0" smtClean="0">
                 <a:ln w="10541" cmpd="sng">
@@ -4955,14 +4486,14 @@
       </p:sp>
       <p:sp>
         <p:nvSpPr>
-          <p:cNvPr id="36" name="圓角矩形 35"/>
+          <p:cNvPr id="33" name="圓角矩形 32"/>
           <p:cNvSpPr/>
           <p:nvPr/>
         </p:nvSpPr>
         <p:spPr>
           <a:xfrm>
-            <a:off x="15156880" y="16148099"/>
-            <a:ext cx="4861048" cy="4104456"/>
+            <a:off x="14725848" y="15500027"/>
+            <a:ext cx="5544616" cy="6079081"/>
           </a:xfrm>
           <a:prstGeom prst="roundRect">
             <a:avLst>
@@ -4999,13 +4530,13 @@
       </p:sp>
       <p:sp>
         <p:nvSpPr>
-          <p:cNvPr id="37" name="文字方塊 36"/>
+          <p:cNvPr id="34" name="文字方塊 33"/>
           <p:cNvSpPr txBox="1"/>
           <p:nvPr/>
         </p:nvSpPr>
         <p:spPr>
           <a:xfrm>
-            <a:off x="7093000" y="10315451"/>
+            <a:off x="6481440" y="10579814"/>
             <a:ext cx="7560840" cy="2123658"/>
           </a:xfrm>
           <a:prstGeom prst="rect">
@@ -5076,11 +4607,7 @@
             </a:r>
             <a:r>
               <a:rPr lang="zh-TW" altLang="en-US" sz="4400" dirty="0" smtClean="0"/>
-              <a:t>指定運動時播放的音樂清單，或建立新的音樂清單</a:t>
-            </a:r>
-            <a:r>
-              <a:rPr lang="zh-TW" altLang="en-US" sz="4400" dirty="0" smtClean="0"/>
-              <a:t>。</a:t>
+              <a:t>指定運動時播放的音樂清單，或建立新的音樂清單。</a:t>
             </a:r>
             <a:endParaRPr lang="en-US" altLang="zh-TW" sz="4400" dirty="0" smtClean="0"/>
           </a:p>
@@ -5088,55 +4615,13 @@
       </p:sp>
       <p:sp>
         <p:nvSpPr>
-          <p:cNvPr id="38" name="圓角矩形 37"/>
-          <p:cNvSpPr/>
+          <p:cNvPr id="35" name="文字方塊 34"/>
+          <p:cNvSpPr txBox="1"/>
           <p:nvPr/>
         </p:nvSpPr>
         <p:spPr>
           <a:xfrm>
-            <a:off x="7093000" y="10315451"/>
-            <a:ext cx="7560840" cy="2160240"/>
-          </a:xfrm>
-          <a:prstGeom prst="roundRect">
-            <a:avLst>
-              <a:gd name="adj" fmla="val 13325"/>
-            </a:avLst>
-          </a:prstGeom>
-          <a:noFill/>
-          <a:ln w="38100"/>
-        </p:spPr>
-        <p:style>
-          <a:lnRef idx="2">
-            <a:schemeClr val="accent3"/>
-          </a:lnRef>
-          <a:fillRef idx="1">
-            <a:schemeClr val="lt1"/>
-          </a:fillRef>
-          <a:effectRef idx="0">
-            <a:schemeClr val="accent3"/>
-          </a:effectRef>
-          <a:fontRef idx="minor">
-            <a:schemeClr val="dk1"/>
-          </a:fontRef>
-        </p:style>
-        <p:txBody>
-          <a:bodyPr rtlCol="0" anchor="ctr"/>
-          <a:lstStyle/>
-          <a:p>
-            <a:pPr algn="ctr"/>
-            <a:endParaRPr lang="zh-TW" altLang="en-US"/>
-          </a:p>
-        </p:txBody>
-      </p:sp>
-      <p:sp>
-        <p:nvSpPr>
-          <p:cNvPr id="39" name="文字方塊 38"/>
-          <p:cNvSpPr txBox="1"/>
-          <p:nvPr/>
-        </p:nvSpPr>
-        <p:spPr>
-          <a:xfrm>
-            <a:off x="1260352" y="19604483"/>
+            <a:off x="1549400" y="19436798"/>
             <a:ext cx="6347263" cy="2123658"/>
           </a:xfrm>
           <a:prstGeom prst="rect">
@@ -5213,48 +4698,938 @@
           </a:p>
         </p:txBody>
       </p:sp>
-      <p:sp>
-        <p:nvSpPr>
-          <p:cNvPr id="40" name="圓角矩形 39"/>
-          <p:cNvSpPr/>
+      <p:grpSp>
+        <p:nvGrpSpPr>
+          <p:cNvPr id="36" name="群組 35"/>
+          <p:cNvGrpSpPr/>
+          <p:nvPr/>
+        </p:nvGrpSpPr>
+        <p:grpSpPr>
+          <a:xfrm>
+            <a:off x="1044328" y="6907405"/>
+            <a:ext cx="19226136" cy="8280921"/>
+            <a:chOff x="1260352" y="6859066"/>
+            <a:chExt cx="19226136" cy="8280921"/>
+          </a:xfrm>
+        </p:grpSpPr>
+        <p:sp>
+          <p:nvSpPr>
+            <p:cNvPr id="37" name="圓角矩形 36"/>
+            <p:cNvSpPr/>
+            <p:nvPr/>
+          </p:nvSpPr>
+          <p:spPr>
+            <a:xfrm>
+              <a:off x="14941872" y="6859066"/>
+              <a:ext cx="5544616" cy="8280921"/>
+            </a:xfrm>
+            <a:prstGeom prst="roundRect">
+              <a:avLst>
+                <a:gd name="adj" fmla="val 7628"/>
+              </a:avLst>
+            </a:prstGeom>
+            <a:noFill/>
+            <a:ln w="38100">
+              <a:solidFill>
+                <a:schemeClr val="accent2"/>
+              </a:solidFill>
+            </a:ln>
+          </p:spPr>
+          <p:style>
+            <a:lnRef idx="2">
+              <a:schemeClr val="accent1">
+                <a:shade val="50000"/>
+              </a:schemeClr>
+            </a:lnRef>
+            <a:fillRef idx="1">
+              <a:schemeClr val="accent1"/>
+            </a:fillRef>
+            <a:effectRef idx="0">
+              <a:schemeClr val="accent1"/>
+            </a:effectRef>
+            <a:fontRef idx="minor">
+              <a:schemeClr val="lt1"/>
+            </a:fontRef>
+          </p:style>
+          <p:txBody>
+            <a:bodyPr rtlCol="0" anchor="ctr"/>
+            <a:lstStyle/>
+            <a:p>
+              <a:pPr algn="ctr"/>
+              <a:endParaRPr lang="zh-TW" altLang="en-US"/>
+            </a:p>
+          </p:txBody>
+        </p:sp>
+        <p:sp>
+          <p:nvSpPr>
+            <p:cNvPr id="38" name="圓角矩形 37"/>
+            <p:cNvSpPr/>
+            <p:nvPr/>
+          </p:nvSpPr>
+          <p:spPr>
+            <a:xfrm>
+              <a:off x="1260352" y="6859067"/>
+              <a:ext cx="14761640" cy="3024336"/>
+            </a:xfrm>
+            <a:prstGeom prst="roundRect">
+              <a:avLst>
+                <a:gd name="adj" fmla="val 14039"/>
+              </a:avLst>
+            </a:prstGeom>
+            <a:noFill/>
+            <a:ln w="38100">
+              <a:solidFill>
+                <a:schemeClr val="accent2"/>
+              </a:solidFill>
+              <a:round/>
+            </a:ln>
+          </p:spPr>
+          <p:style>
+            <a:lnRef idx="2">
+              <a:schemeClr val="accent1">
+                <a:shade val="50000"/>
+              </a:schemeClr>
+            </a:lnRef>
+            <a:fillRef idx="1">
+              <a:schemeClr val="accent1"/>
+            </a:fillRef>
+            <a:effectRef idx="0">
+              <a:schemeClr val="accent1"/>
+            </a:effectRef>
+            <a:fontRef idx="minor">
+              <a:schemeClr val="lt1"/>
+            </a:fontRef>
+          </p:style>
+          <p:txBody>
+            <a:bodyPr rtlCol="0" anchor="ctr"/>
+            <a:lstStyle/>
+            <a:p>
+              <a:pPr algn="ctr"/>
+              <a:endParaRPr lang="zh-TW" altLang="en-US"/>
+            </a:p>
+          </p:txBody>
+        </p:sp>
+        <p:sp>
+          <p:nvSpPr>
+            <p:cNvPr id="39" name="矩形 38"/>
+            <p:cNvSpPr/>
+            <p:nvPr/>
+          </p:nvSpPr>
+          <p:spPr>
+            <a:xfrm>
+              <a:off x="14581832" y="6878117"/>
+              <a:ext cx="1440160" cy="3365326"/>
+            </a:xfrm>
+            <a:prstGeom prst="rect">
+              <a:avLst/>
+            </a:prstGeom>
+            <a:solidFill>
+              <a:schemeClr val="bg1"/>
+            </a:solidFill>
+            <a:ln>
+              <a:noFill/>
+            </a:ln>
+          </p:spPr>
+          <p:style>
+            <a:lnRef idx="2">
+              <a:schemeClr val="accent1">
+                <a:shade val="50000"/>
+              </a:schemeClr>
+            </a:lnRef>
+            <a:fillRef idx="1">
+              <a:schemeClr val="accent1"/>
+            </a:fillRef>
+            <a:effectRef idx="0">
+              <a:schemeClr val="accent1"/>
+            </a:effectRef>
+            <a:fontRef idx="minor">
+              <a:schemeClr val="lt1"/>
+            </a:fontRef>
+          </p:style>
+          <p:txBody>
+            <a:bodyPr rtlCol="0" anchor="ctr"/>
+            <a:lstStyle/>
+            <a:p>
+              <a:pPr algn="ctr"/>
+              <a:endParaRPr lang="en-US"/>
+            </a:p>
+          </p:txBody>
+        </p:sp>
+        <p:sp>
+          <p:nvSpPr>
+            <p:cNvPr id="40" name="弧形 39"/>
+            <p:cNvSpPr/>
+            <p:nvPr/>
+          </p:nvSpPr>
+          <p:spPr>
+            <a:xfrm>
+              <a:off x="14149784" y="9883403"/>
+              <a:ext cx="792000" cy="792000"/>
+            </a:xfrm>
+            <a:prstGeom prst="arc">
+              <a:avLst/>
+            </a:prstGeom>
+            <a:ln w="38100"/>
+          </p:spPr>
+          <p:style>
+            <a:lnRef idx="1">
+              <a:schemeClr val="accent2"/>
+            </a:lnRef>
+            <a:fillRef idx="0">
+              <a:schemeClr val="accent2"/>
+            </a:fillRef>
+            <a:effectRef idx="0">
+              <a:schemeClr val="accent2"/>
+            </a:effectRef>
+            <a:fontRef idx="minor">
+              <a:schemeClr val="tx1"/>
+            </a:fontRef>
+          </p:style>
+          <p:txBody>
+            <a:bodyPr rtlCol="0" anchor="ctr"/>
+            <a:lstStyle/>
+            <a:p>
+              <a:pPr algn="ctr"/>
+              <a:endParaRPr lang="en-US"/>
+            </a:p>
+          </p:txBody>
+        </p:sp>
+      </p:grpSp>
+      <p:pic>
+        <p:nvPicPr>
+          <p:cNvPr id="41" name="Picture 4" descr="C:\Documents and Settings\user\桌面\MobileProgramming\project\screenshot\device-2011-12-22-145919_gmap.png"/>
+          <p:cNvPicPr>
+            <a:picLocks noChangeAspect="1" noChangeArrowheads="1"/>
+          </p:cNvPicPr>
+          <p:nvPr/>
+        </p:nvPicPr>
+        <p:blipFill>
+          <a:blip r:embed="rId15" cstate="print"/>
+          <a:stretch>
+            <a:fillRect/>
+          </a:stretch>
+        </p:blipFill>
+        <p:spPr bwMode="auto">
+          <a:xfrm>
+            <a:off x="15338424" y="7208286"/>
+            <a:ext cx="4572000" cy="7620000"/>
+          </a:xfrm>
+          <a:prstGeom prst="rect">
+            <a:avLst/>
+          </a:prstGeom>
+          <a:noFill/>
+          <a:ln w="38100">
+            <a:solidFill>
+              <a:schemeClr val="accent2">
+                <a:lumMod val="60000"/>
+                <a:lumOff val="40000"/>
+              </a:schemeClr>
+            </a:solidFill>
+          </a:ln>
+        </p:spPr>
+      </p:pic>
+      <p:sp>
+        <p:nvSpPr>
+          <p:cNvPr id="42" name="文字方塊 41"/>
+          <p:cNvSpPr txBox="1"/>
           <p:nvPr/>
         </p:nvSpPr>
         <p:spPr>
           <a:xfrm>
-            <a:off x="1260352" y="19676491"/>
-            <a:ext cx="6912768" cy="2016224"/>
+            <a:off x="1224856" y="7051422"/>
+            <a:ext cx="13321480" cy="2800767"/>
           </a:xfrm>
-          <a:prstGeom prst="roundRect">
-            <a:avLst>
-              <a:gd name="adj" fmla="val 13087"/>
-            </a:avLst>
+          <a:prstGeom prst="rect">
+            <a:avLst/>
           </a:prstGeom>
           <a:noFill/>
-          <a:ln w="38100"/>
         </p:spPr>
-        <p:style>
-          <a:lnRef idx="2">
-            <a:schemeClr val="accent4"/>
-          </a:lnRef>
-          <a:fillRef idx="1">
-            <a:schemeClr val="lt1"/>
-          </a:fillRef>
-          <a:effectRef idx="0">
-            <a:schemeClr val="accent4"/>
-          </a:effectRef>
-          <a:fontRef idx="minor">
-            <a:schemeClr val="dk1"/>
-          </a:fontRef>
-        </p:style>
-        <p:txBody>
-          <a:bodyPr rtlCol="0" anchor="ctr"/>
+        <p:txBody>
+          <a:bodyPr wrap="square" rtlCol="0">
+            <a:spAutoFit/>
+          </a:bodyPr>
           <a:lstStyle/>
           <a:p>
-            <a:pPr algn="ctr"/>
-            <a:endParaRPr lang="zh-TW" altLang="en-US"/>
-          </a:p>
-        </p:txBody>
-      </p:sp>
+            <a:r>
+              <a:rPr lang="zh-TW" altLang="en-US" sz="4400" b="1" dirty="0" smtClean="0">
+                <a:ln w="10541" cmpd="sng">
+                  <a:solidFill>
+                    <a:schemeClr val="accent2">
+                      <a:lumMod val="50000"/>
+                    </a:schemeClr>
+                  </a:solidFill>
+                  <a:prstDash val="solid"/>
+                </a:ln>
+                <a:gradFill>
+                  <a:gsLst>
+                    <a:gs pos="0">
+                      <a:schemeClr val="accent2">
+                        <a:lumMod val="40000"/>
+                        <a:lumOff val="60000"/>
+                      </a:schemeClr>
+                    </a:gs>
+                    <a:gs pos="9000">
+                      <a:schemeClr val="accent2">
+                        <a:lumMod val="60000"/>
+                        <a:lumOff val="40000"/>
+                      </a:schemeClr>
+                    </a:gs>
+                    <a:gs pos="50000">
+                      <a:schemeClr val="accent2">
+                        <a:lumMod val="75000"/>
+                      </a:schemeClr>
+                    </a:gs>
+                    <a:gs pos="79000">
+                      <a:schemeClr val="accent2">
+                        <a:lumMod val="60000"/>
+                        <a:lumOff val="40000"/>
+                      </a:schemeClr>
+                    </a:gs>
+                    <a:gs pos="100000">
+                      <a:schemeClr val="accent2">
+                        <a:lumMod val="40000"/>
+                        <a:lumOff val="60000"/>
+                      </a:schemeClr>
+                    </a:gs>
+                  </a:gsLst>
+                  <a:lin ang="5400000"/>
+                </a:gradFill>
+              </a:rPr>
+              <a:t>＊</a:t>
+            </a:r>
+            <a:r>
+              <a:rPr lang="zh-TW" altLang="en-US" sz="4400" dirty="0" smtClean="0"/>
+              <a:t> </a:t>
+            </a:r>
+            <a:r>
+              <a:rPr lang="en-US" altLang="zh-TW" sz="4400" dirty="0" smtClean="0"/>
+              <a:t>Angry Runner </a:t>
+            </a:r>
+            <a:r>
+              <a:rPr lang="zh-TW" altLang="en-US" sz="4400" dirty="0" smtClean="0"/>
+              <a:t>利用手機內建的 </a:t>
+            </a:r>
+            <a:r>
+              <a:rPr lang="en-US" altLang="zh-TW" sz="4400" dirty="0" smtClean="0"/>
+              <a:t>GPS </a:t>
+            </a:r>
+            <a:r>
+              <a:rPr lang="zh-TW" altLang="en-US" sz="4400" dirty="0" smtClean="0"/>
+              <a:t>即時掌握您的運動時間、距離、和速度，並即時計算卡路里消耗量。</a:t>
+            </a:r>
+            <a:endParaRPr lang="en-US" altLang="zh-TW" sz="4400" dirty="0" smtClean="0"/>
+          </a:p>
+          <a:p>
+            <a:r>
+              <a:rPr lang="zh-TW" altLang="en-US" sz="4400" b="1" dirty="0" smtClean="0">
+                <a:ln w="10541" cmpd="sng">
+                  <a:solidFill>
+                    <a:schemeClr val="accent2">
+                      <a:lumMod val="50000"/>
+                    </a:schemeClr>
+                  </a:solidFill>
+                  <a:prstDash val="solid"/>
+                </a:ln>
+                <a:gradFill>
+                  <a:gsLst>
+                    <a:gs pos="0">
+                      <a:schemeClr val="accent2">
+                        <a:lumMod val="40000"/>
+                        <a:lumOff val="60000"/>
+                      </a:schemeClr>
+                    </a:gs>
+                    <a:gs pos="9000">
+                      <a:schemeClr val="accent2">
+                        <a:lumMod val="60000"/>
+                        <a:lumOff val="40000"/>
+                      </a:schemeClr>
+                    </a:gs>
+                    <a:gs pos="50000">
+                      <a:schemeClr val="accent2">
+                        <a:lumMod val="75000"/>
+                      </a:schemeClr>
+                    </a:gs>
+                    <a:gs pos="79000">
+                      <a:schemeClr val="accent2">
+                        <a:lumMod val="60000"/>
+                        <a:lumOff val="40000"/>
+                      </a:schemeClr>
+                    </a:gs>
+                    <a:gs pos="100000">
+                      <a:schemeClr val="accent2">
+                        <a:lumMod val="40000"/>
+                        <a:lumOff val="60000"/>
+                      </a:schemeClr>
+                    </a:gs>
+                  </a:gsLst>
+                  <a:lin ang="5400000"/>
+                </a:gradFill>
+              </a:rPr>
+              <a:t>＊</a:t>
+            </a:r>
+            <a:r>
+              <a:rPr lang="zh-TW" altLang="en-US" sz="4400" b="1" dirty="0" smtClean="0">
+                <a:ln w="10541" cmpd="sng">
+                  <a:solidFill>
+                    <a:schemeClr val="accent3">
+                      <a:lumMod val="50000"/>
+                    </a:schemeClr>
+                  </a:solidFill>
+                  <a:prstDash val="solid"/>
+                </a:ln>
+                <a:gradFill>
+                  <a:gsLst>
+                    <a:gs pos="0">
+                      <a:schemeClr val="accent3">
+                        <a:lumMod val="40000"/>
+                        <a:lumOff val="60000"/>
+                      </a:schemeClr>
+                    </a:gs>
+                    <a:gs pos="9000">
+                      <a:schemeClr val="accent3">
+                        <a:lumMod val="60000"/>
+                        <a:lumOff val="40000"/>
+                      </a:schemeClr>
+                    </a:gs>
+                    <a:gs pos="50000">
+                      <a:schemeClr val="accent3">
+                        <a:lumMod val="75000"/>
+                      </a:schemeClr>
+                    </a:gs>
+                    <a:gs pos="79000">
+                      <a:schemeClr val="accent3">
+                        <a:lumMod val="60000"/>
+                        <a:lumOff val="40000"/>
+                      </a:schemeClr>
+                    </a:gs>
+                    <a:gs pos="100000">
+                      <a:schemeClr val="accent3">
+                        <a:lumMod val="40000"/>
+                        <a:lumOff val="60000"/>
+                      </a:schemeClr>
+                    </a:gs>
+                  </a:gsLst>
+                  <a:lin ang="5400000"/>
+                </a:gradFill>
+              </a:rPr>
+              <a:t> </a:t>
+            </a:r>
+            <a:r>
+              <a:rPr lang="en-US" altLang="zh-TW" sz="4400" dirty="0" smtClean="0"/>
+              <a:t>Angry Runner </a:t>
+            </a:r>
+            <a:r>
+              <a:rPr lang="zh-TW" altLang="en-US" sz="4400" dirty="0" smtClean="0"/>
+              <a:t>會依您運動的速度自動調整音樂的音量，提醒您保持適當地運動速度。</a:t>
+            </a:r>
+            <a:endParaRPr lang="zh-TW" altLang="en-US" sz="4400" dirty="0"/>
+          </a:p>
+        </p:txBody>
+      </p:sp>
+      <p:grpSp>
+        <p:nvGrpSpPr>
+          <p:cNvPr id="50" name="群組 49"/>
+          <p:cNvGrpSpPr/>
+          <p:nvPr/>
+        </p:nvGrpSpPr>
+        <p:grpSpPr>
+          <a:xfrm>
+            <a:off x="10693400" y="22018601"/>
+            <a:ext cx="9540000" cy="6874914"/>
+            <a:chOff x="9973320" y="21836731"/>
+            <a:chExt cx="9361040" cy="6951744"/>
+          </a:xfrm>
+        </p:grpSpPr>
+        <p:pic>
+          <p:nvPicPr>
+            <p:cNvPr id="44" name="Picture 4"/>
+            <p:cNvPicPr>
+              <a:picLocks noChangeAspect="1" noChangeArrowheads="1"/>
+            </p:cNvPicPr>
+            <p:nvPr/>
+          </p:nvPicPr>
+          <p:blipFill>
+            <a:blip r:embed="rId8" cstate="print">
+              <a:extLst>
+                <a:ext uri="{28A0092B-C50C-407E-A947-70E740481C1C}">
+                  <a14:useLocalDpi xmlns:a14="http://schemas.microsoft.com/office/drawing/2010/main" val="0"/>
+                </a:ext>
+              </a:extLst>
+            </a:blip>
+            <a:stretch>
+              <a:fillRect/>
+            </a:stretch>
+          </p:blipFill>
+          <p:spPr bwMode="auto">
+            <a:xfrm>
+              <a:off x="14653840" y="21999453"/>
+              <a:ext cx="4680000" cy="3509999"/>
+            </a:xfrm>
+            <a:prstGeom prst="round2DiagRect">
+              <a:avLst>
+                <a:gd name="adj1" fmla="val 16667"/>
+                <a:gd name="adj2" fmla="val 0"/>
+              </a:avLst>
+            </a:prstGeom>
+            <a:ln w="88900" cap="sq">
+              <a:solidFill>
+                <a:srgbClr val="FFFFFF"/>
+              </a:solidFill>
+              <a:miter lim="800000"/>
+            </a:ln>
+            <a:effectLst>
+              <a:outerShdw blurRad="254000" algn="tl" rotWithShape="0">
+                <a:srgbClr val="000000">
+                  <a:alpha val="43000"/>
+                </a:srgbClr>
+              </a:outerShdw>
+            </a:effectLst>
+            <a:extLst>
+              <a:ext uri="{909E8E84-426E-40DD-AFC4-6F175D3DCCD1}">
+                <a14:hiddenFill xmlns:a14="http://schemas.microsoft.com/office/drawing/2010/main">
+                  <a:solidFill>
+                    <a:srgbClr val="FFFFFF"/>
+                  </a:solidFill>
+                </a14:hiddenFill>
+              </a:ext>
+            </a:extLst>
+          </p:spPr>
+        </p:pic>
+        <p:pic>
+          <p:nvPicPr>
+            <p:cNvPr id="45" name="Picture 2"/>
+            <p:cNvPicPr>
+              <a:picLocks noChangeAspect="1" noChangeArrowheads="1"/>
+            </p:cNvPicPr>
+            <p:nvPr/>
+          </p:nvPicPr>
+          <p:blipFill rotWithShape="1">
+            <a:blip r:embed="rId16" cstate="print">
+              <a:extLst>
+                <a:ext uri="{BEBA8EAE-BF5A-486C-A8C5-ECC9F3942E4B}">
+                  <a14:imgProps xmlns:a14="http://schemas.microsoft.com/office/drawing/2010/main">
+                    <a14:imgLayer r:embed="rId17">
+                      <a14:imgEffect>
+                        <a14:sharpenSoften amount="50000"/>
+                      </a14:imgEffect>
+                    </a14:imgLayer>
+                  </a14:imgProps>
+                </a:ext>
+                <a:ext uri="{28A0092B-C50C-407E-A947-70E740481C1C}">
+                  <a14:useLocalDpi xmlns:a14="http://schemas.microsoft.com/office/drawing/2010/main" val="0"/>
+                </a:ext>
+              </a:extLst>
+            </a:blip>
+            <a:srcRect b="45797"/>
+            <a:stretch/>
+          </p:blipFill>
+          <p:spPr bwMode="auto">
+            <a:xfrm>
+              <a:off x="12781632" y="25309251"/>
+              <a:ext cx="3780000" cy="3421855"/>
+            </a:xfrm>
+            <a:prstGeom prst="round2DiagRect">
+              <a:avLst>
+                <a:gd name="adj1" fmla="val 16667"/>
+                <a:gd name="adj2" fmla="val 0"/>
+              </a:avLst>
+            </a:prstGeom>
+            <a:ln w="88900" cap="sq">
+              <a:solidFill>
+                <a:srgbClr val="FFFFFF"/>
+              </a:solidFill>
+              <a:miter lim="800000"/>
+            </a:ln>
+            <a:effectLst>
+              <a:outerShdw blurRad="254000" algn="tl" rotWithShape="0">
+                <a:srgbClr val="000000">
+                  <a:alpha val="43000"/>
+                </a:srgbClr>
+              </a:outerShdw>
+            </a:effectLst>
+            <a:extLst>
+              <a:ext uri="{909E8E84-426E-40DD-AFC4-6F175D3DCCD1}">
+                <a14:hiddenFill xmlns:a14="http://schemas.microsoft.com/office/drawing/2010/main">
+                  <a:solidFill>
+                    <a:srgbClr val="FFFFFF"/>
+                  </a:solidFill>
+                </a14:hiddenFill>
+              </a:ext>
+            </a:extLst>
+          </p:spPr>
+        </p:pic>
+        <p:pic>
+          <p:nvPicPr>
+            <p:cNvPr id="46" name="Picture 2" descr="C:\Users\user\Pictures\20111225\IMAG0038.jpg"/>
+            <p:cNvPicPr>
+              <a:picLocks noChangeAspect="1" noChangeArrowheads="1"/>
+            </p:cNvPicPr>
+            <p:nvPr/>
+          </p:nvPicPr>
+          <p:blipFill>
+            <a:blip r:embed="rId6" cstate="print">
+              <a:extLst>
+                <a:ext uri="{BEBA8EAE-BF5A-486C-A8C5-ECC9F3942E4B}">
+                  <a14:imgProps xmlns:a14="http://schemas.microsoft.com/office/drawing/2010/main">
+                    <a14:imgLayer r:embed="rId7">
+                      <a14:imgEffect>
+                        <a14:sharpenSoften amount="50000"/>
+                      </a14:imgEffect>
+                    </a14:imgLayer>
+                  </a14:imgProps>
+                </a:ext>
+                <a:ext uri="{28A0092B-C50C-407E-A947-70E740481C1C}">
+                  <a14:useLocalDpi xmlns:a14="http://schemas.microsoft.com/office/drawing/2010/main" val="0"/>
+                </a:ext>
+              </a:extLst>
+            </a:blip>
+            <a:srcRect/>
+            <a:stretch>
+              <a:fillRect/>
+            </a:stretch>
+          </p:blipFill>
+          <p:spPr bwMode="auto">
+            <a:xfrm>
+              <a:off x="16454360" y="23910862"/>
+              <a:ext cx="2880000" cy="4809898"/>
+            </a:xfrm>
+            <a:prstGeom prst="round2DiagRect">
+              <a:avLst>
+                <a:gd name="adj1" fmla="val 16667"/>
+                <a:gd name="adj2" fmla="val 0"/>
+              </a:avLst>
+            </a:prstGeom>
+            <a:ln w="88900" cap="sq">
+              <a:solidFill>
+                <a:srgbClr val="FFFFFF"/>
+              </a:solidFill>
+              <a:miter lim="800000"/>
+            </a:ln>
+            <a:effectLst>
+              <a:outerShdw blurRad="254000" algn="tl" rotWithShape="0">
+                <a:srgbClr val="000000">
+                  <a:alpha val="43000"/>
+                </a:srgbClr>
+              </a:outerShdw>
+            </a:effectLst>
+            <a:extLst>
+              <a:ext uri="{909E8E84-426E-40DD-AFC4-6F175D3DCCD1}">
+                <a14:hiddenFill xmlns:a14="http://schemas.microsoft.com/office/drawing/2010/main">
+                  <a:solidFill>
+                    <a:srgbClr val="FFFFFF"/>
+                  </a:solidFill>
+                </a14:hiddenFill>
+              </a:ext>
+            </a:extLst>
+          </p:spPr>
+        </p:pic>
+        <p:pic>
+          <p:nvPicPr>
+            <p:cNvPr id="47" name="Picture 2"/>
+            <p:cNvPicPr>
+              <a:picLocks noChangeAspect="1" noChangeArrowheads="1"/>
+            </p:cNvPicPr>
+            <p:nvPr/>
+          </p:nvPicPr>
+          <p:blipFill>
+            <a:blip r:embed="rId9" cstate="print">
+              <a:extLst>
+                <a:ext uri="{BEBA8EAE-BF5A-486C-A8C5-ECC9F3942E4B}">
+                  <a14:imgProps xmlns:a14="http://schemas.microsoft.com/office/drawing/2010/main">
+                    <a14:imgLayer r:embed="rId10">
+                      <a14:imgEffect>
+                        <a14:sharpenSoften amount="50000"/>
+                      </a14:imgEffect>
+                    </a14:imgLayer>
+                  </a14:imgProps>
+                </a:ext>
+                <a:ext uri="{28A0092B-C50C-407E-A947-70E740481C1C}">
+                  <a14:useLocalDpi xmlns:a14="http://schemas.microsoft.com/office/drawing/2010/main" val="0"/>
+                </a:ext>
+              </a:extLst>
+            </a:blip>
+            <a:stretch>
+              <a:fillRect/>
+            </a:stretch>
+          </p:blipFill>
+          <p:spPr bwMode="auto">
+            <a:xfrm>
+              <a:off x="9973320" y="23978578"/>
+              <a:ext cx="2880000" cy="4809897"/>
+            </a:xfrm>
+            <a:prstGeom prst="round2DiagRect">
+              <a:avLst>
+                <a:gd name="adj1" fmla="val 16667"/>
+                <a:gd name="adj2" fmla="val 0"/>
+              </a:avLst>
+            </a:prstGeom>
+            <a:ln w="88900" cap="sq">
+              <a:solidFill>
+                <a:srgbClr val="FFFFFF"/>
+              </a:solidFill>
+              <a:miter lim="800000"/>
+            </a:ln>
+            <a:effectLst>
+              <a:outerShdw blurRad="254000" algn="tl" rotWithShape="0">
+                <a:srgbClr val="000000">
+                  <a:alpha val="43000"/>
+                </a:srgbClr>
+              </a:outerShdw>
+            </a:effectLst>
+            <a:extLst>
+              <a:ext uri="{909E8E84-426E-40DD-AFC4-6F175D3DCCD1}">
+                <a14:hiddenFill xmlns:a14="http://schemas.microsoft.com/office/drawing/2010/main">
+                  <a:solidFill>
+                    <a:srgbClr val="FFFFFF"/>
+                  </a:solidFill>
+                </a14:hiddenFill>
+              </a:ext>
+            </a:extLst>
+          </p:spPr>
+        </p:pic>
+        <p:pic>
+          <p:nvPicPr>
+            <p:cNvPr id="48" name="Picture 3" descr="C:\Users\user\Desktop\381494_2731353886098_1324771147_2916343_1850278505_n.jpg"/>
+            <p:cNvPicPr>
+              <a:picLocks noChangeAspect="1" noChangeArrowheads="1"/>
+            </p:cNvPicPr>
+            <p:nvPr/>
+          </p:nvPicPr>
+          <p:blipFill>
+            <a:blip r:embed="rId18" cstate="print">
+              <a:extLst>
+                <a:ext uri="{28A0092B-C50C-407E-A947-70E740481C1C}">
+                  <a14:useLocalDpi xmlns:a14="http://schemas.microsoft.com/office/drawing/2010/main" val="0"/>
+                </a:ext>
+              </a:extLst>
+            </a:blip>
+            <a:srcRect/>
+            <a:stretch>
+              <a:fillRect/>
+            </a:stretch>
+          </p:blipFill>
+          <p:spPr bwMode="auto">
+            <a:xfrm>
+              <a:off x="10010392" y="21836731"/>
+              <a:ext cx="4680000" cy="3509999"/>
+            </a:xfrm>
+            <a:prstGeom prst="round2DiagRect">
+              <a:avLst>
+                <a:gd name="adj1" fmla="val 16667"/>
+                <a:gd name="adj2" fmla="val 0"/>
+              </a:avLst>
+            </a:prstGeom>
+            <a:ln w="88900" cap="sq">
+              <a:solidFill>
+                <a:srgbClr val="FFFFFF"/>
+              </a:solidFill>
+              <a:miter lim="800000"/>
+            </a:ln>
+            <a:effectLst>
+              <a:outerShdw blurRad="254000" algn="tl" rotWithShape="0">
+                <a:srgbClr val="000000">
+                  <a:alpha val="43000"/>
+                </a:srgbClr>
+              </a:outerShdw>
+            </a:effectLst>
+            <a:extLst>
+              <a:ext uri="{909E8E84-426E-40DD-AFC4-6F175D3DCCD1}">
+                <a14:hiddenFill xmlns:a14="http://schemas.microsoft.com/office/drawing/2010/main">
+                  <a:solidFill>
+                    <a:srgbClr val="FFFFFF"/>
+                  </a:solidFill>
+                </a14:hiddenFill>
+              </a:ext>
+            </a:extLst>
+          </p:spPr>
+        </p:pic>
+        <p:pic>
+          <p:nvPicPr>
+            <p:cNvPr id="49" name="Picture 2" descr="C:\Users\user\Desktop\387544_2731363166330_1324771147_2916359_541190708_n.jpg"/>
+            <p:cNvPicPr>
+              <a:picLocks noChangeAspect="1" noChangeArrowheads="1"/>
+            </p:cNvPicPr>
+            <p:nvPr/>
+          </p:nvPicPr>
+          <p:blipFill>
+            <a:blip r:embed="rId19" cstate="print">
+              <a:extLst>
+                <a:ext uri="{28A0092B-C50C-407E-A947-70E740481C1C}">
+                  <a14:useLocalDpi xmlns:a14="http://schemas.microsoft.com/office/drawing/2010/main" val="0"/>
+                </a:ext>
+              </a:extLst>
+            </a:blip>
+            <a:srcRect/>
+            <a:stretch>
+              <a:fillRect/>
+            </a:stretch>
+          </p:blipFill>
+          <p:spPr bwMode="auto">
+            <a:xfrm rot="600000">
+              <a:off x="12947421" y="23938534"/>
+              <a:ext cx="3413765" cy="2560324"/>
+            </a:xfrm>
+            <a:prstGeom prst="round2DiagRect">
+              <a:avLst>
+                <a:gd name="adj1" fmla="val 16667"/>
+                <a:gd name="adj2" fmla="val 0"/>
+              </a:avLst>
+            </a:prstGeom>
+            <a:ln w="88900" cap="sq">
+              <a:solidFill>
+                <a:srgbClr val="FFFFFF"/>
+              </a:solidFill>
+              <a:miter lim="800000"/>
+            </a:ln>
+            <a:effectLst>
+              <a:outerShdw blurRad="254000" algn="tl" rotWithShape="0">
+                <a:srgbClr val="000000">
+                  <a:alpha val="43000"/>
+                </a:srgbClr>
+              </a:outerShdw>
+            </a:effectLst>
+            <a:extLst/>
+          </p:spPr>
+        </p:pic>
+      </p:grpSp>
+      <p:grpSp>
+        <p:nvGrpSpPr>
+          <p:cNvPr id="54" name="群組 53"/>
+          <p:cNvGrpSpPr/>
+          <p:nvPr/>
+        </p:nvGrpSpPr>
+        <p:grpSpPr>
+          <a:xfrm>
+            <a:off x="1224602" y="21952344"/>
+            <a:ext cx="8929500" cy="3124747"/>
+            <a:chOff x="1332360" y="23580284"/>
+            <a:chExt cx="8929500" cy="3124747"/>
+          </a:xfrm>
+        </p:grpSpPr>
+        <p:sp>
+          <p:nvSpPr>
+            <p:cNvPr id="52" name="圓角矩形 51"/>
+            <p:cNvSpPr/>
+            <p:nvPr/>
+          </p:nvSpPr>
+          <p:spPr>
+            <a:xfrm>
+              <a:off x="1332360" y="23580284"/>
+              <a:ext cx="8929500" cy="3124747"/>
+            </a:xfrm>
+            <a:prstGeom prst="roundRect">
+              <a:avLst/>
+            </a:prstGeom>
+            <a:noFill/>
+            <a:ln w="38100">
+              <a:solidFill>
+                <a:schemeClr val="accent3">
+                  <a:lumMod val="75000"/>
+                </a:schemeClr>
+              </a:solidFill>
+            </a:ln>
+          </p:spPr>
+          <p:style>
+            <a:lnRef idx="2">
+              <a:schemeClr val="accent1">
+                <a:shade val="50000"/>
+              </a:schemeClr>
+            </a:lnRef>
+            <a:fillRef idx="1">
+              <a:schemeClr val="accent1"/>
+            </a:fillRef>
+            <a:effectRef idx="0">
+              <a:schemeClr val="accent1"/>
+            </a:effectRef>
+            <a:fontRef idx="minor">
+              <a:schemeClr val="lt1"/>
+            </a:fontRef>
+          </p:style>
+          <p:txBody>
+            <a:bodyPr rtlCol="0" anchor="ctr"/>
+            <a:lstStyle/>
+            <a:p>
+              <a:pPr algn="ctr"/>
+              <a:endParaRPr lang="zh-TW" altLang="en-US"/>
+            </a:p>
+          </p:txBody>
+        </p:sp>
+        <p:sp>
+          <p:nvSpPr>
+            <p:cNvPr id="53" name="文字方塊 52"/>
+            <p:cNvSpPr txBox="1"/>
+            <p:nvPr/>
+          </p:nvSpPr>
+          <p:spPr>
+            <a:xfrm>
+              <a:off x="1476376" y="23780947"/>
+              <a:ext cx="8711435" cy="2800767"/>
+            </a:xfrm>
+            <a:prstGeom prst="rect">
+              <a:avLst/>
+            </a:prstGeom>
+            <a:noFill/>
+          </p:spPr>
+          <p:txBody>
+            <a:bodyPr wrap="square" rtlCol="0">
+              <a:spAutoFit/>
+            </a:bodyPr>
+            <a:lstStyle/>
+            <a:p>
+              <a:r>
+                <a:rPr lang="zh-TW" altLang="en-US" sz="4400" dirty="0"/>
+                <a:t>音樂讓你的運動時間更有趣，利用你喜愛的音樂幫助你運動時維持在最佳速度，讓你在有限的運動時間內能燃燒最多卡路里</a:t>
+              </a:r>
+              <a:r>
+                <a:rPr lang="zh-TW" altLang="en-US" sz="4400" dirty="0" smtClean="0"/>
+                <a:t>。</a:t>
+              </a:r>
+              <a:endParaRPr lang="zh-TW" altLang="en-US" sz="4400" dirty="0"/>
+            </a:p>
+          </p:txBody>
+        </p:sp>
+      </p:grpSp>
+      <p:pic>
+        <p:nvPicPr>
+          <p:cNvPr id="1027" name="Picture 3" descr="C:\Users\user\Desktop\AR-33.png"/>
+          <p:cNvPicPr>
+            <a:picLocks noChangeAspect="1" noChangeArrowheads="1"/>
+          </p:cNvPicPr>
+          <p:nvPr/>
+        </p:nvPicPr>
+        <p:blipFill>
+          <a:blip r:embed="rId20">
+            <a:extLst>
+              <a:ext uri="{28A0092B-C50C-407E-A947-70E740481C1C}">
+                <a14:useLocalDpi xmlns:a14="http://schemas.microsoft.com/office/drawing/2010/main" val="0"/>
+              </a:ext>
+            </a:extLst>
+          </a:blip>
+          <a:srcRect/>
+          <a:stretch>
+            <a:fillRect/>
+          </a:stretch>
+        </p:blipFill>
+        <p:spPr bwMode="auto">
+          <a:xfrm>
+            <a:off x="1355174" y="25005083"/>
+            <a:ext cx="9194210" cy="3960000"/>
+          </a:xfrm>
+          <a:prstGeom prst="rect">
+            <a:avLst/>
+          </a:prstGeom>
+          <a:noFill/>
+          <a:extLst>
+            <a:ext uri="{909E8E84-426E-40DD-AFC4-6F175D3DCCD1}">
+              <a14:hiddenFill xmlns:a14="http://schemas.microsoft.com/office/drawing/2010/main">
+                <a:solidFill>
+                  <a:srgbClr val="FFFFFF"/>
+                </a:solidFill>
+              </a14:hiddenFill>
+            </a:ext>
+          </a:extLst>
+        </p:spPr>
+      </p:pic>
     </p:spTree>
   </p:cSld>
   <p:clrMapOvr>
@@ -5551,287 +5926,4 @@
   <a:objectDefaults/>
   <a:extraClrSchemeLst/>
 </a:theme>
-</file>
-
-<file path=ppt/theme/theme2.xml><?xml version="1.0" encoding="utf-8"?>
-<a:theme xmlns:a="http://schemas.openxmlformats.org/drawingml/2006/main" name="Office 佈景主題">
-  <a:themeElements>
-    <a:clrScheme name="Office">
-      <a:dk1>
-        <a:sysClr val="windowText" lastClr="000000"/>
-      </a:dk1>
-      <a:lt1>
-        <a:sysClr val="window" lastClr="FFFFFF"/>
-      </a:lt1>
-      <a:dk2>
-        <a:srgbClr val="1F497D"/>
-      </a:dk2>
-      <a:lt2>
-        <a:srgbClr val="EEECE1"/>
-      </a:lt2>
-      <a:accent1>
-        <a:srgbClr val="4F81BD"/>
-      </a:accent1>
-      <a:accent2>
-        <a:srgbClr val="C0504D"/>
-      </a:accent2>
-      <a:accent3>
-        <a:srgbClr val="9BBB59"/>
-      </a:accent3>
-      <a:accent4>
-        <a:srgbClr val="8064A2"/>
-      </a:accent4>
-      <a:accent5>
-        <a:srgbClr val="4BACC6"/>
-      </a:accent5>
-      <a:accent6>
-        <a:srgbClr val="F79646"/>
-      </a:accent6>
-      <a:hlink>
-        <a:srgbClr val="0000FF"/>
-      </a:hlink>
-      <a:folHlink>
-        <a:srgbClr val="800080"/>
-      </a:folHlink>
-    </a:clrScheme>
-    <a:fontScheme name="Office">
-      <a:majorFont>
-        <a:latin typeface="Calibri"/>
-        <a:ea typeface=""/>
-        <a:cs typeface=""/>
-        <a:font script="Jpan" typeface="ＭＳ Ｐゴシック"/>
-        <a:font script="Hang" typeface="맑은 고딕"/>
-        <a:font script="Hans" typeface="宋体"/>
-        <a:font script="Hant" typeface="新細明體"/>
-        <a:font script="Arab" typeface="Times New Roman"/>
-        <a:font script="Hebr" typeface="Times New Roman"/>
-        <a:font script="Thai" typeface="Angsana New"/>
-        <a:font script="Ethi" typeface="Nyala"/>
-        <a:font script="Beng" typeface="Vrinda"/>
-        <a:font script="Gujr" typeface="Shruti"/>
-        <a:font script="Khmr" typeface="MoolBoran"/>
-        <a:font script="Knda" typeface="Tunga"/>
-        <a:font script="Guru" typeface="Raavi"/>
-        <a:font script="Cans" typeface="Euphemia"/>
-        <a:font script="Cher" typeface="Plantagenet Cherokee"/>
-        <a:font script="Yiii" typeface="Microsoft Yi Baiti"/>
-        <a:font script="Tibt" typeface="Microsoft Himalaya"/>
-        <a:font script="Thaa" typeface="MV Boli"/>
-        <a:font script="Deva" typeface="Mangal"/>
-        <a:font script="Telu" typeface="Gautami"/>
-        <a:font script="Taml" typeface="Latha"/>
-        <a:font script="Syrc" typeface="Estrangelo Edessa"/>
-        <a:font script="Orya" typeface="Kalinga"/>
-        <a:font script="Mlym" typeface="Kartika"/>
-        <a:font script="Laoo" typeface="DokChampa"/>
-        <a:font script="Sinh" typeface="Iskoola Pota"/>
-        <a:font script="Mong" typeface="Mongolian Baiti"/>
-        <a:font script="Viet" typeface="Times New Roman"/>
-        <a:font script="Uigh" typeface="Microsoft Uighur"/>
-      </a:majorFont>
-      <a:minorFont>
-        <a:latin typeface="Calibri"/>
-        <a:ea typeface=""/>
-        <a:cs typeface=""/>
-        <a:font script="Jpan" typeface="ＭＳ Ｐゴシック"/>
-        <a:font script="Hang" typeface="맑은 고딕"/>
-        <a:font script="Hans" typeface="宋体"/>
-        <a:font script="Hant" typeface="新細明體"/>
-        <a:font script="Arab" typeface="Arial"/>
-        <a:font script="Hebr" typeface="Arial"/>
-        <a:font script="Thai" typeface="Cordia New"/>
-        <a:font script="Ethi" typeface="Nyala"/>
-        <a:font script="Beng" typeface="Vrinda"/>
-        <a:font script="Gujr" typeface="Shruti"/>
-        <a:font script="Khmr" typeface="DaunPenh"/>
-        <a:font script="Knda" typeface="Tunga"/>
-        <a:font script="Guru" typeface="Raavi"/>
-        <a:font script="Cans" typeface="Euphemia"/>
-        <a:font script="Cher" typeface="Plantagenet Cherokee"/>
-        <a:font script="Yiii" typeface="Microsoft Yi Baiti"/>
-        <a:font script="Tibt" typeface="Microsoft Himalaya"/>
-        <a:font script="Thaa" typeface="MV Boli"/>
-        <a:font script="Deva" typeface="Mangal"/>
-        <a:font script="Telu" typeface="Gautami"/>
-        <a:font script="Taml" typeface="Latha"/>
-        <a:font script="Syrc" typeface="Estrangelo Edessa"/>
-        <a:font script="Orya" typeface="Kalinga"/>
-        <a:font script="Mlym" typeface="Kartika"/>
-        <a:font script="Laoo" typeface="DokChampa"/>
-        <a:font script="Sinh" typeface="Iskoola Pota"/>
-        <a:font script="Mong" typeface="Mongolian Baiti"/>
-        <a:font script="Viet" typeface="Arial"/>
-        <a:font script="Uigh" typeface="Microsoft Uighur"/>
-      </a:minorFont>
-    </a:fontScheme>
-    <a:fmtScheme name="Office">
-      <a:fillStyleLst>
-        <a:solidFill>
-          <a:schemeClr val="phClr"/>
-        </a:solidFill>
-        <a:gradFill rotWithShape="1">
-          <a:gsLst>
-            <a:gs pos="0">
-              <a:schemeClr val="phClr">
-                <a:tint val="50000"/>
-                <a:satMod val="300000"/>
-              </a:schemeClr>
-            </a:gs>
-            <a:gs pos="35000">
-              <a:schemeClr val="phClr">
-                <a:tint val="37000"/>
-                <a:satMod val="300000"/>
-              </a:schemeClr>
-            </a:gs>
-            <a:gs pos="100000">
-              <a:schemeClr val="phClr">
-                <a:tint val="15000"/>
-                <a:satMod val="350000"/>
-              </a:schemeClr>
-            </a:gs>
-          </a:gsLst>
-          <a:lin ang="16200000" scaled="1"/>
-        </a:gradFill>
-        <a:gradFill rotWithShape="1">
-          <a:gsLst>
-            <a:gs pos="0">
-              <a:schemeClr val="phClr">
-                <a:shade val="51000"/>
-                <a:satMod val="130000"/>
-              </a:schemeClr>
-            </a:gs>
-            <a:gs pos="80000">
-              <a:schemeClr val="phClr">
-                <a:shade val="93000"/>
-                <a:satMod val="130000"/>
-              </a:schemeClr>
-            </a:gs>
-            <a:gs pos="100000">
-              <a:schemeClr val="phClr">
-                <a:shade val="94000"/>
-                <a:satMod val="135000"/>
-              </a:schemeClr>
-            </a:gs>
-          </a:gsLst>
-          <a:lin ang="16200000" scaled="0"/>
-        </a:gradFill>
-      </a:fillStyleLst>
-      <a:lnStyleLst>
-        <a:ln w="9525" cap="flat" cmpd="sng" algn="ctr">
-          <a:solidFill>
-            <a:schemeClr val="phClr">
-              <a:shade val="95000"/>
-              <a:satMod val="105000"/>
-            </a:schemeClr>
-          </a:solidFill>
-          <a:prstDash val="solid"/>
-        </a:ln>
-        <a:ln w="25400" cap="flat" cmpd="sng" algn="ctr">
-          <a:solidFill>
-            <a:schemeClr val="phClr"/>
-          </a:solidFill>
-          <a:prstDash val="solid"/>
-        </a:ln>
-        <a:ln w="38100" cap="flat" cmpd="sng" algn="ctr">
-          <a:solidFill>
-            <a:schemeClr val="phClr"/>
-          </a:solidFill>
-          <a:prstDash val="solid"/>
-        </a:ln>
-      </a:lnStyleLst>
-      <a:effectStyleLst>
-        <a:effectStyle>
-          <a:effectLst>
-            <a:outerShdw blurRad="40000" dist="20000" dir="5400000" rotWithShape="0">
-              <a:srgbClr val="000000">
-                <a:alpha val="38000"/>
-              </a:srgbClr>
-            </a:outerShdw>
-          </a:effectLst>
-        </a:effectStyle>
-        <a:effectStyle>
-          <a:effectLst>
-            <a:outerShdw blurRad="40000" dist="23000" dir="5400000" rotWithShape="0">
-              <a:srgbClr val="000000">
-                <a:alpha val="35000"/>
-              </a:srgbClr>
-            </a:outerShdw>
-          </a:effectLst>
-        </a:effectStyle>
-        <a:effectStyle>
-          <a:effectLst>
-            <a:outerShdw blurRad="40000" dist="23000" dir="5400000" rotWithShape="0">
-              <a:srgbClr val="000000">
-                <a:alpha val="35000"/>
-              </a:srgbClr>
-            </a:outerShdw>
-          </a:effectLst>
-          <a:scene3d>
-            <a:camera prst="orthographicFront">
-              <a:rot lat="0" lon="0" rev="0"/>
-            </a:camera>
-            <a:lightRig rig="threePt" dir="t">
-              <a:rot lat="0" lon="0" rev="1200000"/>
-            </a:lightRig>
-          </a:scene3d>
-          <a:sp3d>
-            <a:bevelT w="63500" h="25400"/>
-          </a:sp3d>
-        </a:effectStyle>
-      </a:effectStyleLst>
-      <a:bgFillStyleLst>
-        <a:solidFill>
-          <a:schemeClr val="phClr"/>
-        </a:solidFill>
-        <a:gradFill rotWithShape="1">
-          <a:gsLst>
-            <a:gs pos="0">
-              <a:schemeClr val="phClr">
-                <a:tint val="40000"/>
-                <a:satMod val="350000"/>
-              </a:schemeClr>
-            </a:gs>
-            <a:gs pos="40000">
-              <a:schemeClr val="phClr">
-                <a:tint val="45000"/>
-                <a:shade val="99000"/>
-                <a:satMod val="350000"/>
-              </a:schemeClr>
-            </a:gs>
-            <a:gs pos="100000">
-              <a:schemeClr val="phClr">
-                <a:shade val="20000"/>
-                <a:satMod val="255000"/>
-              </a:schemeClr>
-            </a:gs>
-          </a:gsLst>
-          <a:path path="circle">
-            <a:fillToRect l="50000" t="-80000" r="50000" b="180000"/>
-          </a:path>
-        </a:gradFill>
-        <a:gradFill rotWithShape="1">
-          <a:gsLst>
-            <a:gs pos="0">
-              <a:schemeClr val="phClr">
-                <a:tint val="80000"/>
-                <a:satMod val="300000"/>
-              </a:schemeClr>
-            </a:gs>
-            <a:gs pos="100000">
-              <a:schemeClr val="phClr">
-                <a:shade val="30000"/>
-                <a:satMod val="200000"/>
-              </a:schemeClr>
-            </a:gs>
-          </a:gsLst>
-          <a:path path="circle">
-            <a:fillToRect l="50000" t="50000" r="50000" b="50000"/>
-          </a:path>
-        </a:gradFill>
-      </a:bgFillStyleLst>
-    </a:fmtScheme>
-  </a:themeElements>
-  <a:objectDefaults/>
-  <a:extraClrSchemeLst/>
-</a:theme>
 </file>
--- a/poster.pptx
+++ b/poster.pptx
@@ -3496,8 +3496,8 @@
         </p:blipFill>
         <p:spPr bwMode="auto">
           <a:xfrm>
-            <a:off x="1550424" y="6889046"/>
-            <a:ext cx="18360000" cy="5802669"/>
+            <a:off x="686528" y="7021790"/>
+            <a:ext cx="20160000" cy="5580725"/>
           </a:xfrm>
           <a:prstGeom prst="roundRect">
             <a:avLst>
@@ -3550,13 +3550,13 @@
               </a:ext>
             </a:extLst>
           </a:blip>
-          <a:srcRect t="13289" b="2"/>
+          <a:srcRect t="12151" b="10233"/>
           <a:stretch/>
         </p:blipFill>
         <p:spPr bwMode="auto">
           <a:xfrm>
-            <a:off x="7453041" y="19604483"/>
-            <a:ext cx="6388979" cy="9252008"/>
+            <a:off x="7309024" y="20179708"/>
+            <a:ext cx="6696000" cy="8679844"/>
           </a:xfrm>
           <a:prstGeom prst="roundRect">
             <a:avLst>
@@ -3574,15 +3574,7 @@
           <a:effectLst>
             <a:reflection blurRad="12700" stA="38000" endPos="28000" dist="5000" dir="5400000" sy="-100000" algn="bl" rotWithShape="0"/>
           </a:effectLst>
-          <a:extLst>
-            <a:ext uri="{909E8E84-426E-40DD-AFC4-6F175D3DCCD1}">
-              <a14:hiddenFill xmlns:a14="http://schemas.microsoft.com/office/drawing/2010/main">
-                <a:solidFill>
-                  <a:srgbClr val="FFFFFF"/>
-                </a:solidFill>
-              </a14:hiddenFill>
-            </a:ext>
-          </a:extLst>
+          <a:extLst/>
         </p:spPr>
       </p:pic>
       <p:pic>
@@ -3617,13 +3609,13 @@
               </a:ext>
             </a:extLst>
           </a:blip>
-          <a:srcRect t="9213"/>
+          <a:srcRect t="22306"/>
           <a:stretch/>
         </p:blipFill>
         <p:spPr bwMode="auto">
           <a:xfrm>
-            <a:off x="13862432" y="19604483"/>
-            <a:ext cx="6120000" cy="9279339"/>
+            <a:off x="14005768" y="20179707"/>
+            <a:ext cx="6660000" cy="8641800"/>
           </a:xfrm>
           <a:prstGeom prst="roundRect">
             <a:avLst>
@@ -3641,15 +3633,7 @@
           <a:effectLst>
             <a:reflection blurRad="12700" stA="38000" endPos="28000" dist="5000" dir="5400000" sy="-100000" algn="bl" rotWithShape="0"/>
           </a:effectLst>
-          <a:extLst>
-            <a:ext uri="{909E8E84-426E-40DD-AFC4-6F175D3DCCD1}">
-              <a14:hiddenFill xmlns:a14="http://schemas.microsoft.com/office/drawing/2010/main">
-                <a:solidFill>
-                  <a:srgbClr val="FFFFFF"/>
-                </a:solidFill>
-              </a14:hiddenFill>
-            </a:ext>
-          </a:extLst>
+          <a:extLst/>
         </p:spPr>
       </p:pic>
       <p:pic>
@@ -3681,8 +3665,8 @@
         </p:blipFill>
         <p:spPr bwMode="auto">
           <a:xfrm>
-            <a:off x="10693400" y="12719483"/>
-            <a:ext cx="9252000" cy="6939000"/>
+            <a:off x="10694520" y="12619707"/>
+            <a:ext cx="10080000" cy="7560000"/>
           </a:xfrm>
           <a:prstGeom prst="roundRect">
             <a:avLst>
@@ -3700,15 +3684,7 @@
           <a:effectLst>
             <a:reflection blurRad="12700" stA="38000" endPos="28000" dist="5000" dir="5400000" sy="-100000" algn="bl" rotWithShape="0"/>
           </a:effectLst>
-          <a:extLst>
-            <a:ext uri="{909E8E84-426E-40DD-AFC4-6F175D3DCCD1}">
-              <a14:hiddenFill xmlns:a14="http://schemas.microsoft.com/office/drawing/2010/main">
-                <a:solidFill>
-                  <a:srgbClr val="FFFFFF"/>
-                </a:solidFill>
-              </a14:hiddenFill>
-            </a:ext>
-          </a:extLst>
+          <a:extLst/>
         </p:spPr>
       </p:pic>
       <p:pic>
@@ -3743,13 +3719,13 @@
               </a:ext>
             </a:extLst>
           </a:blip>
-          <a:srcRect t="9254"/>
+          <a:srcRect t="22550"/>
           <a:stretch/>
         </p:blipFill>
         <p:spPr bwMode="auto">
           <a:xfrm>
-            <a:off x="1332360" y="19604483"/>
-            <a:ext cx="6120000" cy="9275232"/>
+            <a:off x="721032" y="20179707"/>
+            <a:ext cx="6660000" cy="8614643"/>
           </a:xfrm>
           <a:prstGeom prst="roundRect">
             <a:avLst>
@@ -3767,15 +3743,7 @@
           <a:effectLst>
             <a:reflection blurRad="12700" stA="38000" endPos="28000" dist="5000" dir="5400000" sy="-100000" algn="bl" rotWithShape="0"/>
           </a:effectLst>
-          <a:extLst>
-            <a:ext uri="{909E8E84-426E-40DD-AFC4-6F175D3DCCD1}">
-              <a14:hiddenFill xmlns:a14="http://schemas.microsoft.com/office/drawing/2010/main">
-                <a:solidFill>
-                  <a:srgbClr val="FFFFFF"/>
-                </a:solidFill>
-              </a14:hiddenFill>
-            </a:ext>
-          </a:extLst>
+          <a:extLst/>
         </p:spPr>
       </p:pic>
       <p:pic>
@@ -3813,8 +3781,8 @@
         </p:blipFill>
         <p:spPr bwMode="auto">
           <a:xfrm>
-            <a:off x="1404368" y="12809499"/>
-            <a:ext cx="9252000" cy="6939000"/>
+            <a:off x="685408" y="12619707"/>
+            <a:ext cx="10080000" cy="7560000"/>
           </a:xfrm>
           <a:prstGeom prst="roundRect">
             <a:avLst>
@@ -3832,1317 +3800,26 @@
           <a:effectLst>
             <a:reflection blurRad="12700" stA="38000" endPos="28000" dist="5000" dir="5400000" sy="-100000" algn="bl" rotWithShape="0"/>
           </a:effectLst>
-          <a:extLst>
-            <a:ext uri="{909E8E84-426E-40DD-AFC4-6F175D3DCCD1}">
-              <a14:hiddenFill xmlns:a14="http://schemas.microsoft.com/office/drawing/2010/main">
-                <a:solidFill>
-                  <a:srgbClr val="FFFFFF"/>
-                </a:solidFill>
-              </a14:hiddenFill>
-            </a:ext>
-          </a:extLst>
+          <a:extLst/>
         </p:spPr>
       </p:pic>
       <p:grpSp>
         <p:nvGrpSpPr>
-          <p:cNvPr id="19" name="群組 18"/>
+          <p:cNvPr id="12" name="群組 11"/>
           <p:cNvGrpSpPr/>
           <p:nvPr/>
         </p:nvGrpSpPr>
         <p:grpSpPr>
           <a:xfrm>
-            <a:off x="1152848" y="13051755"/>
-            <a:ext cx="13249472" cy="8568952"/>
-            <a:chOff x="1260352" y="13123763"/>
-            <a:chExt cx="13249472" cy="8568952"/>
-          </a:xfrm>
-        </p:grpSpPr>
-        <p:sp>
-          <p:nvSpPr>
-            <p:cNvPr id="20" name="圓角矩形 19"/>
-            <p:cNvSpPr/>
-            <p:nvPr/>
-          </p:nvSpPr>
-          <p:spPr>
-            <a:xfrm>
-              <a:off x="1260352" y="19244443"/>
-              <a:ext cx="8640960" cy="2448272"/>
-            </a:xfrm>
-            <a:prstGeom prst="roundRect">
-              <a:avLst>
-                <a:gd name="adj" fmla="val 18001"/>
-              </a:avLst>
-            </a:prstGeom>
-            <a:noFill/>
-            <a:ln w="38100"/>
-          </p:spPr>
-          <p:style>
-            <a:lnRef idx="2">
-              <a:schemeClr val="accent4"/>
-            </a:lnRef>
-            <a:fillRef idx="1">
-              <a:schemeClr val="lt1"/>
-            </a:fillRef>
-            <a:effectRef idx="0">
-              <a:schemeClr val="accent4"/>
-            </a:effectRef>
-            <a:fontRef idx="minor">
-              <a:schemeClr val="dk1"/>
-            </a:fontRef>
-          </p:style>
-          <p:txBody>
-            <a:bodyPr rtlCol="0" anchor="ctr"/>
-            <a:lstStyle/>
-            <a:p>
-              <a:pPr algn="ctr"/>
-              <a:endParaRPr lang="zh-TW" altLang="en-US"/>
-            </a:p>
-          </p:txBody>
-        </p:sp>
-        <p:sp>
-          <p:nvSpPr>
-            <p:cNvPr id="21" name="圓角矩形 20"/>
-            <p:cNvSpPr/>
-            <p:nvPr/>
-          </p:nvSpPr>
-          <p:spPr>
-            <a:xfrm>
-              <a:off x="8821192" y="13123763"/>
-              <a:ext cx="5688632" cy="8568952"/>
-            </a:xfrm>
-            <a:prstGeom prst="roundRect">
-              <a:avLst>
-                <a:gd name="adj" fmla="val 7588"/>
-              </a:avLst>
-            </a:prstGeom>
-            <a:noFill/>
-            <a:ln w="38100"/>
-          </p:spPr>
-          <p:style>
-            <a:lnRef idx="2">
-              <a:schemeClr val="accent4"/>
-            </a:lnRef>
-            <a:fillRef idx="1">
-              <a:schemeClr val="lt1"/>
-            </a:fillRef>
-            <a:effectRef idx="0">
-              <a:schemeClr val="accent4"/>
-            </a:effectRef>
-            <a:fontRef idx="minor">
-              <a:schemeClr val="dk1"/>
-            </a:fontRef>
-          </p:style>
-          <p:txBody>
-            <a:bodyPr rtlCol="0" anchor="ctr"/>
-            <a:lstStyle/>
-            <a:p>
-              <a:pPr algn="ctr"/>
-              <a:endParaRPr lang="zh-TW" altLang="en-US"/>
-            </a:p>
-          </p:txBody>
-        </p:sp>
-        <p:sp>
-          <p:nvSpPr>
-            <p:cNvPr id="22" name="矩形 21"/>
-            <p:cNvSpPr/>
-            <p:nvPr/>
-          </p:nvSpPr>
-          <p:spPr>
-            <a:xfrm>
-              <a:off x="8361961" y="18794465"/>
-              <a:ext cx="2016224" cy="2880320"/>
-            </a:xfrm>
-            <a:prstGeom prst="rect">
-              <a:avLst/>
-            </a:prstGeom>
-            <a:solidFill>
-              <a:schemeClr val="bg1"/>
-            </a:solidFill>
-            <a:ln>
-              <a:noFill/>
-            </a:ln>
-          </p:spPr>
-          <p:style>
-            <a:lnRef idx="2">
-              <a:schemeClr val="accent1">
-                <a:shade val="50000"/>
-              </a:schemeClr>
-            </a:lnRef>
-            <a:fillRef idx="1">
-              <a:schemeClr val="accent1"/>
-            </a:fillRef>
-            <a:effectRef idx="0">
-              <a:schemeClr val="accent1"/>
-            </a:effectRef>
-            <a:fontRef idx="minor">
-              <a:schemeClr val="lt1"/>
-            </a:fontRef>
-          </p:style>
-          <p:txBody>
-            <a:bodyPr rtlCol="0" anchor="ctr"/>
-            <a:lstStyle/>
-            <a:p>
-              <a:pPr algn="ctr"/>
-              <a:endParaRPr lang="en-US"/>
-            </a:p>
-          </p:txBody>
-        </p:sp>
-        <p:sp>
-          <p:nvSpPr>
-            <p:cNvPr id="23" name="弧形 22"/>
-            <p:cNvSpPr/>
-            <p:nvPr/>
-          </p:nvSpPr>
-          <p:spPr>
-            <a:xfrm flipV="1">
-              <a:off x="7885088" y="18308339"/>
-              <a:ext cx="936000" cy="936000"/>
-            </a:xfrm>
-            <a:prstGeom prst="arc">
-              <a:avLst/>
-            </a:prstGeom>
-            <a:ln w="38100">
-              <a:solidFill>
-                <a:schemeClr val="accent4"/>
-              </a:solidFill>
-            </a:ln>
-          </p:spPr>
-          <p:style>
-            <a:lnRef idx="1">
-              <a:schemeClr val="accent1"/>
-            </a:lnRef>
-            <a:fillRef idx="0">
-              <a:schemeClr val="accent1"/>
-            </a:fillRef>
-            <a:effectRef idx="0">
-              <a:schemeClr val="accent1"/>
-            </a:effectRef>
-            <a:fontRef idx="minor">
-              <a:schemeClr val="tx1"/>
-            </a:fontRef>
-          </p:style>
-          <p:txBody>
-            <a:bodyPr rtlCol="0" anchor="ctr"/>
-            <a:lstStyle/>
-            <a:p>
-              <a:pPr algn="ctr"/>
-              <a:endParaRPr lang="en-US"/>
-            </a:p>
-          </p:txBody>
-        </p:sp>
-      </p:grpSp>
-      <p:grpSp>
-        <p:nvGrpSpPr>
-          <p:cNvPr id="24" name="群組 23"/>
-          <p:cNvGrpSpPr/>
-          <p:nvPr/>
-        </p:nvGrpSpPr>
-        <p:grpSpPr>
-          <a:xfrm>
-            <a:off x="1152848" y="10291782"/>
-            <a:ext cx="13249472" cy="8712968"/>
-            <a:chOff x="1260352" y="10243443"/>
-            <a:chExt cx="13249472" cy="8712968"/>
-          </a:xfrm>
-        </p:grpSpPr>
-        <p:sp>
-          <p:nvSpPr>
-            <p:cNvPr id="25" name="圓角矩形 24"/>
-            <p:cNvSpPr/>
-            <p:nvPr/>
-          </p:nvSpPr>
-          <p:spPr>
-            <a:xfrm>
-              <a:off x="4788744" y="10243443"/>
-              <a:ext cx="9721080" cy="2448272"/>
-            </a:xfrm>
-            <a:prstGeom prst="roundRect">
-              <a:avLst>
-                <a:gd name="adj" fmla="val 13325"/>
-              </a:avLst>
-            </a:prstGeom>
-            <a:noFill/>
-            <a:ln w="38100"/>
-          </p:spPr>
-          <p:style>
-            <a:lnRef idx="2">
-              <a:schemeClr val="accent3"/>
-            </a:lnRef>
-            <a:fillRef idx="1">
-              <a:schemeClr val="lt1"/>
-            </a:fillRef>
-            <a:effectRef idx="0">
-              <a:schemeClr val="accent3"/>
-            </a:effectRef>
-            <a:fontRef idx="minor">
-              <a:schemeClr val="dk1"/>
-            </a:fontRef>
-          </p:style>
-          <p:txBody>
-            <a:bodyPr rtlCol="0" anchor="ctr"/>
-            <a:lstStyle/>
-            <a:p>
-              <a:pPr algn="ctr"/>
-              <a:endParaRPr lang="zh-TW" altLang="en-US"/>
-            </a:p>
-          </p:txBody>
-        </p:sp>
-        <p:sp>
-          <p:nvSpPr>
-            <p:cNvPr id="26" name="圓角矩形 25"/>
-            <p:cNvSpPr/>
-            <p:nvPr/>
-          </p:nvSpPr>
-          <p:spPr>
-            <a:xfrm>
-              <a:off x="1260352" y="10243443"/>
-              <a:ext cx="5400600" cy="8712968"/>
-            </a:xfrm>
-            <a:prstGeom prst="roundRect">
-              <a:avLst>
-                <a:gd name="adj" fmla="val 10545"/>
-              </a:avLst>
-            </a:prstGeom>
-            <a:noFill/>
-            <a:ln w="38100"/>
-          </p:spPr>
-          <p:style>
-            <a:lnRef idx="2">
-              <a:schemeClr val="accent3"/>
-            </a:lnRef>
-            <a:fillRef idx="1">
-              <a:schemeClr val="lt1"/>
-            </a:fillRef>
-            <a:effectRef idx="0">
-              <a:schemeClr val="accent3"/>
-            </a:effectRef>
-            <a:fontRef idx="minor">
-              <a:schemeClr val="dk1"/>
-            </a:fontRef>
-          </p:style>
-          <p:txBody>
-            <a:bodyPr rtlCol="0" anchor="ctr"/>
-            <a:lstStyle/>
-            <a:p>
-              <a:pPr algn="ctr"/>
-              <a:endParaRPr lang="zh-TW" altLang="en-US"/>
-            </a:p>
-          </p:txBody>
-        </p:sp>
-        <p:sp>
-          <p:nvSpPr>
-            <p:cNvPr id="27" name="矩形 26"/>
-            <p:cNvSpPr/>
-            <p:nvPr/>
-          </p:nvSpPr>
-          <p:spPr>
-            <a:xfrm>
-              <a:off x="4500712" y="10255457"/>
-              <a:ext cx="2592288" cy="2921264"/>
-            </a:xfrm>
-            <a:prstGeom prst="rect">
-              <a:avLst/>
-            </a:prstGeom>
-            <a:ln>
-              <a:noFill/>
-            </a:ln>
-          </p:spPr>
-          <p:style>
-            <a:lnRef idx="2">
-              <a:schemeClr val="accent6"/>
-            </a:lnRef>
-            <a:fillRef idx="1">
-              <a:schemeClr val="lt1"/>
-            </a:fillRef>
-            <a:effectRef idx="0">
-              <a:schemeClr val="accent6"/>
-            </a:effectRef>
-            <a:fontRef idx="minor">
-              <a:schemeClr val="dk1"/>
-            </a:fontRef>
-          </p:style>
-          <p:txBody>
-            <a:bodyPr rtlCol="0" anchor="ctr"/>
-            <a:lstStyle/>
-            <a:p>
-              <a:pPr algn="ctr"/>
-              <a:endParaRPr lang="en-US"/>
-            </a:p>
-          </p:txBody>
-        </p:sp>
-        <p:sp>
-          <p:nvSpPr>
-            <p:cNvPr id="28" name="弧形 27"/>
-            <p:cNvSpPr/>
-            <p:nvPr/>
-          </p:nvSpPr>
-          <p:spPr>
-            <a:xfrm>
-              <a:off x="6660952" y="12691715"/>
-              <a:ext cx="972000" cy="972000"/>
-            </a:xfrm>
-            <a:prstGeom prst="arc">
-              <a:avLst>
-                <a:gd name="adj1" fmla="val 10636279"/>
-                <a:gd name="adj2" fmla="val 16262060"/>
-              </a:avLst>
-            </a:prstGeom>
-            <a:ln w="38100">
-              <a:solidFill>
-                <a:schemeClr val="accent3"/>
-              </a:solidFill>
-            </a:ln>
-          </p:spPr>
-          <p:style>
-            <a:lnRef idx="1">
-              <a:schemeClr val="accent1"/>
-            </a:lnRef>
-            <a:fillRef idx="0">
-              <a:schemeClr val="accent1"/>
-            </a:fillRef>
-            <a:effectRef idx="0">
-              <a:schemeClr val="accent1"/>
-            </a:effectRef>
-            <a:fontRef idx="minor">
-              <a:schemeClr val="tx1"/>
-            </a:fontRef>
-          </p:style>
-          <p:txBody>
-            <a:bodyPr rtlCol="0" anchor="ctr"/>
-            <a:lstStyle/>
-            <a:p>
-              <a:pPr algn="ctr"/>
-              <a:endParaRPr lang="en-US"/>
-            </a:p>
-          </p:txBody>
-        </p:sp>
-      </p:grpSp>
-      <p:pic>
-        <p:nvPicPr>
-          <p:cNvPr id="30" name="Picture 4" descr="C:\Documents and Settings\user\桌面\MobileProgramming\project\screenshot\device-2011-12-22-145919_gmap.png"/>
-          <p:cNvPicPr>
-            <a:picLocks noChangeAspect="1" noChangeArrowheads="1"/>
-          </p:cNvPicPr>
-          <p:nvPr/>
-        </p:nvPicPr>
-        <p:blipFill>
-          <a:blip r:embed="rId13" cstate="print"/>
-          <a:stretch>
-            <a:fillRect/>
-          </a:stretch>
-        </p:blipFill>
-        <p:spPr bwMode="auto">
-          <a:xfrm>
-            <a:off x="9398272" y="13676158"/>
-            <a:ext cx="4572000" cy="7620000"/>
-          </a:xfrm>
-          <a:prstGeom prst="rect">
-            <a:avLst/>
-          </a:prstGeom>
-          <a:noFill/>
-          <a:ln w="38100">
-            <a:solidFill>
-              <a:schemeClr val="accent4">
-                <a:lumMod val="60000"/>
-                <a:lumOff val="40000"/>
-              </a:schemeClr>
-            </a:solidFill>
-          </a:ln>
-        </p:spPr>
-      </p:pic>
-      <p:pic>
-        <p:nvPicPr>
-          <p:cNvPr id="31" name="Picture 4" descr="C:\Documents and Settings\user\桌面\MobileProgramming\project\screenshot\device-2011-12-22-145919_gmap.png"/>
-          <p:cNvPicPr>
-            <a:picLocks noChangeAspect="1" noChangeArrowheads="1"/>
-          </p:cNvPicPr>
-          <p:nvPr/>
-        </p:nvPicPr>
-        <p:blipFill>
-          <a:blip r:embed="rId14" cstate="print"/>
-          <a:stretch>
-            <a:fillRect/>
-          </a:stretch>
-        </p:blipFill>
-        <p:spPr bwMode="auto">
-          <a:xfrm>
-            <a:off x="1549400" y="10880694"/>
-            <a:ext cx="4572000" cy="7620000"/>
-          </a:xfrm>
-          <a:prstGeom prst="rect">
-            <a:avLst/>
-          </a:prstGeom>
-          <a:noFill/>
-          <a:ln w="38100">
-            <a:solidFill>
-              <a:schemeClr val="accent3">
-                <a:lumMod val="60000"/>
-                <a:lumOff val="40000"/>
-              </a:schemeClr>
-            </a:solidFill>
-          </a:ln>
-        </p:spPr>
-      </p:pic>
-      <p:sp>
-        <p:nvSpPr>
-          <p:cNvPr id="32" name="文字方塊 31"/>
-          <p:cNvSpPr txBox="1"/>
-          <p:nvPr/>
-        </p:nvSpPr>
-        <p:spPr>
-          <a:xfrm>
-            <a:off x="15085888" y="16217918"/>
-            <a:ext cx="5256584" cy="4832092"/>
-          </a:xfrm>
-          <a:prstGeom prst="rect">
-            <a:avLst/>
-          </a:prstGeom>
-          <a:noFill/>
-        </p:spPr>
-        <p:txBody>
-          <a:bodyPr wrap="square" rtlCol="0">
-            <a:spAutoFit/>
-          </a:bodyPr>
-          <a:lstStyle/>
-          <a:p>
-            <a:r>
-              <a:rPr lang="zh-TW" altLang="en-US" sz="4400" b="1" dirty="0" smtClean="0">
-                <a:ln w="10541" cmpd="sng">
-                  <a:solidFill>
-                    <a:schemeClr val="accent1">
-                      <a:shade val="88000"/>
-                      <a:satMod val="110000"/>
-                    </a:schemeClr>
-                  </a:solidFill>
-                  <a:prstDash val="solid"/>
-                </a:ln>
-                <a:gradFill>
-                  <a:gsLst>
-                    <a:gs pos="0">
-                      <a:schemeClr val="accent1">
-                        <a:tint val="40000"/>
-                        <a:satMod val="250000"/>
-                      </a:schemeClr>
-                    </a:gs>
-                    <a:gs pos="9000">
-                      <a:schemeClr val="accent1">
-                        <a:tint val="52000"/>
-                        <a:satMod val="300000"/>
-                      </a:schemeClr>
-                    </a:gs>
-                    <a:gs pos="50000">
-                      <a:schemeClr val="accent1">
-                        <a:shade val="20000"/>
-                        <a:satMod val="300000"/>
-                      </a:schemeClr>
-                    </a:gs>
-                    <a:gs pos="79000">
-                      <a:schemeClr val="accent1">
-                        <a:tint val="52000"/>
-                        <a:satMod val="300000"/>
-                      </a:schemeClr>
-                    </a:gs>
-                    <a:gs pos="100000">
-                      <a:schemeClr val="accent1">
-                        <a:tint val="40000"/>
-                        <a:satMod val="250000"/>
-                      </a:schemeClr>
-                    </a:gs>
-                  </a:gsLst>
-                  <a:lin ang="5400000"/>
-                </a:gradFill>
-              </a:rPr>
-              <a:t>＊</a:t>
-            </a:r>
-            <a:r>
-              <a:rPr lang="zh-TW" altLang="en-US" sz="4400" b="1" dirty="0" smtClean="0">
-                <a:ln w="10541" cmpd="sng">
-                  <a:solidFill>
-                    <a:schemeClr val="accent3">
-                      <a:lumMod val="50000"/>
-                    </a:schemeClr>
-                  </a:solidFill>
-                  <a:prstDash val="solid"/>
-                </a:ln>
-                <a:gradFill>
-                  <a:gsLst>
-                    <a:gs pos="0">
-                      <a:schemeClr val="accent3">
-                        <a:lumMod val="40000"/>
-                        <a:lumOff val="60000"/>
-                      </a:schemeClr>
-                    </a:gs>
-                    <a:gs pos="9000">
-                      <a:schemeClr val="accent3">
-                        <a:lumMod val="60000"/>
-                        <a:lumOff val="40000"/>
-                      </a:schemeClr>
-                    </a:gs>
-                    <a:gs pos="50000">
-                      <a:schemeClr val="accent3">
-                        <a:lumMod val="75000"/>
-                      </a:schemeClr>
-                    </a:gs>
-                    <a:gs pos="79000">
-                      <a:schemeClr val="accent3">
-                        <a:lumMod val="60000"/>
-                        <a:lumOff val="40000"/>
-                      </a:schemeClr>
-                    </a:gs>
-                    <a:gs pos="100000">
-                      <a:schemeClr val="accent3">
-                        <a:lumMod val="40000"/>
-                        <a:lumOff val="60000"/>
-                      </a:schemeClr>
-                    </a:gs>
-                  </a:gsLst>
-                  <a:lin ang="5400000"/>
-                </a:gradFill>
-              </a:rPr>
-              <a:t> </a:t>
-            </a:r>
-            <a:r>
-              <a:rPr lang="en-US" altLang="zh-TW" sz="4400" dirty="0" smtClean="0"/>
-              <a:t>Angry Runner </a:t>
-            </a:r>
-            <a:r>
-              <a:rPr lang="zh-TW" altLang="en-US" sz="4400" dirty="0" smtClean="0"/>
-              <a:t>會在您開始運動時自動播放音樂</a:t>
-            </a:r>
-            <a:r>
-              <a:rPr lang="zh-TW" altLang="en-US" sz="4400" dirty="0" smtClean="0"/>
-              <a:t>。</a:t>
-            </a:r>
-            <a:endParaRPr lang="en-US" altLang="zh-TW" sz="4400" dirty="0" smtClean="0"/>
-          </a:p>
-          <a:p>
-            <a:endParaRPr lang="en-US" altLang="zh-TW" sz="4400" dirty="0" smtClean="0"/>
-          </a:p>
-          <a:p>
-            <a:r>
-              <a:rPr lang="zh-TW" altLang="en-US" sz="4400" b="1" dirty="0" smtClean="0">
-                <a:ln w="10541" cmpd="sng">
-                  <a:solidFill>
-                    <a:schemeClr val="accent1">
-                      <a:shade val="88000"/>
-                      <a:satMod val="110000"/>
-                    </a:schemeClr>
-                  </a:solidFill>
-                  <a:prstDash val="solid"/>
-                </a:ln>
-                <a:gradFill>
-                  <a:gsLst>
-                    <a:gs pos="0">
-                      <a:schemeClr val="accent1">
-                        <a:tint val="40000"/>
-                        <a:satMod val="250000"/>
-                      </a:schemeClr>
-                    </a:gs>
-                    <a:gs pos="9000">
-                      <a:schemeClr val="accent1">
-                        <a:tint val="52000"/>
-                        <a:satMod val="300000"/>
-                      </a:schemeClr>
-                    </a:gs>
-                    <a:gs pos="50000">
-                      <a:schemeClr val="accent1">
-                        <a:shade val="20000"/>
-                        <a:satMod val="300000"/>
-                      </a:schemeClr>
-                    </a:gs>
-                    <a:gs pos="79000">
-                      <a:schemeClr val="accent1">
-                        <a:tint val="52000"/>
-                        <a:satMod val="300000"/>
-                      </a:schemeClr>
-                    </a:gs>
-                    <a:gs pos="100000">
-                      <a:schemeClr val="accent1">
-                        <a:tint val="40000"/>
-                        <a:satMod val="250000"/>
-                      </a:schemeClr>
-                    </a:gs>
-                  </a:gsLst>
-                  <a:lin ang="5400000"/>
-                </a:gradFill>
-              </a:rPr>
-              <a:t>＊</a:t>
-            </a:r>
-            <a:r>
-              <a:rPr lang="zh-TW" altLang="en-US" sz="4400" dirty="0" smtClean="0"/>
-              <a:t> </a:t>
-            </a:r>
-            <a:r>
-              <a:rPr lang="en-US" altLang="zh-TW" sz="4400" dirty="0" smtClean="0"/>
-              <a:t>Angry Runner </a:t>
-            </a:r>
-            <a:r>
-              <a:rPr lang="zh-TW" altLang="en-US" sz="4400" dirty="0" smtClean="0"/>
-              <a:t>會將您的運動路徑即時顯示在地圖上。</a:t>
-            </a:r>
-            <a:endParaRPr lang="zh-TW" altLang="en-US" sz="4400" dirty="0"/>
-          </a:p>
-        </p:txBody>
-      </p:sp>
-      <p:sp>
-        <p:nvSpPr>
-          <p:cNvPr id="33" name="圓角矩形 32"/>
-          <p:cNvSpPr/>
-          <p:nvPr/>
-        </p:nvSpPr>
-        <p:spPr>
-          <a:xfrm>
-            <a:off x="14725848" y="15500027"/>
-            <a:ext cx="5544616" cy="6079081"/>
-          </a:xfrm>
-          <a:prstGeom prst="roundRect">
-            <a:avLst>
-              <a:gd name="adj" fmla="val 6479"/>
-            </a:avLst>
-          </a:prstGeom>
-          <a:noFill/>
-          <a:ln w="38100"/>
-        </p:spPr>
-        <p:style>
-          <a:lnRef idx="2">
-            <a:schemeClr val="accent1">
-              <a:shade val="50000"/>
-            </a:schemeClr>
-          </a:lnRef>
-          <a:fillRef idx="1">
-            <a:schemeClr val="accent1"/>
-          </a:fillRef>
-          <a:effectRef idx="0">
-            <a:schemeClr val="accent1"/>
-          </a:effectRef>
-          <a:fontRef idx="minor">
-            <a:schemeClr val="lt1"/>
-          </a:fontRef>
-        </p:style>
-        <p:txBody>
-          <a:bodyPr rtlCol="0" anchor="ctr"/>
-          <a:lstStyle/>
-          <a:p>
-            <a:pPr algn="ctr"/>
-            <a:endParaRPr lang="zh-TW" altLang="en-US"/>
-          </a:p>
-        </p:txBody>
-      </p:sp>
-      <p:sp>
-        <p:nvSpPr>
-          <p:cNvPr id="34" name="文字方塊 33"/>
-          <p:cNvSpPr txBox="1"/>
-          <p:nvPr/>
-        </p:nvSpPr>
-        <p:spPr>
-          <a:xfrm>
-            <a:off x="6481440" y="10579814"/>
-            <a:ext cx="7560840" cy="2123658"/>
-          </a:xfrm>
-          <a:prstGeom prst="rect">
-            <a:avLst/>
-          </a:prstGeom>
-          <a:noFill/>
-        </p:spPr>
-        <p:txBody>
-          <a:bodyPr wrap="square" rtlCol="0">
-            <a:spAutoFit/>
-          </a:bodyPr>
-          <a:lstStyle/>
-          <a:p>
-            <a:r>
-              <a:rPr lang="zh-TW" altLang="en-US" sz="4400" b="1" dirty="0" smtClean="0">
-                <a:ln w="10541" cmpd="sng">
-                  <a:solidFill>
-                    <a:schemeClr val="accent3">
-                      <a:lumMod val="50000"/>
-                    </a:schemeClr>
-                  </a:solidFill>
-                  <a:prstDash val="solid"/>
-                </a:ln>
-                <a:gradFill>
-                  <a:gsLst>
-                    <a:gs pos="0">
-                      <a:schemeClr val="accent3">
-                        <a:lumMod val="40000"/>
-                        <a:lumOff val="60000"/>
-                      </a:schemeClr>
-                    </a:gs>
-                    <a:gs pos="9000">
-                      <a:schemeClr val="accent3">
-                        <a:lumMod val="60000"/>
-                        <a:lumOff val="40000"/>
-                      </a:schemeClr>
-                    </a:gs>
-                    <a:gs pos="50000">
-                      <a:schemeClr val="accent3">
-                        <a:lumMod val="75000"/>
-                      </a:schemeClr>
-                    </a:gs>
-                    <a:gs pos="79000">
-                      <a:schemeClr val="accent3">
-                        <a:lumMod val="60000"/>
-                        <a:lumOff val="40000"/>
-                      </a:schemeClr>
-                    </a:gs>
-                    <a:gs pos="100000">
-                      <a:schemeClr val="accent3">
-                        <a:lumMod val="40000"/>
-                        <a:lumOff val="60000"/>
-                      </a:schemeClr>
-                    </a:gs>
-                  </a:gsLst>
-                  <a:lin ang="5400000"/>
-                </a:gradFill>
-              </a:rPr>
-              <a:t>＊</a:t>
-            </a:r>
-            <a:r>
-              <a:rPr lang="zh-TW" altLang="en-US" sz="4400" dirty="0" smtClean="0"/>
-              <a:t>您可以在 </a:t>
-            </a:r>
-            <a:r>
-              <a:rPr lang="en-US" altLang="zh-TW" sz="4400" dirty="0" smtClean="0"/>
-              <a:t>Angry Runner </a:t>
-            </a:r>
-            <a:r>
-              <a:rPr lang="zh-TW" altLang="en-US" sz="4400" dirty="0" smtClean="0"/>
-              <a:t>指定運動時播放的音樂清單，或建立新的音樂清單。</a:t>
-            </a:r>
-            <a:endParaRPr lang="en-US" altLang="zh-TW" sz="4400" dirty="0" smtClean="0"/>
-          </a:p>
-        </p:txBody>
-      </p:sp>
-      <p:sp>
-        <p:nvSpPr>
-          <p:cNvPr id="35" name="文字方塊 34"/>
-          <p:cNvSpPr txBox="1"/>
-          <p:nvPr/>
-        </p:nvSpPr>
-        <p:spPr>
-          <a:xfrm>
-            <a:off x="1549400" y="19436798"/>
-            <a:ext cx="6347263" cy="2123658"/>
-          </a:xfrm>
-          <a:prstGeom prst="rect">
-            <a:avLst/>
-          </a:prstGeom>
-          <a:noFill/>
-        </p:spPr>
-        <p:txBody>
-          <a:bodyPr wrap="square" rtlCol="0">
-            <a:spAutoFit/>
-          </a:bodyPr>
-          <a:lstStyle/>
-          <a:p>
-            <a:r>
-              <a:rPr lang="zh-TW" altLang="en-US" sz="4400" b="1" dirty="0" smtClean="0">
-                <a:ln w="10541" cmpd="sng">
-                  <a:solidFill>
-                    <a:schemeClr val="accent4">
-                      <a:lumMod val="50000"/>
-                    </a:schemeClr>
-                  </a:solidFill>
-                  <a:prstDash val="solid"/>
-                </a:ln>
-                <a:gradFill>
-                  <a:gsLst>
-                    <a:gs pos="0">
-                      <a:schemeClr val="accent4">
-                        <a:lumMod val="40000"/>
-                        <a:lumOff val="60000"/>
-                      </a:schemeClr>
-                    </a:gs>
-                    <a:gs pos="9000">
-                      <a:schemeClr val="accent4">
-                        <a:lumMod val="60000"/>
-                        <a:lumOff val="40000"/>
-                      </a:schemeClr>
-                    </a:gs>
-                    <a:gs pos="50000">
-                      <a:schemeClr val="accent4">
-                        <a:lumMod val="75000"/>
-                      </a:schemeClr>
-                    </a:gs>
-                    <a:gs pos="79000">
-                      <a:schemeClr val="accent4">
-                        <a:lumMod val="60000"/>
-                        <a:lumOff val="40000"/>
-                      </a:schemeClr>
-                    </a:gs>
-                    <a:gs pos="100000">
-                      <a:schemeClr val="accent4">
-                        <a:lumMod val="40000"/>
-                        <a:lumOff val="60000"/>
-                      </a:schemeClr>
-                    </a:gs>
-                  </a:gsLst>
-                  <a:lin ang="5400000"/>
-                </a:gradFill>
-              </a:rPr>
-              <a:t>＊</a:t>
-            </a:r>
-            <a:r>
-              <a:rPr lang="zh-TW" altLang="en-US" sz="4400" dirty="0" smtClean="0"/>
-              <a:t> </a:t>
-            </a:r>
-            <a:r>
-              <a:rPr lang="en-US" altLang="zh-TW" sz="4400" dirty="0" smtClean="0"/>
-              <a:t>Angry Runner </a:t>
-            </a:r>
-            <a:r>
-              <a:rPr lang="zh-TW" altLang="en-US" sz="4400" dirty="0" smtClean="0"/>
-              <a:t>可以保存您的運動記錄，包括日期、運動時間、距離及速度。</a:t>
-            </a:r>
-            <a:endParaRPr lang="zh-TW" altLang="en-US" sz="4400" dirty="0"/>
-          </a:p>
-        </p:txBody>
-      </p:sp>
-      <p:grpSp>
-        <p:nvGrpSpPr>
-          <p:cNvPr id="36" name="群組 35"/>
-          <p:cNvGrpSpPr/>
-          <p:nvPr/>
-        </p:nvGrpSpPr>
-        <p:grpSpPr>
-          <a:xfrm>
-            <a:off x="1044328" y="6907405"/>
-            <a:ext cx="19226136" cy="8280921"/>
-            <a:chOff x="1260352" y="6859066"/>
-            <a:chExt cx="19226136" cy="8280921"/>
-          </a:xfrm>
-        </p:grpSpPr>
-        <p:sp>
-          <p:nvSpPr>
-            <p:cNvPr id="37" name="圓角矩形 36"/>
-            <p:cNvSpPr/>
-            <p:nvPr/>
-          </p:nvSpPr>
-          <p:spPr>
-            <a:xfrm>
-              <a:off x="14941872" y="6859066"/>
-              <a:ext cx="5544616" cy="8280921"/>
-            </a:xfrm>
-            <a:prstGeom prst="roundRect">
-              <a:avLst>
-                <a:gd name="adj" fmla="val 7628"/>
-              </a:avLst>
-            </a:prstGeom>
-            <a:noFill/>
-            <a:ln w="38100">
-              <a:solidFill>
-                <a:schemeClr val="accent2"/>
-              </a:solidFill>
-            </a:ln>
-          </p:spPr>
-          <p:style>
-            <a:lnRef idx="2">
-              <a:schemeClr val="accent1">
-                <a:shade val="50000"/>
-              </a:schemeClr>
-            </a:lnRef>
-            <a:fillRef idx="1">
-              <a:schemeClr val="accent1"/>
-            </a:fillRef>
-            <a:effectRef idx="0">
-              <a:schemeClr val="accent1"/>
-            </a:effectRef>
-            <a:fontRef idx="minor">
-              <a:schemeClr val="lt1"/>
-            </a:fontRef>
-          </p:style>
-          <p:txBody>
-            <a:bodyPr rtlCol="0" anchor="ctr"/>
-            <a:lstStyle/>
-            <a:p>
-              <a:pPr algn="ctr"/>
-              <a:endParaRPr lang="zh-TW" altLang="en-US"/>
-            </a:p>
-          </p:txBody>
-        </p:sp>
-        <p:sp>
-          <p:nvSpPr>
-            <p:cNvPr id="38" name="圓角矩形 37"/>
-            <p:cNvSpPr/>
-            <p:nvPr/>
-          </p:nvSpPr>
-          <p:spPr>
-            <a:xfrm>
-              <a:off x="1260352" y="6859067"/>
-              <a:ext cx="14761640" cy="3024336"/>
-            </a:xfrm>
-            <a:prstGeom prst="roundRect">
-              <a:avLst>
-                <a:gd name="adj" fmla="val 14039"/>
-              </a:avLst>
-            </a:prstGeom>
-            <a:noFill/>
-            <a:ln w="38100">
-              <a:solidFill>
-                <a:schemeClr val="accent2"/>
-              </a:solidFill>
-              <a:round/>
-            </a:ln>
-          </p:spPr>
-          <p:style>
-            <a:lnRef idx="2">
-              <a:schemeClr val="accent1">
-                <a:shade val="50000"/>
-              </a:schemeClr>
-            </a:lnRef>
-            <a:fillRef idx="1">
-              <a:schemeClr val="accent1"/>
-            </a:fillRef>
-            <a:effectRef idx="0">
-              <a:schemeClr val="accent1"/>
-            </a:effectRef>
-            <a:fontRef idx="minor">
-              <a:schemeClr val="lt1"/>
-            </a:fontRef>
-          </p:style>
-          <p:txBody>
-            <a:bodyPr rtlCol="0" anchor="ctr"/>
-            <a:lstStyle/>
-            <a:p>
-              <a:pPr algn="ctr"/>
-              <a:endParaRPr lang="zh-TW" altLang="en-US"/>
-            </a:p>
-          </p:txBody>
-        </p:sp>
-        <p:sp>
-          <p:nvSpPr>
-            <p:cNvPr id="39" name="矩形 38"/>
-            <p:cNvSpPr/>
-            <p:nvPr/>
-          </p:nvSpPr>
-          <p:spPr>
-            <a:xfrm>
-              <a:off x="14581832" y="6878117"/>
-              <a:ext cx="1440160" cy="3365326"/>
-            </a:xfrm>
-            <a:prstGeom prst="rect">
-              <a:avLst/>
-            </a:prstGeom>
-            <a:solidFill>
-              <a:schemeClr val="bg1"/>
-            </a:solidFill>
-            <a:ln>
-              <a:noFill/>
-            </a:ln>
-          </p:spPr>
-          <p:style>
-            <a:lnRef idx="2">
-              <a:schemeClr val="accent1">
-                <a:shade val="50000"/>
-              </a:schemeClr>
-            </a:lnRef>
-            <a:fillRef idx="1">
-              <a:schemeClr val="accent1"/>
-            </a:fillRef>
-            <a:effectRef idx="0">
-              <a:schemeClr val="accent1"/>
-            </a:effectRef>
-            <a:fontRef idx="minor">
-              <a:schemeClr val="lt1"/>
-            </a:fontRef>
-          </p:style>
-          <p:txBody>
-            <a:bodyPr rtlCol="0" anchor="ctr"/>
-            <a:lstStyle/>
-            <a:p>
-              <a:pPr algn="ctr"/>
-              <a:endParaRPr lang="en-US"/>
-            </a:p>
-          </p:txBody>
-        </p:sp>
-        <p:sp>
-          <p:nvSpPr>
-            <p:cNvPr id="40" name="弧形 39"/>
-            <p:cNvSpPr/>
-            <p:nvPr/>
-          </p:nvSpPr>
-          <p:spPr>
-            <a:xfrm>
-              <a:off x="14149784" y="9883403"/>
-              <a:ext cx="792000" cy="792000"/>
-            </a:xfrm>
-            <a:prstGeom prst="arc">
-              <a:avLst/>
-            </a:prstGeom>
-            <a:ln w="38100"/>
-          </p:spPr>
-          <p:style>
-            <a:lnRef idx="1">
-              <a:schemeClr val="accent2"/>
-            </a:lnRef>
-            <a:fillRef idx="0">
-              <a:schemeClr val="accent2"/>
-            </a:fillRef>
-            <a:effectRef idx="0">
-              <a:schemeClr val="accent2"/>
-            </a:effectRef>
-            <a:fontRef idx="minor">
-              <a:schemeClr val="tx1"/>
-            </a:fontRef>
-          </p:style>
-          <p:txBody>
-            <a:bodyPr rtlCol="0" anchor="ctr"/>
-            <a:lstStyle/>
-            <a:p>
-              <a:pPr algn="ctr"/>
-              <a:endParaRPr lang="en-US"/>
-            </a:p>
-          </p:txBody>
-        </p:sp>
-      </p:grpSp>
-      <p:pic>
-        <p:nvPicPr>
-          <p:cNvPr id="41" name="Picture 4" descr="C:\Documents and Settings\user\桌面\MobileProgramming\project\screenshot\device-2011-12-22-145919_gmap.png"/>
-          <p:cNvPicPr>
-            <a:picLocks noChangeAspect="1" noChangeArrowheads="1"/>
-          </p:cNvPicPr>
-          <p:nvPr/>
-        </p:nvPicPr>
-        <p:blipFill>
-          <a:blip r:embed="rId15" cstate="print"/>
-          <a:stretch>
-            <a:fillRect/>
-          </a:stretch>
-        </p:blipFill>
-        <p:spPr bwMode="auto">
-          <a:xfrm>
-            <a:off x="15338424" y="7208286"/>
-            <a:ext cx="4572000" cy="7620000"/>
-          </a:xfrm>
-          <a:prstGeom prst="rect">
-            <a:avLst/>
-          </a:prstGeom>
-          <a:noFill/>
-          <a:ln w="38100">
-            <a:solidFill>
-              <a:schemeClr val="accent2">
-                <a:lumMod val="60000"/>
-                <a:lumOff val="40000"/>
-              </a:schemeClr>
-            </a:solidFill>
-          </a:ln>
-        </p:spPr>
-      </p:pic>
-      <p:sp>
-        <p:nvSpPr>
-          <p:cNvPr id="42" name="文字方塊 41"/>
-          <p:cNvSpPr txBox="1"/>
-          <p:nvPr/>
-        </p:nvSpPr>
-        <p:spPr>
-          <a:xfrm>
-            <a:off x="1224856" y="7051422"/>
-            <a:ext cx="13321480" cy="2800767"/>
-          </a:xfrm>
-          <a:prstGeom prst="rect">
-            <a:avLst/>
-          </a:prstGeom>
-          <a:noFill/>
-        </p:spPr>
-        <p:txBody>
-          <a:bodyPr wrap="square" rtlCol="0">
-            <a:spAutoFit/>
-          </a:bodyPr>
-          <a:lstStyle/>
-          <a:p>
-            <a:r>
-              <a:rPr lang="zh-TW" altLang="en-US" sz="4400" b="1" dirty="0" smtClean="0">
-                <a:ln w="10541" cmpd="sng">
-                  <a:solidFill>
-                    <a:schemeClr val="accent2">
-                      <a:lumMod val="50000"/>
-                    </a:schemeClr>
-                  </a:solidFill>
-                  <a:prstDash val="solid"/>
-                </a:ln>
-                <a:gradFill>
-                  <a:gsLst>
-                    <a:gs pos="0">
-                      <a:schemeClr val="accent2">
-                        <a:lumMod val="40000"/>
-                        <a:lumOff val="60000"/>
-                      </a:schemeClr>
-                    </a:gs>
-                    <a:gs pos="9000">
-                      <a:schemeClr val="accent2">
-                        <a:lumMod val="60000"/>
-                        <a:lumOff val="40000"/>
-                      </a:schemeClr>
-                    </a:gs>
-                    <a:gs pos="50000">
-                      <a:schemeClr val="accent2">
-                        <a:lumMod val="75000"/>
-                      </a:schemeClr>
-                    </a:gs>
-                    <a:gs pos="79000">
-                      <a:schemeClr val="accent2">
-                        <a:lumMod val="60000"/>
-                        <a:lumOff val="40000"/>
-                      </a:schemeClr>
-                    </a:gs>
-                    <a:gs pos="100000">
-                      <a:schemeClr val="accent2">
-                        <a:lumMod val="40000"/>
-                        <a:lumOff val="60000"/>
-                      </a:schemeClr>
-                    </a:gs>
-                  </a:gsLst>
-                  <a:lin ang="5400000"/>
-                </a:gradFill>
-              </a:rPr>
-              <a:t>＊</a:t>
-            </a:r>
-            <a:r>
-              <a:rPr lang="zh-TW" altLang="en-US" sz="4400" dirty="0" smtClean="0"/>
-              <a:t> </a:t>
-            </a:r>
-            <a:r>
-              <a:rPr lang="en-US" altLang="zh-TW" sz="4400" dirty="0" smtClean="0"/>
-              <a:t>Angry Runner </a:t>
-            </a:r>
-            <a:r>
-              <a:rPr lang="zh-TW" altLang="en-US" sz="4400" dirty="0" smtClean="0"/>
-              <a:t>利用手機內建的 </a:t>
-            </a:r>
-            <a:r>
-              <a:rPr lang="en-US" altLang="zh-TW" sz="4400" dirty="0" smtClean="0"/>
-              <a:t>GPS </a:t>
-            </a:r>
-            <a:r>
-              <a:rPr lang="zh-TW" altLang="en-US" sz="4400" dirty="0" smtClean="0"/>
-              <a:t>即時掌握您的運動時間、距離、和速度，並即時計算卡路里消耗量。</a:t>
-            </a:r>
-            <a:endParaRPr lang="en-US" altLang="zh-TW" sz="4400" dirty="0" smtClean="0"/>
-          </a:p>
-          <a:p>
-            <a:r>
-              <a:rPr lang="zh-TW" altLang="en-US" sz="4400" b="1" dirty="0" smtClean="0">
-                <a:ln w="10541" cmpd="sng">
-                  <a:solidFill>
-                    <a:schemeClr val="accent2">
-                      <a:lumMod val="50000"/>
-                    </a:schemeClr>
-                  </a:solidFill>
-                  <a:prstDash val="solid"/>
-                </a:ln>
-                <a:gradFill>
-                  <a:gsLst>
-                    <a:gs pos="0">
-                      <a:schemeClr val="accent2">
-                        <a:lumMod val="40000"/>
-                        <a:lumOff val="60000"/>
-                      </a:schemeClr>
-                    </a:gs>
-                    <a:gs pos="9000">
-                      <a:schemeClr val="accent2">
-                        <a:lumMod val="60000"/>
-                        <a:lumOff val="40000"/>
-                      </a:schemeClr>
-                    </a:gs>
-                    <a:gs pos="50000">
-                      <a:schemeClr val="accent2">
-                        <a:lumMod val="75000"/>
-                      </a:schemeClr>
-                    </a:gs>
-                    <a:gs pos="79000">
-                      <a:schemeClr val="accent2">
-                        <a:lumMod val="60000"/>
-                        <a:lumOff val="40000"/>
-                      </a:schemeClr>
-                    </a:gs>
-                    <a:gs pos="100000">
-                      <a:schemeClr val="accent2">
-                        <a:lumMod val="40000"/>
-                        <a:lumOff val="60000"/>
-                      </a:schemeClr>
-                    </a:gs>
-                  </a:gsLst>
-                  <a:lin ang="5400000"/>
-                </a:gradFill>
-              </a:rPr>
-              <a:t>＊</a:t>
-            </a:r>
-            <a:r>
-              <a:rPr lang="zh-TW" altLang="en-US" sz="4400" b="1" dirty="0" smtClean="0">
-                <a:ln w="10541" cmpd="sng">
-                  <a:solidFill>
-                    <a:schemeClr val="accent3">
-                      <a:lumMod val="50000"/>
-                    </a:schemeClr>
-                  </a:solidFill>
-                  <a:prstDash val="solid"/>
-                </a:ln>
-                <a:gradFill>
-                  <a:gsLst>
-                    <a:gs pos="0">
-                      <a:schemeClr val="accent3">
-                        <a:lumMod val="40000"/>
-                        <a:lumOff val="60000"/>
-                      </a:schemeClr>
-                    </a:gs>
-                    <a:gs pos="9000">
-                      <a:schemeClr val="accent3">
-                        <a:lumMod val="60000"/>
-                        <a:lumOff val="40000"/>
-                      </a:schemeClr>
-                    </a:gs>
-                    <a:gs pos="50000">
-                      <a:schemeClr val="accent3">
-                        <a:lumMod val="75000"/>
-                      </a:schemeClr>
-                    </a:gs>
-                    <a:gs pos="79000">
-                      <a:schemeClr val="accent3">
-                        <a:lumMod val="60000"/>
-                        <a:lumOff val="40000"/>
-                      </a:schemeClr>
-                    </a:gs>
-                    <a:gs pos="100000">
-                      <a:schemeClr val="accent3">
-                        <a:lumMod val="40000"/>
-                        <a:lumOff val="60000"/>
-                      </a:schemeClr>
-                    </a:gs>
-                  </a:gsLst>
-                  <a:lin ang="5400000"/>
-                </a:gradFill>
-              </a:rPr>
-              <a:t> </a:t>
-            </a:r>
-            <a:r>
-              <a:rPr lang="en-US" altLang="zh-TW" sz="4400" dirty="0" smtClean="0"/>
-              <a:t>Angry Runner </a:t>
-            </a:r>
-            <a:r>
-              <a:rPr lang="zh-TW" altLang="en-US" sz="4400" dirty="0" smtClean="0"/>
-              <a:t>會依您運動的速度自動調整音樂的音量，提醒您保持適當地運動速度。</a:t>
-            </a:r>
-            <a:endParaRPr lang="zh-TW" altLang="en-US" sz="4400" dirty="0"/>
-          </a:p>
-        </p:txBody>
-      </p:sp>
-      <p:grpSp>
-        <p:nvGrpSpPr>
-          <p:cNvPr id="50" name="群組 49"/>
-          <p:cNvGrpSpPr/>
-          <p:nvPr/>
-        </p:nvGrpSpPr>
-        <p:grpSpPr>
-          <a:xfrm>
-            <a:off x="10693400" y="22018601"/>
-            <a:ext cx="9540000" cy="6874914"/>
-            <a:chOff x="9973320" y="21836731"/>
-            <a:chExt cx="9361040" cy="6951744"/>
+            <a:off x="10910496" y="21980747"/>
+            <a:ext cx="9648000" cy="6730350"/>
+            <a:chOff x="9973320" y="21801069"/>
+            <a:chExt cx="9361040" cy="6987406"/>
           </a:xfrm>
         </p:grpSpPr>
         <p:pic>
           <p:nvPicPr>
-            <p:cNvPr id="44" name="Picture 4"/>
+            <p:cNvPr id="13" name="Picture 4"/>
             <p:cNvPicPr>
               <a:picLocks noChangeAspect="1" noChangeArrowheads="1"/>
             </p:cNvPicPr>
@@ -5162,8 +3839,8 @@
           </p:blipFill>
           <p:spPr bwMode="auto">
             <a:xfrm>
-              <a:off x="14653840" y="21999453"/>
-              <a:ext cx="4680000" cy="3509999"/>
+              <a:off x="14653840" y="21801069"/>
+              <a:ext cx="4680000" cy="3510000"/>
             </a:xfrm>
             <a:prstGeom prst="round2DiagRect">
               <a:avLst>
@@ -5197,18 +3874,18 @@
         </p:pic>
         <p:pic>
           <p:nvPicPr>
-            <p:cNvPr id="45" name="Picture 2"/>
+            <p:cNvPr id="19" name="Picture 2"/>
             <p:cNvPicPr>
               <a:picLocks noChangeAspect="1" noChangeArrowheads="1"/>
             </p:cNvPicPr>
             <p:nvPr/>
           </p:nvPicPr>
           <p:blipFill rotWithShape="1">
-            <a:blip r:embed="rId16" cstate="print">
+            <a:blip r:embed="rId13" cstate="print">
               <a:extLst>
                 <a:ext uri="{BEBA8EAE-BF5A-486C-A8C5-ECC9F3942E4B}">
                   <a14:imgProps xmlns:a14="http://schemas.microsoft.com/office/drawing/2010/main">
-                    <a14:imgLayer r:embed="rId17">
+                    <a14:imgLayer r:embed="rId14">
                       <a14:imgEffect>
                         <a14:sharpenSoften amount="50000"/>
                       </a14:imgEffect>
@@ -5260,7 +3937,7 @@
         </p:pic>
         <p:pic>
           <p:nvPicPr>
-            <p:cNvPr id="46" name="Picture 2" descr="C:\Users\user\Pictures\20111225\IMAG0038.jpg"/>
+            <p:cNvPr id="20" name="Picture 2" descr="C:\Users\user\Pictures\20111225\IMAG0038.jpg"/>
             <p:cNvPicPr>
               <a:picLocks noChangeAspect="1" noChangeArrowheads="1"/>
             </p:cNvPicPr>
@@ -5325,7 +4002,7 @@
         </p:pic>
         <p:pic>
           <p:nvPicPr>
-            <p:cNvPr id="47" name="Picture 2"/>
+            <p:cNvPr id="21" name="Picture 2"/>
             <p:cNvPicPr>
               <a:picLocks noChangeAspect="1" noChangeArrowheads="1"/>
             </p:cNvPicPr>
@@ -5389,14 +4066,14 @@
         </p:pic>
         <p:pic>
           <p:nvPicPr>
-            <p:cNvPr id="48" name="Picture 3" descr="C:\Users\user\Desktop\381494_2731353886098_1324771147_2916343_1850278505_n.jpg"/>
+            <p:cNvPr id="22" name="Picture 3" descr="C:\Users\user\Desktop\381494_2731353886098_1324771147_2916343_1850278505_n.jpg"/>
             <p:cNvPicPr>
               <a:picLocks noChangeAspect="1" noChangeArrowheads="1"/>
             </p:cNvPicPr>
             <p:nvPr/>
           </p:nvPicPr>
           <p:blipFill>
-            <a:blip r:embed="rId18" cstate="print">
+            <a:blip r:embed="rId15" cstate="print">
               <a:extLst>
                 <a:ext uri="{28A0092B-C50C-407E-A947-70E740481C1C}">
                   <a14:useLocalDpi xmlns:a14="http://schemas.microsoft.com/office/drawing/2010/main" val="0"/>
@@ -5445,14 +4122,14 @@
         </p:pic>
         <p:pic>
           <p:nvPicPr>
-            <p:cNvPr id="49" name="Picture 2" descr="C:\Users\user\Desktop\387544_2731363166330_1324771147_2916359_541190708_n.jpg"/>
+            <p:cNvPr id="23" name="Picture 2" descr="C:\Users\user\Desktop\387544_2731363166330_1324771147_2916359_541190708_n.jpg"/>
             <p:cNvPicPr>
               <a:picLocks noChangeAspect="1" noChangeArrowheads="1"/>
             </p:cNvPicPr>
             <p:nvPr/>
           </p:nvPicPr>
           <p:blipFill>
-            <a:blip r:embed="rId19" cstate="print">
+            <a:blip r:embed="rId16" cstate="print">
               <a:extLst>
                 <a:ext uri="{28A0092B-C50C-407E-A947-70E740481C1C}">
                   <a14:useLocalDpi xmlns:a14="http://schemas.microsoft.com/office/drawing/2010/main" val="0"/>
@@ -5494,21 +4171,21 @@
       </p:grpSp>
       <p:grpSp>
         <p:nvGrpSpPr>
-          <p:cNvPr id="54" name="群組 53"/>
+          <p:cNvPr id="24" name="群組 23"/>
           <p:cNvGrpSpPr/>
           <p:nvPr/>
         </p:nvGrpSpPr>
         <p:grpSpPr>
           <a:xfrm>
-            <a:off x="1224602" y="21952344"/>
-            <a:ext cx="8929500" cy="3124747"/>
+            <a:off x="828304" y="21952344"/>
+            <a:ext cx="9505086" cy="3124747"/>
             <a:chOff x="1332360" y="23580284"/>
             <a:chExt cx="8929500" cy="3124747"/>
           </a:xfrm>
         </p:grpSpPr>
         <p:sp>
           <p:nvSpPr>
-            <p:cNvPr id="52" name="圓角矩形 51"/>
+            <p:cNvPr id="25" name="圓角矩形 24"/>
             <p:cNvSpPr/>
             <p:nvPr/>
           </p:nvSpPr>
@@ -5556,13 +4233,13 @@
         </p:sp>
         <p:sp>
           <p:nvSpPr>
-            <p:cNvPr id="53" name="文字方塊 52"/>
+            <p:cNvPr id="26" name="文字方塊 25"/>
             <p:cNvSpPr txBox="1"/>
             <p:nvPr/>
           </p:nvSpPr>
           <p:spPr>
             <a:xfrm>
-              <a:off x="1476376" y="23780947"/>
+              <a:off x="1535303" y="23752703"/>
               <a:ext cx="8711435" cy="2800767"/>
             </a:xfrm>
             <a:prstGeom prst="rect">
@@ -5589,9 +4266,1285 @@
           </p:txBody>
         </p:sp>
       </p:grpSp>
+      <p:grpSp>
+        <p:nvGrpSpPr>
+          <p:cNvPr id="28" name="群組 27"/>
+          <p:cNvGrpSpPr/>
+          <p:nvPr/>
+        </p:nvGrpSpPr>
+        <p:grpSpPr>
+          <a:xfrm>
+            <a:off x="865848" y="13195771"/>
+            <a:ext cx="13896000" cy="8568952"/>
+            <a:chOff x="1260352" y="13123763"/>
+            <a:chExt cx="13249472" cy="8568952"/>
+          </a:xfrm>
+        </p:grpSpPr>
+        <p:sp>
+          <p:nvSpPr>
+            <p:cNvPr id="29" name="圓角矩形 28"/>
+            <p:cNvSpPr/>
+            <p:nvPr/>
+          </p:nvSpPr>
+          <p:spPr>
+            <a:xfrm>
+              <a:off x="1260352" y="19244443"/>
+              <a:ext cx="8640960" cy="2448272"/>
+            </a:xfrm>
+            <a:prstGeom prst="roundRect">
+              <a:avLst>
+                <a:gd name="adj" fmla="val 18001"/>
+              </a:avLst>
+            </a:prstGeom>
+            <a:noFill/>
+            <a:ln w="38100"/>
+          </p:spPr>
+          <p:style>
+            <a:lnRef idx="2">
+              <a:schemeClr val="accent4"/>
+            </a:lnRef>
+            <a:fillRef idx="1">
+              <a:schemeClr val="lt1"/>
+            </a:fillRef>
+            <a:effectRef idx="0">
+              <a:schemeClr val="accent4"/>
+            </a:effectRef>
+            <a:fontRef idx="minor">
+              <a:schemeClr val="dk1"/>
+            </a:fontRef>
+          </p:style>
+          <p:txBody>
+            <a:bodyPr rtlCol="0" anchor="ctr"/>
+            <a:lstStyle/>
+            <a:p>
+              <a:pPr algn="ctr"/>
+              <a:endParaRPr lang="zh-TW" altLang="en-US"/>
+            </a:p>
+          </p:txBody>
+        </p:sp>
+        <p:sp>
+          <p:nvSpPr>
+            <p:cNvPr id="30" name="圓角矩形 29"/>
+            <p:cNvSpPr/>
+            <p:nvPr/>
+          </p:nvSpPr>
+          <p:spPr>
+            <a:xfrm>
+              <a:off x="8821192" y="13123763"/>
+              <a:ext cx="5688632" cy="8568952"/>
+            </a:xfrm>
+            <a:prstGeom prst="roundRect">
+              <a:avLst>
+                <a:gd name="adj" fmla="val 7588"/>
+              </a:avLst>
+            </a:prstGeom>
+            <a:noFill/>
+            <a:ln w="38100"/>
+          </p:spPr>
+          <p:style>
+            <a:lnRef idx="2">
+              <a:schemeClr val="accent4"/>
+            </a:lnRef>
+            <a:fillRef idx="1">
+              <a:schemeClr val="lt1"/>
+            </a:fillRef>
+            <a:effectRef idx="0">
+              <a:schemeClr val="accent4"/>
+            </a:effectRef>
+            <a:fontRef idx="minor">
+              <a:schemeClr val="dk1"/>
+            </a:fontRef>
+          </p:style>
+          <p:txBody>
+            <a:bodyPr rtlCol="0" anchor="ctr"/>
+            <a:lstStyle/>
+            <a:p>
+              <a:pPr algn="ctr"/>
+              <a:endParaRPr lang="zh-TW" altLang="en-US"/>
+            </a:p>
+          </p:txBody>
+        </p:sp>
+        <p:sp>
+          <p:nvSpPr>
+            <p:cNvPr id="31" name="矩形 30"/>
+            <p:cNvSpPr/>
+            <p:nvPr/>
+          </p:nvSpPr>
+          <p:spPr>
+            <a:xfrm>
+              <a:off x="8361961" y="18794465"/>
+              <a:ext cx="2016224" cy="2880320"/>
+            </a:xfrm>
+            <a:prstGeom prst="rect">
+              <a:avLst/>
+            </a:prstGeom>
+            <a:solidFill>
+              <a:schemeClr val="bg1"/>
+            </a:solidFill>
+            <a:ln>
+              <a:noFill/>
+            </a:ln>
+          </p:spPr>
+          <p:style>
+            <a:lnRef idx="2">
+              <a:schemeClr val="accent1">
+                <a:shade val="50000"/>
+              </a:schemeClr>
+            </a:lnRef>
+            <a:fillRef idx="1">
+              <a:schemeClr val="accent1"/>
+            </a:fillRef>
+            <a:effectRef idx="0">
+              <a:schemeClr val="accent1"/>
+            </a:effectRef>
+            <a:fontRef idx="minor">
+              <a:schemeClr val="lt1"/>
+            </a:fontRef>
+          </p:style>
+          <p:txBody>
+            <a:bodyPr rtlCol="0" anchor="ctr"/>
+            <a:lstStyle/>
+            <a:p>
+              <a:pPr algn="ctr"/>
+              <a:endParaRPr lang="en-US"/>
+            </a:p>
+          </p:txBody>
+        </p:sp>
+        <p:sp>
+          <p:nvSpPr>
+            <p:cNvPr id="32" name="弧形 31"/>
+            <p:cNvSpPr/>
+            <p:nvPr/>
+          </p:nvSpPr>
+          <p:spPr>
+            <a:xfrm flipV="1">
+              <a:off x="7885088" y="18308339"/>
+              <a:ext cx="936000" cy="936000"/>
+            </a:xfrm>
+            <a:prstGeom prst="arc">
+              <a:avLst/>
+            </a:prstGeom>
+            <a:ln w="38100">
+              <a:solidFill>
+                <a:schemeClr val="accent4"/>
+              </a:solidFill>
+            </a:ln>
+          </p:spPr>
+          <p:style>
+            <a:lnRef idx="1">
+              <a:schemeClr val="accent1"/>
+            </a:lnRef>
+            <a:fillRef idx="0">
+              <a:schemeClr val="accent1"/>
+            </a:fillRef>
+            <a:effectRef idx="0">
+              <a:schemeClr val="accent1"/>
+            </a:effectRef>
+            <a:fontRef idx="minor">
+              <a:schemeClr val="tx1"/>
+            </a:fontRef>
+          </p:style>
+          <p:txBody>
+            <a:bodyPr rtlCol="0" anchor="ctr"/>
+            <a:lstStyle/>
+            <a:p>
+              <a:pPr algn="ctr"/>
+              <a:endParaRPr lang="en-US"/>
+            </a:p>
+          </p:txBody>
+        </p:sp>
+      </p:grpSp>
+      <p:grpSp>
+        <p:nvGrpSpPr>
+          <p:cNvPr id="33" name="群組 32"/>
+          <p:cNvGrpSpPr/>
+          <p:nvPr/>
+        </p:nvGrpSpPr>
+        <p:grpSpPr>
+          <a:xfrm>
+            <a:off x="828304" y="10387459"/>
+            <a:ext cx="13860000" cy="8712968"/>
+            <a:chOff x="1260352" y="10243443"/>
+            <a:chExt cx="13249472" cy="8712968"/>
+          </a:xfrm>
+        </p:grpSpPr>
+        <p:sp>
+          <p:nvSpPr>
+            <p:cNvPr id="34" name="圓角矩形 33"/>
+            <p:cNvSpPr/>
+            <p:nvPr/>
+          </p:nvSpPr>
+          <p:spPr>
+            <a:xfrm>
+              <a:off x="4788744" y="10243443"/>
+              <a:ext cx="9721080" cy="2448272"/>
+            </a:xfrm>
+            <a:prstGeom prst="roundRect">
+              <a:avLst>
+                <a:gd name="adj" fmla="val 13325"/>
+              </a:avLst>
+            </a:prstGeom>
+            <a:noFill/>
+            <a:ln w="38100"/>
+          </p:spPr>
+          <p:style>
+            <a:lnRef idx="2">
+              <a:schemeClr val="accent3"/>
+            </a:lnRef>
+            <a:fillRef idx="1">
+              <a:schemeClr val="lt1"/>
+            </a:fillRef>
+            <a:effectRef idx="0">
+              <a:schemeClr val="accent3"/>
+            </a:effectRef>
+            <a:fontRef idx="minor">
+              <a:schemeClr val="dk1"/>
+            </a:fontRef>
+          </p:style>
+          <p:txBody>
+            <a:bodyPr rtlCol="0" anchor="ctr"/>
+            <a:lstStyle/>
+            <a:p>
+              <a:pPr algn="ctr"/>
+              <a:endParaRPr lang="zh-TW" altLang="en-US"/>
+            </a:p>
+          </p:txBody>
+        </p:sp>
+        <p:sp>
+          <p:nvSpPr>
+            <p:cNvPr id="35" name="圓角矩形 34"/>
+            <p:cNvSpPr/>
+            <p:nvPr/>
+          </p:nvSpPr>
+          <p:spPr>
+            <a:xfrm>
+              <a:off x="1260352" y="10243443"/>
+              <a:ext cx="5400600" cy="8712968"/>
+            </a:xfrm>
+            <a:prstGeom prst="roundRect">
+              <a:avLst>
+                <a:gd name="adj" fmla="val 10545"/>
+              </a:avLst>
+            </a:prstGeom>
+            <a:noFill/>
+            <a:ln w="38100"/>
+          </p:spPr>
+          <p:style>
+            <a:lnRef idx="2">
+              <a:schemeClr val="accent3"/>
+            </a:lnRef>
+            <a:fillRef idx="1">
+              <a:schemeClr val="lt1"/>
+            </a:fillRef>
+            <a:effectRef idx="0">
+              <a:schemeClr val="accent3"/>
+            </a:effectRef>
+            <a:fontRef idx="minor">
+              <a:schemeClr val="dk1"/>
+            </a:fontRef>
+          </p:style>
+          <p:txBody>
+            <a:bodyPr rtlCol="0" anchor="ctr"/>
+            <a:lstStyle/>
+            <a:p>
+              <a:pPr algn="ctr"/>
+              <a:endParaRPr lang="zh-TW" altLang="en-US"/>
+            </a:p>
+          </p:txBody>
+        </p:sp>
+        <p:sp>
+          <p:nvSpPr>
+            <p:cNvPr id="36" name="矩形 35"/>
+            <p:cNvSpPr/>
+            <p:nvPr/>
+          </p:nvSpPr>
+          <p:spPr>
+            <a:xfrm>
+              <a:off x="4500712" y="10255457"/>
+              <a:ext cx="2592288" cy="2921264"/>
+            </a:xfrm>
+            <a:prstGeom prst="rect">
+              <a:avLst/>
+            </a:prstGeom>
+            <a:ln>
+              <a:noFill/>
+            </a:ln>
+          </p:spPr>
+          <p:style>
+            <a:lnRef idx="2">
+              <a:schemeClr val="accent6"/>
+            </a:lnRef>
+            <a:fillRef idx="1">
+              <a:schemeClr val="lt1"/>
+            </a:fillRef>
+            <a:effectRef idx="0">
+              <a:schemeClr val="accent6"/>
+            </a:effectRef>
+            <a:fontRef idx="minor">
+              <a:schemeClr val="dk1"/>
+            </a:fontRef>
+          </p:style>
+          <p:txBody>
+            <a:bodyPr rtlCol="0" anchor="ctr"/>
+            <a:lstStyle/>
+            <a:p>
+              <a:pPr algn="ctr"/>
+              <a:endParaRPr lang="en-US"/>
+            </a:p>
+          </p:txBody>
+        </p:sp>
+        <p:sp>
+          <p:nvSpPr>
+            <p:cNvPr id="37" name="弧形 36"/>
+            <p:cNvSpPr/>
+            <p:nvPr/>
+          </p:nvSpPr>
+          <p:spPr>
+            <a:xfrm>
+              <a:off x="6660952" y="12691715"/>
+              <a:ext cx="972000" cy="972000"/>
+            </a:xfrm>
+            <a:prstGeom prst="arc">
+              <a:avLst>
+                <a:gd name="adj1" fmla="val 10636279"/>
+                <a:gd name="adj2" fmla="val 16262060"/>
+              </a:avLst>
+            </a:prstGeom>
+            <a:ln w="38100">
+              <a:solidFill>
+                <a:schemeClr val="accent3"/>
+              </a:solidFill>
+            </a:ln>
+          </p:spPr>
+          <p:style>
+            <a:lnRef idx="1">
+              <a:schemeClr val="accent1"/>
+            </a:lnRef>
+            <a:fillRef idx="0">
+              <a:schemeClr val="accent1"/>
+            </a:fillRef>
+            <a:effectRef idx="0">
+              <a:schemeClr val="accent1"/>
+            </a:effectRef>
+            <a:fontRef idx="minor">
+              <a:schemeClr val="tx1"/>
+            </a:fontRef>
+          </p:style>
+          <p:txBody>
+            <a:bodyPr rtlCol="0" anchor="ctr"/>
+            <a:lstStyle/>
+            <a:p>
+              <a:pPr algn="ctr"/>
+              <a:endParaRPr lang="en-US"/>
+            </a:p>
+          </p:txBody>
+        </p:sp>
+      </p:grpSp>
       <p:pic>
         <p:nvPicPr>
-          <p:cNvPr id="1027" name="Picture 3" descr="C:\Users\user\Desktop\AR-33.png"/>
+          <p:cNvPr id="38" name="Picture 4" descr="C:\Documents and Settings\user\桌面\MobileProgramming\project\screenshot\device-2011-12-22-145919_gmap.png"/>
+          <p:cNvPicPr>
+            <a:picLocks noChangeAspect="1" noChangeArrowheads="1"/>
+          </p:cNvPicPr>
+          <p:nvPr/>
+        </p:nvPicPr>
+        <p:blipFill>
+          <a:blip r:embed="rId17" cstate="print"/>
+          <a:stretch>
+            <a:fillRect/>
+          </a:stretch>
+        </p:blipFill>
+        <p:spPr bwMode="auto">
+          <a:xfrm>
+            <a:off x="9505776" y="13627819"/>
+            <a:ext cx="4572000" cy="7620000"/>
+          </a:xfrm>
+          <a:prstGeom prst="rect">
+            <a:avLst/>
+          </a:prstGeom>
+          <a:noFill/>
+          <a:ln w="38100">
+            <a:solidFill>
+              <a:schemeClr val="accent4">
+                <a:lumMod val="60000"/>
+                <a:lumOff val="40000"/>
+              </a:schemeClr>
+            </a:solidFill>
+          </a:ln>
+        </p:spPr>
+      </p:pic>
+      <p:pic>
+        <p:nvPicPr>
+          <p:cNvPr id="39" name="Picture 4" descr="C:\Documents and Settings\user\桌面\MobileProgramming\project\screenshot\device-2011-12-22-145919_gmap.png"/>
+          <p:cNvPicPr>
+            <a:picLocks noChangeAspect="1" noChangeArrowheads="1"/>
+          </p:cNvPicPr>
+          <p:nvPr/>
+        </p:nvPicPr>
+        <p:blipFill>
+          <a:blip r:embed="rId18" cstate="print"/>
+          <a:stretch>
+            <a:fillRect/>
+          </a:stretch>
+        </p:blipFill>
+        <p:spPr bwMode="auto">
+          <a:xfrm>
+            <a:off x="1332360" y="10976371"/>
+            <a:ext cx="4572000" cy="7620000"/>
+          </a:xfrm>
+          <a:prstGeom prst="rect">
+            <a:avLst/>
+          </a:prstGeom>
+          <a:noFill/>
+          <a:ln w="38100">
+            <a:solidFill>
+              <a:schemeClr val="accent3">
+                <a:lumMod val="60000"/>
+                <a:lumOff val="40000"/>
+              </a:schemeClr>
+            </a:solidFill>
+          </a:ln>
+        </p:spPr>
+      </p:pic>
+      <p:sp>
+        <p:nvSpPr>
+          <p:cNvPr id="40" name="文字方塊 39"/>
+          <p:cNvSpPr txBox="1"/>
+          <p:nvPr/>
+        </p:nvSpPr>
+        <p:spPr>
+          <a:xfrm>
+            <a:off x="15229904" y="16364123"/>
+            <a:ext cx="5256584" cy="4154984"/>
+          </a:xfrm>
+          <a:prstGeom prst="rect">
+            <a:avLst/>
+          </a:prstGeom>
+          <a:noFill/>
+        </p:spPr>
+        <p:txBody>
+          <a:bodyPr wrap="square" rtlCol="0">
+            <a:spAutoFit/>
+          </a:bodyPr>
+          <a:lstStyle/>
+          <a:p>
+            <a:r>
+              <a:rPr lang="zh-TW" altLang="en-US" sz="4400" b="1" dirty="0" smtClean="0">
+                <a:ln w="10541" cmpd="sng">
+                  <a:solidFill>
+                    <a:schemeClr val="accent1">
+                      <a:shade val="88000"/>
+                      <a:satMod val="110000"/>
+                    </a:schemeClr>
+                  </a:solidFill>
+                  <a:prstDash val="solid"/>
+                </a:ln>
+                <a:gradFill>
+                  <a:gsLst>
+                    <a:gs pos="0">
+                      <a:schemeClr val="accent1">
+                        <a:tint val="40000"/>
+                        <a:satMod val="250000"/>
+                      </a:schemeClr>
+                    </a:gs>
+                    <a:gs pos="9000">
+                      <a:schemeClr val="accent1">
+                        <a:tint val="52000"/>
+                        <a:satMod val="300000"/>
+                      </a:schemeClr>
+                    </a:gs>
+                    <a:gs pos="50000">
+                      <a:schemeClr val="accent1">
+                        <a:shade val="20000"/>
+                        <a:satMod val="300000"/>
+                      </a:schemeClr>
+                    </a:gs>
+                    <a:gs pos="79000">
+                      <a:schemeClr val="accent1">
+                        <a:tint val="52000"/>
+                        <a:satMod val="300000"/>
+                      </a:schemeClr>
+                    </a:gs>
+                    <a:gs pos="100000">
+                      <a:schemeClr val="accent1">
+                        <a:tint val="40000"/>
+                        <a:satMod val="250000"/>
+                      </a:schemeClr>
+                    </a:gs>
+                  </a:gsLst>
+                  <a:lin ang="5400000"/>
+                </a:gradFill>
+              </a:rPr>
+              <a:t>＊</a:t>
+            </a:r>
+            <a:r>
+              <a:rPr lang="zh-TW" altLang="en-US" sz="4400" b="1" dirty="0" smtClean="0">
+                <a:ln w="10541" cmpd="sng">
+                  <a:solidFill>
+                    <a:schemeClr val="accent3">
+                      <a:lumMod val="50000"/>
+                    </a:schemeClr>
+                  </a:solidFill>
+                  <a:prstDash val="solid"/>
+                </a:ln>
+                <a:gradFill>
+                  <a:gsLst>
+                    <a:gs pos="0">
+                      <a:schemeClr val="accent3">
+                        <a:lumMod val="40000"/>
+                        <a:lumOff val="60000"/>
+                      </a:schemeClr>
+                    </a:gs>
+                    <a:gs pos="9000">
+                      <a:schemeClr val="accent3">
+                        <a:lumMod val="60000"/>
+                        <a:lumOff val="40000"/>
+                      </a:schemeClr>
+                    </a:gs>
+                    <a:gs pos="50000">
+                      <a:schemeClr val="accent3">
+                        <a:lumMod val="75000"/>
+                      </a:schemeClr>
+                    </a:gs>
+                    <a:gs pos="79000">
+                      <a:schemeClr val="accent3">
+                        <a:lumMod val="60000"/>
+                        <a:lumOff val="40000"/>
+                      </a:schemeClr>
+                    </a:gs>
+                    <a:gs pos="100000">
+                      <a:schemeClr val="accent3">
+                        <a:lumMod val="40000"/>
+                        <a:lumOff val="60000"/>
+                      </a:schemeClr>
+                    </a:gs>
+                  </a:gsLst>
+                  <a:lin ang="5400000"/>
+                </a:gradFill>
+              </a:rPr>
+              <a:t> </a:t>
+            </a:r>
+            <a:r>
+              <a:rPr lang="en-US" altLang="zh-TW" sz="4400" dirty="0" smtClean="0"/>
+              <a:t>Angry Runner </a:t>
+            </a:r>
+            <a:r>
+              <a:rPr lang="zh-TW" altLang="en-US" sz="4400" dirty="0" smtClean="0"/>
+              <a:t>會在您開始運動時自動播放音樂。</a:t>
+            </a:r>
+            <a:endParaRPr lang="en-US" altLang="zh-TW" sz="4400" dirty="0" smtClean="0"/>
+          </a:p>
+          <a:p>
+            <a:r>
+              <a:rPr lang="zh-TW" altLang="en-US" sz="4400" b="1" dirty="0" smtClean="0">
+                <a:ln w="10541" cmpd="sng">
+                  <a:solidFill>
+                    <a:schemeClr val="accent1">
+                      <a:shade val="88000"/>
+                      <a:satMod val="110000"/>
+                    </a:schemeClr>
+                  </a:solidFill>
+                  <a:prstDash val="solid"/>
+                </a:ln>
+                <a:gradFill>
+                  <a:gsLst>
+                    <a:gs pos="0">
+                      <a:schemeClr val="accent1">
+                        <a:tint val="40000"/>
+                        <a:satMod val="250000"/>
+                      </a:schemeClr>
+                    </a:gs>
+                    <a:gs pos="9000">
+                      <a:schemeClr val="accent1">
+                        <a:tint val="52000"/>
+                        <a:satMod val="300000"/>
+                      </a:schemeClr>
+                    </a:gs>
+                    <a:gs pos="50000">
+                      <a:schemeClr val="accent1">
+                        <a:shade val="20000"/>
+                        <a:satMod val="300000"/>
+                      </a:schemeClr>
+                    </a:gs>
+                    <a:gs pos="79000">
+                      <a:schemeClr val="accent1">
+                        <a:tint val="52000"/>
+                        <a:satMod val="300000"/>
+                      </a:schemeClr>
+                    </a:gs>
+                    <a:gs pos="100000">
+                      <a:schemeClr val="accent1">
+                        <a:tint val="40000"/>
+                        <a:satMod val="250000"/>
+                      </a:schemeClr>
+                    </a:gs>
+                  </a:gsLst>
+                  <a:lin ang="5400000"/>
+                </a:gradFill>
+              </a:rPr>
+              <a:t>＊</a:t>
+            </a:r>
+            <a:r>
+              <a:rPr lang="zh-TW" altLang="en-US" sz="4400" dirty="0" smtClean="0"/>
+              <a:t> </a:t>
+            </a:r>
+            <a:r>
+              <a:rPr lang="en-US" altLang="zh-TW" sz="4400" dirty="0" smtClean="0"/>
+              <a:t>Angry Runner </a:t>
+            </a:r>
+            <a:r>
+              <a:rPr lang="zh-TW" altLang="en-US" sz="4400" dirty="0" smtClean="0"/>
+              <a:t>會將您的運動路徑即時顯示在地圖上。</a:t>
+            </a:r>
+            <a:endParaRPr lang="zh-TW" altLang="en-US" sz="4400" dirty="0"/>
+          </a:p>
+        </p:txBody>
+      </p:sp>
+      <p:sp>
+        <p:nvSpPr>
+          <p:cNvPr id="41" name="圓角矩形 40"/>
+          <p:cNvSpPr/>
+          <p:nvPr/>
+        </p:nvSpPr>
+        <p:spPr>
+          <a:xfrm>
+            <a:off x="15050512" y="15932075"/>
+            <a:ext cx="5616000" cy="4968552"/>
+          </a:xfrm>
+          <a:prstGeom prst="roundRect">
+            <a:avLst>
+              <a:gd name="adj" fmla="val 6479"/>
+            </a:avLst>
+          </a:prstGeom>
+          <a:noFill/>
+          <a:ln w="38100"/>
+        </p:spPr>
+        <p:style>
+          <a:lnRef idx="2">
+            <a:schemeClr val="accent1">
+              <a:shade val="50000"/>
+            </a:schemeClr>
+          </a:lnRef>
+          <a:fillRef idx="1">
+            <a:schemeClr val="accent1"/>
+          </a:fillRef>
+          <a:effectRef idx="0">
+            <a:schemeClr val="accent1"/>
+          </a:effectRef>
+          <a:fontRef idx="minor">
+            <a:schemeClr val="lt1"/>
+          </a:fontRef>
+        </p:style>
+        <p:txBody>
+          <a:bodyPr rtlCol="0" anchor="ctr"/>
+          <a:lstStyle/>
+          <a:p>
+            <a:pPr algn="ctr"/>
+            <a:endParaRPr lang="zh-TW" altLang="en-US"/>
+          </a:p>
+        </p:txBody>
+      </p:sp>
+      <p:sp>
+        <p:nvSpPr>
+          <p:cNvPr id="42" name="文字方塊 41"/>
+          <p:cNvSpPr txBox="1"/>
+          <p:nvPr/>
+        </p:nvSpPr>
+        <p:spPr>
+          <a:xfrm>
+            <a:off x="6876976" y="10387459"/>
+            <a:ext cx="7560840" cy="2123658"/>
+          </a:xfrm>
+          <a:prstGeom prst="rect">
+            <a:avLst/>
+          </a:prstGeom>
+          <a:noFill/>
+        </p:spPr>
+        <p:txBody>
+          <a:bodyPr wrap="square" rtlCol="0">
+            <a:spAutoFit/>
+          </a:bodyPr>
+          <a:lstStyle/>
+          <a:p>
+            <a:r>
+              <a:rPr lang="zh-TW" altLang="en-US" sz="4400" b="1" dirty="0" smtClean="0">
+                <a:ln w="10541" cmpd="sng">
+                  <a:solidFill>
+                    <a:schemeClr val="accent3">
+                      <a:lumMod val="50000"/>
+                    </a:schemeClr>
+                  </a:solidFill>
+                  <a:prstDash val="solid"/>
+                </a:ln>
+                <a:gradFill>
+                  <a:gsLst>
+                    <a:gs pos="0">
+                      <a:schemeClr val="accent3">
+                        <a:lumMod val="40000"/>
+                        <a:lumOff val="60000"/>
+                      </a:schemeClr>
+                    </a:gs>
+                    <a:gs pos="9000">
+                      <a:schemeClr val="accent3">
+                        <a:lumMod val="60000"/>
+                        <a:lumOff val="40000"/>
+                      </a:schemeClr>
+                    </a:gs>
+                    <a:gs pos="50000">
+                      <a:schemeClr val="accent3">
+                        <a:lumMod val="75000"/>
+                      </a:schemeClr>
+                    </a:gs>
+                    <a:gs pos="79000">
+                      <a:schemeClr val="accent3">
+                        <a:lumMod val="60000"/>
+                        <a:lumOff val="40000"/>
+                      </a:schemeClr>
+                    </a:gs>
+                    <a:gs pos="100000">
+                      <a:schemeClr val="accent3">
+                        <a:lumMod val="40000"/>
+                        <a:lumOff val="60000"/>
+                      </a:schemeClr>
+                    </a:gs>
+                  </a:gsLst>
+                  <a:lin ang="5400000"/>
+                </a:gradFill>
+              </a:rPr>
+              <a:t>＊</a:t>
+            </a:r>
+            <a:r>
+              <a:rPr lang="zh-TW" altLang="en-US" sz="4400" dirty="0" smtClean="0"/>
+              <a:t>您可以在 </a:t>
+            </a:r>
+            <a:r>
+              <a:rPr lang="en-US" altLang="zh-TW" sz="4400" dirty="0" smtClean="0"/>
+              <a:t>Angry Runner </a:t>
+            </a:r>
+            <a:r>
+              <a:rPr lang="zh-TW" altLang="en-US" sz="4400" dirty="0" smtClean="0"/>
+              <a:t>指定運動時播放的音樂清單，或建立新的音樂清單。</a:t>
+            </a:r>
+            <a:endParaRPr lang="en-US" altLang="zh-TW" sz="4400" dirty="0" smtClean="0"/>
+          </a:p>
+        </p:txBody>
+      </p:sp>
+      <p:sp>
+        <p:nvSpPr>
+          <p:cNvPr id="43" name="文字方塊 42"/>
+          <p:cNvSpPr txBox="1"/>
+          <p:nvPr/>
+        </p:nvSpPr>
+        <p:spPr>
+          <a:xfrm>
+            <a:off x="1105777" y="19388459"/>
+            <a:ext cx="6347263" cy="2123658"/>
+          </a:xfrm>
+          <a:prstGeom prst="rect">
+            <a:avLst/>
+          </a:prstGeom>
+          <a:noFill/>
+        </p:spPr>
+        <p:txBody>
+          <a:bodyPr wrap="square" rtlCol="0">
+            <a:spAutoFit/>
+          </a:bodyPr>
+          <a:lstStyle/>
+          <a:p>
+            <a:r>
+              <a:rPr lang="zh-TW" altLang="en-US" sz="4400" b="1" dirty="0" smtClean="0">
+                <a:ln w="10541" cmpd="sng">
+                  <a:solidFill>
+                    <a:schemeClr val="accent4">
+                      <a:lumMod val="50000"/>
+                    </a:schemeClr>
+                  </a:solidFill>
+                  <a:prstDash val="solid"/>
+                </a:ln>
+                <a:gradFill>
+                  <a:gsLst>
+                    <a:gs pos="0">
+                      <a:schemeClr val="accent4">
+                        <a:lumMod val="40000"/>
+                        <a:lumOff val="60000"/>
+                      </a:schemeClr>
+                    </a:gs>
+                    <a:gs pos="9000">
+                      <a:schemeClr val="accent4">
+                        <a:lumMod val="60000"/>
+                        <a:lumOff val="40000"/>
+                      </a:schemeClr>
+                    </a:gs>
+                    <a:gs pos="50000">
+                      <a:schemeClr val="accent4">
+                        <a:lumMod val="75000"/>
+                      </a:schemeClr>
+                    </a:gs>
+                    <a:gs pos="79000">
+                      <a:schemeClr val="accent4">
+                        <a:lumMod val="60000"/>
+                        <a:lumOff val="40000"/>
+                      </a:schemeClr>
+                    </a:gs>
+                    <a:gs pos="100000">
+                      <a:schemeClr val="accent4">
+                        <a:lumMod val="40000"/>
+                        <a:lumOff val="60000"/>
+                      </a:schemeClr>
+                    </a:gs>
+                  </a:gsLst>
+                  <a:lin ang="5400000"/>
+                </a:gradFill>
+              </a:rPr>
+              <a:t>＊</a:t>
+            </a:r>
+            <a:r>
+              <a:rPr lang="zh-TW" altLang="en-US" sz="4400" dirty="0" smtClean="0"/>
+              <a:t> </a:t>
+            </a:r>
+            <a:r>
+              <a:rPr lang="en-US" altLang="zh-TW" sz="4400" dirty="0" smtClean="0"/>
+              <a:t>Angry Runner </a:t>
+            </a:r>
+            <a:r>
+              <a:rPr lang="zh-TW" altLang="en-US" sz="4400" dirty="0" smtClean="0"/>
+              <a:t>可以保存您的運動記錄，包括日期、運動時間、距離及速度。</a:t>
+            </a:r>
+            <a:endParaRPr lang="zh-TW" altLang="en-US" sz="4400" dirty="0"/>
+          </a:p>
+        </p:txBody>
+      </p:sp>
+      <p:grpSp>
+        <p:nvGrpSpPr>
+          <p:cNvPr id="44" name="群組 43"/>
+          <p:cNvGrpSpPr/>
+          <p:nvPr/>
+        </p:nvGrpSpPr>
+        <p:grpSpPr>
+          <a:xfrm>
+            <a:off x="828304" y="7147098"/>
+            <a:ext cx="19872000" cy="8280921"/>
+            <a:chOff x="1260352" y="6859066"/>
+            <a:chExt cx="19226136" cy="8280921"/>
+          </a:xfrm>
+        </p:grpSpPr>
+        <p:sp>
+          <p:nvSpPr>
+            <p:cNvPr id="45" name="圓角矩形 44"/>
+            <p:cNvSpPr/>
+            <p:nvPr/>
+          </p:nvSpPr>
+          <p:spPr>
+            <a:xfrm>
+              <a:off x="14941872" y="6859066"/>
+              <a:ext cx="5544616" cy="8280921"/>
+            </a:xfrm>
+            <a:prstGeom prst="roundRect">
+              <a:avLst>
+                <a:gd name="adj" fmla="val 7628"/>
+              </a:avLst>
+            </a:prstGeom>
+            <a:noFill/>
+            <a:ln w="38100">
+              <a:solidFill>
+                <a:schemeClr val="accent2"/>
+              </a:solidFill>
+            </a:ln>
+          </p:spPr>
+          <p:style>
+            <a:lnRef idx="2">
+              <a:schemeClr val="accent1">
+                <a:shade val="50000"/>
+              </a:schemeClr>
+            </a:lnRef>
+            <a:fillRef idx="1">
+              <a:schemeClr val="accent1"/>
+            </a:fillRef>
+            <a:effectRef idx="0">
+              <a:schemeClr val="accent1"/>
+            </a:effectRef>
+            <a:fontRef idx="minor">
+              <a:schemeClr val="lt1"/>
+            </a:fontRef>
+          </p:style>
+          <p:txBody>
+            <a:bodyPr rtlCol="0" anchor="ctr"/>
+            <a:lstStyle/>
+            <a:p>
+              <a:pPr algn="ctr"/>
+              <a:endParaRPr lang="zh-TW" altLang="en-US"/>
+            </a:p>
+          </p:txBody>
+        </p:sp>
+        <p:sp>
+          <p:nvSpPr>
+            <p:cNvPr id="46" name="圓角矩形 45"/>
+            <p:cNvSpPr/>
+            <p:nvPr/>
+          </p:nvSpPr>
+          <p:spPr>
+            <a:xfrm>
+              <a:off x="1260352" y="6859067"/>
+              <a:ext cx="14761640" cy="3024336"/>
+            </a:xfrm>
+            <a:prstGeom prst="roundRect">
+              <a:avLst>
+                <a:gd name="adj" fmla="val 14039"/>
+              </a:avLst>
+            </a:prstGeom>
+            <a:noFill/>
+            <a:ln w="38100">
+              <a:solidFill>
+                <a:schemeClr val="accent2"/>
+              </a:solidFill>
+              <a:round/>
+            </a:ln>
+          </p:spPr>
+          <p:style>
+            <a:lnRef idx="2">
+              <a:schemeClr val="accent1">
+                <a:shade val="50000"/>
+              </a:schemeClr>
+            </a:lnRef>
+            <a:fillRef idx="1">
+              <a:schemeClr val="accent1"/>
+            </a:fillRef>
+            <a:effectRef idx="0">
+              <a:schemeClr val="accent1"/>
+            </a:effectRef>
+            <a:fontRef idx="minor">
+              <a:schemeClr val="lt1"/>
+            </a:fontRef>
+          </p:style>
+          <p:txBody>
+            <a:bodyPr rtlCol="0" anchor="ctr"/>
+            <a:lstStyle/>
+            <a:p>
+              <a:pPr algn="ctr"/>
+              <a:endParaRPr lang="zh-TW" altLang="en-US"/>
+            </a:p>
+          </p:txBody>
+        </p:sp>
+        <p:sp>
+          <p:nvSpPr>
+            <p:cNvPr id="47" name="矩形 46"/>
+            <p:cNvSpPr/>
+            <p:nvPr/>
+          </p:nvSpPr>
+          <p:spPr>
+            <a:xfrm>
+              <a:off x="14581832" y="6878117"/>
+              <a:ext cx="1440160" cy="3365326"/>
+            </a:xfrm>
+            <a:prstGeom prst="rect">
+              <a:avLst/>
+            </a:prstGeom>
+            <a:solidFill>
+              <a:schemeClr val="bg1"/>
+            </a:solidFill>
+            <a:ln>
+              <a:noFill/>
+            </a:ln>
+          </p:spPr>
+          <p:style>
+            <a:lnRef idx="2">
+              <a:schemeClr val="accent1">
+                <a:shade val="50000"/>
+              </a:schemeClr>
+            </a:lnRef>
+            <a:fillRef idx="1">
+              <a:schemeClr val="accent1"/>
+            </a:fillRef>
+            <a:effectRef idx="0">
+              <a:schemeClr val="accent1"/>
+            </a:effectRef>
+            <a:fontRef idx="minor">
+              <a:schemeClr val="lt1"/>
+            </a:fontRef>
+          </p:style>
+          <p:txBody>
+            <a:bodyPr rtlCol="0" anchor="ctr"/>
+            <a:lstStyle/>
+            <a:p>
+              <a:pPr algn="ctr"/>
+              <a:endParaRPr lang="en-US"/>
+            </a:p>
+          </p:txBody>
+        </p:sp>
+        <p:sp>
+          <p:nvSpPr>
+            <p:cNvPr id="48" name="弧形 47"/>
+            <p:cNvSpPr/>
+            <p:nvPr/>
+          </p:nvSpPr>
+          <p:spPr>
+            <a:xfrm>
+              <a:off x="14149784" y="9883403"/>
+              <a:ext cx="792000" cy="792000"/>
+            </a:xfrm>
+            <a:prstGeom prst="arc">
+              <a:avLst/>
+            </a:prstGeom>
+            <a:ln w="38100"/>
+          </p:spPr>
+          <p:style>
+            <a:lnRef idx="1">
+              <a:schemeClr val="accent2"/>
+            </a:lnRef>
+            <a:fillRef idx="0">
+              <a:schemeClr val="accent2"/>
+            </a:fillRef>
+            <a:effectRef idx="0">
+              <a:schemeClr val="accent2"/>
+            </a:effectRef>
+            <a:fontRef idx="minor">
+              <a:schemeClr val="tx1"/>
+            </a:fontRef>
+          </p:style>
+          <p:txBody>
+            <a:bodyPr rtlCol="0" anchor="ctr"/>
+            <a:lstStyle/>
+            <a:p>
+              <a:pPr algn="ctr"/>
+              <a:endParaRPr lang="en-US"/>
+            </a:p>
+          </p:txBody>
+        </p:sp>
+      </p:grpSp>
+      <p:pic>
+        <p:nvPicPr>
+          <p:cNvPr id="49" name="Picture 4" descr="C:\Documents and Settings\user\桌面\MobileProgramming\project\screenshot\device-2011-12-22-145919_gmap.png"/>
+          <p:cNvPicPr>
+            <a:picLocks noChangeAspect="1" noChangeArrowheads="1"/>
+          </p:cNvPicPr>
+          <p:nvPr/>
+        </p:nvPicPr>
+        <p:blipFill>
+          <a:blip r:embed="rId19" cstate="print"/>
+          <a:stretch>
+            <a:fillRect/>
+          </a:stretch>
+        </p:blipFill>
+        <p:spPr bwMode="auto">
+          <a:xfrm>
+            <a:off x="15589944" y="7507139"/>
+            <a:ext cx="4572000" cy="7620000"/>
+          </a:xfrm>
+          <a:prstGeom prst="rect">
+            <a:avLst/>
+          </a:prstGeom>
+          <a:noFill/>
+          <a:ln w="38100">
+            <a:solidFill>
+              <a:schemeClr val="accent2">
+                <a:lumMod val="60000"/>
+                <a:lumOff val="40000"/>
+              </a:schemeClr>
+            </a:solidFill>
+          </a:ln>
+        </p:spPr>
+      </p:pic>
+      <p:sp>
+        <p:nvSpPr>
+          <p:cNvPr id="50" name="文字方塊 49"/>
+          <p:cNvSpPr txBox="1"/>
+          <p:nvPr/>
+        </p:nvSpPr>
+        <p:spPr>
+          <a:xfrm>
+            <a:off x="1044328" y="7298660"/>
+            <a:ext cx="13321480" cy="2800767"/>
+          </a:xfrm>
+          <a:prstGeom prst="rect">
+            <a:avLst/>
+          </a:prstGeom>
+          <a:noFill/>
+        </p:spPr>
+        <p:txBody>
+          <a:bodyPr wrap="square" rtlCol="0">
+            <a:spAutoFit/>
+          </a:bodyPr>
+          <a:lstStyle/>
+          <a:p>
+            <a:r>
+              <a:rPr lang="zh-TW" altLang="en-US" sz="4400" b="1" dirty="0" smtClean="0">
+                <a:ln w="10541" cmpd="sng">
+                  <a:solidFill>
+                    <a:schemeClr val="accent2">
+                      <a:lumMod val="50000"/>
+                    </a:schemeClr>
+                  </a:solidFill>
+                  <a:prstDash val="solid"/>
+                </a:ln>
+                <a:gradFill>
+                  <a:gsLst>
+                    <a:gs pos="0">
+                      <a:schemeClr val="accent2">
+                        <a:lumMod val="40000"/>
+                        <a:lumOff val="60000"/>
+                      </a:schemeClr>
+                    </a:gs>
+                    <a:gs pos="9000">
+                      <a:schemeClr val="accent2">
+                        <a:lumMod val="60000"/>
+                        <a:lumOff val="40000"/>
+                      </a:schemeClr>
+                    </a:gs>
+                    <a:gs pos="50000">
+                      <a:schemeClr val="accent2">
+                        <a:lumMod val="75000"/>
+                      </a:schemeClr>
+                    </a:gs>
+                    <a:gs pos="79000">
+                      <a:schemeClr val="accent2">
+                        <a:lumMod val="60000"/>
+                        <a:lumOff val="40000"/>
+                      </a:schemeClr>
+                    </a:gs>
+                    <a:gs pos="100000">
+                      <a:schemeClr val="accent2">
+                        <a:lumMod val="40000"/>
+                        <a:lumOff val="60000"/>
+                      </a:schemeClr>
+                    </a:gs>
+                  </a:gsLst>
+                  <a:lin ang="5400000"/>
+                </a:gradFill>
+              </a:rPr>
+              <a:t>＊</a:t>
+            </a:r>
+            <a:r>
+              <a:rPr lang="zh-TW" altLang="en-US" sz="4400" dirty="0" smtClean="0"/>
+              <a:t> </a:t>
+            </a:r>
+            <a:r>
+              <a:rPr lang="en-US" altLang="zh-TW" sz="4400" dirty="0" smtClean="0"/>
+              <a:t>Angry Runner </a:t>
+            </a:r>
+            <a:r>
+              <a:rPr lang="zh-TW" altLang="en-US" sz="4400" dirty="0" smtClean="0"/>
+              <a:t>利用手機內建的 </a:t>
+            </a:r>
+            <a:r>
+              <a:rPr lang="en-US" altLang="zh-TW" sz="4400" dirty="0" smtClean="0"/>
+              <a:t>GPS </a:t>
+            </a:r>
+            <a:r>
+              <a:rPr lang="zh-TW" altLang="en-US" sz="4400" dirty="0" smtClean="0"/>
+              <a:t>即時掌握您的運動時間、距離、和速度，並即時計算卡路里消耗量。</a:t>
+            </a:r>
+            <a:endParaRPr lang="en-US" altLang="zh-TW" sz="4400" dirty="0" smtClean="0"/>
+          </a:p>
+          <a:p>
+            <a:r>
+              <a:rPr lang="zh-TW" altLang="en-US" sz="4400" b="1" dirty="0" smtClean="0">
+                <a:ln w="10541" cmpd="sng">
+                  <a:solidFill>
+                    <a:schemeClr val="accent2">
+                      <a:lumMod val="50000"/>
+                    </a:schemeClr>
+                  </a:solidFill>
+                  <a:prstDash val="solid"/>
+                </a:ln>
+                <a:gradFill>
+                  <a:gsLst>
+                    <a:gs pos="0">
+                      <a:schemeClr val="accent2">
+                        <a:lumMod val="40000"/>
+                        <a:lumOff val="60000"/>
+                      </a:schemeClr>
+                    </a:gs>
+                    <a:gs pos="9000">
+                      <a:schemeClr val="accent2">
+                        <a:lumMod val="60000"/>
+                        <a:lumOff val="40000"/>
+                      </a:schemeClr>
+                    </a:gs>
+                    <a:gs pos="50000">
+                      <a:schemeClr val="accent2">
+                        <a:lumMod val="75000"/>
+                      </a:schemeClr>
+                    </a:gs>
+                    <a:gs pos="79000">
+                      <a:schemeClr val="accent2">
+                        <a:lumMod val="60000"/>
+                        <a:lumOff val="40000"/>
+                      </a:schemeClr>
+                    </a:gs>
+                    <a:gs pos="100000">
+                      <a:schemeClr val="accent2">
+                        <a:lumMod val="40000"/>
+                        <a:lumOff val="60000"/>
+                      </a:schemeClr>
+                    </a:gs>
+                  </a:gsLst>
+                  <a:lin ang="5400000"/>
+                </a:gradFill>
+              </a:rPr>
+              <a:t>＊</a:t>
+            </a:r>
+            <a:r>
+              <a:rPr lang="zh-TW" altLang="en-US" sz="4400" b="1" dirty="0" smtClean="0">
+                <a:ln w="10541" cmpd="sng">
+                  <a:solidFill>
+                    <a:schemeClr val="accent3">
+                      <a:lumMod val="50000"/>
+                    </a:schemeClr>
+                  </a:solidFill>
+                  <a:prstDash val="solid"/>
+                </a:ln>
+                <a:gradFill>
+                  <a:gsLst>
+                    <a:gs pos="0">
+                      <a:schemeClr val="accent3">
+                        <a:lumMod val="40000"/>
+                        <a:lumOff val="60000"/>
+                      </a:schemeClr>
+                    </a:gs>
+                    <a:gs pos="9000">
+                      <a:schemeClr val="accent3">
+                        <a:lumMod val="60000"/>
+                        <a:lumOff val="40000"/>
+                      </a:schemeClr>
+                    </a:gs>
+                    <a:gs pos="50000">
+                      <a:schemeClr val="accent3">
+                        <a:lumMod val="75000"/>
+                      </a:schemeClr>
+                    </a:gs>
+                    <a:gs pos="79000">
+                      <a:schemeClr val="accent3">
+                        <a:lumMod val="60000"/>
+                        <a:lumOff val="40000"/>
+                      </a:schemeClr>
+                    </a:gs>
+                    <a:gs pos="100000">
+                      <a:schemeClr val="accent3">
+                        <a:lumMod val="40000"/>
+                        <a:lumOff val="60000"/>
+                      </a:schemeClr>
+                    </a:gs>
+                  </a:gsLst>
+                  <a:lin ang="5400000"/>
+                </a:gradFill>
+              </a:rPr>
+              <a:t> </a:t>
+            </a:r>
+            <a:r>
+              <a:rPr lang="en-US" altLang="zh-TW" sz="4400" dirty="0" smtClean="0"/>
+              <a:t>Angry Runner </a:t>
+            </a:r>
+            <a:r>
+              <a:rPr lang="zh-TW" altLang="en-US" sz="4400" dirty="0" smtClean="0"/>
+              <a:t>會依您運動的速度自動調整音樂的音量，提醒您保持適當地運動速度。</a:t>
+            </a:r>
+            <a:endParaRPr lang="zh-TW" altLang="en-US" sz="4400" dirty="0"/>
+          </a:p>
+        </p:txBody>
+      </p:sp>
+      <p:pic>
+        <p:nvPicPr>
+          <p:cNvPr id="51" name="Picture 3" descr="C:\Users\user\Desktop\AR-33.png"/>
           <p:cNvPicPr>
             <a:picLocks noChangeAspect="1" noChangeArrowheads="1"/>
           </p:cNvPicPr>
@@ -5612,8 +5565,8 @@
         </p:blipFill>
         <p:spPr bwMode="auto">
           <a:xfrm>
-            <a:off x="1355174" y="25005083"/>
-            <a:ext cx="9194210" cy="3960000"/>
+            <a:off x="901392" y="25005083"/>
+            <a:ext cx="9720000" cy="3756495"/>
           </a:xfrm>
           <a:prstGeom prst="rect">
             <a:avLst/>

--- a/poster.pptx
+++ b/poster.pptx
@@ -288,7 +288,8 @@
           <a:p>
             <a:fld id="{6824B76D-F948-4EDF-B5E4-A06A15984D1A}" type="datetimeFigureOut">
               <a:rPr lang="zh-TW" altLang="en-US" smtClean="0"/>
-              <a:t>2011/12/26</a:t>
+              <a:pPr/>
+              <a:t>2011/12/27</a:t>
             </a:fld>
             <a:endParaRPr lang="zh-TW" altLang="en-US"/>
           </a:p>
@@ -330,6 +331,7 @@
           <a:p>
             <a:fld id="{70BD87A7-25D8-437F-BC7D-E1FC764C4637}" type="slidenum">
               <a:rPr lang="zh-TW" altLang="en-US" smtClean="0"/>
+              <a:pPr/>
               <a:t>‹#›</a:t>
             </a:fld>
             <a:endParaRPr lang="zh-TW" altLang="en-US"/>
@@ -453,7 +455,8 @@
           <a:p>
             <a:fld id="{6824B76D-F948-4EDF-B5E4-A06A15984D1A}" type="datetimeFigureOut">
               <a:rPr lang="zh-TW" altLang="en-US" smtClean="0"/>
-              <a:t>2011/12/26</a:t>
+              <a:pPr/>
+              <a:t>2011/12/27</a:t>
             </a:fld>
             <a:endParaRPr lang="zh-TW" altLang="en-US"/>
           </a:p>
@@ -495,6 +498,7 @@
           <a:p>
             <a:fld id="{70BD87A7-25D8-437F-BC7D-E1FC764C4637}" type="slidenum">
               <a:rPr lang="zh-TW" altLang="en-US" smtClean="0"/>
+              <a:pPr/>
               <a:t>‹#›</a:t>
             </a:fld>
             <a:endParaRPr lang="zh-TW" altLang="en-US"/>
@@ -628,7 +632,8 @@
           <a:p>
             <a:fld id="{6824B76D-F948-4EDF-B5E4-A06A15984D1A}" type="datetimeFigureOut">
               <a:rPr lang="zh-TW" altLang="en-US" smtClean="0"/>
-              <a:t>2011/12/26</a:t>
+              <a:pPr/>
+              <a:t>2011/12/27</a:t>
             </a:fld>
             <a:endParaRPr lang="zh-TW" altLang="en-US"/>
           </a:p>
@@ -670,6 +675,7 @@
           <a:p>
             <a:fld id="{70BD87A7-25D8-437F-BC7D-E1FC764C4637}" type="slidenum">
               <a:rPr lang="zh-TW" altLang="en-US" smtClean="0"/>
+              <a:pPr/>
               <a:t>‹#›</a:t>
             </a:fld>
             <a:endParaRPr lang="zh-TW" altLang="en-US"/>
@@ -793,7 +799,8 @@
           <a:p>
             <a:fld id="{6824B76D-F948-4EDF-B5E4-A06A15984D1A}" type="datetimeFigureOut">
               <a:rPr lang="zh-TW" altLang="en-US" smtClean="0"/>
-              <a:t>2011/12/26</a:t>
+              <a:pPr/>
+              <a:t>2011/12/27</a:t>
             </a:fld>
             <a:endParaRPr lang="zh-TW" altLang="en-US"/>
           </a:p>
@@ -835,6 +842,7 @@
           <a:p>
             <a:fld id="{70BD87A7-25D8-437F-BC7D-E1FC764C4637}" type="slidenum">
               <a:rPr lang="zh-TW" altLang="en-US" smtClean="0"/>
+              <a:pPr/>
               <a:t>‹#›</a:t>
             </a:fld>
             <a:endParaRPr lang="zh-TW" altLang="en-US"/>
@@ -1034,7 +1042,8 @@
           <a:p>
             <a:fld id="{6824B76D-F948-4EDF-B5E4-A06A15984D1A}" type="datetimeFigureOut">
               <a:rPr lang="zh-TW" altLang="en-US" smtClean="0"/>
-              <a:t>2011/12/26</a:t>
+              <a:pPr/>
+              <a:t>2011/12/27</a:t>
             </a:fld>
             <a:endParaRPr lang="zh-TW" altLang="en-US"/>
           </a:p>
@@ -1076,6 +1085,7 @@
           <a:p>
             <a:fld id="{70BD87A7-25D8-437F-BC7D-E1FC764C4637}" type="slidenum">
               <a:rPr lang="zh-TW" altLang="en-US" smtClean="0"/>
+              <a:pPr/>
               <a:t>‹#›</a:t>
             </a:fld>
             <a:endParaRPr lang="zh-TW" altLang="en-US"/>
@@ -1317,7 +1327,8 @@
           <a:p>
             <a:fld id="{6824B76D-F948-4EDF-B5E4-A06A15984D1A}" type="datetimeFigureOut">
               <a:rPr lang="zh-TW" altLang="en-US" smtClean="0"/>
-              <a:t>2011/12/26</a:t>
+              <a:pPr/>
+              <a:t>2011/12/27</a:t>
             </a:fld>
             <a:endParaRPr lang="zh-TW" altLang="en-US"/>
           </a:p>
@@ -1359,6 +1370,7 @@
           <a:p>
             <a:fld id="{70BD87A7-25D8-437F-BC7D-E1FC764C4637}" type="slidenum">
               <a:rPr lang="zh-TW" altLang="en-US" smtClean="0"/>
+              <a:pPr/>
               <a:t>‹#›</a:t>
             </a:fld>
             <a:endParaRPr lang="zh-TW" altLang="en-US"/>
@@ -1739,7 +1751,8 @@
           <a:p>
             <a:fld id="{6824B76D-F948-4EDF-B5E4-A06A15984D1A}" type="datetimeFigureOut">
               <a:rPr lang="zh-TW" altLang="en-US" smtClean="0"/>
-              <a:t>2011/12/26</a:t>
+              <a:pPr/>
+              <a:t>2011/12/27</a:t>
             </a:fld>
             <a:endParaRPr lang="zh-TW" altLang="en-US"/>
           </a:p>
@@ -1781,6 +1794,7 @@
           <a:p>
             <a:fld id="{70BD87A7-25D8-437F-BC7D-E1FC764C4637}" type="slidenum">
               <a:rPr lang="zh-TW" altLang="en-US" smtClean="0"/>
+              <a:pPr/>
               <a:t>‹#›</a:t>
             </a:fld>
             <a:endParaRPr lang="zh-TW" altLang="en-US"/>
@@ -1852,7 +1866,8 @@
           <a:p>
             <a:fld id="{6824B76D-F948-4EDF-B5E4-A06A15984D1A}" type="datetimeFigureOut">
               <a:rPr lang="zh-TW" altLang="en-US" smtClean="0"/>
-              <a:t>2011/12/26</a:t>
+              <a:pPr/>
+              <a:t>2011/12/27</a:t>
             </a:fld>
             <a:endParaRPr lang="zh-TW" altLang="en-US"/>
           </a:p>
@@ -1894,6 +1909,7 @@
           <a:p>
             <a:fld id="{70BD87A7-25D8-437F-BC7D-E1FC764C4637}" type="slidenum">
               <a:rPr lang="zh-TW" altLang="en-US" smtClean="0"/>
+              <a:pPr/>
               <a:t>‹#›</a:t>
             </a:fld>
             <a:endParaRPr lang="zh-TW" altLang="en-US"/>
@@ -1942,7 +1958,8 @@
           <a:p>
             <a:fld id="{6824B76D-F948-4EDF-B5E4-A06A15984D1A}" type="datetimeFigureOut">
               <a:rPr lang="zh-TW" altLang="en-US" smtClean="0"/>
-              <a:t>2011/12/26</a:t>
+              <a:pPr/>
+              <a:t>2011/12/27</a:t>
             </a:fld>
             <a:endParaRPr lang="zh-TW" altLang="en-US"/>
           </a:p>
@@ -1984,6 +2001,7 @@
           <a:p>
             <a:fld id="{70BD87A7-25D8-437F-BC7D-E1FC764C4637}" type="slidenum">
               <a:rPr lang="zh-TW" altLang="en-US" smtClean="0"/>
+              <a:pPr/>
               <a:t>‹#›</a:t>
             </a:fld>
             <a:endParaRPr lang="zh-TW" altLang="en-US"/>
@@ -2214,7 +2232,8 @@
           <a:p>
             <a:fld id="{6824B76D-F948-4EDF-B5E4-A06A15984D1A}" type="datetimeFigureOut">
               <a:rPr lang="zh-TW" altLang="en-US" smtClean="0"/>
-              <a:t>2011/12/26</a:t>
+              <a:pPr/>
+              <a:t>2011/12/27</a:t>
             </a:fld>
             <a:endParaRPr lang="zh-TW" altLang="en-US"/>
           </a:p>
@@ -2256,6 +2275,7 @@
           <a:p>
             <a:fld id="{70BD87A7-25D8-437F-BC7D-E1FC764C4637}" type="slidenum">
               <a:rPr lang="zh-TW" altLang="en-US" smtClean="0"/>
+              <a:pPr/>
               <a:t>‹#›</a:t>
             </a:fld>
             <a:endParaRPr lang="zh-TW" altLang="en-US"/>
@@ -2462,7 +2482,8 @@
           <a:p>
             <a:fld id="{6824B76D-F948-4EDF-B5E4-A06A15984D1A}" type="datetimeFigureOut">
               <a:rPr lang="zh-TW" altLang="en-US" smtClean="0"/>
-              <a:t>2011/12/26</a:t>
+              <a:pPr/>
+              <a:t>2011/12/27</a:t>
             </a:fld>
             <a:endParaRPr lang="zh-TW" altLang="en-US"/>
           </a:p>
@@ -2504,6 +2525,7 @@
           <a:p>
             <a:fld id="{70BD87A7-25D8-437F-BC7D-E1FC764C4637}" type="slidenum">
               <a:rPr lang="zh-TW" altLang="en-US" smtClean="0"/>
+              <a:pPr/>
               <a:t>‹#›</a:t>
             </a:fld>
             <a:endParaRPr lang="zh-TW" altLang="en-US"/>
@@ -2670,7 +2692,8 @@
           <a:p>
             <a:fld id="{6824B76D-F948-4EDF-B5E4-A06A15984D1A}" type="datetimeFigureOut">
               <a:rPr lang="zh-TW" altLang="en-US" smtClean="0"/>
-              <a:t>2011/12/26</a:t>
+              <a:pPr/>
+              <a:t>2011/12/27</a:t>
             </a:fld>
             <a:endParaRPr lang="zh-TW" altLang="en-US"/>
           </a:p>
@@ -2748,6 +2771,7 @@
           <a:p>
             <a:fld id="{70BD87A7-25D8-437F-BC7D-E1FC764C4637}" type="slidenum">
               <a:rPr lang="zh-TW" altLang="en-US" smtClean="0"/>
+              <a:pPr/>
               <a:t>‹#›</a:t>
             </a:fld>
             <a:endParaRPr lang="zh-TW" altLang="en-US"/>
@@ -3277,7 +3301,14 @@
                 <a:latin typeface="標楷體" pitchFamily="65" charset="-120"/>
                 <a:ea typeface="標楷體" pitchFamily="65" charset="-120"/>
               </a:rPr>
-              <a:t>陳彥仰</a:t>
+              <a:t>陳彥</a:t>
+            </a:r>
+            <a:r>
+              <a:rPr lang="zh-TW" altLang="en-US" sz="4800" dirty="0" smtClean="0">
+                <a:latin typeface="標楷體" pitchFamily="65" charset="-120"/>
+                <a:ea typeface="標楷體" pitchFamily="65" charset="-120"/>
+              </a:rPr>
+              <a:t>仰教授</a:t>
             </a:r>
             <a:endParaRPr lang="zh-TW" altLang="en-US" sz="4800" dirty="0">
               <a:latin typeface="標楷體" pitchFamily="65" charset="-120"/>
@@ -3461,7 +3492,7 @@
       </p:sp>
       <p:pic>
         <p:nvPicPr>
-          <p:cNvPr id="11" name="Picture 2" descr="C:\Users\user\Desktop\387544_2731363166330_1324771147_2916359_541190708_n.jpg"/>
+          <p:cNvPr id="15" name="Picture 2"/>
           <p:cNvPicPr>
             <a:picLocks noChangeAspect="1" noChangeArrowheads="1"/>
           </p:cNvPicPr>
@@ -3478,66 +3509,7 @@
             </a:duotone>
             <a:extLst>
               <a:ext uri="{BEBA8EAE-BF5A-486C-A8C5-ECC9F3942E4B}">
-                <a14:imgProps xmlns:a14="http://schemas.microsoft.com/office/drawing/2010/main">
-                  <a14:imgLayer r:embed="rId3">
-                    <a14:imgEffect>
-                      <a14:sharpenSoften amount="25000"/>
-                    </a14:imgEffect>
-                  </a14:imgLayer>
-                </a14:imgProps>
-              </a:ext>
-              <a:ext uri="{28A0092B-C50C-407E-A947-70E740481C1C}">
-                <a14:useLocalDpi xmlns:a14="http://schemas.microsoft.com/office/drawing/2010/main" val="0"/>
-              </a:ext>
-            </a:extLst>
-          </a:blip>
-          <a:srcRect t="32650" b="2921"/>
-          <a:stretch/>
-        </p:blipFill>
-        <p:spPr bwMode="auto">
-          <a:xfrm>
-            <a:off x="686528" y="7021790"/>
-            <a:ext cx="20160000" cy="5580725"/>
-          </a:xfrm>
-          <a:prstGeom prst="roundRect">
-            <a:avLst>
-              <a:gd name="adj" fmla="val 8594"/>
-            </a:avLst>
-          </a:prstGeom>
-          <a:solidFill>
-            <a:srgbClr val="FFFFFF">
-              <a:shade val="85000"/>
-            </a:srgbClr>
-          </a:solidFill>
-          <a:ln w="76200">
-            <a:noFill/>
-          </a:ln>
-          <a:effectLst>
-            <a:reflection blurRad="12700" stA="38000" endPos="28000" dist="5000" dir="5400000" sy="-100000" algn="bl" rotWithShape="0"/>
-          </a:effectLst>
-          <a:extLst/>
-        </p:spPr>
-      </p:pic>
-      <p:pic>
-        <p:nvPicPr>
-          <p:cNvPr id="15" name="Picture 2"/>
-          <p:cNvPicPr>
-            <a:picLocks noChangeAspect="1" noChangeArrowheads="1"/>
-          </p:cNvPicPr>
-          <p:nvPr/>
-        </p:nvPicPr>
-        <p:blipFill rotWithShape="1">
-          <a:blip r:embed="rId4" cstate="print">
-            <a:duotone>
-              <a:schemeClr val="bg2">
-                <a:shade val="45000"/>
-                <a:satMod val="135000"/>
-              </a:schemeClr>
-              <a:prstClr val="white"/>
-            </a:duotone>
-            <a:extLst>
-              <a:ext uri="{BEBA8EAE-BF5A-486C-A8C5-ECC9F3942E4B}">
-                <a14:imgProps xmlns:a14="http://schemas.microsoft.com/office/drawing/2010/main">
+                <a14:imgProps xmlns:a14="http://schemas.microsoft.com/office/drawing/2010/main" xmlns="">
                   <a14:imgLayer r:embed="rId5">
                     <a14:imgEffect>
                       <a14:sharpenSoften amount="50000"/>
@@ -3546,7 +3518,7 @@
                 </a14:imgProps>
               </a:ext>
               <a:ext uri="{28A0092B-C50C-407E-A947-70E740481C1C}">
-                <a14:useLocalDpi xmlns:a14="http://schemas.microsoft.com/office/drawing/2010/main" val="0"/>
+                <a14:useLocalDpi xmlns:a14="http://schemas.microsoft.com/office/drawing/2010/main" xmlns="" val="0"/>
               </a:ext>
             </a:extLst>
           </a:blip>
@@ -3596,7 +3568,7 @@
             </a:duotone>
             <a:extLst>
               <a:ext uri="{BEBA8EAE-BF5A-486C-A8C5-ECC9F3942E4B}">
-                <a14:imgProps xmlns:a14="http://schemas.microsoft.com/office/drawing/2010/main">
+                <a14:imgProps xmlns:a14="http://schemas.microsoft.com/office/drawing/2010/main" xmlns="">
                   <a14:imgLayer r:embed="rId7">
                     <a14:imgEffect>
                       <a14:sharpenSoften amount="50000"/>
@@ -3605,7 +3577,7 @@
                 </a14:imgProps>
               </a:ext>
               <a:ext uri="{28A0092B-C50C-407E-A947-70E740481C1C}">
-                <a14:useLocalDpi xmlns:a14="http://schemas.microsoft.com/office/drawing/2010/main" val="0"/>
+                <a14:useLocalDpi xmlns:a14="http://schemas.microsoft.com/office/drawing/2010/main" xmlns="" val="0"/>
               </a:ext>
             </a:extLst>
           </a:blip>
@@ -3638,13 +3610,13 @@
       </p:pic>
       <p:pic>
         <p:nvPicPr>
-          <p:cNvPr id="14" name="Picture 4"/>
+          <p:cNvPr id="17" name="Picture 2"/>
           <p:cNvPicPr>
             <a:picLocks noChangeAspect="1" noChangeArrowheads="1"/>
           </p:cNvPicPr>
           <p:nvPr/>
         </p:nvPicPr>
-        <p:blipFill>
+        <p:blipFill rotWithShape="1">
           <a:blip r:embed="rId8" cstate="print">
             <a:duotone>
               <a:schemeClr val="bg2">
@@ -3654,59 +3626,8 @@
               <a:prstClr val="white"/>
             </a:duotone>
             <a:extLst>
-              <a:ext uri="{28A0092B-C50C-407E-A947-70E740481C1C}">
-                <a14:useLocalDpi xmlns:a14="http://schemas.microsoft.com/office/drawing/2010/main" val="0"/>
-              </a:ext>
-            </a:extLst>
-          </a:blip>
-          <a:stretch>
-            <a:fillRect/>
-          </a:stretch>
-        </p:blipFill>
-        <p:spPr bwMode="auto">
-          <a:xfrm>
-            <a:off x="10694520" y="12619707"/>
-            <a:ext cx="10080000" cy="7560000"/>
-          </a:xfrm>
-          <a:prstGeom prst="roundRect">
-            <a:avLst>
-              <a:gd name="adj" fmla="val 8594"/>
-            </a:avLst>
-          </a:prstGeom>
-          <a:solidFill>
-            <a:srgbClr val="FFFFFF">
-              <a:shade val="85000"/>
-            </a:srgbClr>
-          </a:solidFill>
-          <a:ln w="76200">
-            <a:noFill/>
-          </a:ln>
-          <a:effectLst>
-            <a:reflection blurRad="12700" stA="38000" endPos="28000" dist="5000" dir="5400000" sy="-100000" algn="bl" rotWithShape="0"/>
-          </a:effectLst>
-          <a:extLst/>
-        </p:spPr>
-      </p:pic>
-      <p:pic>
-        <p:nvPicPr>
-          <p:cNvPr id="17" name="Picture 2"/>
-          <p:cNvPicPr>
-            <a:picLocks noChangeAspect="1" noChangeArrowheads="1"/>
-          </p:cNvPicPr>
-          <p:nvPr/>
-        </p:nvPicPr>
-        <p:blipFill rotWithShape="1">
-          <a:blip r:embed="rId9" cstate="print">
-            <a:duotone>
-              <a:schemeClr val="bg2">
-                <a:shade val="45000"/>
-                <a:satMod val="135000"/>
-              </a:schemeClr>
-              <a:prstClr val="white"/>
-            </a:duotone>
-            <a:extLst>
               <a:ext uri="{BEBA8EAE-BF5A-486C-A8C5-ECC9F3942E4B}">
-                <a14:imgProps xmlns:a14="http://schemas.microsoft.com/office/drawing/2010/main">
+                <a14:imgProps xmlns:a14="http://schemas.microsoft.com/office/drawing/2010/main" xmlns="">
                   <a14:imgLayer r:embed="rId10">
                     <a14:imgEffect>
                       <a14:sharpenSoften amount="50000"/>
@@ -3715,7 +3636,7 @@
                 </a14:imgProps>
               </a:ext>
               <a:ext uri="{28A0092B-C50C-407E-A947-70E740481C1C}">
-                <a14:useLocalDpi xmlns:a14="http://schemas.microsoft.com/office/drawing/2010/main" val="0"/>
+                <a14:useLocalDpi xmlns:a14="http://schemas.microsoft.com/office/drawing/2010/main" xmlns="" val="0"/>
               </a:ext>
             </a:extLst>
           </a:blip>
@@ -3746,63 +3667,188 @@
           <a:extLst/>
         </p:spPr>
       </p:pic>
-      <p:pic>
-        <p:nvPicPr>
-          <p:cNvPr id="18" name="Picture 3" descr="C:\Users\user\Desktop\381494_2731353886098_1324771147_2916343_1850278505_n.jpg"/>
-          <p:cNvPicPr>
-            <a:picLocks noChangeAspect="1" noChangeArrowheads="1"/>
-          </p:cNvPicPr>
+      <p:grpSp>
+        <p:nvGrpSpPr>
+          <p:cNvPr id="57" name="群組 56"/>
+          <p:cNvGrpSpPr/>
           <p:nvPr/>
-        </p:nvPicPr>
-        <p:blipFill>
-          <a:blip r:embed="rId11">
-            <a:duotone>
-              <a:schemeClr val="bg2">
-                <a:shade val="45000"/>
-                <a:satMod val="135000"/>
-              </a:schemeClr>
-              <a:prstClr val="white"/>
-            </a:duotone>
-            <a:extLst>
-              <a:ext uri="{BEBA8EAE-BF5A-486C-A8C5-ECC9F3942E4B}">
-                <a14:imgProps xmlns:a14="http://schemas.microsoft.com/office/drawing/2010/main">
-                  <a14:imgLayer r:embed="rId12"/>
-                </a14:imgProps>
-              </a:ext>
-              <a:ext uri="{28A0092B-C50C-407E-A947-70E740481C1C}">
-                <a14:useLocalDpi xmlns:a14="http://schemas.microsoft.com/office/drawing/2010/main" val="0"/>
-              </a:ext>
-            </a:extLst>
-          </a:blip>
-          <a:srcRect/>
-          <a:stretch>
-            <a:fillRect/>
-          </a:stretch>
-        </p:blipFill>
-        <p:spPr bwMode="auto">
+        </p:nvGrpSpPr>
+        <p:grpSpPr>
           <a:xfrm>
-            <a:off x="685408" y="12619707"/>
-            <a:ext cx="10080000" cy="7560000"/>
+            <a:off x="685408" y="7021790"/>
+            <a:ext cx="20161120" cy="13157917"/>
+            <a:chOff x="685408" y="7021790"/>
+            <a:chExt cx="20161120" cy="13157917"/>
           </a:xfrm>
-          <a:prstGeom prst="roundRect">
-            <a:avLst>
-              <a:gd name="adj" fmla="val 8594"/>
-            </a:avLst>
-          </a:prstGeom>
-          <a:solidFill>
-            <a:srgbClr val="FFFFFF">
-              <a:shade val="85000"/>
-            </a:srgbClr>
-          </a:solidFill>
-          <a:ln w="76200">
-            <a:noFill/>
-          </a:ln>
-          <a:effectLst>
-            <a:reflection blurRad="12700" stA="38000" endPos="28000" dist="5000" dir="5400000" sy="-100000" algn="bl" rotWithShape="0"/>
-          </a:effectLst>
-          <a:extLst/>
-        </p:spPr>
-      </p:pic>
+        </p:grpSpPr>
+        <p:pic>
+          <p:nvPicPr>
+            <p:cNvPr id="11" name="Picture 2" descr="C:\Users\user\Desktop\387544_2731363166330_1324771147_2916359_541190708_n.jpg"/>
+            <p:cNvPicPr>
+              <a:picLocks noChangeAspect="1" noChangeArrowheads="1"/>
+            </p:cNvPicPr>
+            <p:nvPr/>
+          </p:nvPicPr>
+          <p:blipFill rotWithShape="1">
+            <a:blip r:embed="rId11" cstate="print">
+              <a:duotone>
+                <a:schemeClr val="bg2">
+                  <a:shade val="45000"/>
+                  <a:satMod val="135000"/>
+                </a:schemeClr>
+                <a:prstClr val="white"/>
+              </a:duotone>
+              <a:extLst>
+                <a:ext uri="{BEBA8EAE-BF5A-486C-A8C5-ECC9F3942E4B}">
+                  <a14:imgProps xmlns:a14="http://schemas.microsoft.com/office/drawing/2010/main" xmlns="">
+                    <a14:imgLayer r:embed="rId3">
+                      <a14:imgEffect>
+                        <a14:sharpenSoften amount="25000"/>
+                      </a14:imgEffect>
+                    </a14:imgLayer>
+                  </a14:imgProps>
+                </a:ext>
+                <a:ext uri="{28A0092B-C50C-407E-A947-70E740481C1C}">
+                  <a14:useLocalDpi xmlns:a14="http://schemas.microsoft.com/office/drawing/2010/main" xmlns="" val="0"/>
+                </a:ext>
+              </a:extLst>
+            </a:blip>
+            <a:srcRect t="32650" b="2921"/>
+            <a:stretch/>
+          </p:blipFill>
+          <p:spPr bwMode="auto">
+            <a:xfrm>
+              <a:off x="686528" y="7021790"/>
+              <a:ext cx="20160000" cy="5580725"/>
+            </a:xfrm>
+            <a:prstGeom prst="roundRect">
+              <a:avLst>
+                <a:gd name="adj" fmla="val 8594"/>
+              </a:avLst>
+            </a:prstGeom>
+            <a:solidFill>
+              <a:srgbClr val="FFFFFF">
+                <a:shade val="85000"/>
+              </a:srgbClr>
+            </a:solidFill>
+            <a:ln w="76200">
+              <a:noFill/>
+            </a:ln>
+            <a:effectLst>
+              <a:reflection blurRad="12700" stA="38000" endPos="28000" dist="5000" dir="5400000" sy="-100000" algn="bl" rotWithShape="0"/>
+            </a:effectLst>
+            <a:extLst/>
+          </p:spPr>
+        </p:pic>
+        <p:pic>
+          <p:nvPicPr>
+            <p:cNvPr id="14" name="Picture 4"/>
+            <p:cNvPicPr>
+              <a:picLocks noChangeAspect="1" noChangeArrowheads="1"/>
+            </p:cNvPicPr>
+            <p:nvPr/>
+          </p:nvPicPr>
+          <p:blipFill>
+            <a:blip r:embed="rId12" cstate="print">
+              <a:duotone>
+                <a:schemeClr val="bg2">
+                  <a:shade val="45000"/>
+                  <a:satMod val="135000"/>
+                </a:schemeClr>
+                <a:prstClr val="white"/>
+              </a:duotone>
+              <a:extLst>
+                <a:ext uri="{28A0092B-C50C-407E-A947-70E740481C1C}">
+                  <a14:useLocalDpi xmlns:a14="http://schemas.microsoft.com/office/drawing/2010/main" xmlns="" val="0"/>
+                </a:ext>
+              </a:extLst>
+            </a:blip>
+            <a:stretch>
+              <a:fillRect/>
+            </a:stretch>
+          </p:blipFill>
+          <p:spPr bwMode="auto">
+            <a:xfrm>
+              <a:off x="10694520" y="12619707"/>
+              <a:ext cx="10080000" cy="7560000"/>
+            </a:xfrm>
+            <a:prstGeom prst="roundRect">
+              <a:avLst>
+                <a:gd name="adj" fmla="val 8594"/>
+              </a:avLst>
+            </a:prstGeom>
+            <a:solidFill>
+              <a:srgbClr val="FFFFFF">
+                <a:shade val="85000"/>
+              </a:srgbClr>
+            </a:solidFill>
+            <a:ln w="76200">
+              <a:noFill/>
+            </a:ln>
+            <a:effectLst>
+              <a:reflection blurRad="12700" stA="38000" endPos="28000" dist="5000" dir="5400000" sy="-100000" algn="bl" rotWithShape="0"/>
+            </a:effectLst>
+            <a:extLst/>
+          </p:spPr>
+        </p:pic>
+        <p:pic>
+          <p:nvPicPr>
+            <p:cNvPr id="18" name="Picture 3" descr="C:\Users\user\Desktop\381494_2731353886098_1324771147_2916343_1850278505_n.jpg"/>
+            <p:cNvPicPr>
+              <a:picLocks noChangeAspect="1" noChangeArrowheads="1"/>
+            </p:cNvPicPr>
+            <p:nvPr/>
+          </p:nvPicPr>
+          <p:blipFill>
+            <a:blip r:embed="rId13" cstate="print">
+              <a:duotone>
+                <a:schemeClr val="bg2">
+                  <a:shade val="45000"/>
+                  <a:satMod val="135000"/>
+                </a:schemeClr>
+                <a:prstClr val="white"/>
+              </a:duotone>
+              <a:extLst>
+                <a:ext uri="{BEBA8EAE-BF5A-486C-A8C5-ECC9F3942E4B}">
+                  <a14:imgProps xmlns:a14="http://schemas.microsoft.com/office/drawing/2010/main" xmlns="">
+                    <a14:imgLayer r:embed="rId14"/>
+                  </a14:imgProps>
+                </a:ext>
+                <a:ext uri="{28A0092B-C50C-407E-A947-70E740481C1C}">
+                  <a14:useLocalDpi xmlns:a14="http://schemas.microsoft.com/office/drawing/2010/main" xmlns="" val="0"/>
+                </a:ext>
+              </a:extLst>
+            </a:blip>
+            <a:srcRect/>
+            <a:stretch>
+              <a:fillRect/>
+            </a:stretch>
+          </p:blipFill>
+          <p:spPr bwMode="auto">
+            <a:xfrm>
+              <a:off x="685408" y="12619707"/>
+              <a:ext cx="10080000" cy="7560000"/>
+            </a:xfrm>
+            <a:prstGeom prst="roundRect">
+              <a:avLst>
+                <a:gd name="adj" fmla="val 8594"/>
+              </a:avLst>
+            </a:prstGeom>
+            <a:solidFill>
+              <a:srgbClr val="FFFFFF">
+                <a:shade val="85000"/>
+              </a:srgbClr>
+            </a:solidFill>
+            <a:ln w="76200">
+              <a:noFill/>
+            </a:ln>
+            <a:effectLst>
+              <a:reflection blurRad="12700" stA="38000" endPos="28000" dist="5000" dir="5400000" sy="-100000" algn="bl" rotWithShape="0"/>
+            </a:effectLst>
+            <a:extLst/>
+          </p:spPr>
+        </p:pic>
+      </p:grpSp>
       <p:grpSp>
         <p:nvGrpSpPr>
           <p:cNvPr id="12" name="群組 11"/>
@@ -3826,10 +3872,10 @@
             <p:nvPr/>
           </p:nvPicPr>
           <p:blipFill>
-            <a:blip r:embed="rId8" cstate="print">
+            <a:blip r:embed="rId12" cstate="print">
               <a:extLst>
                 <a:ext uri="{28A0092B-C50C-407E-A947-70E740481C1C}">
-                  <a14:useLocalDpi xmlns:a14="http://schemas.microsoft.com/office/drawing/2010/main" val="0"/>
+                  <a14:useLocalDpi xmlns:a14="http://schemas.microsoft.com/office/drawing/2010/main" xmlns="" val="0"/>
                 </a:ext>
               </a:extLst>
             </a:blip>
@@ -3863,7 +3909,7 @@
             </a:effectLst>
             <a:extLst>
               <a:ext uri="{909E8E84-426E-40DD-AFC4-6F175D3DCCD1}">
-                <a14:hiddenFill xmlns:a14="http://schemas.microsoft.com/office/drawing/2010/main">
+                <a14:hiddenFill xmlns:a14="http://schemas.microsoft.com/office/drawing/2010/main" xmlns="">
                   <a:solidFill>
                     <a:srgbClr val="FFFFFF"/>
                   </a:solidFill>
@@ -3881,11 +3927,11 @@
             <p:nvPr/>
           </p:nvPicPr>
           <p:blipFill rotWithShape="1">
-            <a:blip r:embed="rId13" cstate="print">
+            <a:blip r:embed="rId15" cstate="print">
               <a:extLst>
                 <a:ext uri="{BEBA8EAE-BF5A-486C-A8C5-ECC9F3942E4B}">
-                  <a14:imgProps xmlns:a14="http://schemas.microsoft.com/office/drawing/2010/main">
-                    <a14:imgLayer r:embed="rId14">
+                  <a14:imgProps xmlns:a14="http://schemas.microsoft.com/office/drawing/2010/main" xmlns="">
+                    <a14:imgLayer r:embed="rId16">
                       <a14:imgEffect>
                         <a14:sharpenSoften amount="50000"/>
                       </a14:imgEffect>
@@ -3893,7 +3939,7 @@
                   </a14:imgProps>
                 </a:ext>
                 <a:ext uri="{28A0092B-C50C-407E-A947-70E740481C1C}">
-                  <a14:useLocalDpi xmlns:a14="http://schemas.microsoft.com/office/drawing/2010/main" val="0"/>
+                  <a14:useLocalDpi xmlns:a14="http://schemas.microsoft.com/office/drawing/2010/main" xmlns="" val="0"/>
                 </a:ext>
               </a:extLst>
             </a:blip>
@@ -3926,7 +3972,7 @@
             </a:effectLst>
             <a:extLst>
               <a:ext uri="{909E8E84-426E-40DD-AFC4-6F175D3DCCD1}">
-                <a14:hiddenFill xmlns:a14="http://schemas.microsoft.com/office/drawing/2010/main">
+                <a14:hiddenFill xmlns:a14="http://schemas.microsoft.com/office/drawing/2010/main" xmlns="">
                   <a:solidFill>
                     <a:srgbClr val="FFFFFF"/>
                   </a:solidFill>
@@ -3947,7 +3993,7 @@
             <a:blip r:embed="rId6" cstate="print">
               <a:extLst>
                 <a:ext uri="{BEBA8EAE-BF5A-486C-A8C5-ECC9F3942E4B}">
-                  <a14:imgProps xmlns:a14="http://schemas.microsoft.com/office/drawing/2010/main">
+                  <a14:imgProps xmlns:a14="http://schemas.microsoft.com/office/drawing/2010/main" xmlns="">
                     <a14:imgLayer r:embed="rId7">
                       <a14:imgEffect>
                         <a14:sharpenSoften amount="50000"/>
@@ -3956,7 +4002,7 @@
                   </a14:imgProps>
                 </a:ext>
                 <a:ext uri="{28A0092B-C50C-407E-A947-70E740481C1C}">
-                  <a14:useLocalDpi xmlns:a14="http://schemas.microsoft.com/office/drawing/2010/main" val="0"/>
+                  <a14:useLocalDpi xmlns:a14="http://schemas.microsoft.com/office/drawing/2010/main" xmlns="" val="0"/>
                 </a:ext>
               </a:extLst>
             </a:blip>
@@ -3991,7 +4037,7 @@
             </a:effectLst>
             <a:extLst>
               <a:ext uri="{909E8E84-426E-40DD-AFC4-6F175D3DCCD1}">
-                <a14:hiddenFill xmlns:a14="http://schemas.microsoft.com/office/drawing/2010/main">
+                <a14:hiddenFill xmlns:a14="http://schemas.microsoft.com/office/drawing/2010/main" xmlns="">
                   <a:solidFill>
                     <a:srgbClr val="FFFFFF"/>
                   </a:solidFill>
@@ -4009,10 +4055,10 @@
             <p:nvPr/>
           </p:nvPicPr>
           <p:blipFill>
-            <a:blip r:embed="rId9" cstate="print">
+            <a:blip r:embed="rId8" cstate="print">
               <a:extLst>
                 <a:ext uri="{BEBA8EAE-BF5A-486C-A8C5-ECC9F3942E4B}">
-                  <a14:imgProps xmlns:a14="http://schemas.microsoft.com/office/drawing/2010/main">
+                  <a14:imgProps xmlns:a14="http://schemas.microsoft.com/office/drawing/2010/main" xmlns="">
                     <a14:imgLayer r:embed="rId10">
                       <a14:imgEffect>
                         <a14:sharpenSoften amount="50000"/>
@@ -4021,7 +4067,7 @@
                   </a14:imgProps>
                 </a:ext>
                 <a:ext uri="{28A0092B-C50C-407E-A947-70E740481C1C}">
-                  <a14:useLocalDpi xmlns:a14="http://schemas.microsoft.com/office/drawing/2010/main" val="0"/>
+                  <a14:useLocalDpi xmlns:a14="http://schemas.microsoft.com/office/drawing/2010/main" xmlns="" val="0"/>
                 </a:ext>
               </a:extLst>
             </a:blip>
@@ -4055,7 +4101,7 @@
             </a:effectLst>
             <a:extLst>
               <a:ext uri="{909E8E84-426E-40DD-AFC4-6F175D3DCCD1}">
-                <a14:hiddenFill xmlns:a14="http://schemas.microsoft.com/office/drawing/2010/main">
+                <a14:hiddenFill xmlns:a14="http://schemas.microsoft.com/office/drawing/2010/main" xmlns="">
                   <a:solidFill>
                     <a:srgbClr val="FFFFFF"/>
                   </a:solidFill>
@@ -4073,10 +4119,10 @@
             <p:nvPr/>
           </p:nvPicPr>
           <p:blipFill>
-            <a:blip r:embed="rId15" cstate="print">
+            <a:blip r:embed="rId17" cstate="print">
               <a:extLst>
                 <a:ext uri="{28A0092B-C50C-407E-A947-70E740481C1C}">
-                  <a14:useLocalDpi xmlns:a14="http://schemas.microsoft.com/office/drawing/2010/main" val="0"/>
+                  <a14:useLocalDpi xmlns:a14="http://schemas.microsoft.com/office/drawing/2010/main" xmlns="" val="0"/>
                 </a:ext>
               </a:extLst>
             </a:blip>
@@ -4111,7 +4157,7 @@
             </a:effectLst>
             <a:extLst>
               <a:ext uri="{909E8E84-426E-40DD-AFC4-6F175D3DCCD1}">
-                <a14:hiddenFill xmlns:a14="http://schemas.microsoft.com/office/drawing/2010/main">
+                <a14:hiddenFill xmlns:a14="http://schemas.microsoft.com/office/drawing/2010/main" xmlns="">
                   <a:solidFill>
                     <a:srgbClr val="FFFFFF"/>
                   </a:solidFill>
@@ -4129,10 +4175,10 @@
             <p:nvPr/>
           </p:nvPicPr>
           <p:blipFill>
-            <a:blip r:embed="rId16" cstate="print">
+            <a:blip r:embed="rId18" cstate="print">
               <a:extLst>
                 <a:ext uri="{28A0092B-C50C-407E-A947-70E740481C1C}">
-                  <a14:useLocalDpi xmlns:a14="http://schemas.microsoft.com/office/drawing/2010/main" val="0"/>
+                  <a14:useLocalDpi xmlns:a14="http://schemas.microsoft.com/office/drawing/2010/main" xmlns="" val="0"/>
                 </a:ext>
               </a:extLst>
             </a:blip>
@@ -4266,380 +4312,6 @@
           </p:txBody>
         </p:sp>
       </p:grpSp>
-      <p:grpSp>
-        <p:nvGrpSpPr>
-          <p:cNvPr id="28" name="群組 27"/>
-          <p:cNvGrpSpPr/>
-          <p:nvPr/>
-        </p:nvGrpSpPr>
-        <p:grpSpPr>
-          <a:xfrm>
-            <a:off x="865848" y="13195771"/>
-            <a:ext cx="13896000" cy="8568952"/>
-            <a:chOff x="1260352" y="13123763"/>
-            <a:chExt cx="13249472" cy="8568952"/>
-          </a:xfrm>
-        </p:grpSpPr>
-        <p:sp>
-          <p:nvSpPr>
-            <p:cNvPr id="29" name="圓角矩形 28"/>
-            <p:cNvSpPr/>
-            <p:nvPr/>
-          </p:nvSpPr>
-          <p:spPr>
-            <a:xfrm>
-              <a:off x="1260352" y="19244443"/>
-              <a:ext cx="8640960" cy="2448272"/>
-            </a:xfrm>
-            <a:prstGeom prst="roundRect">
-              <a:avLst>
-                <a:gd name="adj" fmla="val 18001"/>
-              </a:avLst>
-            </a:prstGeom>
-            <a:noFill/>
-            <a:ln w="38100"/>
-          </p:spPr>
-          <p:style>
-            <a:lnRef idx="2">
-              <a:schemeClr val="accent4"/>
-            </a:lnRef>
-            <a:fillRef idx="1">
-              <a:schemeClr val="lt1"/>
-            </a:fillRef>
-            <a:effectRef idx="0">
-              <a:schemeClr val="accent4"/>
-            </a:effectRef>
-            <a:fontRef idx="minor">
-              <a:schemeClr val="dk1"/>
-            </a:fontRef>
-          </p:style>
-          <p:txBody>
-            <a:bodyPr rtlCol="0" anchor="ctr"/>
-            <a:lstStyle/>
-            <a:p>
-              <a:pPr algn="ctr"/>
-              <a:endParaRPr lang="zh-TW" altLang="en-US"/>
-            </a:p>
-          </p:txBody>
-        </p:sp>
-        <p:sp>
-          <p:nvSpPr>
-            <p:cNvPr id="30" name="圓角矩形 29"/>
-            <p:cNvSpPr/>
-            <p:nvPr/>
-          </p:nvSpPr>
-          <p:spPr>
-            <a:xfrm>
-              <a:off x="8821192" y="13123763"/>
-              <a:ext cx="5688632" cy="8568952"/>
-            </a:xfrm>
-            <a:prstGeom prst="roundRect">
-              <a:avLst>
-                <a:gd name="adj" fmla="val 7588"/>
-              </a:avLst>
-            </a:prstGeom>
-            <a:noFill/>
-            <a:ln w="38100"/>
-          </p:spPr>
-          <p:style>
-            <a:lnRef idx="2">
-              <a:schemeClr val="accent4"/>
-            </a:lnRef>
-            <a:fillRef idx="1">
-              <a:schemeClr val="lt1"/>
-            </a:fillRef>
-            <a:effectRef idx="0">
-              <a:schemeClr val="accent4"/>
-            </a:effectRef>
-            <a:fontRef idx="minor">
-              <a:schemeClr val="dk1"/>
-            </a:fontRef>
-          </p:style>
-          <p:txBody>
-            <a:bodyPr rtlCol="0" anchor="ctr"/>
-            <a:lstStyle/>
-            <a:p>
-              <a:pPr algn="ctr"/>
-              <a:endParaRPr lang="zh-TW" altLang="en-US"/>
-            </a:p>
-          </p:txBody>
-        </p:sp>
-        <p:sp>
-          <p:nvSpPr>
-            <p:cNvPr id="31" name="矩形 30"/>
-            <p:cNvSpPr/>
-            <p:nvPr/>
-          </p:nvSpPr>
-          <p:spPr>
-            <a:xfrm>
-              <a:off x="8361961" y="18794465"/>
-              <a:ext cx="2016224" cy="2880320"/>
-            </a:xfrm>
-            <a:prstGeom prst="rect">
-              <a:avLst/>
-            </a:prstGeom>
-            <a:solidFill>
-              <a:schemeClr val="bg1"/>
-            </a:solidFill>
-            <a:ln>
-              <a:noFill/>
-            </a:ln>
-          </p:spPr>
-          <p:style>
-            <a:lnRef idx="2">
-              <a:schemeClr val="accent1">
-                <a:shade val="50000"/>
-              </a:schemeClr>
-            </a:lnRef>
-            <a:fillRef idx="1">
-              <a:schemeClr val="accent1"/>
-            </a:fillRef>
-            <a:effectRef idx="0">
-              <a:schemeClr val="accent1"/>
-            </a:effectRef>
-            <a:fontRef idx="minor">
-              <a:schemeClr val="lt1"/>
-            </a:fontRef>
-          </p:style>
-          <p:txBody>
-            <a:bodyPr rtlCol="0" anchor="ctr"/>
-            <a:lstStyle/>
-            <a:p>
-              <a:pPr algn="ctr"/>
-              <a:endParaRPr lang="en-US"/>
-            </a:p>
-          </p:txBody>
-        </p:sp>
-        <p:sp>
-          <p:nvSpPr>
-            <p:cNvPr id="32" name="弧形 31"/>
-            <p:cNvSpPr/>
-            <p:nvPr/>
-          </p:nvSpPr>
-          <p:spPr>
-            <a:xfrm flipV="1">
-              <a:off x="7885088" y="18308339"/>
-              <a:ext cx="936000" cy="936000"/>
-            </a:xfrm>
-            <a:prstGeom prst="arc">
-              <a:avLst/>
-            </a:prstGeom>
-            <a:ln w="38100">
-              <a:solidFill>
-                <a:schemeClr val="accent4"/>
-              </a:solidFill>
-            </a:ln>
-          </p:spPr>
-          <p:style>
-            <a:lnRef idx="1">
-              <a:schemeClr val="accent1"/>
-            </a:lnRef>
-            <a:fillRef idx="0">
-              <a:schemeClr val="accent1"/>
-            </a:fillRef>
-            <a:effectRef idx="0">
-              <a:schemeClr val="accent1"/>
-            </a:effectRef>
-            <a:fontRef idx="minor">
-              <a:schemeClr val="tx1"/>
-            </a:fontRef>
-          </p:style>
-          <p:txBody>
-            <a:bodyPr rtlCol="0" anchor="ctr"/>
-            <a:lstStyle/>
-            <a:p>
-              <a:pPr algn="ctr"/>
-              <a:endParaRPr lang="en-US"/>
-            </a:p>
-          </p:txBody>
-        </p:sp>
-      </p:grpSp>
-      <p:grpSp>
-        <p:nvGrpSpPr>
-          <p:cNvPr id="33" name="群組 32"/>
-          <p:cNvGrpSpPr/>
-          <p:nvPr/>
-        </p:nvGrpSpPr>
-        <p:grpSpPr>
-          <a:xfrm>
-            <a:off x="828304" y="10387459"/>
-            <a:ext cx="13860000" cy="8712968"/>
-            <a:chOff x="1260352" y="10243443"/>
-            <a:chExt cx="13249472" cy="8712968"/>
-          </a:xfrm>
-        </p:grpSpPr>
-        <p:sp>
-          <p:nvSpPr>
-            <p:cNvPr id="34" name="圓角矩形 33"/>
-            <p:cNvSpPr/>
-            <p:nvPr/>
-          </p:nvSpPr>
-          <p:spPr>
-            <a:xfrm>
-              <a:off x="4788744" y="10243443"/>
-              <a:ext cx="9721080" cy="2448272"/>
-            </a:xfrm>
-            <a:prstGeom prst="roundRect">
-              <a:avLst>
-                <a:gd name="adj" fmla="val 13325"/>
-              </a:avLst>
-            </a:prstGeom>
-            <a:noFill/>
-            <a:ln w="38100"/>
-          </p:spPr>
-          <p:style>
-            <a:lnRef idx="2">
-              <a:schemeClr val="accent3"/>
-            </a:lnRef>
-            <a:fillRef idx="1">
-              <a:schemeClr val="lt1"/>
-            </a:fillRef>
-            <a:effectRef idx="0">
-              <a:schemeClr val="accent3"/>
-            </a:effectRef>
-            <a:fontRef idx="minor">
-              <a:schemeClr val="dk1"/>
-            </a:fontRef>
-          </p:style>
-          <p:txBody>
-            <a:bodyPr rtlCol="0" anchor="ctr"/>
-            <a:lstStyle/>
-            <a:p>
-              <a:pPr algn="ctr"/>
-              <a:endParaRPr lang="zh-TW" altLang="en-US"/>
-            </a:p>
-          </p:txBody>
-        </p:sp>
-        <p:sp>
-          <p:nvSpPr>
-            <p:cNvPr id="35" name="圓角矩形 34"/>
-            <p:cNvSpPr/>
-            <p:nvPr/>
-          </p:nvSpPr>
-          <p:spPr>
-            <a:xfrm>
-              <a:off x="1260352" y="10243443"/>
-              <a:ext cx="5400600" cy="8712968"/>
-            </a:xfrm>
-            <a:prstGeom prst="roundRect">
-              <a:avLst>
-                <a:gd name="adj" fmla="val 10545"/>
-              </a:avLst>
-            </a:prstGeom>
-            <a:noFill/>
-            <a:ln w="38100"/>
-          </p:spPr>
-          <p:style>
-            <a:lnRef idx="2">
-              <a:schemeClr val="accent3"/>
-            </a:lnRef>
-            <a:fillRef idx="1">
-              <a:schemeClr val="lt1"/>
-            </a:fillRef>
-            <a:effectRef idx="0">
-              <a:schemeClr val="accent3"/>
-            </a:effectRef>
-            <a:fontRef idx="minor">
-              <a:schemeClr val="dk1"/>
-            </a:fontRef>
-          </p:style>
-          <p:txBody>
-            <a:bodyPr rtlCol="0" anchor="ctr"/>
-            <a:lstStyle/>
-            <a:p>
-              <a:pPr algn="ctr"/>
-              <a:endParaRPr lang="zh-TW" altLang="en-US"/>
-            </a:p>
-          </p:txBody>
-        </p:sp>
-        <p:sp>
-          <p:nvSpPr>
-            <p:cNvPr id="36" name="矩形 35"/>
-            <p:cNvSpPr/>
-            <p:nvPr/>
-          </p:nvSpPr>
-          <p:spPr>
-            <a:xfrm>
-              <a:off x="4500712" y="10255457"/>
-              <a:ext cx="2592288" cy="2921264"/>
-            </a:xfrm>
-            <a:prstGeom prst="rect">
-              <a:avLst/>
-            </a:prstGeom>
-            <a:ln>
-              <a:noFill/>
-            </a:ln>
-          </p:spPr>
-          <p:style>
-            <a:lnRef idx="2">
-              <a:schemeClr val="accent6"/>
-            </a:lnRef>
-            <a:fillRef idx="1">
-              <a:schemeClr val="lt1"/>
-            </a:fillRef>
-            <a:effectRef idx="0">
-              <a:schemeClr val="accent6"/>
-            </a:effectRef>
-            <a:fontRef idx="minor">
-              <a:schemeClr val="dk1"/>
-            </a:fontRef>
-          </p:style>
-          <p:txBody>
-            <a:bodyPr rtlCol="0" anchor="ctr"/>
-            <a:lstStyle/>
-            <a:p>
-              <a:pPr algn="ctr"/>
-              <a:endParaRPr lang="en-US"/>
-            </a:p>
-          </p:txBody>
-        </p:sp>
-        <p:sp>
-          <p:nvSpPr>
-            <p:cNvPr id="37" name="弧形 36"/>
-            <p:cNvSpPr/>
-            <p:nvPr/>
-          </p:nvSpPr>
-          <p:spPr>
-            <a:xfrm>
-              <a:off x="6660952" y="12691715"/>
-              <a:ext cx="972000" cy="972000"/>
-            </a:xfrm>
-            <a:prstGeom prst="arc">
-              <a:avLst>
-                <a:gd name="adj1" fmla="val 10636279"/>
-                <a:gd name="adj2" fmla="val 16262060"/>
-              </a:avLst>
-            </a:prstGeom>
-            <a:ln w="38100">
-              <a:solidFill>
-                <a:schemeClr val="accent3"/>
-              </a:solidFill>
-            </a:ln>
-          </p:spPr>
-          <p:style>
-            <a:lnRef idx="1">
-              <a:schemeClr val="accent1"/>
-            </a:lnRef>
-            <a:fillRef idx="0">
-              <a:schemeClr val="accent1"/>
-            </a:fillRef>
-            <a:effectRef idx="0">
-              <a:schemeClr val="accent1"/>
-            </a:effectRef>
-            <a:fontRef idx="minor">
-              <a:schemeClr val="tx1"/>
-            </a:fontRef>
-          </p:style>
-          <p:txBody>
-            <a:bodyPr rtlCol="0" anchor="ctr"/>
-            <a:lstStyle/>
-            <a:p>
-              <a:pPr algn="ctr"/>
-              <a:endParaRPr lang="en-US"/>
-            </a:p>
-          </p:txBody>
-        </p:sp>
-      </p:grpSp>
       <p:pic>
         <p:nvPicPr>
           <p:cNvPr id="38" name="Picture 4" descr="C:\Documents and Settings\user\桌面\MobileProgramming\project\screenshot\device-2011-12-22-145919_gmap.png"/>
@@ -4649,7 +4321,7 @@
           <p:nvPr/>
         </p:nvPicPr>
         <p:blipFill>
-          <a:blip r:embed="rId17" cstate="print"/>
+          <a:blip r:embed="rId19" cstate="print"/>
           <a:stretch>
             <a:fillRect/>
           </a:stretch>
@@ -4682,7 +4354,7 @@
           <p:nvPr/>
         </p:nvPicPr>
         <p:blipFill>
-          <a:blip r:embed="rId18" cstate="print"/>
+          <a:blip r:embed="rId20" cstate="print"/>
           <a:stretch>
             <a:fillRect/>
           </a:stretch>
@@ -4908,8 +4580,8 @@
         </p:nvSpPr>
         <p:spPr>
           <a:xfrm>
-            <a:off x="15050512" y="15932075"/>
-            <a:ext cx="5616000" cy="4968552"/>
+            <a:off x="15157896" y="15932075"/>
+            <a:ext cx="5366692" cy="4968552"/>
           </a:xfrm>
           <a:prstGeom prst="roundRect">
             <a:avLst>
@@ -4952,7 +4624,7 @@
         </p:nvSpPr>
         <p:spPr>
           <a:xfrm>
-            <a:off x="6876976" y="10387459"/>
+            <a:off x="6876976" y="10640065"/>
             <a:ext cx="7560840" cy="2123658"/>
           </a:xfrm>
           <a:prstGeom prst="rect">
@@ -5037,8 +4709,8 @@
         </p:nvSpPr>
         <p:spPr>
           <a:xfrm>
-            <a:off x="1105777" y="19388459"/>
-            <a:ext cx="6347263" cy="2123658"/>
+            <a:off x="1116336" y="19388459"/>
+            <a:ext cx="7704856" cy="2123658"/>
           </a:xfrm>
           <a:prstGeom prst="rect">
             <a:avLst/>
@@ -5114,203 +4786,6 @@
           </a:p>
         </p:txBody>
       </p:sp>
-      <p:grpSp>
-        <p:nvGrpSpPr>
-          <p:cNvPr id="44" name="群組 43"/>
-          <p:cNvGrpSpPr/>
-          <p:nvPr/>
-        </p:nvGrpSpPr>
-        <p:grpSpPr>
-          <a:xfrm>
-            <a:off x="828304" y="7147098"/>
-            <a:ext cx="19872000" cy="8280921"/>
-            <a:chOff x="1260352" y="6859066"/>
-            <a:chExt cx="19226136" cy="8280921"/>
-          </a:xfrm>
-        </p:grpSpPr>
-        <p:sp>
-          <p:nvSpPr>
-            <p:cNvPr id="45" name="圓角矩形 44"/>
-            <p:cNvSpPr/>
-            <p:nvPr/>
-          </p:nvSpPr>
-          <p:spPr>
-            <a:xfrm>
-              <a:off x="14941872" y="6859066"/>
-              <a:ext cx="5544616" cy="8280921"/>
-            </a:xfrm>
-            <a:prstGeom prst="roundRect">
-              <a:avLst>
-                <a:gd name="adj" fmla="val 7628"/>
-              </a:avLst>
-            </a:prstGeom>
-            <a:noFill/>
-            <a:ln w="38100">
-              <a:solidFill>
-                <a:schemeClr val="accent2"/>
-              </a:solidFill>
-            </a:ln>
-          </p:spPr>
-          <p:style>
-            <a:lnRef idx="2">
-              <a:schemeClr val="accent1">
-                <a:shade val="50000"/>
-              </a:schemeClr>
-            </a:lnRef>
-            <a:fillRef idx="1">
-              <a:schemeClr val="accent1"/>
-            </a:fillRef>
-            <a:effectRef idx="0">
-              <a:schemeClr val="accent1"/>
-            </a:effectRef>
-            <a:fontRef idx="minor">
-              <a:schemeClr val="lt1"/>
-            </a:fontRef>
-          </p:style>
-          <p:txBody>
-            <a:bodyPr rtlCol="0" anchor="ctr"/>
-            <a:lstStyle/>
-            <a:p>
-              <a:pPr algn="ctr"/>
-              <a:endParaRPr lang="zh-TW" altLang="en-US"/>
-            </a:p>
-          </p:txBody>
-        </p:sp>
-        <p:sp>
-          <p:nvSpPr>
-            <p:cNvPr id="46" name="圓角矩形 45"/>
-            <p:cNvSpPr/>
-            <p:nvPr/>
-          </p:nvSpPr>
-          <p:spPr>
-            <a:xfrm>
-              <a:off x="1260352" y="6859067"/>
-              <a:ext cx="14761640" cy="3024336"/>
-            </a:xfrm>
-            <a:prstGeom prst="roundRect">
-              <a:avLst>
-                <a:gd name="adj" fmla="val 14039"/>
-              </a:avLst>
-            </a:prstGeom>
-            <a:noFill/>
-            <a:ln w="38100">
-              <a:solidFill>
-                <a:schemeClr val="accent2"/>
-              </a:solidFill>
-              <a:round/>
-            </a:ln>
-          </p:spPr>
-          <p:style>
-            <a:lnRef idx="2">
-              <a:schemeClr val="accent1">
-                <a:shade val="50000"/>
-              </a:schemeClr>
-            </a:lnRef>
-            <a:fillRef idx="1">
-              <a:schemeClr val="accent1"/>
-            </a:fillRef>
-            <a:effectRef idx="0">
-              <a:schemeClr val="accent1"/>
-            </a:effectRef>
-            <a:fontRef idx="minor">
-              <a:schemeClr val="lt1"/>
-            </a:fontRef>
-          </p:style>
-          <p:txBody>
-            <a:bodyPr rtlCol="0" anchor="ctr"/>
-            <a:lstStyle/>
-            <a:p>
-              <a:pPr algn="ctr"/>
-              <a:endParaRPr lang="zh-TW" altLang="en-US"/>
-            </a:p>
-          </p:txBody>
-        </p:sp>
-        <p:sp>
-          <p:nvSpPr>
-            <p:cNvPr id="47" name="矩形 46"/>
-            <p:cNvSpPr/>
-            <p:nvPr/>
-          </p:nvSpPr>
-          <p:spPr>
-            <a:xfrm>
-              <a:off x="14581832" y="6878117"/>
-              <a:ext cx="1440160" cy="3365326"/>
-            </a:xfrm>
-            <a:prstGeom prst="rect">
-              <a:avLst/>
-            </a:prstGeom>
-            <a:solidFill>
-              <a:schemeClr val="bg1"/>
-            </a:solidFill>
-            <a:ln>
-              <a:noFill/>
-            </a:ln>
-          </p:spPr>
-          <p:style>
-            <a:lnRef idx="2">
-              <a:schemeClr val="accent1">
-                <a:shade val="50000"/>
-              </a:schemeClr>
-            </a:lnRef>
-            <a:fillRef idx="1">
-              <a:schemeClr val="accent1"/>
-            </a:fillRef>
-            <a:effectRef idx="0">
-              <a:schemeClr val="accent1"/>
-            </a:effectRef>
-            <a:fontRef idx="minor">
-              <a:schemeClr val="lt1"/>
-            </a:fontRef>
-          </p:style>
-          <p:txBody>
-            <a:bodyPr rtlCol="0" anchor="ctr"/>
-            <a:lstStyle/>
-            <a:p>
-              <a:pPr algn="ctr"/>
-              <a:endParaRPr lang="en-US"/>
-            </a:p>
-          </p:txBody>
-        </p:sp>
-        <p:sp>
-          <p:nvSpPr>
-            <p:cNvPr id="48" name="弧形 47"/>
-            <p:cNvSpPr/>
-            <p:nvPr/>
-          </p:nvSpPr>
-          <p:spPr>
-            <a:xfrm>
-              <a:off x="14149784" y="9883403"/>
-              <a:ext cx="792000" cy="792000"/>
-            </a:xfrm>
-            <a:prstGeom prst="arc">
-              <a:avLst/>
-            </a:prstGeom>
-            <a:ln w="38100"/>
-          </p:spPr>
-          <p:style>
-            <a:lnRef idx="1">
-              <a:schemeClr val="accent2"/>
-            </a:lnRef>
-            <a:fillRef idx="0">
-              <a:schemeClr val="accent2"/>
-            </a:fillRef>
-            <a:effectRef idx="0">
-              <a:schemeClr val="accent2"/>
-            </a:effectRef>
-            <a:fontRef idx="minor">
-              <a:schemeClr val="tx1"/>
-            </a:fontRef>
-          </p:style>
-          <p:txBody>
-            <a:bodyPr rtlCol="0" anchor="ctr"/>
-            <a:lstStyle/>
-            <a:p>
-              <a:pPr algn="ctr"/>
-              <a:endParaRPr lang="en-US"/>
-            </a:p>
-          </p:txBody>
-        </p:sp>
-      </p:grpSp>
       <p:pic>
         <p:nvPicPr>
           <p:cNvPr id="49" name="Picture 4" descr="C:\Documents and Settings\user\桌面\MobileProgramming\project\screenshot\device-2011-12-22-145919_gmap.png"/>
@@ -5320,7 +4795,7 @@
           <p:nvPr/>
         </p:nvPicPr>
         <p:blipFill>
-          <a:blip r:embed="rId19" cstate="print"/>
+          <a:blip r:embed="rId21" cstate="print"/>
           <a:stretch>
             <a:fillRect/>
           </a:stretch>
@@ -5353,7 +4828,7 @@
         <p:spPr>
           <a:xfrm>
             <a:off x="1044328" y="7298660"/>
-            <a:ext cx="13321480" cy="2800767"/>
+            <a:ext cx="13969552" cy="2800767"/>
           </a:xfrm>
           <a:prstGeom prst="rect">
             <a:avLst/>
@@ -5551,10 +5026,10 @@
           <p:nvPr/>
         </p:nvPicPr>
         <p:blipFill>
-          <a:blip r:embed="rId20">
+          <a:blip r:embed="rId22" cstate="print">
             <a:extLst>
               <a:ext uri="{28A0092B-C50C-407E-A947-70E740481C1C}">
-                <a14:useLocalDpi xmlns:a14="http://schemas.microsoft.com/office/drawing/2010/main" val="0"/>
+                <a14:useLocalDpi xmlns:a14="http://schemas.microsoft.com/office/drawing/2010/main" xmlns="" val="0"/>
               </a:ext>
             </a:extLst>
           </a:blip>
@@ -5574,7 +5049,7 @@
           <a:noFill/>
           <a:extLst>
             <a:ext uri="{909E8E84-426E-40DD-AFC4-6F175D3DCCD1}">
-              <a14:hiddenFill xmlns:a14="http://schemas.microsoft.com/office/drawing/2010/main">
+              <a14:hiddenFill xmlns:a14="http://schemas.microsoft.com/office/drawing/2010/main" xmlns="">
                 <a:solidFill>
                   <a:srgbClr val="FFFFFF"/>
                 </a:solidFill>
@@ -5583,6 +5058,1494 @@
           </a:extLst>
         </p:spPr>
       </p:pic>
+      <p:grpSp>
+        <p:nvGrpSpPr>
+          <p:cNvPr id="82" name="群組 81"/>
+          <p:cNvGrpSpPr/>
+          <p:nvPr/>
+        </p:nvGrpSpPr>
+        <p:grpSpPr>
+          <a:xfrm>
+            <a:off x="900312" y="7183194"/>
+            <a:ext cx="19622088" cy="8316832"/>
+            <a:chOff x="900312" y="7183194"/>
+            <a:chExt cx="19622088" cy="8316832"/>
+          </a:xfrm>
+        </p:grpSpPr>
+        <p:sp>
+          <p:nvSpPr>
+            <p:cNvPr id="48" name="弧形 47"/>
+            <p:cNvSpPr/>
+            <p:nvPr/>
+          </p:nvSpPr>
+          <p:spPr>
+            <a:xfrm>
+              <a:off x="14329896" y="10171435"/>
+              <a:ext cx="828000" cy="828000"/>
+            </a:xfrm>
+            <a:prstGeom prst="arc">
+              <a:avLst/>
+            </a:prstGeom>
+            <a:ln w="38100"/>
+          </p:spPr>
+          <p:style>
+            <a:lnRef idx="1">
+              <a:schemeClr val="accent2"/>
+            </a:lnRef>
+            <a:fillRef idx="0">
+              <a:schemeClr val="accent2"/>
+            </a:fillRef>
+            <a:effectRef idx="0">
+              <a:schemeClr val="accent2"/>
+            </a:effectRef>
+            <a:fontRef idx="minor">
+              <a:schemeClr val="tx1"/>
+            </a:fontRef>
+          </p:style>
+          <p:txBody>
+            <a:bodyPr rtlCol="0" anchor="ctr"/>
+            <a:lstStyle/>
+            <a:p>
+              <a:pPr algn="ctr"/>
+              <a:endParaRPr lang="en-US"/>
+            </a:p>
+          </p:txBody>
+        </p:sp>
+        <p:sp>
+          <p:nvSpPr>
+            <p:cNvPr id="52" name="弧形 51"/>
+            <p:cNvSpPr/>
+            <p:nvPr/>
+          </p:nvSpPr>
+          <p:spPr>
+            <a:xfrm>
+              <a:off x="19694400" y="7183194"/>
+              <a:ext cx="828000" cy="828000"/>
+            </a:xfrm>
+            <a:prstGeom prst="arc">
+              <a:avLst/>
+            </a:prstGeom>
+            <a:ln w="38100"/>
+          </p:spPr>
+          <p:style>
+            <a:lnRef idx="1">
+              <a:schemeClr val="accent2"/>
+            </a:lnRef>
+            <a:fillRef idx="0">
+              <a:schemeClr val="accent2"/>
+            </a:fillRef>
+            <a:effectRef idx="0">
+              <a:schemeClr val="accent2"/>
+            </a:effectRef>
+            <a:fontRef idx="minor">
+              <a:schemeClr val="tx1"/>
+            </a:fontRef>
+          </p:style>
+          <p:txBody>
+            <a:bodyPr rtlCol="0" anchor="ctr"/>
+            <a:lstStyle/>
+            <a:p>
+              <a:pPr algn="ctr"/>
+              <a:endParaRPr lang="en-US"/>
+            </a:p>
+          </p:txBody>
+        </p:sp>
+        <p:sp>
+          <p:nvSpPr>
+            <p:cNvPr id="53" name="弧形 52"/>
+            <p:cNvSpPr/>
+            <p:nvPr/>
+          </p:nvSpPr>
+          <p:spPr>
+            <a:xfrm rot="5400000">
+              <a:off x="19694400" y="14672026"/>
+              <a:ext cx="828000" cy="828000"/>
+            </a:xfrm>
+            <a:prstGeom prst="arc">
+              <a:avLst/>
+            </a:prstGeom>
+            <a:ln w="38100"/>
+          </p:spPr>
+          <p:style>
+            <a:lnRef idx="1">
+              <a:schemeClr val="accent2"/>
+            </a:lnRef>
+            <a:fillRef idx="0">
+              <a:schemeClr val="accent2"/>
+            </a:fillRef>
+            <a:effectRef idx="0">
+              <a:schemeClr val="accent2"/>
+            </a:effectRef>
+            <a:fontRef idx="minor">
+              <a:schemeClr val="tx1"/>
+            </a:fontRef>
+          </p:style>
+          <p:txBody>
+            <a:bodyPr rtlCol="0" anchor="ctr"/>
+            <a:lstStyle/>
+            <a:p>
+              <a:pPr algn="ctr"/>
+              <a:endParaRPr lang="en-US"/>
+            </a:p>
+          </p:txBody>
+        </p:sp>
+        <p:sp>
+          <p:nvSpPr>
+            <p:cNvPr id="54" name="弧形 53"/>
+            <p:cNvSpPr/>
+            <p:nvPr/>
+          </p:nvSpPr>
+          <p:spPr>
+            <a:xfrm rot="10800000">
+              <a:off x="15157897" y="14672026"/>
+              <a:ext cx="828000" cy="828000"/>
+            </a:xfrm>
+            <a:prstGeom prst="arc">
+              <a:avLst/>
+            </a:prstGeom>
+            <a:ln w="38100"/>
+          </p:spPr>
+          <p:style>
+            <a:lnRef idx="1">
+              <a:schemeClr val="accent2"/>
+            </a:lnRef>
+            <a:fillRef idx="0">
+              <a:schemeClr val="accent2"/>
+            </a:fillRef>
+            <a:effectRef idx="0">
+              <a:schemeClr val="accent2"/>
+            </a:effectRef>
+            <a:fontRef idx="minor">
+              <a:schemeClr val="tx1"/>
+            </a:fontRef>
+          </p:style>
+          <p:txBody>
+            <a:bodyPr rtlCol="0" anchor="ctr"/>
+            <a:lstStyle/>
+            <a:p>
+              <a:pPr algn="ctr"/>
+              <a:endParaRPr lang="en-US"/>
+            </a:p>
+          </p:txBody>
+        </p:sp>
+        <p:sp>
+          <p:nvSpPr>
+            <p:cNvPr id="55" name="弧形 54"/>
+            <p:cNvSpPr/>
+            <p:nvPr/>
+          </p:nvSpPr>
+          <p:spPr>
+            <a:xfrm rot="10800000">
+              <a:off x="900312" y="9343347"/>
+              <a:ext cx="828000" cy="828000"/>
+            </a:xfrm>
+            <a:prstGeom prst="arc">
+              <a:avLst/>
+            </a:prstGeom>
+            <a:ln w="38100"/>
+          </p:spPr>
+          <p:style>
+            <a:lnRef idx="1">
+              <a:schemeClr val="accent2"/>
+            </a:lnRef>
+            <a:fillRef idx="0">
+              <a:schemeClr val="accent2"/>
+            </a:fillRef>
+            <a:effectRef idx="0">
+              <a:schemeClr val="accent2"/>
+            </a:effectRef>
+            <a:fontRef idx="minor">
+              <a:schemeClr val="tx1"/>
+            </a:fontRef>
+          </p:style>
+          <p:txBody>
+            <a:bodyPr rtlCol="0" anchor="ctr"/>
+            <a:lstStyle/>
+            <a:p>
+              <a:pPr algn="ctr"/>
+              <a:endParaRPr lang="en-US"/>
+            </a:p>
+          </p:txBody>
+        </p:sp>
+        <p:sp>
+          <p:nvSpPr>
+            <p:cNvPr id="56" name="弧形 55"/>
+            <p:cNvSpPr/>
+            <p:nvPr/>
+          </p:nvSpPr>
+          <p:spPr>
+            <a:xfrm rot="16200000">
+              <a:off x="900312" y="7183194"/>
+              <a:ext cx="828000" cy="828000"/>
+            </a:xfrm>
+            <a:prstGeom prst="arc">
+              <a:avLst/>
+            </a:prstGeom>
+            <a:ln w="38100"/>
+          </p:spPr>
+          <p:style>
+            <a:lnRef idx="1">
+              <a:schemeClr val="accent2"/>
+            </a:lnRef>
+            <a:fillRef idx="0">
+              <a:schemeClr val="accent2"/>
+            </a:fillRef>
+            <a:effectRef idx="0">
+              <a:schemeClr val="accent2"/>
+            </a:effectRef>
+            <a:fontRef idx="minor">
+              <a:schemeClr val="tx1"/>
+            </a:fontRef>
+          </p:style>
+          <p:txBody>
+            <a:bodyPr rtlCol="0" anchor="ctr"/>
+            <a:lstStyle/>
+            <a:p>
+              <a:pPr algn="ctr"/>
+              <a:endParaRPr lang="en-US"/>
+            </a:p>
+          </p:txBody>
+        </p:sp>
+        <p:cxnSp>
+          <p:nvCxnSpPr>
+            <p:cNvPr id="59" name="直線接點 58"/>
+            <p:cNvCxnSpPr>
+              <a:stCxn id="56" idx="2"/>
+              <a:endCxn id="52" idx="0"/>
+            </p:cNvCxnSpPr>
+            <p:nvPr/>
+          </p:nvCxnSpPr>
+          <p:spPr>
+            <a:xfrm>
+              <a:off x="1314312" y="7183194"/>
+              <a:ext cx="18794088" cy="0"/>
+            </a:xfrm>
+            <a:prstGeom prst="line">
+              <a:avLst/>
+            </a:prstGeom>
+            <a:ln w="38100">
+              <a:solidFill>
+                <a:schemeClr val="accent2"/>
+              </a:solidFill>
+            </a:ln>
+          </p:spPr>
+          <p:style>
+            <a:lnRef idx="1">
+              <a:schemeClr val="accent1"/>
+            </a:lnRef>
+            <a:fillRef idx="0">
+              <a:schemeClr val="accent1"/>
+            </a:fillRef>
+            <a:effectRef idx="0">
+              <a:schemeClr val="accent1"/>
+            </a:effectRef>
+            <a:fontRef idx="minor">
+              <a:schemeClr val="tx1"/>
+            </a:fontRef>
+          </p:style>
+        </p:cxnSp>
+        <p:cxnSp>
+          <p:nvCxnSpPr>
+            <p:cNvPr id="61" name="直線接點 60"/>
+            <p:cNvCxnSpPr>
+              <a:stCxn id="55" idx="0"/>
+              <a:endCxn id="48" idx="0"/>
+            </p:cNvCxnSpPr>
+            <p:nvPr/>
+          </p:nvCxnSpPr>
+          <p:spPr>
+            <a:xfrm>
+              <a:off x="1314312" y="10171347"/>
+              <a:ext cx="13429584" cy="88"/>
+            </a:xfrm>
+            <a:prstGeom prst="line">
+              <a:avLst/>
+            </a:prstGeom>
+            <a:ln w="38100">
+              <a:solidFill>
+                <a:schemeClr val="accent2"/>
+              </a:solidFill>
+            </a:ln>
+          </p:spPr>
+          <p:style>
+            <a:lnRef idx="1">
+              <a:schemeClr val="accent1"/>
+            </a:lnRef>
+            <a:fillRef idx="0">
+              <a:schemeClr val="accent1"/>
+            </a:fillRef>
+            <a:effectRef idx="0">
+              <a:schemeClr val="accent1"/>
+            </a:effectRef>
+            <a:fontRef idx="minor">
+              <a:schemeClr val="tx1"/>
+            </a:fontRef>
+          </p:style>
+        </p:cxnSp>
+        <p:cxnSp>
+          <p:nvCxnSpPr>
+            <p:cNvPr id="64" name="直線接點 63"/>
+            <p:cNvCxnSpPr>
+              <a:stCxn id="56" idx="0"/>
+              <a:endCxn id="55" idx="2"/>
+            </p:cNvCxnSpPr>
+            <p:nvPr/>
+          </p:nvCxnSpPr>
+          <p:spPr>
+            <a:xfrm rot="5400000">
+              <a:off x="-179764" y="8677270"/>
+              <a:ext cx="2160153" cy="0"/>
+            </a:xfrm>
+            <a:prstGeom prst="line">
+              <a:avLst/>
+            </a:prstGeom>
+            <a:ln w="38100">
+              <a:solidFill>
+                <a:schemeClr val="accent2"/>
+              </a:solidFill>
+            </a:ln>
+          </p:spPr>
+          <p:style>
+            <a:lnRef idx="1">
+              <a:schemeClr val="accent1"/>
+            </a:lnRef>
+            <a:fillRef idx="0">
+              <a:schemeClr val="accent1"/>
+            </a:fillRef>
+            <a:effectRef idx="0">
+              <a:schemeClr val="accent1"/>
+            </a:effectRef>
+            <a:fontRef idx="minor">
+              <a:schemeClr val="tx1"/>
+            </a:fontRef>
+          </p:style>
+        </p:cxnSp>
+        <p:cxnSp>
+          <p:nvCxnSpPr>
+            <p:cNvPr id="68" name="直線接點 67"/>
+            <p:cNvCxnSpPr>
+              <a:stCxn id="48" idx="2"/>
+              <a:endCxn id="54" idx="2"/>
+            </p:cNvCxnSpPr>
+            <p:nvPr/>
+          </p:nvCxnSpPr>
+          <p:spPr>
+            <a:xfrm rot="16200000" flipH="1">
+              <a:off x="12907601" y="12835729"/>
+              <a:ext cx="4500591" cy="1"/>
+            </a:xfrm>
+            <a:prstGeom prst="line">
+              <a:avLst/>
+            </a:prstGeom>
+            <a:ln w="38100">
+              <a:solidFill>
+                <a:schemeClr val="accent2"/>
+              </a:solidFill>
+            </a:ln>
+          </p:spPr>
+          <p:style>
+            <a:lnRef idx="1">
+              <a:schemeClr val="accent1"/>
+            </a:lnRef>
+            <a:fillRef idx="0">
+              <a:schemeClr val="accent1"/>
+            </a:fillRef>
+            <a:effectRef idx="0">
+              <a:schemeClr val="accent1"/>
+            </a:effectRef>
+            <a:fontRef idx="minor">
+              <a:schemeClr val="tx1"/>
+            </a:fontRef>
+          </p:style>
+        </p:cxnSp>
+        <p:cxnSp>
+          <p:nvCxnSpPr>
+            <p:cNvPr id="72" name="直線接點 71"/>
+            <p:cNvCxnSpPr>
+              <a:stCxn id="53" idx="2"/>
+              <a:endCxn id="54" idx="0"/>
+            </p:cNvCxnSpPr>
+            <p:nvPr/>
+          </p:nvCxnSpPr>
+          <p:spPr>
+            <a:xfrm rot="10800000">
+              <a:off x="15571898" y="15500026"/>
+              <a:ext cx="4536503" cy="0"/>
+            </a:xfrm>
+            <a:prstGeom prst="line">
+              <a:avLst/>
+            </a:prstGeom>
+            <a:ln w="38100">
+              <a:solidFill>
+                <a:schemeClr val="accent2"/>
+              </a:solidFill>
+            </a:ln>
+          </p:spPr>
+          <p:style>
+            <a:lnRef idx="1">
+              <a:schemeClr val="accent1"/>
+            </a:lnRef>
+            <a:fillRef idx="0">
+              <a:schemeClr val="accent1"/>
+            </a:fillRef>
+            <a:effectRef idx="0">
+              <a:schemeClr val="accent1"/>
+            </a:effectRef>
+            <a:fontRef idx="minor">
+              <a:schemeClr val="tx1"/>
+            </a:fontRef>
+          </p:style>
+        </p:cxnSp>
+        <p:cxnSp>
+          <p:nvCxnSpPr>
+            <p:cNvPr id="76" name="直線接點 75"/>
+            <p:cNvCxnSpPr>
+              <a:stCxn id="52" idx="2"/>
+              <a:endCxn id="53" idx="0"/>
+            </p:cNvCxnSpPr>
+            <p:nvPr/>
+          </p:nvCxnSpPr>
+          <p:spPr>
+            <a:xfrm rot="5400000">
+              <a:off x="16777984" y="11341610"/>
+              <a:ext cx="7488832" cy="0"/>
+            </a:xfrm>
+            <a:prstGeom prst="line">
+              <a:avLst/>
+            </a:prstGeom>
+            <a:ln w="38100">
+              <a:solidFill>
+                <a:schemeClr val="accent2"/>
+              </a:solidFill>
+            </a:ln>
+          </p:spPr>
+          <p:style>
+            <a:lnRef idx="1">
+              <a:schemeClr val="accent1"/>
+            </a:lnRef>
+            <a:fillRef idx="0">
+              <a:schemeClr val="accent1"/>
+            </a:fillRef>
+            <a:effectRef idx="0">
+              <a:schemeClr val="accent1"/>
+            </a:effectRef>
+            <a:fontRef idx="minor">
+              <a:schemeClr val="tx1"/>
+            </a:fontRef>
+          </p:style>
+        </p:cxnSp>
+      </p:grpSp>
+      <p:grpSp>
+        <p:nvGrpSpPr>
+          <p:cNvPr id="110" name="群組 109"/>
+          <p:cNvGrpSpPr/>
+          <p:nvPr/>
+        </p:nvGrpSpPr>
+        <p:grpSpPr>
+          <a:xfrm>
+            <a:off x="900312" y="10531475"/>
+            <a:ext cx="13681520" cy="8388840"/>
+            <a:chOff x="900312" y="10531475"/>
+            <a:chExt cx="13681520" cy="8388840"/>
+          </a:xfrm>
+        </p:grpSpPr>
+        <p:sp>
+          <p:nvSpPr>
+            <p:cNvPr id="79" name="弧形 78"/>
+            <p:cNvSpPr/>
+            <p:nvPr/>
+          </p:nvSpPr>
+          <p:spPr>
+            <a:xfrm rot="16200000">
+              <a:off x="6372920" y="12907739"/>
+              <a:ext cx="828000" cy="828000"/>
+            </a:xfrm>
+            <a:prstGeom prst="arc">
+              <a:avLst/>
+            </a:prstGeom>
+            <a:ln w="38100">
+              <a:solidFill>
+                <a:schemeClr val="accent3">
+                  <a:lumMod val="75000"/>
+                </a:schemeClr>
+              </a:solidFill>
+            </a:ln>
+          </p:spPr>
+          <p:style>
+            <a:lnRef idx="1">
+              <a:schemeClr val="accent2"/>
+            </a:lnRef>
+            <a:fillRef idx="0">
+              <a:schemeClr val="accent2"/>
+            </a:fillRef>
+            <a:effectRef idx="0">
+              <a:schemeClr val="accent2"/>
+            </a:effectRef>
+            <a:fontRef idx="minor">
+              <a:schemeClr val="tx1"/>
+            </a:fontRef>
+          </p:style>
+          <p:txBody>
+            <a:bodyPr rtlCol="0" anchor="ctr"/>
+            <a:lstStyle/>
+            <a:p>
+              <a:pPr algn="ctr"/>
+              <a:endParaRPr lang="en-US"/>
+            </a:p>
+          </p:txBody>
+        </p:sp>
+        <p:cxnSp>
+          <p:nvCxnSpPr>
+            <p:cNvPr id="80" name="直線接點 79"/>
+            <p:cNvCxnSpPr>
+              <a:stCxn id="83" idx="0"/>
+              <a:endCxn id="85" idx="2"/>
+            </p:cNvCxnSpPr>
+            <p:nvPr/>
+          </p:nvCxnSpPr>
+          <p:spPr>
+            <a:xfrm rot="5400000">
+              <a:off x="-2880107" y="14725895"/>
+              <a:ext cx="7560840" cy="1"/>
+            </a:xfrm>
+            <a:prstGeom prst="line">
+              <a:avLst/>
+            </a:prstGeom>
+            <a:ln w="38100">
+              <a:solidFill>
+                <a:schemeClr val="accent3">
+                  <a:lumMod val="75000"/>
+                </a:schemeClr>
+              </a:solidFill>
+            </a:ln>
+          </p:spPr>
+          <p:style>
+            <a:lnRef idx="1">
+              <a:schemeClr val="accent1"/>
+            </a:lnRef>
+            <a:fillRef idx="0">
+              <a:schemeClr val="accent1"/>
+            </a:fillRef>
+            <a:effectRef idx="0">
+              <a:schemeClr val="accent1"/>
+            </a:effectRef>
+            <a:fontRef idx="minor">
+              <a:schemeClr val="tx1"/>
+            </a:fontRef>
+          </p:style>
+        </p:cxnSp>
+        <p:sp>
+          <p:nvSpPr>
+            <p:cNvPr id="83" name="弧形 82"/>
+            <p:cNvSpPr/>
+            <p:nvPr/>
+          </p:nvSpPr>
+          <p:spPr>
+            <a:xfrm rot="16200000">
+              <a:off x="900313" y="10531475"/>
+              <a:ext cx="828000" cy="828000"/>
+            </a:xfrm>
+            <a:prstGeom prst="arc">
+              <a:avLst/>
+            </a:prstGeom>
+            <a:ln w="38100">
+              <a:solidFill>
+                <a:schemeClr val="accent3">
+                  <a:lumMod val="75000"/>
+                </a:schemeClr>
+              </a:solidFill>
+            </a:ln>
+          </p:spPr>
+          <p:style>
+            <a:lnRef idx="1">
+              <a:schemeClr val="accent2"/>
+            </a:lnRef>
+            <a:fillRef idx="0">
+              <a:schemeClr val="accent2"/>
+            </a:fillRef>
+            <a:effectRef idx="0">
+              <a:schemeClr val="accent2"/>
+            </a:effectRef>
+            <a:fontRef idx="minor">
+              <a:schemeClr val="tx1"/>
+            </a:fontRef>
+          </p:style>
+          <p:txBody>
+            <a:bodyPr rtlCol="0" anchor="ctr"/>
+            <a:lstStyle/>
+            <a:p>
+              <a:pPr algn="ctr"/>
+              <a:endParaRPr lang="en-US"/>
+            </a:p>
+          </p:txBody>
+        </p:sp>
+        <p:sp>
+          <p:nvSpPr>
+            <p:cNvPr id="85" name="弧形 84"/>
+            <p:cNvSpPr/>
+            <p:nvPr/>
+          </p:nvSpPr>
+          <p:spPr>
+            <a:xfrm rot="10800000">
+              <a:off x="900312" y="18092315"/>
+              <a:ext cx="828000" cy="828000"/>
+            </a:xfrm>
+            <a:prstGeom prst="arc">
+              <a:avLst/>
+            </a:prstGeom>
+            <a:ln w="38100">
+              <a:solidFill>
+                <a:schemeClr val="accent3">
+                  <a:lumMod val="75000"/>
+                </a:schemeClr>
+              </a:solidFill>
+            </a:ln>
+          </p:spPr>
+          <p:style>
+            <a:lnRef idx="1">
+              <a:schemeClr val="accent2"/>
+            </a:lnRef>
+            <a:fillRef idx="0">
+              <a:schemeClr val="accent2"/>
+            </a:fillRef>
+            <a:effectRef idx="0">
+              <a:schemeClr val="accent2"/>
+            </a:effectRef>
+            <a:fontRef idx="minor">
+              <a:schemeClr val="tx1"/>
+            </a:fontRef>
+          </p:style>
+          <p:txBody>
+            <a:bodyPr rtlCol="0" anchor="ctr"/>
+            <a:lstStyle/>
+            <a:p>
+              <a:pPr algn="ctr"/>
+              <a:endParaRPr lang="en-US"/>
+            </a:p>
+          </p:txBody>
+        </p:sp>
+        <p:sp>
+          <p:nvSpPr>
+            <p:cNvPr id="86" name="弧形 85"/>
+            <p:cNvSpPr/>
+            <p:nvPr/>
+          </p:nvSpPr>
+          <p:spPr>
+            <a:xfrm>
+              <a:off x="13753832" y="10531475"/>
+              <a:ext cx="828000" cy="828000"/>
+            </a:xfrm>
+            <a:prstGeom prst="arc">
+              <a:avLst/>
+            </a:prstGeom>
+            <a:ln w="38100">
+              <a:solidFill>
+                <a:schemeClr val="accent3">
+                  <a:lumMod val="75000"/>
+                </a:schemeClr>
+              </a:solidFill>
+            </a:ln>
+          </p:spPr>
+          <p:style>
+            <a:lnRef idx="1">
+              <a:schemeClr val="accent2"/>
+            </a:lnRef>
+            <a:fillRef idx="0">
+              <a:schemeClr val="accent2"/>
+            </a:fillRef>
+            <a:effectRef idx="0">
+              <a:schemeClr val="accent2"/>
+            </a:effectRef>
+            <a:fontRef idx="minor">
+              <a:schemeClr val="tx1"/>
+            </a:fontRef>
+          </p:style>
+          <p:txBody>
+            <a:bodyPr rtlCol="0" anchor="ctr"/>
+            <a:lstStyle/>
+            <a:p>
+              <a:pPr algn="ctr"/>
+              <a:endParaRPr lang="en-US"/>
+            </a:p>
+          </p:txBody>
+        </p:sp>
+        <p:sp>
+          <p:nvSpPr>
+            <p:cNvPr id="87" name="弧形 86"/>
+            <p:cNvSpPr/>
+            <p:nvPr/>
+          </p:nvSpPr>
+          <p:spPr>
+            <a:xfrm rot="5400000">
+              <a:off x="13753832" y="12079739"/>
+              <a:ext cx="828000" cy="828000"/>
+            </a:xfrm>
+            <a:prstGeom prst="arc">
+              <a:avLst/>
+            </a:prstGeom>
+            <a:ln w="38100">
+              <a:solidFill>
+                <a:schemeClr val="accent3">
+                  <a:lumMod val="75000"/>
+                </a:schemeClr>
+              </a:solidFill>
+            </a:ln>
+          </p:spPr>
+          <p:style>
+            <a:lnRef idx="1">
+              <a:schemeClr val="accent2"/>
+            </a:lnRef>
+            <a:fillRef idx="0">
+              <a:schemeClr val="accent2"/>
+            </a:fillRef>
+            <a:effectRef idx="0">
+              <a:schemeClr val="accent2"/>
+            </a:effectRef>
+            <a:fontRef idx="minor">
+              <a:schemeClr val="tx1"/>
+            </a:fontRef>
+          </p:style>
+          <p:txBody>
+            <a:bodyPr rtlCol="0" anchor="ctr"/>
+            <a:lstStyle/>
+            <a:p>
+              <a:pPr algn="ctr"/>
+              <a:endParaRPr lang="en-US"/>
+            </a:p>
+          </p:txBody>
+        </p:sp>
+        <p:sp>
+          <p:nvSpPr>
+            <p:cNvPr id="88" name="弧形 87"/>
+            <p:cNvSpPr/>
+            <p:nvPr/>
+          </p:nvSpPr>
+          <p:spPr>
+            <a:xfrm rot="5400000">
+              <a:off x="5532887" y="18092315"/>
+              <a:ext cx="828000" cy="828000"/>
+            </a:xfrm>
+            <a:prstGeom prst="arc">
+              <a:avLst/>
+            </a:prstGeom>
+            <a:ln w="38100">
+              <a:solidFill>
+                <a:schemeClr val="accent3">
+                  <a:lumMod val="75000"/>
+                </a:schemeClr>
+              </a:solidFill>
+            </a:ln>
+          </p:spPr>
+          <p:style>
+            <a:lnRef idx="1">
+              <a:schemeClr val="accent2"/>
+            </a:lnRef>
+            <a:fillRef idx="0">
+              <a:schemeClr val="accent2"/>
+            </a:fillRef>
+            <a:effectRef idx="0">
+              <a:schemeClr val="accent2"/>
+            </a:effectRef>
+            <a:fontRef idx="minor">
+              <a:schemeClr val="tx1"/>
+            </a:fontRef>
+          </p:style>
+          <p:txBody>
+            <a:bodyPr rtlCol="0" anchor="ctr"/>
+            <a:lstStyle/>
+            <a:p>
+              <a:pPr algn="ctr"/>
+              <a:endParaRPr lang="en-US"/>
+            </a:p>
+          </p:txBody>
+        </p:sp>
+        <p:cxnSp>
+          <p:nvCxnSpPr>
+            <p:cNvPr id="92" name="直線接點 91"/>
+            <p:cNvCxnSpPr>
+              <a:stCxn id="79" idx="0"/>
+              <a:endCxn id="88" idx="0"/>
+            </p:cNvCxnSpPr>
+            <p:nvPr/>
+          </p:nvCxnSpPr>
+          <p:spPr>
+            <a:xfrm rot="5400000">
+              <a:off x="3774616" y="15908011"/>
+              <a:ext cx="5184576" cy="12033"/>
+            </a:xfrm>
+            <a:prstGeom prst="line">
+              <a:avLst/>
+            </a:prstGeom>
+            <a:ln w="38100">
+              <a:solidFill>
+                <a:schemeClr val="accent3">
+                  <a:lumMod val="75000"/>
+                </a:schemeClr>
+              </a:solidFill>
+            </a:ln>
+          </p:spPr>
+          <p:style>
+            <a:lnRef idx="1">
+              <a:schemeClr val="accent1"/>
+            </a:lnRef>
+            <a:fillRef idx="0">
+              <a:schemeClr val="accent1"/>
+            </a:fillRef>
+            <a:effectRef idx="0">
+              <a:schemeClr val="accent1"/>
+            </a:effectRef>
+            <a:fontRef idx="minor">
+              <a:schemeClr val="tx1"/>
+            </a:fontRef>
+          </p:style>
+        </p:cxnSp>
+        <p:cxnSp>
+          <p:nvCxnSpPr>
+            <p:cNvPr id="95" name="直線接點 94"/>
+            <p:cNvCxnSpPr>
+              <a:stCxn id="86" idx="2"/>
+              <a:endCxn id="87" idx="0"/>
+            </p:cNvCxnSpPr>
+            <p:nvPr/>
+          </p:nvCxnSpPr>
+          <p:spPr>
+            <a:xfrm rot="5400000">
+              <a:off x="13807700" y="11719607"/>
+              <a:ext cx="1548264" cy="0"/>
+            </a:xfrm>
+            <a:prstGeom prst="line">
+              <a:avLst/>
+            </a:prstGeom>
+            <a:ln w="38100">
+              <a:solidFill>
+                <a:schemeClr val="accent3">
+                  <a:lumMod val="75000"/>
+                </a:schemeClr>
+              </a:solidFill>
+            </a:ln>
+          </p:spPr>
+          <p:style>
+            <a:lnRef idx="1">
+              <a:schemeClr val="accent1"/>
+            </a:lnRef>
+            <a:fillRef idx="0">
+              <a:schemeClr val="accent1"/>
+            </a:fillRef>
+            <a:effectRef idx="0">
+              <a:schemeClr val="accent1"/>
+            </a:effectRef>
+            <a:fontRef idx="minor">
+              <a:schemeClr val="tx1"/>
+            </a:fontRef>
+          </p:style>
+        </p:cxnSp>
+        <p:cxnSp>
+          <p:nvCxnSpPr>
+            <p:cNvPr id="98" name="直線接點 97"/>
+            <p:cNvCxnSpPr>
+              <a:stCxn id="83" idx="2"/>
+              <a:endCxn id="86" idx="0"/>
+            </p:cNvCxnSpPr>
+            <p:nvPr/>
+          </p:nvCxnSpPr>
+          <p:spPr>
+            <a:xfrm>
+              <a:off x="1314313" y="10531475"/>
+              <a:ext cx="12853519" cy="0"/>
+            </a:xfrm>
+            <a:prstGeom prst="line">
+              <a:avLst/>
+            </a:prstGeom>
+            <a:ln w="38100">
+              <a:solidFill>
+                <a:schemeClr val="accent3">
+                  <a:lumMod val="75000"/>
+                </a:schemeClr>
+              </a:solidFill>
+            </a:ln>
+          </p:spPr>
+          <p:style>
+            <a:lnRef idx="1">
+              <a:schemeClr val="accent1"/>
+            </a:lnRef>
+            <a:fillRef idx="0">
+              <a:schemeClr val="accent1"/>
+            </a:fillRef>
+            <a:effectRef idx="0">
+              <a:schemeClr val="accent1"/>
+            </a:effectRef>
+            <a:fontRef idx="minor">
+              <a:schemeClr val="tx1"/>
+            </a:fontRef>
+          </p:style>
+        </p:cxnSp>
+        <p:cxnSp>
+          <p:nvCxnSpPr>
+            <p:cNvPr id="101" name="直線接點 100"/>
+            <p:cNvCxnSpPr>
+              <a:stCxn id="79" idx="2"/>
+              <a:endCxn id="87" idx="2"/>
+            </p:cNvCxnSpPr>
+            <p:nvPr/>
+          </p:nvCxnSpPr>
+          <p:spPr>
+            <a:xfrm>
+              <a:off x="6786920" y="12907739"/>
+              <a:ext cx="7380912" cy="0"/>
+            </a:xfrm>
+            <a:prstGeom prst="line">
+              <a:avLst/>
+            </a:prstGeom>
+            <a:ln w="38100">
+              <a:solidFill>
+                <a:schemeClr val="accent3">
+                  <a:lumMod val="75000"/>
+                </a:schemeClr>
+              </a:solidFill>
+            </a:ln>
+          </p:spPr>
+          <p:style>
+            <a:lnRef idx="1">
+              <a:schemeClr val="accent1"/>
+            </a:lnRef>
+            <a:fillRef idx="0">
+              <a:schemeClr val="accent1"/>
+            </a:fillRef>
+            <a:effectRef idx="0">
+              <a:schemeClr val="accent1"/>
+            </a:effectRef>
+            <a:fontRef idx="minor">
+              <a:schemeClr val="tx1"/>
+            </a:fontRef>
+          </p:style>
+        </p:cxnSp>
+        <p:cxnSp>
+          <p:nvCxnSpPr>
+            <p:cNvPr id="104" name="直線接點 103"/>
+            <p:cNvCxnSpPr>
+              <a:stCxn id="85" idx="0"/>
+              <a:endCxn id="88" idx="2"/>
+            </p:cNvCxnSpPr>
+            <p:nvPr/>
+          </p:nvCxnSpPr>
+          <p:spPr>
+            <a:xfrm>
+              <a:off x="1314312" y="18920315"/>
+              <a:ext cx="4632575" cy="0"/>
+            </a:xfrm>
+            <a:prstGeom prst="line">
+              <a:avLst/>
+            </a:prstGeom>
+            <a:ln w="38100">
+              <a:solidFill>
+                <a:schemeClr val="accent3">
+                  <a:lumMod val="75000"/>
+                </a:schemeClr>
+              </a:solidFill>
+            </a:ln>
+          </p:spPr>
+          <p:style>
+            <a:lnRef idx="1">
+              <a:schemeClr val="accent1"/>
+            </a:lnRef>
+            <a:fillRef idx="0">
+              <a:schemeClr val="accent1"/>
+            </a:fillRef>
+            <a:effectRef idx="0">
+              <a:schemeClr val="accent1"/>
+            </a:effectRef>
+            <a:fontRef idx="minor">
+              <a:schemeClr val="tx1"/>
+            </a:fontRef>
+          </p:style>
+        </p:cxnSp>
+      </p:grpSp>
+      <p:cxnSp>
+        <p:nvCxnSpPr>
+          <p:cNvPr id="108" name="直線接點 107"/>
+          <p:cNvCxnSpPr>
+            <a:stCxn id="109" idx="0"/>
+            <a:endCxn id="113" idx="0"/>
+          </p:cNvCxnSpPr>
+          <p:nvPr/>
+        </p:nvCxnSpPr>
+        <p:spPr>
+          <a:xfrm rot="5400000">
+            <a:off x="6354872" y="16292115"/>
+            <a:ext cx="5220672" cy="0"/>
+          </a:xfrm>
+          <a:prstGeom prst="line">
+            <a:avLst/>
+          </a:prstGeom>
+          <a:ln w="38100">
+            <a:solidFill>
+              <a:schemeClr val="accent4"/>
+            </a:solidFill>
+          </a:ln>
+        </p:spPr>
+        <p:style>
+          <a:lnRef idx="1">
+            <a:schemeClr val="accent1"/>
+          </a:lnRef>
+          <a:fillRef idx="0">
+            <a:schemeClr val="accent1"/>
+          </a:fillRef>
+          <a:effectRef idx="0">
+            <a:schemeClr val="accent1"/>
+          </a:effectRef>
+          <a:fontRef idx="minor">
+            <a:schemeClr val="tx1"/>
+          </a:fontRef>
+        </p:style>
+      </p:cxnSp>
+      <p:sp>
+        <p:nvSpPr>
+          <p:cNvPr id="109" name="弧形 108"/>
+          <p:cNvSpPr/>
+          <p:nvPr/>
+        </p:nvSpPr>
+        <p:spPr>
+          <a:xfrm rot="16200000">
+            <a:off x="8965208" y="13267779"/>
+            <a:ext cx="828000" cy="828000"/>
+          </a:xfrm>
+          <a:prstGeom prst="arc">
+            <a:avLst/>
+          </a:prstGeom>
+          <a:ln w="38100">
+            <a:solidFill>
+              <a:schemeClr val="accent4"/>
+            </a:solidFill>
+          </a:ln>
+        </p:spPr>
+        <p:style>
+          <a:lnRef idx="1">
+            <a:schemeClr val="accent2"/>
+          </a:lnRef>
+          <a:fillRef idx="0">
+            <a:schemeClr val="accent2"/>
+          </a:fillRef>
+          <a:effectRef idx="0">
+            <a:schemeClr val="accent2"/>
+          </a:effectRef>
+          <a:fontRef idx="minor">
+            <a:schemeClr val="tx1"/>
+          </a:fontRef>
+        </p:style>
+        <p:txBody>
+          <a:bodyPr rtlCol="0" anchor="ctr"/>
+          <a:lstStyle/>
+          <a:p>
+            <a:pPr algn="ctr"/>
+            <a:endParaRPr lang="en-US"/>
+          </a:p>
+        </p:txBody>
+      </p:sp>
+      <p:sp>
+        <p:nvSpPr>
+          <p:cNvPr id="111" name="弧形 110"/>
+          <p:cNvSpPr/>
+          <p:nvPr/>
+        </p:nvSpPr>
+        <p:spPr>
+          <a:xfrm rot="5400000">
+            <a:off x="13753832" y="20828619"/>
+            <a:ext cx="828000" cy="828000"/>
+          </a:xfrm>
+          <a:prstGeom prst="arc">
+            <a:avLst/>
+          </a:prstGeom>
+          <a:ln w="38100">
+            <a:solidFill>
+              <a:schemeClr val="accent4"/>
+            </a:solidFill>
+          </a:ln>
+        </p:spPr>
+        <p:style>
+          <a:lnRef idx="1">
+            <a:schemeClr val="accent2"/>
+          </a:lnRef>
+          <a:fillRef idx="0">
+            <a:schemeClr val="accent2"/>
+          </a:fillRef>
+          <a:effectRef idx="0">
+            <a:schemeClr val="accent2"/>
+          </a:effectRef>
+          <a:fontRef idx="minor">
+            <a:schemeClr val="tx1"/>
+          </a:fontRef>
+        </p:style>
+        <p:txBody>
+          <a:bodyPr rtlCol="0" anchor="ctr"/>
+          <a:lstStyle/>
+          <a:p>
+            <a:pPr algn="ctr"/>
+            <a:endParaRPr lang="en-US"/>
+          </a:p>
+        </p:txBody>
+      </p:sp>
+      <p:sp>
+        <p:nvSpPr>
+          <p:cNvPr id="112" name="弧形 111"/>
+          <p:cNvSpPr/>
+          <p:nvPr/>
+        </p:nvSpPr>
+        <p:spPr>
+          <a:xfrm rot="10800000">
+            <a:off x="900312" y="20828619"/>
+            <a:ext cx="828000" cy="828000"/>
+          </a:xfrm>
+          <a:prstGeom prst="arc">
+            <a:avLst/>
+          </a:prstGeom>
+          <a:ln w="38100">
+            <a:solidFill>
+              <a:schemeClr val="accent4"/>
+            </a:solidFill>
+          </a:ln>
+        </p:spPr>
+        <p:style>
+          <a:lnRef idx="1">
+            <a:schemeClr val="accent2"/>
+          </a:lnRef>
+          <a:fillRef idx="0">
+            <a:schemeClr val="accent2"/>
+          </a:fillRef>
+          <a:effectRef idx="0">
+            <a:schemeClr val="accent2"/>
+          </a:effectRef>
+          <a:fontRef idx="minor">
+            <a:schemeClr val="tx1"/>
+          </a:fontRef>
+        </p:style>
+        <p:txBody>
+          <a:bodyPr rtlCol="0" anchor="ctr"/>
+          <a:lstStyle/>
+          <a:p>
+            <a:pPr algn="ctr"/>
+            <a:endParaRPr lang="en-US"/>
+          </a:p>
+        </p:txBody>
+      </p:sp>
+      <p:sp>
+        <p:nvSpPr>
+          <p:cNvPr id="113" name="弧形 112"/>
+          <p:cNvSpPr/>
+          <p:nvPr/>
+        </p:nvSpPr>
+        <p:spPr>
+          <a:xfrm rot="5400000">
+            <a:off x="8137208" y="18488451"/>
+            <a:ext cx="828000" cy="828000"/>
+          </a:xfrm>
+          <a:prstGeom prst="arc">
+            <a:avLst/>
+          </a:prstGeom>
+          <a:ln w="38100">
+            <a:solidFill>
+              <a:schemeClr val="accent4"/>
+            </a:solidFill>
+          </a:ln>
+        </p:spPr>
+        <p:style>
+          <a:lnRef idx="1">
+            <a:schemeClr val="accent2"/>
+          </a:lnRef>
+          <a:fillRef idx="0">
+            <a:schemeClr val="accent2"/>
+          </a:fillRef>
+          <a:effectRef idx="0">
+            <a:schemeClr val="accent2"/>
+          </a:effectRef>
+          <a:fontRef idx="minor">
+            <a:schemeClr val="tx1"/>
+          </a:fontRef>
+        </p:style>
+        <p:txBody>
+          <a:bodyPr rtlCol="0" anchor="ctr"/>
+          <a:lstStyle/>
+          <a:p>
+            <a:pPr algn="ctr"/>
+            <a:endParaRPr lang="en-US"/>
+          </a:p>
+        </p:txBody>
+      </p:sp>
+      <p:sp>
+        <p:nvSpPr>
+          <p:cNvPr id="114" name="弧形 113"/>
+          <p:cNvSpPr/>
+          <p:nvPr/>
+        </p:nvSpPr>
+        <p:spPr>
+          <a:xfrm>
+            <a:off x="13753832" y="13267778"/>
+            <a:ext cx="828000" cy="828000"/>
+          </a:xfrm>
+          <a:prstGeom prst="arc">
+            <a:avLst/>
+          </a:prstGeom>
+          <a:ln w="38100">
+            <a:solidFill>
+              <a:schemeClr val="accent4"/>
+            </a:solidFill>
+          </a:ln>
+        </p:spPr>
+        <p:style>
+          <a:lnRef idx="1">
+            <a:schemeClr val="accent2"/>
+          </a:lnRef>
+          <a:fillRef idx="0">
+            <a:schemeClr val="accent2"/>
+          </a:fillRef>
+          <a:effectRef idx="0">
+            <a:schemeClr val="accent2"/>
+          </a:effectRef>
+          <a:fontRef idx="minor">
+            <a:schemeClr val="tx1"/>
+          </a:fontRef>
+        </p:style>
+        <p:txBody>
+          <a:bodyPr rtlCol="0" anchor="ctr"/>
+          <a:lstStyle/>
+          <a:p>
+            <a:pPr algn="ctr"/>
+            <a:endParaRPr lang="en-US"/>
+          </a:p>
+        </p:txBody>
+      </p:sp>
+      <p:sp>
+        <p:nvSpPr>
+          <p:cNvPr id="115" name="弧形 114"/>
+          <p:cNvSpPr/>
+          <p:nvPr/>
+        </p:nvSpPr>
+        <p:spPr>
+          <a:xfrm rot="16200000">
+            <a:off x="900313" y="19316451"/>
+            <a:ext cx="828000" cy="828000"/>
+          </a:xfrm>
+          <a:prstGeom prst="arc">
+            <a:avLst/>
+          </a:prstGeom>
+          <a:ln w="38100">
+            <a:solidFill>
+              <a:schemeClr val="accent4"/>
+            </a:solidFill>
+          </a:ln>
+        </p:spPr>
+        <p:style>
+          <a:lnRef idx="1">
+            <a:schemeClr val="accent2"/>
+          </a:lnRef>
+          <a:fillRef idx="0">
+            <a:schemeClr val="accent2"/>
+          </a:fillRef>
+          <a:effectRef idx="0">
+            <a:schemeClr val="accent2"/>
+          </a:effectRef>
+          <a:fontRef idx="minor">
+            <a:schemeClr val="tx1"/>
+          </a:fontRef>
+        </p:style>
+        <p:txBody>
+          <a:bodyPr rtlCol="0" anchor="ctr"/>
+          <a:lstStyle/>
+          <a:p>
+            <a:pPr algn="ctr"/>
+            <a:endParaRPr lang="en-US"/>
+          </a:p>
+        </p:txBody>
+      </p:sp>
+      <p:cxnSp>
+        <p:nvCxnSpPr>
+          <p:cNvPr id="117" name="直線接點 116"/>
+          <p:cNvCxnSpPr>
+            <a:stCxn id="114" idx="2"/>
+            <a:endCxn id="111" idx="0"/>
+          </p:cNvCxnSpPr>
+          <p:nvPr/>
+        </p:nvCxnSpPr>
+        <p:spPr>
+          <a:xfrm rot="5400000">
+            <a:off x="10801412" y="17462198"/>
+            <a:ext cx="7560841" cy="0"/>
+          </a:xfrm>
+          <a:prstGeom prst="line">
+            <a:avLst/>
+          </a:prstGeom>
+          <a:ln w="38100">
+            <a:solidFill>
+              <a:schemeClr val="accent4"/>
+            </a:solidFill>
+          </a:ln>
+        </p:spPr>
+        <p:style>
+          <a:lnRef idx="1">
+            <a:schemeClr val="accent1"/>
+          </a:lnRef>
+          <a:fillRef idx="0">
+            <a:schemeClr val="accent1"/>
+          </a:fillRef>
+          <a:effectRef idx="0">
+            <a:schemeClr val="accent1"/>
+          </a:effectRef>
+          <a:fontRef idx="minor">
+            <a:schemeClr val="tx1"/>
+          </a:fontRef>
+        </p:style>
+      </p:cxnSp>
+      <p:cxnSp>
+        <p:nvCxnSpPr>
+          <p:cNvPr id="120" name="直線接點 119"/>
+          <p:cNvCxnSpPr>
+            <a:stCxn id="115" idx="0"/>
+            <a:endCxn id="112" idx="2"/>
+          </p:cNvCxnSpPr>
+          <p:nvPr/>
+        </p:nvCxnSpPr>
+        <p:spPr>
+          <a:xfrm rot="5400000">
+            <a:off x="144229" y="20486535"/>
+            <a:ext cx="1512168" cy="1"/>
+          </a:xfrm>
+          <a:prstGeom prst="line">
+            <a:avLst/>
+          </a:prstGeom>
+          <a:ln w="38100">
+            <a:solidFill>
+              <a:schemeClr val="accent4"/>
+            </a:solidFill>
+          </a:ln>
+        </p:spPr>
+        <p:style>
+          <a:lnRef idx="1">
+            <a:schemeClr val="accent1"/>
+          </a:lnRef>
+          <a:fillRef idx="0">
+            <a:schemeClr val="accent1"/>
+          </a:fillRef>
+          <a:effectRef idx="0">
+            <a:schemeClr val="accent1"/>
+          </a:effectRef>
+          <a:fontRef idx="minor">
+            <a:schemeClr val="tx1"/>
+          </a:fontRef>
+        </p:style>
+      </p:cxnSp>
+      <p:cxnSp>
+        <p:nvCxnSpPr>
+          <p:cNvPr id="123" name="直線接點 122"/>
+          <p:cNvCxnSpPr>
+            <a:stCxn id="111" idx="2"/>
+            <a:endCxn id="112" idx="0"/>
+          </p:cNvCxnSpPr>
+          <p:nvPr/>
+        </p:nvCxnSpPr>
+        <p:spPr>
+          <a:xfrm rot="10800000">
+            <a:off x="1314312" y="21656619"/>
+            <a:ext cx="12853520" cy="0"/>
+          </a:xfrm>
+          <a:prstGeom prst="line">
+            <a:avLst/>
+          </a:prstGeom>
+          <a:ln w="38100">
+            <a:solidFill>
+              <a:schemeClr val="accent4"/>
+            </a:solidFill>
+          </a:ln>
+        </p:spPr>
+        <p:style>
+          <a:lnRef idx="1">
+            <a:schemeClr val="accent1"/>
+          </a:lnRef>
+          <a:fillRef idx="0">
+            <a:schemeClr val="accent1"/>
+          </a:fillRef>
+          <a:effectRef idx="0">
+            <a:schemeClr val="accent1"/>
+          </a:effectRef>
+          <a:fontRef idx="minor">
+            <a:schemeClr val="tx1"/>
+          </a:fontRef>
+        </p:style>
+      </p:cxnSp>
+      <p:cxnSp>
+        <p:nvCxnSpPr>
+          <p:cNvPr id="127" name="直線接點 126"/>
+          <p:cNvCxnSpPr>
+            <a:stCxn id="113" idx="2"/>
+            <a:endCxn id="115" idx="2"/>
+          </p:cNvCxnSpPr>
+          <p:nvPr/>
+        </p:nvCxnSpPr>
+        <p:spPr>
+          <a:xfrm rot="10800000">
+            <a:off x="1314314" y="19316451"/>
+            <a:ext cx="7236895" cy="0"/>
+          </a:xfrm>
+          <a:prstGeom prst="line">
+            <a:avLst/>
+          </a:prstGeom>
+          <a:ln w="38100">
+            <a:solidFill>
+              <a:schemeClr val="accent4"/>
+            </a:solidFill>
+          </a:ln>
+        </p:spPr>
+        <p:style>
+          <a:lnRef idx="1">
+            <a:schemeClr val="accent1"/>
+          </a:lnRef>
+          <a:fillRef idx="0">
+            <a:schemeClr val="accent1"/>
+          </a:fillRef>
+          <a:effectRef idx="0">
+            <a:schemeClr val="accent1"/>
+          </a:effectRef>
+          <a:fontRef idx="minor">
+            <a:schemeClr val="tx1"/>
+          </a:fontRef>
+        </p:style>
+      </p:cxnSp>
+      <p:cxnSp>
+        <p:nvCxnSpPr>
+          <p:cNvPr id="130" name="直線接點 129"/>
+          <p:cNvCxnSpPr>
+            <a:stCxn id="114" idx="0"/>
+            <a:endCxn id="109" idx="2"/>
+          </p:cNvCxnSpPr>
+          <p:nvPr/>
+        </p:nvCxnSpPr>
+        <p:spPr>
+          <a:xfrm rot="10800000" flipV="1">
+            <a:off x="9379208" y="13267777"/>
+            <a:ext cx="4788624" cy="1"/>
+          </a:xfrm>
+          <a:prstGeom prst="line">
+            <a:avLst/>
+          </a:prstGeom>
+          <a:ln w="38100">
+            <a:solidFill>
+              <a:schemeClr val="accent4"/>
+            </a:solidFill>
+          </a:ln>
+        </p:spPr>
+        <p:style>
+          <a:lnRef idx="1">
+            <a:schemeClr val="accent1"/>
+          </a:lnRef>
+          <a:fillRef idx="0">
+            <a:schemeClr val="accent1"/>
+          </a:fillRef>
+          <a:effectRef idx="0">
+            <a:schemeClr val="accent1"/>
+          </a:effectRef>
+          <a:fontRef idx="minor">
+            <a:schemeClr val="tx1"/>
+          </a:fontRef>
+        </p:style>
+      </p:cxnSp>
     </p:spTree>
   </p:cSld>
   <p:clrMapOvr>

--- a/poster.pptx
+++ b/poster.pptx
@@ -3076,8 +3076,8 @@
         </p:nvSpPr>
         <p:spPr>
           <a:xfrm>
-            <a:off x="1620392" y="954412"/>
-            <a:ext cx="18178780" cy="3096344"/>
+            <a:off x="1404368" y="810395"/>
+            <a:ext cx="18394804" cy="3240361"/>
           </a:xfrm>
         </p:spPr>
         <p:txBody>
@@ -3301,14 +3301,7 @@
                 <a:latin typeface="標楷體" pitchFamily="65" charset="-120"/>
                 <a:ea typeface="標楷體" pitchFamily="65" charset="-120"/>
               </a:rPr>
-              <a:t>陳彥</a:t>
-            </a:r>
-            <a:r>
-              <a:rPr lang="zh-TW" altLang="en-US" sz="4800" dirty="0" smtClean="0">
-                <a:latin typeface="標楷體" pitchFamily="65" charset="-120"/>
-                <a:ea typeface="標楷體" pitchFamily="65" charset="-120"/>
-              </a:rPr>
-              <a:t>仰教授</a:t>
+              <a:t>陳彥仰教授</a:t>
             </a:r>
             <a:endParaRPr lang="zh-TW" altLang="en-US" sz="4800" dirty="0">
               <a:latin typeface="標楷體" pitchFamily="65" charset="-120"/>
@@ -3509,7 +3502,7 @@
             </a:duotone>
             <a:extLst>
               <a:ext uri="{BEBA8EAE-BF5A-486C-A8C5-ECC9F3942E4B}">
-                <a14:imgProps xmlns:a14="http://schemas.microsoft.com/office/drawing/2010/main" xmlns="">
+                <a14:imgProps xmlns="" xmlns:a14="http://schemas.microsoft.com/office/drawing/2010/main">
                   <a14:imgLayer r:embed="rId5">
                     <a14:imgEffect>
                       <a14:sharpenSoften amount="50000"/>
@@ -3518,7 +3511,7 @@
                 </a14:imgProps>
               </a:ext>
               <a:ext uri="{28A0092B-C50C-407E-A947-70E740481C1C}">
-                <a14:useLocalDpi xmlns:a14="http://schemas.microsoft.com/office/drawing/2010/main" xmlns="" val="0"/>
+                <a14:useLocalDpi xmlns="" xmlns:a14="http://schemas.microsoft.com/office/drawing/2010/main" val="0"/>
               </a:ext>
             </a:extLst>
           </a:blip>
@@ -3568,7 +3561,7 @@
             </a:duotone>
             <a:extLst>
               <a:ext uri="{BEBA8EAE-BF5A-486C-A8C5-ECC9F3942E4B}">
-                <a14:imgProps xmlns:a14="http://schemas.microsoft.com/office/drawing/2010/main" xmlns="">
+                <a14:imgProps xmlns="" xmlns:a14="http://schemas.microsoft.com/office/drawing/2010/main">
                   <a14:imgLayer r:embed="rId7">
                     <a14:imgEffect>
                       <a14:sharpenSoften amount="50000"/>
@@ -3577,7 +3570,7 @@
                 </a14:imgProps>
               </a:ext>
               <a:ext uri="{28A0092B-C50C-407E-A947-70E740481C1C}">
-                <a14:useLocalDpi xmlns:a14="http://schemas.microsoft.com/office/drawing/2010/main" xmlns="" val="0"/>
+                <a14:useLocalDpi xmlns="" xmlns:a14="http://schemas.microsoft.com/office/drawing/2010/main" val="0"/>
               </a:ext>
             </a:extLst>
           </a:blip>
@@ -3627,7 +3620,7 @@
             </a:duotone>
             <a:extLst>
               <a:ext uri="{BEBA8EAE-BF5A-486C-A8C5-ECC9F3942E4B}">
-                <a14:imgProps xmlns:a14="http://schemas.microsoft.com/office/drawing/2010/main" xmlns="">
+                <a14:imgProps xmlns="" xmlns:a14="http://schemas.microsoft.com/office/drawing/2010/main">
                   <a14:imgLayer r:embed="rId10">
                     <a14:imgEffect>
                       <a14:sharpenSoften amount="50000"/>
@@ -3636,7 +3629,7 @@
                 </a14:imgProps>
               </a:ext>
               <a:ext uri="{28A0092B-C50C-407E-A947-70E740481C1C}">
-                <a14:useLocalDpi xmlns:a14="http://schemas.microsoft.com/office/drawing/2010/main" xmlns="" val="0"/>
+                <a14:useLocalDpi xmlns="" xmlns:a14="http://schemas.microsoft.com/office/drawing/2010/main" val="0"/>
               </a:ext>
             </a:extLst>
           </a:blip>
@@ -3700,7 +3693,7 @@
               </a:duotone>
               <a:extLst>
                 <a:ext uri="{BEBA8EAE-BF5A-486C-A8C5-ECC9F3942E4B}">
-                  <a14:imgProps xmlns:a14="http://schemas.microsoft.com/office/drawing/2010/main" xmlns="">
+                  <a14:imgProps xmlns="" xmlns:a14="http://schemas.microsoft.com/office/drawing/2010/main">
                     <a14:imgLayer r:embed="rId3">
                       <a14:imgEffect>
                         <a14:sharpenSoften amount="25000"/>
@@ -3709,7 +3702,7 @@
                   </a14:imgProps>
                 </a:ext>
                 <a:ext uri="{28A0092B-C50C-407E-A947-70E740481C1C}">
-                  <a14:useLocalDpi xmlns:a14="http://schemas.microsoft.com/office/drawing/2010/main" xmlns="" val="0"/>
+                  <a14:useLocalDpi xmlns="" xmlns:a14="http://schemas.microsoft.com/office/drawing/2010/main" val="0"/>
                 </a:ext>
               </a:extLst>
             </a:blip>
@@ -3759,7 +3752,7 @@
               </a:duotone>
               <a:extLst>
                 <a:ext uri="{28A0092B-C50C-407E-A947-70E740481C1C}">
-                  <a14:useLocalDpi xmlns:a14="http://schemas.microsoft.com/office/drawing/2010/main" xmlns="" val="0"/>
+                  <a14:useLocalDpi xmlns="" xmlns:a14="http://schemas.microsoft.com/office/drawing/2010/main" val="0"/>
                 </a:ext>
               </a:extLst>
             </a:blip>
@@ -3810,12 +3803,12 @@
               </a:duotone>
               <a:extLst>
                 <a:ext uri="{BEBA8EAE-BF5A-486C-A8C5-ECC9F3942E4B}">
-                  <a14:imgProps xmlns:a14="http://schemas.microsoft.com/office/drawing/2010/main" xmlns="">
+                  <a14:imgProps xmlns="" xmlns:a14="http://schemas.microsoft.com/office/drawing/2010/main">
                     <a14:imgLayer r:embed="rId14"/>
                   </a14:imgProps>
                 </a:ext>
                 <a:ext uri="{28A0092B-C50C-407E-A947-70E740481C1C}">
-                  <a14:useLocalDpi xmlns:a14="http://schemas.microsoft.com/office/drawing/2010/main" xmlns="" val="0"/>
+                  <a14:useLocalDpi xmlns="" xmlns:a14="http://schemas.microsoft.com/office/drawing/2010/main" val="0"/>
                 </a:ext>
               </a:extLst>
             </a:blip>
@@ -3875,7 +3868,7 @@
             <a:blip r:embed="rId12" cstate="print">
               <a:extLst>
                 <a:ext uri="{28A0092B-C50C-407E-A947-70E740481C1C}">
-                  <a14:useLocalDpi xmlns:a14="http://schemas.microsoft.com/office/drawing/2010/main" xmlns="" val="0"/>
+                  <a14:useLocalDpi xmlns="" xmlns:a14="http://schemas.microsoft.com/office/drawing/2010/main" val="0"/>
                 </a:ext>
               </a:extLst>
             </a:blip>
@@ -3909,7 +3902,7 @@
             </a:effectLst>
             <a:extLst>
               <a:ext uri="{909E8E84-426E-40DD-AFC4-6F175D3DCCD1}">
-                <a14:hiddenFill xmlns:a14="http://schemas.microsoft.com/office/drawing/2010/main" xmlns="">
+                <a14:hiddenFill xmlns="" xmlns:a14="http://schemas.microsoft.com/office/drawing/2010/main">
                   <a:solidFill>
                     <a:srgbClr val="FFFFFF"/>
                   </a:solidFill>
@@ -3930,7 +3923,7 @@
             <a:blip r:embed="rId15" cstate="print">
               <a:extLst>
                 <a:ext uri="{BEBA8EAE-BF5A-486C-A8C5-ECC9F3942E4B}">
-                  <a14:imgProps xmlns:a14="http://schemas.microsoft.com/office/drawing/2010/main" xmlns="">
+                  <a14:imgProps xmlns="" xmlns:a14="http://schemas.microsoft.com/office/drawing/2010/main">
                     <a14:imgLayer r:embed="rId16">
                       <a14:imgEffect>
                         <a14:sharpenSoften amount="50000"/>
@@ -3939,7 +3932,7 @@
                   </a14:imgProps>
                 </a:ext>
                 <a:ext uri="{28A0092B-C50C-407E-A947-70E740481C1C}">
-                  <a14:useLocalDpi xmlns:a14="http://schemas.microsoft.com/office/drawing/2010/main" xmlns="" val="0"/>
+                  <a14:useLocalDpi xmlns="" xmlns:a14="http://schemas.microsoft.com/office/drawing/2010/main" val="0"/>
                 </a:ext>
               </a:extLst>
             </a:blip>
@@ -3972,7 +3965,7 @@
             </a:effectLst>
             <a:extLst>
               <a:ext uri="{909E8E84-426E-40DD-AFC4-6F175D3DCCD1}">
-                <a14:hiddenFill xmlns:a14="http://schemas.microsoft.com/office/drawing/2010/main" xmlns="">
+                <a14:hiddenFill xmlns="" xmlns:a14="http://schemas.microsoft.com/office/drawing/2010/main">
                   <a:solidFill>
                     <a:srgbClr val="FFFFFF"/>
                   </a:solidFill>
@@ -3993,7 +3986,7 @@
             <a:blip r:embed="rId6" cstate="print">
               <a:extLst>
                 <a:ext uri="{BEBA8EAE-BF5A-486C-A8C5-ECC9F3942E4B}">
-                  <a14:imgProps xmlns:a14="http://schemas.microsoft.com/office/drawing/2010/main" xmlns="">
+                  <a14:imgProps xmlns="" xmlns:a14="http://schemas.microsoft.com/office/drawing/2010/main">
                     <a14:imgLayer r:embed="rId7">
                       <a14:imgEffect>
                         <a14:sharpenSoften amount="50000"/>
@@ -4002,7 +3995,7 @@
                   </a14:imgProps>
                 </a:ext>
                 <a:ext uri="{28A0092B-C50C-407E-A947-70E740481C1C}">
-                  <a14:useLocalDpi xmlns:a14="http://schemas.microsoft.com/office/drawing/2010/main" xmlns="" val="0"/>
+                  <a14:useLocalDpi xmlns="" xmlns:a14="http://schemas.microsoft.com/office/drawing/2010/main" val="0"/>
                 </a:ext>
               </a:extLst>
             </a:blip>
@@ -4037,7 +4030,7 @@
             </a:effectLst>
             <a:extLst>
               <a:ext uri="{909E8E84-426E-40DD-AFC4-6F175D3DCCD1}">
-                <a14:hiddenFill xmlns:a14="http://schemas.microsoft.com/office/drawing/2010/main" xmlns="">
+                <a14:hiddenFill xmlns="" xmlns:a14="http://schemas.microsoft.com/office/drawing/2010/main">
                   <a:solidFill>
                     <a:srgbClr val="FFFFFF"/>
                   </a:solidFill>
@@ -4058,7 +4051,7 @@
             <a:blip r:embed="rId8" cstate="print">
               <a:extLst>
                 <a:ext uri="{BEBA8EAE-BF5A-486C-A8C5-ECC9F3942E4B}">
-                  <a14:imgProps xmlns:a14="http://schemas.microsoft.com/office/drawing/2010/main" xmlns="">
+                  <a14:imgProps xmlns="" xmlns:a14="http://schemas.microsoft.com/office/drawing/2010/main">
                     <a14:imgLayer r:embed="rId10">
                       <a14:imgEffect>
                         <a14:sharpenSoften amount="50000"/>
@@ -4067,7 +4060,7 @@
                   </a14:imgProps>
                 </a:ext>
                 <a:ext uri="{28A0092B-C50C-407E-A947-70E740481C1C}">
-                  <a14:useLocalDpi xmlns:a14="http://schemas.microsoft.com/office/drawing/2010/main" xmlns="" val="0"/>
+                  <a14:useLocalDpi xmlns="" xmlns:a14="http://schemas.microsoft.com/office/drawing/2010/main" val="0"/>
                 </a:ext>
               </a:extLst>
             </a:blip>
@@ -4101,7 +4094,7 @@
             </a:effectLst>
             <a:extLst>
               <a:ext uri="{909E8E84-426E-40DD-AFC4-6F175D3DCCD1}">
-                <a14:hiddenFill xmlns:a14="http://schemas.microsoft.com/office/drawing/2010/main" xmlns="">
+                <a14:hiddenFill xmlns="" xmlns:a14="http://schemas.microsoft.com/office/drawing/2010/main">
                   <a:solidFill>
                     <a:srgbClr val="FFFFFF"/>
                   </a:solidFill>
@@ -4122,7 +4115,7 @@
             <a:blip r:embed="rId17" cstate="print">
               <a:extLst>
                 <a:ext uri="{28A0092B-C50C-407E-A947-70E740481C1C}">
-                  <a14:useLocalDpi xmlns:a14="http://schemas.microsoft.com/office/drawing/2010/main" xmlns="" val="0"/>
+                  <a14:useLocalDpi xmlns="" xmlns:a14="http://schemas.microsoft.com/office/drawing/2010/main" val="0"/>
                 </a:ext>
               </a:extLst>
             </a:blip>
@@ -4157,7 +4150,7 @@
             </a:effectLst>
             <a:extLst>
               <a:ext uri="{909E8E84-426E-40DD-AFC4-6F175D3DCCD1}">
-                <a14:hiddenFill xmlns:a14="http://schemas.microsoft.com/office/drawing/2010/main" xmlns="">
+                <a14:hiddenFill xmlns="" xmlns:a14="http://schemas.microsoft.com/office/drawing/2010/main">
                   <a:solidFill>
                     <a:srgbClr val="FFFFFF"/>
                   </a:solidFill>
@@ -4178,7 +4171,7 @@
             <a:blip r:embed="rId18" cstate="print">
               <a:extLst>
                 <a:ext uri="{28A0092B-C50C-407E-A947-70E740481C1C}">
-                  <a14:useLocalDpi xmlns:a14="http://schemas.microsoft.com/office/drawing/2010/main" xmlns="" val="0"/>
+                  <a14:useLocalDpi xmlns="" xmlns:a14="http://schemas.microsoft.com/office/drawing/2010/main" val="0"/>
                 </a:ext>
               </a:extLst>
             </a:blip>
@@ -4624,7 +4617,7 @@
         </p:nvSpPr>
         <p:spPr>
           <a:xfrm>
-            <a:off x="6876976" y="10640065"/>
+            <a:off x="6804968" y="10640065"/>
             <a:ext cx="7560840" cy="2123658"/>
           </a:xfrm>
           <a:prstGeom prst="rect">
@@ -5029,7 +5022,7 @@
           <a:blip r:embed="rId22" cstate="print">
             <a:extLst>
               <a:ext uri="{28A0092B-C50C-407E-A947-70E740481C1C}">
-                <a14:useLocalDpi xmlns:a14="http://schemas.microsoft.com/office/drawing/2010/main" xmlns="" val="0"/>
+                <a14:useLocalDpi xmlns="" xmlns:a14="http://schemas.microsoft.com/office/drawing/2010/main" val="0"/>
               </a:ext>
             </a:extLst>
           </a:blip>
@@ -5049,7 +5042,7 @@
           <a:noFill/>
           <a:extLst>
             <a:ext uri="{909E8E84-426E-40DD-AFC4-6F175D3DCCD1}">
-              <a14:hiddenFill xmlns:a14="http://schemas.microsoft.com/office/drawing/2010/main" xmlns="">
+              <a14:hiddenFill xmlns="" xmlns:a14="http://schemas.microsoft.com/office/drawing/2010/main">
                 <a:solidFill>
                   <a:srgbClr val="FFFFFF"/>
                 </a:solidFill>
